--- a/2019-OracleCodeOne-HOL.pptx
+++ b/2019-OracleCodeOne-HOL.pptx
@@ -433,7 +433,7 @@
               <a:pPr>
                 <a:defRPr/>
               </a:pPr>
-              <a:t>8/10/19</a:t>
+              <a:t>8/10/2019</a:t>
             </a:fld>
             <a:endParaRPr lang="en-US"/>
           </a:p>
@@ -577,7 +577,7 @@
           </a:ln>
           <a:effectLst/>
           <a:extLst>
-            <a:ext uri="{91240B29-F687-4f45-9708-019B960494DF}">
+            <a:ext uri="{91240B29-F687-4F45-9708-019B960494DF}">
               <a14:hiddenLine xmlns:a14="http://schemas.microsoft.com/office/drawing/2010/main" w="9525" cap="flat">
                 <a:solidFill>
                   <a:srgbClr val="808080"/>
@@ -587,7 +587,7 @@
                 <a:tailEnd/>
               </a14:hiddenLine>
             </a:ext>
-            <a:ext uri="{AF507438-7753-43e0-B8FC-AC1667EBCBE1}">
+            <a:ext uri="{AF507438-7753-43E0-B8FC-AC1667EBCBE1}">
               <a14:hiddenEffects xmlns:a14="http://schemas.microsoft.com/office/drawing/2010/main">
                 <a:effectLst>
                   <a:outerShdw blurRad="63500" dist="38099" dir="2700000" algn="ctr" rotWithShape="0">
@@ -637,7 +637,7 @@
           </a:ln>
           <a:effectLst/>
           <a:extLst>
-            <a:ext uri="{91240B29-F687-4f45-9708-019B960494DF}">
+            <a:ext uri="{91240B29-F687-4F45-9708-019B960494DF}">
               <a14:hiddenLine xmlns:a14="http://schemas.microsoft.com/office/drawing/2010/main" w="9525" cap="flat">
                 <a:solidFill>
                   <a:srgbClr val="808080"/>
@@ -647,7 +647,7 @@
                 <a:tailEnd/>
               </a14:hiddenLine>
             </a:ext>
-            <a:ext uri="{AF507438-7753-43e0-B8FC-AC1667EBCBE1}">
+            <a:ext uri="{AF507438-7753-43E0-B8FC-AC1667EBCBE1}">
               <a14:hiddenEffects xmlns:a14="http://schemas.microsoft.com/office/drawing/2010/main">
                 <a:effectLst>
                   <a:outerShdw blurRad="63500" dist="38099" dir="2700000" algn="ctr" rotWithShape="0">
@@ -697,7 +697,7 @@
           </a:ln>
           <a:effectLst/>
           <a:extLst>
-            <a:ext uri="{91240B29-F687-4f45-9708-019B960494DF}">
+            <a:ext uri="{91240B29-F687-4F45-9708-019B960494DF}">
               <a14:hiddenLine xmlns:a14="http://schemas.microsoft.com/office/drawing/2010/main" w="9525" cap="flat">
                 <a:solidFill>
                   <a:srgbClr val="808080"/>
@@ -707,7 +707,7 @@
                 <a:tailEnd/>
               </a14:hiddenLine>
             </a:ext>
-            <a:ext uri="{AF507438-7753-43e0-B8FC-AC1667EBCBE1}">
+            <a:ext uri="{AF507438-7753-43E0-B8FC-AC1667EBCBE1}">
               <a14:hiddenEffects xmlns:a14="http://schemas.microsoft.com/office/drawing/2010/main">
                 <a:effectLst>
                   <a:outerShdw blurRad="63500" dist="38099" dir="2700000" algn="ctr" rotWithShape="0">
@@ -757,7 +757,7 @@
           </a:ln>
           <a:effectLst/>
           <a:extLst>
-            <a:ext uri="{91240B29-F687-4f45-9708-019B960494DF}">
+            <a:ext uri="{91240B29-F687-4F45-9708-019B960494DF}">
               <a14:hiddenLine xmlns:a14="http://schemas.microsoft.com/office/drawing/2010/main" w="9525" cap="flat">
                 <a:solidFill>
                   <a:srgbClr val="808080"/>
@@ -767,7 +767,7 @@
                 <a:tailEnd/>
               </a14:hiddenLine>
             </a:ext>
-            <a:ext uri="{AF507438-7753-43e0-B8FC-AC1667EBCBE1}">
+            <a:ext uri="{AF507438-7753-43E0-B8FC-AC1667EBCBE1}">
               <a14:hiddenEffects xmlns:a14="http://schemas.microsoft.com/office/drawing/2010/main">
                 <a:effectLst>
                   <a:outerShdw blurRad="63500" dist="38099" dir="2700000" algn="ctr" rotWithShape="0">
@@ -815,14 +815,14 @@
           </a:ln>
           <a:effectLst/>
           <a:extLst>
-            <a:ext uri="{909E8E84-426E-40dd-AFC4-6F175D3DCCD1}">
+            <a:ext uri="{909E8E84-426E-40DD-AFC4-6F175D3DCCD1}">
               <a14:hiddenFill xmlns:a14="http://schemas.microsoft.com/office/drawing/2010/main">
                 <a:solidFill>
                   <a:srgbClr val="FFFFFF"/>
                 </a:solidFill>
               </a14:hiddenFill>
             </a:ext>
-            <a:ext uri="{91240B29-F687-4f45-9708-019B960494DF}">
+            <a:ext uri="{91240B29-F687-4F45-9708-019B960494DF}">
               <a14:hiddenLine xmlns:a14="http://schemas.microsoft.com/office/drawing/2010/main" w="9525" cap="flat">
                 <a:solidFill>
                   <a:srgbClr val="808080"/>
@@ -832,7 +832,7 @@
                 <a:tailEnd/>
               </a14:hiddenLine>
             </a:ext>
-            <a:ext uri="{AF507438-7753-43e0-B8FC-AC1667EBCBE1}">
+            <a:ext uri="{AF507438-7753-43E0-B8FC-AC1667EBCBE1}">
               <a14:hiddenEffects xmlns:a14="http://schemas.microsoft.com/office/drawing/2010/main">
                 <a:effectLst>
                   <a:outerShdw blurRad="63500" dist="38099" dir="2700000" algn="ctr" rotWithShape="0">
@@ -844,7 +844,7 @@
               </a14:hiddenEffects>
             </a:ext>
             <a:ext uri="{FAA26D3D-D897-4be2-8F04-BA451C77F1D7}">
-              <ma14:placeholderFlag xmlns:ma14="http://schemas.microsoft.com/office/mac/drawingml/2011/main" val="1"/>
+              <ma14:placeholderFlag xmlns:ma14="http://schemas.microsoft.com/office/mac/drawingml/2011/main" xmlns="" val="1"/>
             </a:ext>
           </a:extLst>
         </p:spPr>
@@ -873,14 +873,14 @@
           </a:ln>
           <a:effectLst/>
           <a:extLst>
-            <a:ext uri="{909E8E84-426E-40dd-AFC4-6F175D3DCCD1}">
+            <a:ext uri="{909E8E84-426E-40DD-AFC4-6F175D3DCCD1}">
               <a14:hiddenFill xmlns:a14="http://schemas.microsoft.com/office/drawing/2010/main">
                 <a:solidFill>
                   <a:srgbClr val="FFFFFF"/>
                 </a:solidFill>
               </a14:hiddenFill>
             </a:ext>
-            <a:ext uri="{91240B29-F687-4f45-9708-019B960494DF}">
+            <a:ext uri="{91240B29-F687-4F45-9708-019B960494DF}">
               <a14:hiddenLine xmlns:a14="http://schemas.microsoft.com/office/drawing/2010/main" w="9525" cap="flat">
                 <a:solidFill>
                   <a:srgbClr val="808080"/>
@@ -890,7 +890,7 @@
                 <a:tailEnd/>
               </a14:hiddenLine>
             </a:ext>
-            <a:ext uri="{AF507438-7753-43e0-B8FC-AC1667EBCBE1}">
+            <a:ext uri="{AF507438-7753-43E0-B8FC-AC1667EBCBE1}">
               <a14:hiddenEffects xmlns:a14="http://schemas.microsoft.com/office/drawing/2010/main">
                 <a:effectLst>
                   <a:outerShdw blurRad="63500" dist="38099" dir="2700000" algn="ctr" rotWithShape="0">
@@ -902,7 +902,7 @@
               </a14:hiddenEffects>
             </a:ext>
             <a:ext uri="{FAA26D3D-D897-4be2-8F04-BA451C77F1D7}">
-              <ma14:placeholderFlag xmlns:ma14="http://schemas.microsoft.com/office/mac/drawingml/2011/main" val="1"/>
+              <ma14:placeholderFlag xmlns:ma14="http://schemas.microsoft.com/office/mac/drawingml/2011/main" xmlns="" val="1"/>
             </a:ext>
           </a:extLst>
         </p:spPr>
@@ -941,14 +941,14 @@
           </a:ln>
           <a:effectLst/>
           <a:extLst>
-            <a:ext uri="{909E8E84-426E-40dd-AFC4-6F175D3DCCD1}">
+            <a:ext uri="{909E8E84-426E-40DD-AFC4-6F175D3DCCD1}">
               <a14:hiddenFill xmlns:a14="http://schemas.microsoft.com/office/drawing/2010/main">
                 <a:solidFill>
                   <a:srgbClr val="FFFFFF"/>
                 </a:solidFill>
               </a14:hiddenFill>
             </a:ext>
-            <a:ext uri="{91240B29-F687-4f45-9708-019B960494DF}">
+            <a:ext uri="{91240B29-F687-4F45-9708-019B960494DF}">
               <a14:hiddenLine xmlns:a14="http://schemas.microsoft.com/office/drawing/2010/main" w="9525" cap="flat">
                 <a:solidFill>
                   <a:srgbClr val="808080"/>
@@ -958,7 +958,7 @@
                 <a:tailEnd/>
               </a14:hiddenLine>
             </a:ext>
-            <a:ext uri="{AF507438-7753-43e0-B8FC-AC1667EBCBE1}">
+            <a:ext uri="{AF507438-7753-43E0-B8FC-AC1667EBCBE1}">
               <a14:hiddenEffects xmlns:a14="http://schemas.microsoft.com/office/drawing/2010/main">
                 <a:effectLst>
                   <a:outerShdw blurRad="63500" dist="38099" dir="2700000" algn="ctr" rotWithShape="0">
@@ -1004,14 +1004,14 @@
           </a:ln>
           <a:effectLst/>
           <a:extLst>
-            <a:ext uri="{909E8E84-426E-40dd-AFC4-6F175D3DCCD1}">
+            <a:ext uri="{909E8E84-426E-40DD-AFC4-6F175D3DCCD1}">
               <a14:hiddenFill xmlns:a14="http://schemas.microsoft.com/office/drawing/2010/main">
                 <a:solidFill>
                   <a:srgbClr val="FFFFFF"/>
                 </a:solidFill>
               </a14:hiddenFill>
             </a:ext>
-            <a:ext uri="{91240B29-F687-4f45-9708-019B960494DF}">
+            <a:ext uri="{91240B29-F687-4F45-9708-019B960494DF}">
               <a14:hiddenLine xmlns:a14="http://schemas.microsoft.com/office/drawing/2010/main" w="9525" cap="flat">
                 <a:solidFill>
                   <a:srgbClr val="808080"/>
@@ -1021,7 +1021,7 @@
                 <a:tailEnd/>
               </a14:hiddenLine>
             </a:ext>
-            <a:ext uri="{AF507438-7753-43e0-B8FC-AC1667EBCBE1}">
+            <a:ext uri="{AF507438-7753-43E0-B8FC-AC1667EBCBE1}">
               <a14:hiddenEffects xmlns:a14="http://schemas.microsoft.com/office/drawing/2010/main">
                 <a:effectLst>
                   <a:outerShdw blurRad="63500" dist="38099" dir="2700000" algn="ctr" rotWithShape="0">
@@ -1067,14 +1067,14 @@
           </a:ln>
           <a:effectLst/>
           <a:extLst>
-            <a:ext uri="{909E8E84-426E-40dd-AFC4-6F175D3DCCD1}">
+            <a:ext uri="{909E8E84-426E-40DD-AFC4-6F175D3DCCD1}">
               <a14:hiddenFill xmlns:a14="http://schemas.microsoft.com/office/drawing/2010/main">
                 <a:solidFill>
                   <a:srgbClr val="FFFFFF"/>
                 </a:solidFill>
               </a14:hiddenFill>
             </a:ext>
-            <a:ext uri="{91240B29-F687-4f45-9708-019B960494DF}">
+            <a:ext uri="{91240B29-F687-4F45-9708-019B960494DF}">
               <a14:hiddenLine xmlns:a14="http://schemas.microsoft.com/office/drawing/2010/main" w="9525" cap="flat">
                 <a:solidFill>
                   <a:srgbClr val="808080"/>
@@ -1084,7 +1084,7 @@
                 <a:tailEnd/>
               </a14:hiddenLine>
             </a:ext>
-            <a:ext uri="{AF507438-7753-43e0-B8FC-AC1667EBCBE1}">
+            <a:ext uri="{AF507438-7753-43E0-B8FC-AC1667EBCBE1}">
               <a14:hiddenEffects xmlns:a14="http://schemas.microsoft.com/office/drawing/2010/main">
                 <a:effectLst>
                   <a:outerShdw blurRad="63500" dist="38099" dir="2700000" algn="ctr" rotWithShape="0">
@@ -1132,14 +1132,14 @@
           </a:ln>
           <a:effectLst/>
           <a:extLst>
-            <a:ext uri="{909E8E84-426E-40dd-AFC4-6F175D3DCCD1}">
+            <a:ext uri="{909E8E84-426E-40DD-AFC4-6F175D3DCCD1}">
               <a14:hiddenFill xmlns:a14="http://schemas.microsoft.com/office/drawing/2010/main">
                 <a:solidFill>
                   <a:srgbClr val="FFFFFF"/>
                 </a:solidFill>
               </a14:hiddenFill>
             </a:ext>
-            <a:ext uri="{91240B29-F687-4f45-9708-019B960494DF}">
+            <a:ext uri="{91240B29-F687-4F45-9708-019B960494DF}">
               <a14:hiddenLine xmlns:a14="http://schemas.microsoft.com/office/drawing/2010/main" w="9525" cap="flat">
                 <a:solidFill>
                   <a:srgbClr val="808080"/>
@@ -1149,7 +1149,7 @@
                 <a:tailEnd/>
               </a14:hiddenLine>
             </a:ext>
-            <a:ext uri="{AF507438-7753-43e0-B8FC-AC1667EBCBE1}">
+            <a:ext uri="{AF507438-7753-43E0-B8FC-AC1667EBCBE1}">
               <a14:hiddenEffects xmlns:a14="http://schemas.microsoft.com/office/drawing/2010/main">
                 <a:effectLst>
                   <a:outerShdw blurRad="63500" dist="38099" dir="2700000" algn="ctr" rotWithShape="0">
@@ -1161,7 +1161,7 @@
               </a14:hiddenEffects>
             </a:ext>
             <a:ext uri="{FAA26D3D-D897-4be2-8F04-BA451C77F1D7}">
-              <ma14:placeholderFlag xmlns:ma14="http://schemas.microsoft.com/office/mac/drawingml/2011/main" val="1"/>
+              <ma14:placeholderFlag xmlns:ma14="http://schemas.microsoft.com/office/mac/drawingml/2011/main" xmlns="" val="1"/>
             </a:ext>
           </a:extLst>
         </p:spPr>
@@ -8076,14 +8076,14 @@
           </a:ln>
           <a:effectLst/>
           <a:extLst>
-            <a:ext uri="{909E8E84-426E-40dd-AFC4-6F175D3DCCD1}">
+            <a:ext uri="{909E8E84-426E-40DD-AFC4-6F175D3DCCD1}">
               <a14:hiddenFill xmlns:a14="http://schemas.microsoft.com/office/drawing/2010/main">
                 <a:solidFill>
                   <a:srgbClr val="FFFFFF"/>
                 </a:solidFill>
               </a14:hiddenFill>
             </a:ext>
-            <a:ext uri="{91240B29-F687-4f45-9708-019B960494DF}">
+            <a:ext uri="{91240B29-F687-4F45-9708-019B960494DF}">
               <a14:hiddenLine xmlns:a14="http://schemas.microsoft.com/office/drawing/2010/main" w="9525" cap="flat">
                 <a:solidFill>
                   <a:srgbClr val="808080"/>
@@ -8093,7 +8093,7 @@
                 <a:tailEnd/>
               </a14:hiddenLine>
             </a:ext>
-            <a:ext uri="{AF507438-7753-43e0-B8FC-AC1667EBCBE1}">
+            <a:ext uri="{AF507438-7753-43E0-B8FC-AC1667EBCBE1}">
               <a14:hiddenEffects xmlns:a14="http://schemas.microsoft.com/office/drawing/2010/main">
                 <a:effectLst>
                   <a:outerShdw blurRad="63500" dist="38099" dir="2700000" algn="ctr" rotWithShape="0">
@@ -8105,7 +8105,7 @@
               </a14:hiddenEffects>
             </a:ext>
             <a:ext uri="{FAA26D3D-D897-4be2-8F04-BA451C77F1D7}">
-              <ma14:placeholderFlag xmlns:ma14="http://schemas.microsoft.com/office/mac/drawingml/2011/main" val="1"/>
+              <ma14:placeholderFlag xmlns:ma14="http://schemas.microsoft.com/office/mac/drawingml/2011/main" xmlns="" val="1"/>
             </a:ext>
           </a:extLst>
         </p:spPr>
@@ -8149,14 +8149,14 @@
           </a:ln>
           <a:effectLst/>
           <a:extLst>
-            <a:ext uri="{909E8E84-426E-40dd-AFC4-6F175D3DCCD1}">
+            <a:ext uri="{909E8E84-426E-40DD-AFC4-6F175D3DCCD1}">
               <a14:hiddenFill xmlns:a14="http://schemas.microsoft.com/office/drawing/2010/main">
                 <a:solidFill>
                   <a:srgbClr val="FFFFFF"/>
                 </a:solidFill>
               </a14:hiddenFill>
             </a:ext>
-            <a:ext uri="{91240B29-F687-4f45-9708-019B960494DF}">
+            <a:ext uri="{91240B29-F687-4F45-9708-019B960494DF}">
               <a14:hiddenLine xmlns:a14="http://schemas.microsoft.com/office/drawing/2010/main" w="9525" cap="flat">
                 <a:solidFill>
                   <a:srgbClr val="808080"/>
@@ -8166,7 +8166,7 @@
                 <a:tailEnd/>
               </a14:hiddenLine>
             </a:ext>
-            <a:ext uri="{AF507438-7753-43e0-B8FC-AC1667EBCBE1}">
+            <a:ext uri="{AF507438-7753-43E0-B8FC-AC1667EBCBE1}">
               <a14:hiddenEffects xmlns:a14="http://schemas.microsoft.com/office/drawing/2010/main">
                 <a:effectLst>
                   <a:outerShdw blurRad="63500" dist="38099" dir="2700000" algn="ctr" rotWithShape="0">
@@ -8178,7 +8178,7 @@
               </a14:hiddenEffects>
             </a:ext>
             <a:ext uri="{FAA26D3D-D897-4be2-8F04-BA451C77F1D7}">
-              <ma14:placeholderFlag xmlns:ma14="http://schemas.microsoft.com/office/mac/drawingml/2011/main" val="1"/>
+              <ma14:placeholderFlag xmlns:ma14="http://schemas.microsoft.com/office/mac/drawingml/2011/main" xmlns="" val="1"/>
             </a:ext>
           </a:extLst>
         </p:spPr>
@@ -8276,14 +8276,14 @@
           </a:ln>
           <a:effectLst/>
           <a:extLst>
-            <a:ext uri="{909E8E84-426E-40dd-AFC4-6F175D3DCCD1}">
+            <a:ext uri="{909E8E84-426E-40DD-AFC4-6F175D3DCCD1}">
               <a14:hiddenFill xmlns:a14="http://schemas.microsoft.com/office/drawing/2010/main">
                 <a:solidFill>
                   <a:srgbClr val="FFFFFF"/>
                 </a:solidFill>
               </a14:hiddenFill>
             </a:ext>
-            <a:ext uri="{91240B29-F687-4f45-9708-019B960494DF}">
+            <a:ext uri="{91240B29-F687-4F45-9708-019B960494DF}">
               <a14:hiddenLine xmlns:a14="http://schemas.microsoft.com/office/drawing/2010/main" w="9525" cap="flat">
                 <a:solidFill>
                   <a:srgbClr val="808080"/>
@@ -8293,7 +8293,7 @@
                 <a:tailEnd/>
               </a14:hiddenLine>
             </a:ext>
-            <a:ext uri="{AF507438-7753-43e0-B8FC-AC1667EBCBE1}">
+            <a:ext uri="{AF507438-7753-43E0-B8FC-AC1667EBCBE1}">
               <a14:hiddenEffects xmlns:a14="http://schemas.microsoft.com/office/drawing/2010/main">
                 <a:effectLst>
                   <a:outerShdw blurRad="63500" dist="38099" dir="2700000" algn="ctr" rotWithShape="0">
@@ -8339,14 +8339,14 @@
           </a:ln>
           <a:effectLst/>
           <a:extLst>
-            <a:ext uri="{909E8E84-426E-40dd-AFC4-6F175D3DCCD1}">
+            <a:ext uri="{909E8E84-426E-40DD-AFC4-6F175D3DCCD1}">
               <a14:hiddenFill xmlns:a14="http://schemas.microsoft.com/office/drawing/2010/main">
                 <a:solidFill>
                   <a:srgbClr val="FFFFFF"/>
                 </a:solidFill>
               </a14:hiddenFill>
             </a:ext>
-            <a:ext uri="{91240B29-F687-4f45-9708-019B960494DF}">
+            <a:ext uri="{91240B29-F687-4F45-9708-019B960494DF}">
               <a14:hiddenLine xmlns:a14="http://schemas.microsoft.com/office/drawing/2010/main" w="9525" cap="flat">
                 <a:solidFill>
                   <a:srgbClr val="808080"/>
@@ -8356,7 +8356,7 @@
                 <a:tailEnd/>
               </a14:hiddenLine>
             </a:ext>
-            <a:ext uri="{AF507438-7753-43e0-B8FC-AC1667EBCBE1}">
+            <a:ext uri="{AF507438-7753-43E0-B8FC-AC1667EBCBE1}">
               <a14:hiddenEffects xmlns:a14="http://schemas.microsoft.com/office/drawing/2010/main">
                 <a:effectLst>
                   <a:outerShdw blurRad="63500" dist="38099" dir="2700000" algn="ctr" rotWithShape="0">
@@ -8404,14 +8404,14 @@
           </a:ln>
           <a:effectLst/>
           <a:extLst>
-            <a:ext uri="{909E8E84-426E-40dd-AFC4-6F175D3DCCD1}">
+            <a:ext uri="{909E8E84-426E-40DD-AFC4-6F175D3DCCD1}">
               <a14:hiddenFill xmlns:a14="http://schemas.microsoft.com/office/drawing/2010/main">
                 <a:solidFill>
                   <a:srgbClr val="FFFFFF"/>
                 </a:solidFill>
               </a14:hiddenFill>
             </a:ext>
-            <a:ext uri="{91240B29-F687-4f45-9708-019B960494DF}">
+            <a:ext uri="{91240B29-F687-4F45-9708-019B960494DF}">
               <a14:hiddenLine xmlns:a14="http://schemas.microsoft.com/office/drawing/2010/main" w="9525" cap="flat">
                 <a:solidFill>
                   <a:srgbClr val="808080"/>
@@ -8421,7 +8421,7 @@
                 <a:tailEnd/>
               </a14:hiddenLine>
             </a:ext>
-            <a:ext uri="{AF507438-7753-43e0-B8FC-AC1667EBCBE1}">
+            <a:ext uri="{AF507438-7753-43E0-B8FC-AC1667EBCBE1}">
               <a14:hiddenEffects xmlns:a14="http://schemas.microsoft.com/office/drawing/2010/main">
                 <a:effectLst>
                   <a:outerShdw blurRad="63500" dist="38099" dir="2700000" algn="ctr" rotWithShape="0">
@@ -8433,7 +8433,7 @@
               </a14:hiddenEffects>
             </a:ext>
             <a:ext uri="{FAA26D3D-D897-4be2-8F04-BA451C77F1D7}">
-              <ma14:placeholderFlag xmlns:ma14="http://schemas.microsoft.com/office/mac/drawingml/2011/main" val="1"/>
+              <ma14:placeholderFlag xmlns:ma14="http://schemas.microsoft.com/office/mac/drawingml/2011/main" xmlns="" val="1"/>
             </a:ext>
           </a:extLst>
         </p:spPr>
@@ -8502,7 +8502,7 @@
           <a:effectLst/>
           <a:extLst>
             <a:ext uri="{FAA26D3D-D897-4be2-8F04-BA451C77F1D7}">
-              <ma14:placeholderFlag xmlns:ma14="http://schemas.microsoft.com/office/mac/drawingml/2011/main" val="1"/>
+              <ma14:placeholderFlag xmlns:ma14="http://schemas.microsoft.com/office/mac/drawingml/2011/main" xmlns="" val="1"/>
             </a:ext>
           </a:extLst>
         </p:spPr>
@@ -9406,14 +9406,14 @@
           </a:ln>
           <a:effectLst/>
           <a:extLst>
-            <a:ext uri="{909E8E84-426E-40dd-AFC4-6F175D3DCCD1}">
+            <a:ext uri="{909E8E84-426E-40DD-AFC4-6F175D3DCCD1}">
               <a14:hiddenFill xmlns:a14="http://schemas.microsoft.com/office/drawing/2010/main">
                 <a:solidFill>
                   <a:srgbClr val="FFFFFF"/>
                 </a:solidFill>
               </a14:hiddenFill>
             </a:ext>
-            <a:ext uri="{91240B29-F687-4f45-9708-019B960494DF}">
+            <a:ext uri="{91240B29-F687-4F45-9708-019B960494DF}">
               <a14:hiddenLine xmlns:a14="http://schemas.microsoft.com/office/drawing/2010/main" w="9525" cap="flat">
                 <a:solidFill>
                   <a:srgbClr val="808080"/>
@@ -9423,7 +9423,7 @@
                 <a:tailEnd/>
               </a14:hiddenLine>
             </a:ext>
-            <a:ext uri="{AF507438-7753-43e0-B8FC-AC1667EBCBE1}">
+            <a:ext uri="{AF507438-7753-43E0-B8FC-AC1667EBCBE1}">
               <a14:hiddenEffects xmlns:a14="http://schemas.microsoft.com/office/drawing/2010/main">
                 <a:effectLst>
                   <a:outerShdw blurRad="63500" dist="38099" dir="2700000" algn="ctr" rotWithShape="0">
@@ -9435,7 +9435,7 @@
               </a14:hiddenEffects>
             </a:ext>
             <a:ext uri="{FAA26D3D-D897-4be2-8F04-BA451C77F1D7}">
-              <ma14:placeholderFlag xmlns:ma14="http://schemas.microsoft.com/office/mac/drawingml/2011/main" val="1"/>
+              <ma14:placeholderFlag xmlns:ma14="http://schemas.microsoft.com/office/mac/drawingml/2011/main" xmlns="" val="1"/>
             </a:ext>
           </a:extLst>
         </p:spPr>
@@ -9719,7 +9719,7 @@
   <p:timing>
     <p:tnLst>
       <p:par>
-        <p:cTn xmlns:p14="http://schemas.microsoft.com/office/powerpoint/2010/main" id="1" dur="indefinite" restart="never" nodeType="tmRoot"/>
+        <p:cTn id="1" dur="indefinite" restart="never" nodeType="tmRoot"/>
       </p:par>
     </p:tnLst>
   </p:timing>
@@ -9803,7 +9803,7 @@
         </p:nvSpPr>
         <p:spPr>
           <a:xfrm>
-            <a:off x="1066800" y="1531077"/>
+            <a:off x="838200" y="1531077"/>
             <a:ext cx="2319674" cy="1193073"/>
           </a:xfrm>
           <a:prstGeom prst="ellipse">
@@ -9902,7 +9902,7 @@
         </p:nvSpPr>
         <p:spPr>
           <a:xfrm>
-            <a:off x="3842736" y="1529950"/>
+            <a:off x="3657600" y="1529950"/>
             <a:ext cx="2319674" cy="1193073"/>
           </a:xfrm>
           <a:prstGeom prst="ellipse">
@@ -10001,7 +10001,7 @@
         </p:nvSpPr>
         <p:spPr>
           <a:xfrm>
-            <a:off x="2706259" y="1817650"/>
+            <a:off x="2590800" y="1907553"/>
             <a:ext cx="1725733" cy="440120"/>
           </a:xfrm>
           <a:prstGeom prst="rect">
@@ -10120,7 +10120,7 @@
         </p:nvSpPr>
         <p:spPr>
           <a:xfrm>
-            <a:off x="2394936" y="3400425"/>
+            <a:off x="2435492" y="3333750"/>
             <a:ext cx="2204887" cy="1082546"/>
           </a:xfrm>
           <a:prstGeom prst="rect">
@@ -10168,8 +10168,8 @@
         </p:nvSpPr>
         <p:spPr bwMode="auto">
           <a:xfrm>
-            <a:off x="6553200" y="2495550"/>
-            <a:ext cx="1828800" cy="1447800"/>
+            <a:off x="6563413" y="1276350"/>
+            <a:ext cx="1676400" cy="712399"/>
           </a:xfrm>
           <a:prstGeom prst="rect">
             <a:avLst/>
@@ -10241,8 +10241,8 @@
         </p:nvSpPr>
         <p:spPr>
           <a:xfrm>
-            <a:off x="6858000" y="2724150"/>
-            <a:ext cx="1295400" cy="911506"/>
+            <a:off x="6639613" y="1314449"/>
+            <a:ext cx="1524000" cy="636200"/>
           </a:xfrm>
           <a:prstGeom prst="rect">
             <a:avLst/>
@@ -10261,7 +10261,237 @@
                   <a:srgbClr val="000000"/>
                 </a:solidFill>
               </a:rPr>
-              <a:t>Yes, 2 OCP level exams</a:t>
+              <a:t>Yes, 2 OCP level </a:t>
+            </a:r>
+            <a:r>
+              <a:rPr lang="en-US" dirty="0" smtClean="0">
+                <a:solidFill>
+                  <a:srgbClr val="000000"/>
+                </a:solidFill>
+              </a:rPr>
+              <a:t>exams</a:t>
+            </a:r>
+            <a:endParaRPr lang="en-US" dirty="0">
+              <a:solidFill>
+                <a:srgbClr val="000000"/>
+              </a:solidFill>
+            </a:endParaRPr>
+          </a:p>
+        </p:txBody>
+      </p:sp>
+      <p:sp>
+        <p:nvSpPr>
+          <p:cNvPr id="15" name="Rectangle 14"/>
+          <p:cNvSpPr/>
+          <p:nvPr/>
+        </p:nvSpPr>
+        <p:spPr bwMode="auto">
+          <a:xfrm>
+            <a:off x="5867400" y="2503139"/>
+            <a:ext cx="2352408" cy="674299"/>
+          </a:xfrm>
+          <a:prstGeom prst="rect">
+            <a:avLst/>
+          </a:prstGeom>
+          <a:solidFill>
+            <a:schemeClr val="accent2">
+              <a:lumMod val="20000"/>
+              <a:lumOff val="80000"/>
+            </a:schemeClr>
+          </a:solidFill>
+          <a:ln w="9525" cap="flat" cmpd="sng" algn="ctr">
+            <a:solidFill>
+              <a:schemeClr val="tx1"/>
+            </a:solidFill>
+            <a:prstDash val="solid"/>
+            <a:round/>
+            <a:headEnd type="none" w="med" len="med"/>
+            <a:tailEnd type="none" w="med" len="med"/>
+          </a:ln>
+          <a:effectLst/>
+          <a:extLst/>
+        </p:spPr>
+        <p:txBody>
+          <a:bodyPr vert="horz" wrap="square" lIns="91440" tIns="45720" rIns="91440" bIns="45720" numCol="1" rtlCol="0" anchor="t" anchorCtr="0" compatLnSpc="1">
+            <a:prstTxWarp prst="textNoShape">
+              <a:avLst/>
+            </a:prstTxWarp>
+          </a:bodyPr>
+          <a:lstStyle/>
+          <a:p>
+            <a:pPr marL="0" marR="0" indent="0" algn="l" defTabSz="457200" rtl="0" eaLnBrk="1" fontAlgn="base" latinLnBrk="0" hangingPunct="0">
+              <a:lnSpc>
+                <a:spcPct val="93000"/>
+              </a:lnSpc>
+              <a:spcBef>
+                <a:spcPct val="0"/>
+              </a:spcBef>
+              <a:spcAft>
+                <a:spcPct val="0"/>
+              </a:spcAft>
+              <a:buClr>
+                <a:srgbClr val="000000"/>
+              </a:buClr>
+              <a:buSzPct val="100000"/>
+              <a:buFont typeface="Times New Roman" charset="0"/>
+              <a:buNone/>
+              <a:tabLst/>
+            </a:pPr>
+            <a:endParaRPr kumimoji="0" lang="en-US" sz="2400" b="0" i="0" u="none" strike="noStrike" cap="none" normalizeH="0" baseline="0">
+              <a:ln>
+                <a:noFill/>
+              </a:ln>
+              <a:solidFill>
+                <a:schemeClr val="bg1"/>
+              </a:solidFill>
+              <a:effectLst/>
+              <a:latin typeface="Arial" charset="0"/>
+              <a:ea typeface="ＭＳ Ｐゴシック" charset="0"/>
+              <a:cs typeface="ＭＳ Ｐゴシック" charset="0"/>
+            </a:endParaRPr>
+          </a:p>
+        </p:txBody>
+      </p:sp>
+      <p:sp>
+        <p:nvSpPr>
+          <p:cNvPr id="16" name="TextBox 15"/>
+          <p:cNvSpPr txBox="1"/>
+          <p:nvPr/>
+        </p:nvSpPr>
+        <p:spPr>
+          <a:xfrm>
+            <a:off x="5881933" y="2503139"/>
+            <a:ext cx="2362200" cy="636200"/>
+          </a:xfrm>
+          <a:prstGeom prst="rect">
+            <a:avLst/>
+          </a:prstGeom>
+          <a:noFill/>
+        </p:spPr>
+        <p:txBody>
+          <a:bodyPr wrap="square" rtlCol="0">
+            <a:spAutoFit/>
+          </a:bodyPr>
+          <a:lstStyle/>
+          <a:p>
+            <a:r>
+              <a:rPr lang="en-US" dirty="0" smtClean="0">
+                <a:solidFill>
+                  <a:srgbClr val="000000"/>
+                </a:solidFill>
+              </a:rPr>
+              <a:t>No cert granted for completing 1Z0-815</a:t>
+            </a:r>
+            <a:endParaRPr lang="en-US" dirty="0">
+              <a:solidFill>
+                <a:srgbClr val="000000"/>
+              </a:solidFill>
+            </a:endParaRPr>
+          </a:p>
+        </p:txBody>
+      </p:sp>
+      <p:sp>
+        <p:nvSpPr>
+          <p:cNvPr id="20" name="Rectangle 19"/>
+          <p:cNvSpPr/>
+          <p:nvPr/>
+        </p:nvSpPr>
+        <p:spPr bwMode="auto">
+          <a:xfrm>
+            <a:off x="5165889" y="3345337"/>
+            <a:ext cx="3073924" cy="978944"/>
+          </a:xfrm>
+          <a:prstGeom prst="rect">
+            <a:avLst/>
+          </a:prstGeom>
+          <a:solidFill>
+            <a:schemeClr val="accent2">
+              <a:lumMod val="20000"/>
+              <a:lumOff val="80000"/>
+            </a:schemeClr>
+          </a:solidFill>
+          <a:ln w="9525" cap="flat" cmpd="sng" algn="ctr">
+            <a:solidFill>
+              <a:schemeClr val="tx1"/>
+            </a:solidFill>
+            <a:prstDash val="solid"/>
+            <a:round/>
+            <a:headEnd type="none" w="med" len="med"/>
+            <a:tailEnd type="none" w="med" len="med"/>
+          </a:ln>
+          <a:effectLst/>
+          <a:extLst/>
+        </p:spPr>
+        <p:txBody>
+          <a:bodyPr vert="horz" wrap="square" lIns="91440" tIns="45720" rIns="91440" bIns="45720" numCol="1" rtlCol="0" anchor="t" anchorCtr="0" compatLnSpc="1">
+            <a:prstTxWarp prst="textNoShape">
+              <a:avLst/>
+            </a:prstTxWarp>
+          </a:bodyPr>
+          <a:lstStyle/>
+          <a:p>
+            <a:pPr marL="0" marR="0" indent="0" algn="l" defTabSz="457200" rtl="0" eaLnBrk="1" fontAlgn="base" latinLnBrk="0" hangingPunct="0">
+              <a:lnSpc>
+                <a:spcPct val="93000"/>
+              </a:lnSpc>
+              <a:spcBef>
+                <a:spcPct val="0"/>
+              </a:spcBef>
+              <a:spcAft>
+                <a:spcPct val="0"/>
+              </a:spcAft>
+              <a:buClr>
+                <a:srgbClr val="000000"/>
+              </a:buClr>
+              <a:buSzPct val="100000"/>
+              <a:buFont typeface="Times New Roman" charset="0"/>
+              <a:buNone/>
+              <a:tabLst/>
+            </a:pPr>
+            <a:endParaRPr kumimoji="0" lang="en-US" sz="2400" b="0" i="0" u="none" strike="noStrike" cap="none" normalizeH="0" baseline="0">
+              <a:ln>
+                <a:noFill/>
+              </a:ln>
+              <a:solidFill>
+                <a:schemeClr val="bg1"/>
+              </a:solidFill>
+              <a:effectLst/>
+              <a:latin typeface="Arial" charset="0"/>
+              <a:ea typeface="ＭＳ Ｐゴシック" charset="0"/>
+              <a:cs typeface="ＭＳ Ｐゴシック" charset="0"/>
+            </a:endParaRPr>
+          </a:p>
+        </p:txBody>
+      </p:sp>
+      <p:sp>
+        <p:nvSpPr>
+          <p:cNvPr id="21" name="TextBox 20"/>
+          <p:cNvSpPr txBox="1"/>
+          <p:nvPr/>
+        </p:nvSpPr>
+        <p:spPr>
+          <a:xfrm>
+            <a:off x="5191813" y="3397081"/>
+            <a:ext cx="3113988" cy="927200"/>
+          </a:xfrm>
+          <a:prstGeom prst="rect">
+            <a:avLst/>
+          </a:prstGeom>
+          <a:noFill/>
+        </p:spPr>
+        <p:txBody>
+          <a:bodyPr wrap="square" rtlCol="0">
+            <a:spAutoFit/>
+          </a:bodyPr>
+          <a:lstStyle/>
+          <a:p>
+            <a:r>
+              <a:rPr lang="en-US" dirty="0" smtClean="0">
+                <a:solidFill>
+                  <a:srgbClr val="000000"/>
+                </a:solidFill>
+              </a:rPr>
+              <a:t>OCP Part 1 (1Z0-815) similar to OCA 8 (1Z0-808) exam, but much harder!</a:t>
             </a:r>
             <a:endParaRPr lang="en-US" dirty="0">
               <a:solidFill>
@@ -10341,7 +10571,7 @@
         </p:nvGraphicFramePr>
         <p:xfrm>
           <a:off x="838200" y="1276350"/>
-          <a:ext cx="7504114" cy="2926079"/>
+          <a:ext cx="7504114" cy="2926080"/>
         </p:xfrm>
         <a:graphic>
           <a:graphicData uri="http://schemas.openxmlformats.org/drawingml/2006/table">
@@ -10633,7 +10863,7 @@
   <p:timing>
     <p:tnLst>
       <p:par>
-        <p:cTn xmlns:p14="http://schemas.microsoft.com/office/powerpoint/2010/main" id="1" dur="indefinite" restart="never" nodeType="tmRoot"/>
+        <p:cTn id="1" dur="indefinite" restart="never" nodeType="tmRoot"/>
       </p:par>
     </p:tnLst>
   </p:timing>
@@ -10737,7 +10967,7 @@
           </a:ln>
           <a:effectLst/>
           <a:extLst>
-            <a:ext uri="{AF507438-7753-43e0-B8FC-AC1667EBCBE1}">
+            <a:ext uri="{AF507438-7753-43E0-B8FC-AC1667EBCBE1}">
               <a14:hiddenEffects xmlns:a14="http://schemas.microsoft.com/office/drawing/2010/main">
                 <a:effectLst>
                   <a:outerShdw blurRad="63500" dist="38099" dir="2700000" algn="ctr" rotWithShape="0">
@@ -11253,7 +11483,7 @@
           </a:ln>
           <a:effectLst/>
           <a:extLst>
-            <a:ext uri="{AF507438-7753-43e0-B8FC-AC1667EBCBE1}">
+            <a:ext uri="{AF507438-7753-43E0-B8FC-AC1667EBCBE1}">
               <a14:hiddenEffects xmlns:a14="http://schemas.microsoft.com/office/drawing/2010/main">
                 <a:effectLst>
                   <a:outerShdw blurRad="63500" dist="38099" dir="2700000" algn="ctr" rotWithShape="0">
@@ -11280,7 +11510,7 @@
   <p:timing>
     <p:tnLst>
       <p:par>
-        <p:cTn xmlns:p14="http://schemas.microsoft.com/office/powerpoint/2010/main" id="1" dur="indefinite" restart="never" nodeType="tmRoot"/>
+        <p:cTn id="1" dur="indefinite" restart="never" nodeType="tmRoot"/>
       </p:par>
     </p:tnLst>
   </p:timing>
@@ -11456,7 +11686,7 @@
   <p:timing>
     <p:tnLst>
       <p:par>
-        <p:cTn xmlns:p14="http://schemas.microsoft.com/office/powerpoint/2010/main" id="1" dur="indefinite" restart="never" nodeType="tmRoot"/>
+        <p:cTn id="1" dur="indefinite" restart="never" nodeType="tmRoot"/>
       </p:par>
     </p:tnLst>
   </p:timing>
@@ -11790,7 +12020,7 @@
   <p:timing>
     <p:tnLst>
       <p:par>
-        <p:cTn xmlns:p14="http://schemas.microsoft.com/office/powerpoint/2010/main" id="1" dur="indefinite" restart="never" nodeType="tmRoot"/>
+        <p:cTn id="1" dur="indefinite" restart="never" nodeType="tmRoot"/>
       </p:par>
     </p:tnLst>
   </p:timing>
@@ -11950,7 +12180,7 @@
   <p:timing>
     <p:tnLst>
       <p:par>
-        <p:cTn xmlns:p14="http://schemas.microsoft.com/office/powerpoint/2010/main" id="1" dur="indefinite" restart="never" nodeType="tmRoot"/>
+        <p:cTn id="1" dur="indefinite" restart="never" nodeType="tmRoot"/>
       </p:par>
     </p:tnLst>
   </p:timing>
@@ -12007,7 +12237,12 @@
             <p:ph idx="1"/>
           </p:nvPr>
         </p:nvSpPr>
-        <p:spPr/>
+        <p:spPr>
+          <a:xfrm>
+            <a:off x="842913" y="1115309"/>
+            <a:ext cx="7504113" cy="2933700"/>
+          </a:xfrm>
+        </p:spPr>
         <p:txBody>
           <a:bodyPr/>
           <a:lstStyle/>
@@ -12080,13 +12315,8 @@
             </a:r>
             <a:r>
               <a:rPr lang="en-US" dirty="0" smtClean="0"/>
-              <a:t> share package with </a:t>
-            </a:r>
-            <a:r>
-              <a:rPr lang="en-US" smtClean="0"/>
-              <a:t>specific module</a:t>
-            </a:r>
-            <a:endParaRPr lang="en-US" dirty="0" smtClean="0"/>
+              <a:t> share package with specific module</a:t>
+            </a:r>
           </a:p>
           <a:p>
             <a:pPr marL="457200" indent="-457200">
@@ -12175,7 +12405,7 @@
   <p:timing>
     <p:tnLst>
       <p:par>
-        <p:cTn xmlns:p14="http://schemas.microsoft.com/office/powerpoint/2010/main" id="1" dur="indefinite" restart="never" nodeType="tmRoot"/>
+        <p:cTn id="1" dur="indefinite" restart="never" nodeType="tmRoot"/>
       </p:par>
     </p:tnLst>
   </p:timing>
@@ -12307,7 +12537,7 @@
   <p:timing>
     <p:tnLst>
       <p:par>
-        <p:cTn xmlns:p14="http://schemas.microsoft.com/office/powerpoint/2010/main" id="1" dur="indefinite" restart="never" nodeType="tmRoot"/>
+        <p:cTn id="1" dur="indefinite" restart="never" nodeType="tmRoot"/>
       </p:par>
     </p:tnLst>
   </p:timing>
@@ -12512,14 +12742,14 @@
           </a:ln>
           <a:effectLst/>
           <a:extLst>
-            <a:ext uri="{909E8E84-426E-40dd-AFC4-6F175D3DCCD1}">
+            <a:ext uri="{909E8E84-426E-40DD-AFC4-6F175D3DCCD1}">
               <a14:hiddenFill xmlns:a14="http://schemas.microsoft.com/office/drawing/2010/main">
                 <a:solidFill>
                   <a:srgbClr val="FFFFFF"/>
                 </a:solidFill>
               </a14:hiddenFill>
             </a:ext>
-            <a:ext uri="{91240B29-F687-4f45-9708-019B960494DF}">
+            <a:ext uri="{91240B29-F687-4F45-9708-019B960494DF}">
               <a14:hiddenLine xmlns:a14="http://schemas.microsoft.com/office/drawing/2010/main" w="9525" cap="flat">
                 <a:solidFill>
                   <a:srgbClr val="808080"/>
@@ -12529,7 +12759,7 @@
                 <a:tailEnd/>
               </a14:hiddenLine>
             </a:ext>
-            <a:ext uri="{AF507438-7753-43e0-B8FC-AC1667EBCBE1}">
+            <a:ext uri="{AF507438-7753-43E0-B8FC-AC1667EBCBE1}">
               <a14:hiddenEffects xmlns:a14="http://schemas.microsoft.com/office/drawing/2010/main">
                 <a:effectLst>
                   <a:outerShdw blurRad="63500" dist="38099" dir="2700000" algn="ctr" rotWithShape="0">
@@ -12541,7 +12771,7 @@
               </a14:hiddenEffects>
             </a:ext>
             <a:ext uri="{FAA26D3D-D897-4be2-8F04-BA451C77F1D7}">
-              <ma14:placeholderFlag xmlns:ma14="http://schemas.microsoft.com/office/mac/drawingml/2011/main" val="1"/>
+              <ma14:placeholderFlag xmlns:ma14="http://schemas.microsoft.com/office/mac/drawingml/2011/main" xmlns="" val="1"/>
             </a:ext>
           </a:extLst>
         </p:spPr>
@@ -12791,7 +13021,7 @@
   <p:timing>
     <p:tnLst>
       <p:par>
-        <p:cTn xmlns:p14="http://schemas.microsoft.com/office/powerpoint/2010/main" id="1" dur="indefinite" restart="never" nodeType="tmRoot"/>
+        <p:cTn id="1" dur="indefinite" restart="never" nodeType="tmRoot"/>
       </p:par>
     </p:tnLst>
   </p:timing>
@@ -12946,7 +13176,7 @@
   <p:timing>
     <p:tnLst>
       <p:par>
-        <p:cTn xmlns:p14="http://schemas.microsoft.com/office/powerpoint/2010/main" id="1" dur="indefinite" restart="never" nodeType="tmRoot"/>
+        <p:cTn id="1" dur="indefinite" restart="never" nodeType="tmRoot"/>
       </p:par>
     </p:tnLst>
   </p:timing>
@@ -13148,14 +13378,14 @@
           </a:ln>
           <a:effectLst/>
           <a:extLst>
-            <a:ext uri="{909E8E84-426E-40dd-AFC4-6F175D3DCCD1}">
+            <a:ext uri="{909E8E84-426E-40DD-AFC4-6F175D3DCCD1}">
               <a14:hiddenFill xmlns:a14="http://schemas.microsoft.com/office/drawing/2010/main">
                 <a:solidFill>
                   <a:srgbClr val="FFFFFF"/>
                 </a:solidFill>
               </a14:hiddenFill>
             </a:ext>
-            <a:ext uri="{91240B29-F687-4f45-9708-019B960494DF}">
+            <a:ext uri="{91240B29-F687-4F45-9708-019B960494DF}">
               <a14:hiddenLine xmlns:a14="http://schemas.microsoft.com/office/drawing/2010/main" w="9525" cap="flat">
                 <a:solidFill>
                   <a:srgbClr val="808080"/>
@@ -13165,7 +13395,7 @@
                 <a:tailEnd/>
               </a14:hiddenLine>
             </a:ext>
-            <a:ext uri="{AF507438-7753-43e0-B8FC-AC1667EBCBE1}">
+            <a:ext uri="{AF507438-7753-43E0-B8FC-AC1667EBCBE1}">
               <a14:hiddenEffects xmlns:a14="http://schemas.microsoft.com/office/drawing/2010/main">
                 <a:effectLst>
                   <a:outerShdw blurRad="63500" dist="38099" dir="2700000" algn="ctr" rotWithShape="0">
@@ -13177,7 +13407,7 @@
               </a14:hiddenEffects>
             </a:ext>
             <a:ext uri="{FAA26D3D-D897-4be2-8F04-BA451C77F1D7}">
-              <ma14:placeholderFlag xmlns:ma14="http://schemas.microsoft.com/office/mac/drawingml/2011/main" val="1"/>
+              <ma14:placeholderFlag xmlns:ma14="http://schemas.microsoft.com/office/mac/drawingml/2011/main" xmlns="" val="1"/>
             </a:ext>
           </a:extLst>
         </p:spPr>
@@ -13427,7 +13657,7 @@
   <p:timing>
     <p:tnLst>
       <p:par>
-        <p:cTn xmlns:p14="http://schemas.microsoft.com/office/powerpoint/2010/main" id="1" dur="indefinite" restart="never" nodeType="tmRoot"/>
+        <p:cTn id="1" dur="indefinite" restart="never" nodeType="tmRoot"/>
       </p:par>
     </p:tnLst>
   </p:timing>
@@ -13632,14 +13862,14 @@
           </a:ln>
           <a:effectLst/>
           <a:extLst>
-            <a:ext uri="{909E8E84-426E-40dd-AFC4-6F175D3DCCD1}">
+            <a:ext uri="{909E8E84-426E-40DD-AFC4-6F175D3DCCD1}">
               <a14:hiddenFill xmlns:a14="http://schemas.microsoft.com/office/drawing/2010/main">
                 <a:solidFill>
                   <a:srgbClr val="FFFFFF"/>
                 </a:solidFill>
               </a14:hiddenFill>
             </a:ext>
-            <a:ext uri="{91240B29-F687-4f45-9708-019B960494DF}">
+            <a:ext uri="{91240B29-F687-4F45-9708-019B960494DF}">
               <a14:hiddenLine xmlns:a14="http://schemas.microsoft.com/office/drawing/2010/main" w="9525" cap="flat">
                 <a:solidFill>
                   <a:srgbClr val="808080"/>
@@ -13649,7 +13879,7 @@
                 <a:tailEnd/>
               </a14:hiddenLine>
             </a:ext>
-            <a:ext uri="{AF507438-7753-43e0-B8FC-AC1667EBCBE1}">
+            <a:ext uri="{AF507438-7753-43E0-B8FC-AC1667EBCBE1}">
               <a14:hiddenEffects xmlns:a14="http://schemas.microsoft.com/office/drawing/2010/main">
                 <a:effectLst>
                   <a:outerShdw blurRad="63500" dist="38099" dir="2700000" algn="ctr" rotWithShape="0">
@@ -13661,7 +13891,7 @@
               </a14:hiddenEffects>
             </a:ext>
             <a:ext uri="{FAA26D3D-D897-4be2-8F04-BA451C77F1D7}">
-              <ma14:placeholderFlag xmlns:ma14="http://schemas.microsoft.com/office/mac/drawingml/2011/main" val="1"/>
+              <ma14:placeholderFlag xmlns:ma14="http://schemas.microsoft.com/office/mac/drawingml/2011/main" xmlns="" val="1"/>
             </a:ext>
           </a:extLst>
         </p:spPr>
@@ -13911,7 +14141,7 @@
   <p:timing>
     <p:tnLst>
       <p:par>
-        <p:cTn xmlns:p14="http://schemas.microsoft.com/office/powerpoint/2010/main" id="1" dur="indefinite" restart="never" nodeType="tmRoot"/>
+        <p:cTn id="1" dur="indefinite" restart="never" nodeType="tmRoot"/>
       </p:par>
     </p:tnLst>
   </p:timing>
@@ -14109,14 +14339,14 @@
           </a:ln>
           <a:effectLst/>
           <a:extLst>
-            <a:ext uri="{909E8E84-426E-40dd-AFC4-6F175D3DCCD1}">
+            <a:ext uri="{909E8E84-426E-40DD-AFC4-6F175D3DCCD1}">
               <a14:hiddenFill xmlns:a14="http://schemas.microsoft.com/office/drawing/2010/main">
                 <a:solidFill>
                   <a:srgbClr val="FFFFFF"/>
                 </a:solidFill>
               </a14:hiddenFill>
             </a:ext>
-            <a:ext uri="{91240B29-F687-4f45-9708-019B960494DF}">
+            <a:ext uri="{91240B29-F687-4F45-9708-019B960494DF}">
               <a14:hiddenLine xmlns:a14="http://schemas.microsoft.com/office/drawing/2010/main" w="9525" cap="flat">
                 <a:solidFill>
                   <a:srgbClr val="808080"/>
@@ -14126,7 +14356,7 @@
                 <a:tailEnd/>
               </a14:hiddenLine>
             </a:ext>
-            <a:ext uri="{AF507438-7753-43e0-B8FC-AC1667EBCBE1}">
+            <a:ext uri="{AF507438-7753-43E0-B8FC-AC1667EBCBE1}">
               <a14:hiddenEffects xmlns:a14="http://schemas.microsoft.com/office/drawing/2010/main">
                 <a:effectLst>
                   <a:outerShdw blurRad="63500" dist="38099" dir="2700000" algn="ctr" rotWithShape="0">
@@ -14138,7 +14368,7 @@
               </a14:hiddenEffects>
             </a:ext>
             <a:ext uri="{FAA26D3D-D897-4be2-8F04-BA451C77F1D7}">
-              <ma14:placeholderFlag xmlns:ma14="http://schemas.microsoft.com/office/mac/drawingml/2011/main" val="1"/>
+              <ma14:placeholderFlag xmlns:ma14="http://schemas.microsoft.com/office/mac/drawingml/2011/main" xmlns="" val="1"/>
             </a:ext>
           </a:extLst>
         </p:spPr>
@@ -14388,7 +14618,7 @@
   <p:timing>
     <p:tnLst>
       <p:par>
-        <p:cTn xmlns:p14="http://schemas.microsoft.com/office/powerpoint/2010/main" id="1" dur="indefinite" restart="never" nodeType="tmRoot"/>
+        <p:cTn id="1" dur="indefinite" restart="never" nodeType="tmRoot"/>
       </p:par>
     </p:tnLst>
   </p:timing>
@@ -14530,7 +14760,7 @@
   <p:timing>
     <p:tnLst>
       <p:par>
-        <p:cTn xmlns:p14="http://schemas.microsoft.com/office/powerpoint/2010/main" id="1" dur="indefinite" restart="never" nodeType="tmRoot"/>
+        <p:cTn id="1" dur="indefinite" restart="never" nodeType="tmRoot"/>
       </p:par>
     </p:tnLst>
   </p:timing>
@@ -14626,11 +14856,7 @@
             </a:r>
             <a:r>
               <a:rPr lang="en-US" sz="2400" dirty="0" smtClean="0"/>
-              <a:t>us for help</a:t>
-            </a:r>
-            <a:r>
-              <a:rPr lang="en-US" sz="2400" dirty="0" smtClean="0"/>
-              <a:t>.</a:t>
+              <a:t>us for help.</a:t>
             </a:r>
           </a:p>
           <a:p>
@@ -14696,7 +14922,7 @@
   <p:timing>
     <p:tnLst>
       <p:par>
-        <p:cTn xmlns:p14="http://schemas.microsoft.com/office/powerpoint/2010/main" id="1" dur="indefinite" restart="never" nodeType="tmRoot"/>
+        <p:cTn id="1" dur="indefinite" restart="never" nodeType="tmRoot"/>
       </p:par>
     </p:tnLst>
   </p:timing>
@@ -14838,7 +15064,7 @@
   <p:timing>
     <p:tnLst>
       <p:par>
-        <p:cTn xmlns:p14="http://schemas.microsoft.com/office/powerpoint/2010/main" id="1" dur="indefinite" restart="never" nodeType="tmRoot"/>
+        <p:cTn id="1" dur="indefinite" restart="never" nodeType="tmRoot"/>
       </p:par>
     </p:tnLst>
   </p:timing>
@@ -14917,7 +15143,11 @@
             </a:pPr>
             <a:r>
               <a:rPr lang="en-US" sz="2800" dirty="0" smtClean="0"/>
-              <a:t>private methods</a:t>
+              <a:t>private interface </a:t>
+            </a:r>
+            <a:r>
+              <a:rPr lang="en-US" sz="2800" dirty="0" smtClean="0"/>
+              <a:t>methods</a:t>
             </a:r>
             <a:endParaRPr lang="en-US" sz="2800" dirty="0"/>
           </a:p>
@@ -14998,7 +15228,7 @@
         </p:blipFill>
         <p:spPr>
           <a:xfrm>
-            <a:off x="5181600" y="1581150"/>
+            <a:off x="5562600" y="1581150"/>
             <a:ext cx="2495550" cy="2495550"/>
           </a:xfrm>
           <a:prstGeom prst="rect">
@@ -15019,7 +15249,7 @@
   <p:timing>
     <p:tnLst>
       <p:par>
-        <p:cTn xmlns:p14="http://schemas.microsoft.com/office/powerpoint/2010/main" id="1" dur="indefinite" restart="never" nodeType="tmRoot"/>
+        <p:cTn id="1" dur="indefinite" restart="never" nodeType="tmRoot"/>
       </p:par>
     </p:tnLst>
   </p:timing>
@@ -15172,7 +15402,7 @@
   <p:timing>
     <p:tnLst>
       <p:par>
-        <p:cTn xmlns:p14="http://schemas.microsoft.com/office/powerpoint/2010/main" id="1" dur="indefinite" restart="never" nodeType="tmRoot"/>
+        <p:cTn id="1" dur="indefinite" restart="never" nodeType="tmRoot"/>
       </p:par>
     </p:tnLst>
   </p:timing>
@@ -15239,8 +15469,16 @@
               <a:buChar char="•"/>
             </a:pPr>
             <a:r>
+              <a:rPr lang="en-US" dirty="0"/>
+              <a:t>p</a:t>
+            </a:r>
+            <a:r>
               <a:rPr lang="en-US" dirty="0" smtClean="0"/>
-              <a:t>Private and private static methods allowed in interfaces</a:t>
+              <a:t>rivate </a:t>
+            </a:r>
+            <a:r>
+              <a:rPr lang="en-US" dirty="0" smtClean="0"/>
+              <a:t>and private static methods allowed in interfaces</a:t>
             </a:r>
           </a:p>
           <a:p>
@@ -15257,7 +15495,11 @@
             </a:pPr>
             <a:r>
               <a:rPr lang="en-US" dirty="0" smtClean="0"/>
-              <a:t>Why? Can write other code so maintainability</a:t>
+              <a:t>Why? </a:t>
+            </a:r>
+            <a:r>
+              <a:rPr lang="en-US" dirty="0" smtClean="0"/>
+              <a:t>Can be used by static and default methods to reduce code duplication</a:t>
             </a:r>
             <a:endParaRPr lang="en-US" dirty="0"/>
           </a:p>
@@ -15305,7 +15547,7 @@
   <p:timing>
     <p:tnLst>
       <p:par>
-        <p:cTn xmlns:p14="http://schemas.microsoft.com/office/powerpoint/2010/main" id="1" dur="indefinite" restart="never" nodeType="tmRoot"/>
+        <p:cTn id="1" dur="indefinite" restart="never" nodeType="tmRoot"/>
       </p:par>
     </p:tnLst>
   </p:timing>
@@ -15362,7 +15604,7 @@
             <p:ph idx="1"/>
             <p:extLst>
               <p:ext uri="{D42A27DB-BD31-4B8C-83A1-F6EECF244321}">
-                <p14:modId xmlns:p14="http://schemas.microsoft.com/office/powerpoint/2010/main" val="2786730480"/>
+                <p14:modId xmlns:p14="http://schemas.microsoft.com/office/powerpoint/2010/main" val="3863977365"/>
               </p:ext>
             </p:extLst>
           </p:nvPr>
@@ -15433,7 +15675,7 @@
                     <a:p>
                       <a:r>
                         <a:rPr lang="en-US" sz="2200" dirty="0" smtClean="0"/>
-                        <a:t>Public</a:t>
+                        <a:t>public</a:t>
                       </a:r>
                       <a:endParaRPr lang="en-US" sz="2200" dirty="0"/>
                     </a:p>
@@ -15463,7 +15705,7 @@
                     <a:p>
                       <a:r>
                         <a:rPr lang="en-US" sz="2200" dirty="0" smtClean="0"/>
-                        <a:t>Public</a:t>
+                        <a:t>public</a:t>
                       </a:r>
                       <a:endParaRPr lang="en-US" sz="2200" dirty="0"/>
                     </a:p>
@@ -15497,7 +15739,7 @@
                     <a:p>
                       <a:r>
                         <a:rPr lang="en-US" sz="2200" dirty="0" smtClean="0"/>
-                        <a:t>Public</a:t>
+                        <a:t>public</a:t>
                       </a:r>
                       <a:endParaRPr lang="en-US" sz="2200" dirty="0"/>
                     </a:p>
@@ -15527,7 +15769,11 @@
                     <a:p>
                       <a:r>
                         <a:rPr lang="en-US" sz="2200" dirty="0" smtClean="0"/>
-                        <a:t>Public or private</a:t>
+                        <a:t>public </a:t>
+                      </a:r>
+                      <a:r>
+                        <a:rPr lang="en-US" sz="2200" dirty="0" smtClean="0"/>
+                        <a:t>or private</a:t>
                       </a:r>
                       <a:endParaRPr lang="en-US" sz="2200" dirty="0"/>
                     </a:p>
@@ -15557,7 +15803,7 @@
                     <a:p>
                       <a:r>
                         <a:rPr lang="en-US" sz="2200" dirty="0" smtClean="0"/>
-                        <a:t>Private</a:t>
+                        <a:t>private</a:t>
                       </a:r>
                       <a:endParaRPr lang="en-US" sz="2200" dirty="0"/>
                     </a:p>
@@ -15611,7 +15857,7 @@
   <p:timing>
     <p:tnLst>
       <p:par>
-        <p:cTn xmlns:p14="http://schemas.microsoft.com/office/powerpoint/2010/main" id="1" dur="indefinite" restart="never" nodeType="tmRoot"/>
+        <p:cTn id="1" dur="indefinite" restart="never" nodeType="tmRoot"/>
       </p:par>
     </p:tnLst>
   </p:timing>
@@ -15846,7 +16092,7 @@
         <p:spPr>
           <a:xfrm>
             <a:off x="3352800" y="2800350"/>
-            <a:ext cx="2819400" cy="1355704"/>
+            <a:ext cx="2819400" cy="1351652"/>
           </a:xfrm>
           <a:prstGeom prst="rect">
             <a:avLst/>
@@ -15905,23 +16151,7 @@
                   <a:srgbClr val="000000"/>
                 </a:solidFill>
               </a:rPr>
-              <a:t>Owner of </a:t>
-            </a:r>
-            <a:r>
-              <a:rPr lang="en-US" sz="2200" dirty="0" err="1" smtClean="0">
-                <a:solidFill>
-                  <a:srgbClr val="000000"/>
-                </a:solidFill>
-              </a:rPr>
-              <a:t>Selikoff</a:t>
-            </a:r>
-            <a:r>
-              <a:rPr lang="en-US" sz="2200" dirty="0" smtClean="0">
-                <a:solidFill>
-                  <a:srgbClr val="000000"/>
-                </a:solidFill>
-              </a:rPr>
-              <a:t> Solutions</a:t>
+              <a:t>Software Consultant</a:t>
             </a:r>
             <a:endParaRPr lang="en-US" sz="2200" dirty="0">
               <a:solidFill>
@@ -16022,7 +16252,7 @@
   <p:timing>
     <p:tnLst>
       <p:par>
-        <p:cTn xmlns:p14="http://schemas.microsoft.com/office/powerpoint/2010/main" id="1" dur="indefinite" restart="never" nodeType="tmRoot"/>
+        <p:cTn id="1" dur="indefinite" restart="never" nodeType="tmRoot"/>
       </p:par>
     </p:tnLst>
   </p:timing>
@@ -16149,7 +16379,7 @@
   <p:timing>
     <p:tnLst>
       <p:par>
-        <p:cTn xmlns:p14="http://schemas.microsoft.com/office/powerpoint/2010/main" id="1" dur="indefinite" restart="never" nodeType="tmRoot"/>
+        <p:cTn id="1" dur="indefinite" restart="never" nodeType="tmRoot"/>
       </p:par>
     </p:tnLst>
   </p:timing>
@@ -16236,16 +16466,12 @@
           <a:p>
             <a:pPr marL="0" indent="0"/>
             <a:r>
+              <a:rPr lang="en-US" sz="2800" dirty="0" smtClean="0"/>
+              <a:t>public </a:t>
+            </a:r>
+            <a:r>
               <a:rPr lang="en-US" sz="2800" dirty="0"/>
-              <a:t>public </a:t>
-            </a:r>
-            <a:r>
-              <a:rPr lang="en-US" sz="2800" dirty="0" err="1"/>
-              <a:t>int</a:t>
-            </a:r>
-            <a:r>
-              <a:rPr lang="en-US" sz="2800" dirty="0"/>
-              <a:t> </a:t>
+              <a:t>int </a:t>
             </a:r>
             <a:r>
               <a:rPr lang="en-US" sz="2800" dirty="0" err="1"/>
@@ -16338,7 +16564,7 @@
   <p:timing>
     <p:tnLst>
       <p:par>
-        <p:cTn xmlns:p14="http://schemas.microsoft.com/office/powerpoint/2010/main" id="1" dur="indefinite" restart="never" nodeType="tmRoot"/>
+        <p:cTn id="1" dur="indefinite" restart="never" nodeType="tmRoot"/>
       </p:par>
     </p:tnLst>
   </p:timing>
@@ -16520,7 +16746,7 @@
   <p:timing>
     <p:tnLst>
       <p:par>
-        <p:cTn xmlns:p14="http://schemas.microsoft.com/office/powerpoint/2010/main" id="1" dur="indefinite" restart="never" nodeType="tmRoot"/>
+        <p:cTn id="1" dur="indefinite" restart="never" nodeType="tmRoot"/>
       </p:par>
     </p:tnLst>
   </p:timing>
@@ -16639,13 +16865,18 @@
           <a:p>
             <a:pPr marL="0" indent="0"/>
             <a:r>
-              <a:rPr lang="en-US" dirty="0" smtClean="0"/>
+              <a:rPr lang="en-US" smtClean="0"/>
               <a:t>try</a:t>
             </a:r>
             <a:r>
-              <a:rPr lang="en-US" dirty="0"/>
-              <a:t>(reader){</a:t>
-            </a:r>
+              <a:rPr lang="en-US"/>
+              <a:t>(reader</a:t>
+            </a:r>
+            <a:r>
+              <a:rPr lang="en-US" smtClean="0"/>
+              <a:t>) {</a:t>
+            </a:r>
+            <a:endParaRPr lang="en-US" dirty="0"/>
           </a:p>
           <a:p>
             <a:pPr marL="0" indent="0"/>
@@ -16705,7 +16936,7 @@
   <p:timing>
     <p:tnLst>
       <p:par>
-        <p:cTn xmlns:p14="http://schemas.microsoft.com/office/powerpoint/2010/main" id="1" dur="indefinite" restart="never" nodeType="tmRoot"/>
+        <p:cTn id="1" dur="indefinite" restart="never" nodeType="tmRoot"/>
       </p:par>
     </p:tnLst>
   </p:timing>
@@ -16809,14 +17040,14 @@
             <a:noFill/>
           </a:ln>
           <a:extLst>
-            <a:ext uri="{909E8E84-426E-40dd-AFC4-6F175D3DCCD1}">
+            <a:ext uri="{909E8E84-426E-40DD-AFC4-6F175D3DCCD1}">
               <a14:hiddenFill xmlns:a14="http://schemas.microsoft.com/office/drawing/2010/main">
                 <a:solidFill>
                   <a:srgbClr val="FFFFFF"/>
                 </a:solidFill>
               </a14:hiddenFill>
             </a:ext>
-            <a:ext uri="{91240B29-F687-4f45-9708-019B960494DF}">
+            <a:ext uri="{91240B29-F687-4F45-9708-019B960494DF}">
               <a14:hiddenLine xmlns:a14="http://schemas.microsoft.com/office/drawing/2010/main" w="9525">
                 <a:solidFill>
                   <a:srgbClr val="000000"/>
@@ -17192,14 +17423,14 @@
             <a:noFill/>
           </a:ln>
           <a:extLst>
-            <a:ext uri="{909E8E84-426E-40dd-AFC4-6F175D3DCCD1}">
+            <a:ext uri="{909E8E84-426E-40DD-AFC4-6F175D3DCCD1}">
               <a14:hiddenFill xmlns:a14="http://schemas.microsoft.com/office/drawing/2010/main">
                 <a:solidFill>
                   <a:srgbClr val="FFFFFF"/>
                 </a:solidFill>
               </a14:hiddenFill>
             </a:ext>
-            <a:ext uri="{91240B29-F687-4f45-9708-019B960494DF}">
+            <a:ext uri="{91240B29-F687-4F45-9708-019B960494DF}">
               <a14:hiddenLine xmlns:a14="http://schemas.microsoft.com/office/drawing/2010/main" w="9525">
                 <a:solidFill>
                   <a:srgbClr val="000000"/>
@@ -17241,7 +17472,7 @@
   <p:timing>
     <p:tnLst>
       <p:par>
-        <p:cTn xmlns:p14="http://schemas.microsoft.com/office/powerpoint/2010/main" id="1" dur="indefinite" restart="never" nodeType="tmRoot">
+        <p:cTn id="1" dur="indefinite" restart="never" nodeType="tmRoot">
           <p:childTnLst>
             <p:seq concurrent="1" nextAc="seek">
               <p:cTn id="2" dur="indefinite" nodeType="mainSeq">
@@ -17572,7 +17803,7 @@
   <p:timing>
     <p:tnLst>
       <p:par>
-        <p:cTn xmlns:p14="http://schemas.microsoft.com/office/powerpoint/2010/main" id="1" dur="indefinite" restart="never" nodeType="tmRoot"/>
+        <p:cTn id="1" dur="indefinite" restart="never" nodeType="tmRoot"/>
       </p:par>
     </p:tnLst>
   </p:timing>
@@ -17798,14 +18029,14 @@
           </a:ln>
           <a:effectLst/>
           <a:extLst>
-            <a:ext uri="{909E8E84-426E-40dd-AFC4-6F175D3DCCD1}">
+            <a:ext uri="{909E8E84-426E-40DD-AFC4-6F175D3DCCD1}">
               <a14:hiddenFill xmlns:a14="http://schemas.microsoft.com/office/drawing/2010/main">
                 <a:solidFill>
                   <a:srgbClr val="FFFFFF"/>
                 </a:solidFill>
               </a14:hiddenFill>
             </a:ext>
-            <a:ext uri="{91240B29-F687-4f45-9708-019B960494DF}">
+            <a:ext uri="{91240B29-F687-4F45-9708-019B960494DF}">
               <a14:hiddenLine xmlns:a14="http://schemas.microsoft.com/office/drawing/2010/main" w="9525" cap="flat">
                 <a:solidFill>
                   <a:srgbClr val="808080"/>
@@ -17815,7 +18046,7 @@
                 <a:tailEnd/>
               </a14:hiddenLine>
             </a:ext>
-            <a:ext uri="{AF507438-7753-43e0-B8FC-AC1667EBCBE1}">
+            <a:ext uri="{AF507438-7753-43E0-B8FC-AC1667EBCBE1}">
               <a14:hiddenEffects xmlns:a14="http://schemas.microsoft.com/office/drawing/2010/main">
                 <a:effectLst>
                   <a:outerShdw blurRad="63500" dist="38099" dir="2700000" algn="ctr" rotWithShape="0">
@@ -17827,7 +18058,7 @@
               </a14:hiddenEffects>
             </a:ext>
             <a:ext uri="{FAA26D3D-D897-4be2-8F04-BA451C77F1D7}">
-              <ma14:placeholderFlag xmlns:ma14="http://schemas.microsoft.com/office/mac/drawingml/2011/main" val="1"/>
+              <ma14:placeholderFlag xmlns:ma14="http://schemas.microsoft.com/office/mac/drawingml/2011/main" xmlns="" val="1"/>
             </a:ext>
           </a:extLst>
         </p:spPr>
@@ -18094,7 +18325,7 @@
   <p:timing>
     <p:tnLst>
       <p:par>
-        <p:cTn xmlns:p14="http://schemas.microsoft.com/office/powerpoint/2010/main" id="1" dur="indefinite" restart="never" nodeType="tmRoot"/>
+        <p:cTn id="1" dur="indefinite" restart="never" nodeType="tmRoot"/>
       </p:par>
     </p:tnLst>
   </p:timing>
@@ -18310,14 +18541,14 @@
           </a:ln>
           <a:effectLst/>
           <a:extLst>
-            <a:ext uri="{909E8E84-426E-40dd-AFC4-6F175D3DCCD1}">
+            <a:ext uri="{909E8E84-426E-40DD-AFC4-6F175D3DCCD1}">
               <a14:hiddenFill xmlns:a14="http://schemas.microsoft.com/office/drawing/2010/main">
                 <a:solidFill>
                   <a:srgbClr val="FFFFFF"/>
                 </a:solidFill>
               </a14:hiddenFill>
             </a:ext>
-            <a:ext uri="{91240B29-F687-4f45-9708-019B960494DF}">
+            <a:ext uri="{91240B29-F687-4F45-9708-019B960494DF}">
               <a14:hiddenLine xmlns:a14="http://schemas.microsoft.com/office/drawing/2010/main" w="9525" cap="flat">
                 <a:solidFill>
                   <a:srgbClr val="808080"/>
@@ -18327,7 +18558,7 @@
                 <a:tailEnd/>
               </a14:hiddenLine>
             </a:ext>
-            <a:ext uri="{AF507438-7753-43e0-B8FC-AC1667EBCBE1}">
+            <a:ext uri="{AF507438-7753-43E0-B8FC-AC1667EBCBE1}">
               <a14:hiddenEffects xmlns:a14="http://schemas.microsoft.com/office/drawing/2010/main">
                 <a:effectLst>
                   <a:outerShdw blurRad="63500" dist="38099" dir="2700000" algn="ctr" rotWithShape="0">
@@ -18339,7 +18570,7 @@
               </a14:hiddenEffects>
             </a:ext>
             <a:ext uri="{FAA26D3D-D897-4be2-8F04-BA451C77F1D7}">
-              <ma14:placeholderFlag xmlns:ma14="http://schemas.microsoft.com/office/mac/drawingml/2011/main" val="1"/>
+              <ma14:placeholderFlag xmlns:ma14="http://schemas.microsoft.com/office/mac/drawingml/2011/main" xmlns="" val="1"/>
             </a:ext>
           </a:extLst>
         </p:spPr>
@@ -18606,7 +18837,7 @@
   <p:timing>
     <p:tnLst>
       <p:par>
-        <p:cTn xmlns:p14="http://schemas.microsoft.com/office/powerpoint/2010/main" id="1" dur="indefinite" restart="never" nodeType="tmRoot"/>
+        <p:cTn id="1" dur="indefinite" restart="never" nodeType="tmRoot"/>
       </p:par>
     </p:tnLst>
   </p:timing>
@@ -18825,7 +19056,7 @@
   <p:timing>
     <p:tnLst>
       <p:par>
-        <p:cTn xmlns:p14="http://schemas.microsoft.com/office/powerpoint/2010/main" id="1" dur="indefinite" restart="never" nodeType="tmRoot"/>
+        <p:cTn id="1" dur="indefinite" restart="never" nodeType="tmRoot"/>
       </p:par>
     </p:tnLst>
   </p:timing>
@@ -19007,14 +19238,14 @@
           </a:ln>
           <a:effectLst/>
           <a:extLst>
-            <a:ext uri="{909E8E84-426E-40dd-AFC4-6F175D3DCCD1}">
+            <a:ext uri="{909E8E84-426E-40DD-AFC4-6F175D3DCCD1}">
               <a14:hiddenFill xmlns:a14="http://schemas.microsoft.com/office/drawing/2010/main">
                 <a:solidFill>
                   <a:srgbClr val="FFFFFF"/>
                 </a:solidFill>
               </a14:hiddenFill>
             </a:ext>
-            <a:ext uri="{91240B29-F687-4f45-9708-019B960494DF}">
+            <a:ext uri="{91240B29-F687-4F45-9708-019B960494DF}">
               <a14:hiddenLine xmlns:a14="http://schemas.microsoft.com/office/drawing/2010/main" w="9525" cap="flat">
                 <a:solidFill>
                   <a:srgbClr val="808080"/>
@@ -19024,7 +19255,7 @@
                 <a:tailEnd/>
               </a14:hiddenLine>
             </a:ext>
-            <a:ext uri="{AF507438-7753-43e0-B8FC-AC1667EBCBE1}">
+            <a:ext uri="{AF507438-7753-43E0-B8FC-AC1667EBCBE1}">
               <a14:hiddenEffects xmlns:a14="http://schemas.microsoft.com/office/drawing/2010/main">
                 <a:effectLst>
                   <a:outerShdw blurRad="63500" dist="38099" dir="2700000" algn="ctr" rotWithShape="0">
@@ -19036,7 +19267,7 @@
               </a14:hiddenEffects>
             </a:ext>
             <a:ext uri="{FAA26D3D-D897-4be2-8F04-BA451C77F1D7}">
-              <ma14:placeholderFlag xmlns:ma14="http://schemas.microsoft.com/office/mac/drawingml/2011/main" val="1"/>
+              <ma14:placeholderFlag xmlns:ma14="http://schemas.microsoft.com/office/mac/drawingml/2011/main" xmlns="" val="1"/>
             </a:ext>
           </a:extLst>
         </p:spPr>
@@ -19335,7 +19566,7 @@
   <p:timing>
     <p:tnLst>
       <p:par>
-        <p:cTn xmlns:p14="http://schemas.microsoft.com/office/powerpoint/2010/main" id="1" dur="indefinite" restart="never" nodeType="tmRoot"/>
+        <p:cTn id="1" dur="indefinite" restart="never" nodeType="tmRoot"/>
       </p:par>
     </p:tnLst>
   </p:timing>
@@ -19445,14 +19676,14 @@
             <a:noFill/>
           </a:ln>
           <a:extLst>
-            <a:ext uri="{909E8E84-426E-40dd-AFC4-6F175D3DCCD1}">
+            <a:ext uri="{909E8E84-426E-40DD-AFC4-6F175D3DCCD1}">
               <a14:hiddenFill xmlns:a14="http://schemas.microsoft.com/office/drawing/2010/main">
                 <a:solidFill>
                   <a:srgbClr val="FFFFFF"/>
                 </a:solidFill>
               </a14:hiddenFill>
             </a:ext>
-            <a:ext uri="{91240B29-F687-4f45-9708-019B960494DF}">
+            <a:ext uri="{91240B29-F687-4F45-9708-019B960494DF}">
               <a14:hiddenLine xmlns:a14="http://schemas.microsoft.com/office/drawing/2010/main" w="9525">
                 <a:solidFill>
                   <a:srgbClr val="000000"/>
@@ -19478,7 +19709,7 @@
   <p:timing>
     <p:tnLst>
       <p:par>
-        <p:cTn xmlns:p14="http://schemas.microsoft.com/office/powerpoint/2010/main" id="1" dur="indefinite" restart="never" nodeType="tmRoot"/>
+        <p:cTn id="1" dur="indefinite" restart="never" nodeType="tmRoot"/>
       </p:par>
     </p:tnLst>
   </p:timing>
@@ -19681,7 +19912,7 @@
   <p:timing>
     <p:tnLst>
       <p:par>
-        <p:cTn xmlns:p14="http://schemas.microsoft.com/office/powerpoint/2010/main" id="1" dur="indefinite" restart="never" nodeType="tmRoot"/>
+        <p:cTn id="1" dur="indefinite" restart="never" nodeType="tmRoot"/>
       </p:par>
     </p:tnLst>
   </p:timing>
@@ -19850,7 +20081,7 @@
   <p:timing>
     <p:tnLst>
       <p:par>
-        <p:cTn xmlns:p14="http://schemas.microsoft.com/office/powerpoint/2010/main" id="1" dur="indefinite" restart="never" nodeType="tmRoot"/>
+        <p:cTn id="1" dur="indefinite" restart="never" nodeType="tmRoot"/>
       </p:par>
     </p:tnLst>
   </p:timing>
@@ -20104,7 +20335,7 @@
   <p:timing>
     <p:tnLst>
       <p:par>
-        <p:cTn xmlns:p14="http://schemas.microsoft.com/office/powerpoint/2010/main" id="1" dur="indefinite" restart="never" nodeType="tmRoot">
+        <p:cTn id="1" dur="indefinite" restart="never" nodeType="tmRoot">
           <p:childTnLst>
             <p:seq concurrent="1" nextAc="seek">
               <p:cTn id="2" dur="indefinite" nodeType="mainSeq">
@@ -20670,7 +20901,7 @@
   <p:timing>
     <p:tnLst>
       <p:par>
-        <p:cTn xmlns:p14="http://schemas.microsoft.com/office/powerpoint/2010/main" id="1" dur="indefinite" restart="never" nodeType="tmRoot">
+        <p:cTn id="1" dur="indefinite" restart="never" nodeType="tmRoot">
           <p:childTnLst>
             <p:seq concurrent="1" nextAc="seek">
               <p:cTn id="2" dur="indefinite" nodeType="mainSeq">
@@ -21175,7 +21406,7 @@
   <p:timing>
     <p:tnLst>
       <p:par>
-        <p:cTn xmlns:p14="http://schemas.microsoft.com/office/powerpoint/2010/main" id="1" dur="indefinite" restart="never" nodeType="tmRoot"/>
+        <p:cTn id="1" dur="indefinite" restart="never" nodeType="tmRoot"/>
       </p:par>
     </p:tnLst>
   </p:timing>
@@ -21396,7 +21627,7 @@
   <p:timing>
     <p:tnLst>
       <p:par>
-        <p:cTn xmlns:p14="http://schemas.microsoft.com/office/powerpoint/2010/main" id="1" dur="indefinite" restart="never" nodeType="tmRoot">
+        <p:cTn id="1" dur="indefinite" restart="never" nodeType="tmRoot">
           <p:childTnLst>
             <p:seq concurrent="1" nextAc="seek">
               <p:cTn id="2" dur="indefinite" nodeType="mainSeq">
@@ -21940,7 +22171,7 @@
   <p:timing>
     <p:tnLst>
       <p:par>
-        <p:cTn xmlns:p14="http://schemas.microsoft.com/office/powerpoint/2010/main" id="1" dur="indefinite" restart="never" nodeType="tmRoot">
+        <p:cTn id="1" dur="indefinite" restart="never" nodeType="tmRoot">
           <p:childTnLst>
             <p:seq concurrent="1" nextAc="seek">
               <p:cTn id="2" dur="indefinite" nodeType="mainSeq">
@@ -22458,7 +22689,7 @@
   <p:timing>
     <p:tnLst>
       <p:par>
-        <p:cTn xmlns:p14="http://schemas.microsoft.com/office/powerpoint/2010/main" id="1" dur="indefinite" restart="never" nodeType="tmRoot">
+        <p:cTn id="1" dur="indefinite" restart="never" nodeType="tmRoot">
           <p:childTnLst>
             <p:seq concurrent="1" nextAc="seek">
               <p:cTn id="2" dur="indefinite" nodeType="mainSeq">
@@ -22850,7 +23081,7 @@
   <p:timing>
     <p:tnLst>
       <p:par>
-        <p:cTn xmlns:p14="http://schemas.microsoft.com/office/powerpoint/2010/main" id="1" dur="indefinite" restart="never" nodeType="tmRoot">
+        <p:cTn id="1" dur="indefinite" restart="never" nodeType="tmRoot">
           <p:childTnLst>
             <p:seq concurrent="1" nextAc="seek">
               <p:cTn id="2" dur="indefinite" nodeType="mainSeq">
@@ -23170,7 +23401,7 @@
   <p:timing>
     <p:tnLst>
       <p:par>
-        <p:cTn xmlns:p14="http://schemas.microsoft.com/office/powerpoint/2010/main" id="1" dur="indefinite" restart="never" nodeType="tmRoot"/>
+        <p:cTn id="1" dur="indefinite" restart="never" nodeType="tmRoot"/>
       </p:par>
     </p:tnLst>
   </p:timing>
@@ -23211,7 +23442,11 @@
           <a:p>
             <a:r>
               <a:rPr lang="en-US" dirty="0" smtClean="0"/>
-              <a:t>Pre-order Java 11 Cert Books</a:t>
+              <a:t>Pre-order Java 11 Cert </a:t>
+            </a:r>
+            <a:r>
+              <a:rPr lang="en-US" dirty="0" smtClean="0"/>
+              <a:t>Books</a:t>
             </a:r>
             <a:endParaRPr lang="en-US" dirty="0"/>
           </a:p>
@@ -23294,6 +23529,35 @@
           </a:prstGeom>
         </p:spPr>
       </p:pic>
+      <p:sp>
+        <p:nvSpPr>
+          <p:cNvPr id="8" name="Content Placeholder 2"/>
+          <p:cNvSpPr>
+            <a:spLocks noGrp="1"/>
+          </p:cNvSpPr>
+          <p:nvPr>
+            <p:ph idx="1"/>
+          </p:nvPr>
+        </p:nvSpPr>
+        <p:spPr>
+          <a:xfrm>
+            <a:off x="815980" y="3841750"/>
+            <a:ext cx="7504113" cy="561976"/>
+          </a:xfrm>
+        </p:spPr>
+        <p:txBody>
+          <a:bodyPr/>
+          <a:lstStyle/>
+          <a:p>
+            <a:pPr marL="0" indent="0"/>
+            <a:r>
+              <a:rPr lang="en-US" dirty="0" smtClean="0"/>
+              <a:t>Book I (Exam 1Z0-815) available in November</a:t>
+            </a:r>
+            <a:endParaRPr lang="en-US" dirty="0" smtClean="0"/>
+          </a:p>
+        </p:txBody>
+      </p:sp>
     </p:spTree>
     <p:extLst>
       <p:ext uri="{BB962C8B-B14F-4D97-AF65-F5344CB8AC3E}">
@@ -23307,7 +23571,7 @@
   <p:timing>
     <p:tnLst>
       <p:par>
-        <p:cTn xmlns:p14="http://schemas.microsoft.com/office/powerpoint/2010/main" id="1" dur="indefinite" restart="never" nodeType="tmRoot"/>
+        <p:cTn id="1" dur="indefinite" restart="never" nodeType="tmRoot"/>
       </p:par>
     </p:tnLst>
   </p:timing>
@@ -23537,14 +23801,14 @@
             <a:noFill/>
           </a:ln>
           <a:extLst>
-            <a:ext uri="{909E8E84-426E-40dd-AFC4-6F175D3DCCD1}">
+            <a:ext uri="{909E8E84-426E-40DD-AFC4-6F175D3DCCD1}">
               <a14:hiddenFill xmlns:a14="http://schemas.microsoft.com/office/drawing/2010/main">
                 <a:solidFill>
                   <a:srgbClr val="FFFFFF"/>
                 </a:solidFill>
               </a14:hiddenFill>
             </a:ext>
-            <a:ext uri="{91240B29-F687-4f45-9708-019B960494DF}">
+            <a:ext uri="{91240B29-F687-4F45-9708-019B960494DF}">
               <a14:hiddenLine xmlns:a14="http://schemas.microsoft.com/office/drawing/2010/main" w="9525">
                 <a:solidFill>
                   <a:srgbClr val="000000"/>
@@ -23586,7 +23850,7 @@
   <p:timing>
     <p:tnLst>
       <p:par>
-        <p:cTn xmlns:p14="http://schemas.microsoft.com/office/powerpoint/2010/main" id="1" dur="indefinite" restart="never" nodeType="tmRoot"/>
+        <p:cTn id="1" dur="indefinite" restart="never" nodeType="tmRoot"/>
       </p:par>
     </p:tnLst>
   </p:timing>
@@ -23864,7 +24128,7 @@
   <p:timing>
     <p:tnLst>
       <p:par>
-        <p:cTn xmlns:p14="http://schemas.microsoft.com/office/powerpoint/2010/main" id="1" dur="indefinite" restart="never" nodeType="tmRoot"/>
+        <p:cTn id="1" dur="indefinite" restart="never" nodeType="tmRoot"/>
       </p:par>
     </p:tnLst>
   </p:timing>
@@ -23939,14 +24203,14 @@
             <a:noFill/>
           </a:ln>
           <a:extLst>
-            <a:ext uri="{909E8E84-426E-40dd-AFC4-6F175D3DCCD1}">
+            <a:ext uri="{909E8E84-426E-40DD-AFC4-6F175D3DCCD1}">
               <a14:hiddenFill xmlns:a14="http://schemas.microsoft.com/office/drawing/2010/main">
                 <a:solidFill>
                   <a:srgbClr val="FFFFFF"/>
                 </a:solidFill>
               </a14:hiddenFill>
             </a:ext>
-            <a:ext uri="{91240B29-F687-4f45-9708-019B960494DF}">
+            <a:ext uri="{91240B29-F687-4F45-9708-019B960494DF}">
               <a14:hiddenLine xmlns:a14="http://schemas.microsoft.com/office/drawing/2010/main" w="9525">
                 <a:solidFill>
                   <a:srgbClr val="000000"/>
@@ -24016,14 +24280,14 @@
             <a:noFill/>
           </a:ln>
           <a:extLst>
-            <a:ext uri="{909E8E84-426E-40dd-AFC4-6F175D3DCCD1}">
+            <a:ext uri="{909E8E84-426E-40DD-AFC4-6F175D3DCCD1}">
               <a14:hiddenFill xmlns:a14="http://schemas.microsoft.com/office/drawing/2010/main">
                 <a:solidFill>
                   <a:srgbClr val="FFFFFF"/>
                 </a:solidFill>
               </a14:hiddenFill>
             </a:ext>
-            <a:ext uri="{91240B29-F687-4f45-9708-019B960494DF}">
+            <a:ext uri="{91240B29-F687-4F45-9708-019B960494DF}">
               <a14:hiddenLine xmlns:a14="http://schemas.microsoft.com/office/drawing/2010/main" w="9525">
                 <a:solidFill>
                   <a:srgbClr val="000000"/>
@@ -24080,7 +24344,7 @@
           </a:ln>
           <a:effectLst/>
           <a:extLst>
-            <a:ext uri="{AF507438-7753-43e0-B8FC-AC1667EBCBE1}">
+            <a:ext uri="{AF507438-7753-43E0-B8FC-AC1667EBCBE1}">
               <a14:hiddenEffects xmlns:a14="http://schemas.microsoft.com/office/drawing/2010/main">
                 <a:effectLst>
                   <a:outerShdw blurRad="63500" dist="38099" dir="2700000" algn="ctr" rotWithShape="0">
@@ -24163,7 +24427,7 @@
   <p:timing>
     <p:tnLst>
       <p:par>
-        <p:cTn xmlns:p14="http://schemas.microsoft.com/office/powerpoint/2010/main" id="1" dur="indefinite" restart="never" nodeType="tmRoot">
+        <p:cTn id="1" dur="indefinite" restart="never" nodeType="tmRoot">
           <p:childTnLst>
             <p:seq concurrent="1" nextAc="seek">
               <p:cTn id="2" dur="indefinite" nodeType="mainSeq">
@@ -24333,14 +24597,14 @@
             <a:noFill/>
           </a:ln>
           <a:extLst>
-            <a:ext uri="{909E8E84-426E-40dd-AFC4-6F175D3DCCD1}">
+            <a:ext uri="{909E8E84-426E-40DD-AFC4-6F175D3DCCD1}">
               <a14:hiddenFill xmlns:a14="http://schemas.microsoft.com/office/drawing/2010/main">
                 <a:solidFill>
                   <a:srgbClr val="FFFFFF"/>
                 </a:solidFill>
               </a14:hiddenFill>
             </a:ext>
-            <a:ext uri="{91240B29-F687-4f45-9708-019B960494DF}">
+            <a:ext uri="{91240B29-F687-4F45-9708-019B960494DF}">
               <a14:hiddenLine xmlns:a14="http://schemas.microsoft.com/office/drawing/2010/main" w="9525">
                 <a:solidFill>
                   <a:srgbClr val="000000"/>
@@ -24410,14 +24674,14 @@
             <a:noFill/>
           </a:ln>
           <a:extLst>
-            <a:ext uri="{909E8E84-426E-40dd-AFC4-6F175D3DCCD1}">
+            <a:ext uri="{909E8E84-426E-40DD-AFC4-6F175D3DCCD1}">
               <a14:hiddenFill xmlns:a14="http://schemas.microsoft.com/office/drawing/2010/main">
                 <a:solidFill>
                   <a:srgbClr val="FFFFFF"/>
                 </a:solidFill>
               </a14:hiddenFill>
             </a:ext>
-            <a:ext uri="{91240B29-F687-4f45-9708-019B960494DF}">
+            <a:ext uri="{91240B29-F687-4F45-9708-019B960494DF}">
               <a14:hiddenLine xmlns:a14="http://schemas.microsoft.com/office/drawing/2010/main" w="9525">
                 <a:solidFill>
                   <a:srgbClr val="000000"/>
@@ -24489,7 +24753,7 @@
           </a:ln>
           <a:effectLst/>
           <a:extLst>
-            <a:ext uri="{AF507438-7753-43e0-B8FC-AC1667EBCBE1}">
+            <a:ext uri="{AF507438-7753-43E0-B8FC-AC1667EBCBE1}">
               <a14:hiddenEffects xmlns:a14="http://schemas.microsoft.com/office/drawing/2010/main">
                 <a:effectLst>
                   <a:outerShdw blurRad="63500" dist="38099" dir="2700000" algn="ctr" rotWithShape="0">
@@ -24602,7 +24866,7 @@
   <p:timing>
     <p:tnLst>
       <p:par>
-        <p:cTn xmlns:p14="http://schemas.microsoft.com/office/powerpoint/2010/main" id="1" dur="indefinite" restart="never" nodeType="tmRoot">
+        <p:cTn id="1" dur="indefinite" restart="never" nodeType="tmRoot">
           <p:childTnLst>
             <p:seq concurrent="1" nextAc="seek">
               <p:cTn id="2" dur="indefinite" nodeType="mainSeq">
@@ -24809,7 +25073,7 @@
             <a:tailEnd/>
           </a:ln>
           <a:extLst>
-            <a:ext uri="{909E8E84-426E-40dd-AFC4-6F175D3DCCD1}">
+            <a:ext uri="{909E8E84-426E-40DD-AFC4-6F175D3DCCD1}">
               <a14:hiddenFill xmlns:a14="http://schemas.microsoft.com/office/drawing/2010/main">
                 <a:solidFill>
                   <a:srgbClr val="FFFFFF"/>
@@ -25044,14 +25308,14 @@
             <a:noFill/>
           </a:ln>
           <a:extLst>
-            <a:ext uri="{909E8E84-426E-40dd-AFC4-6F175D3DCCD1}">
+            <a:ext uri="{909E8E84-426E-40DD-AFC4-6F175D3DCCD1}">
               <a14:hiddenFill xmlns:a14="http://schemas.microsoft.com/office/drawing/2010/main">
                 <a:solidFill>
                   <a:srgbClr val="FFFFFF"/>
                 </a:solidFill>
               </a14:hiddenFill>
             </a:ext>
-            <a:ext uri="{91240B29-F687-4f45-9708-019B960494DF}">
+            <a:ext uri="{91240B29-F687-4F45-9708-019B960494DF}">
               <a14:hiddenLine xmlns:a14="http://schemas.microsoft.com/office/drawing/2010/main" w="9525">
                 <a:solidFill>
                   <a:srgbClr val="000000"/>
@@ -25098,7 +25362,7 @@
   <p:timing>
     <p:tnLst>
       <p:par>
-        <p:cTn xmlns:p14="http://schemas.microsoft.com/office/powerpoint/2010/main" id="1" dur="indefinite" restart="never" nodeType="tmRoot">
+        <p:cTn id="1" dur="indefinite" restart="never" nodeType="tmRoot">
           <p:childTnLst>
             <p:seq concurrent="1" nextAc="seek">
               <p:cTn id="2" dur="indefinite" nodeType="mainSeq">
@@ -25295,7 +25559,7 @@
             <a:tailEnd/>
           </a:ln>
           <a:extLst>
-            <a:ext uri="{909E8E84-426E-40dd-AFC4-6F175D3DCCD1}">
+            <a:ext uri="{909E8E84-426E-40DD-AFC4-6F175D3DCCD1}">
               <a14:hiddenFill xmlns:a14="http://schemas.microsoft.com/office/drawing/2010/main">
                 <a:solidFill>
                   <a:srgbClr val="FFFFFF"/>
@@ -25530,14 +25794,14 @@
             <a:noFill/>
           </a:ln>
           <a:extLst>
-            <a:ext uri="{909E8E84-426E-40dd-AFC4-6F175D3DCCD1}">
+            <a:ext uri="{909E8E84-426E-40DD-AFC4-6F175D3DCCD1}">
               <a14:hiddenFill xmlns:a14="http://schemas.microsoft.com/office/drawing/2010/main">
                 <a:solidFill>
                   <a:srgbClr val="FFFFFF"/>
                 </a:solidFill>
               </a14:hiddenFill>
             </a:ext>
-            <a:ext uri="{91240B29-F687-4f45-9708-019B960494DF}">
+            <a:ext uri="{91240B29-F687-4F45-9708-019B960494DF}">
               <a14:hiddenLine xmlns:a14="http://schemas.microsoft.com/office/drawing/2010/main" w="9525">
                 <a:solidFill>
                   <a:srgbClr val="000000"/>
@@ -25579,7 +25843,7 @@
   <p:timing>
     <p:tnLst>
       <p:par>
-        <p:cTn xmlns:p14="http://schemas.microsoft.com/office/powerpoint/2010/main" id="1" dur="indefinite" restart="never" nodeType="tmRoot">
+        <p:cTn id="1" dur="indefinite" restart="never" nodeType="tmRoot">
           <p:childTnLst>
             <p:seq concurrent="1" nextAc="seek">
               <p:cTn id="2" dur="indefinite" nodeType="mainSeq">
@@ -25730,7 +25994,7 @@
             <a:tailEnd/>
           </a:ln>
           <a:extLst>
-            <a:ext uri="{909E8E84-426E-40dd-AFC4-6F175D3DCCD1}">
+            <a:ext uri="{909E8E84-426E-40DD-AFC4-6F175D3DCCD1}">
               <a14:hiddenFill xmlns:a14="http://schemas.microsoft.com/office/drawing/2010/main">
                 <a:solidFill>
                   <a:srgbClr val="FFFFFF"/>
@@ -25965,14 +26229,14 @@
             <a:noFill/>
           </a:ln>
           <a:extLst>
-            <a:ext uri="{909E8E84-426E-40dd-AFC4-6F175D3DCCD1}">
+            <a:ext uri="{909E8E84-426E-40DD-AFC4-6F175D3DCCD1}">
               <a14:hiddenFill xmlns:a14="http://schemas.microsoft.com/office/drawing/2010/main">
                 <a:solidFill>
                   <a:srgbClr val="FFFFFF"/>
                 </a:solidFill>
               </a14:hiddenFill>
             </a:ext>
-            <a:ext uri="{91240B29-F687-4f45-9708-019B960494DF}">
+            <a:ext uri="{91240B29-F687-4F45-9708-019B960494DF}">
               <a14:hiddenLine xmlns:a14="http://schemas.microsoft.com/office/drawing/2010/main" w="9525">
                 <a:solidFill>
                   <a:srgbClr val="000000"/>
@@ -26019,7 +26283,7 @@
   <p:timing>
     <p:tnLst>
       <p:par>
-        <p:cTn xmlns:p14="http://schemas.microsoft.com/office/powerpoint/2010/main" id="1" dur="indefinite" restart="never" nodeType="tmRoot">
+        <p:cTn id="1" dur="indefinite" restart="never" nodeType="tmRoot">
           <p:childTnLst>
             <p:seq concurrent="1" nextAc="seek">
               <p:cTn id="2" dur="indefinite" nodeType="mainSeq">
@@ -26216,7 +26480,7 @@
             <a:tailEnd/>
           </a:ln>
           <a:extLst>
-            <a:ext uri="{909E8E84-426E-40dd-AFC4-6F175D3DCCD1}">
+            <a:ext uri="{909E8E84-426E-40DD-AFC4-6F175D3DCCD1}">
               <a14:hiddenFill xmlns:a14="http://schemas.microsoft.com/office/drawing/2010/main">
                 <a:solidFill>
                   <a:srgbClr val="FFFFFF"/>
@@ -26433,14 +26697,14 @@
             <a:noFill/>
           </a:ln>
           <a:extLst>
-            <a:ext uri="{909E8E84-426E-40dd-AFC4-6F175D3DCCD1}">
+            <a:ext uri="{909E8E84-426E-40DD-AFC4-6F175D3DCCD1}">
               <a14:hiddenFill xmlns:a14="http://schemas.microsoft.com/office/drawing/2010/main">
                 <a:solidFill>
                   <a:srgbClr val="FFFFFF"/>
                 </a:solidFill>
               </a14:hiddenFill>
             </a:ext>
-            <a:ext uri="{91240B29-F687-4f45-9708-019B960494DF}">
+            <a:ext uri="{91240B29-F687-4F45-9708-019B960494DF}">
               <a14:hiddenLine xmlns:a14="http://schemas.microsoft.com/office/drawing/2010/main" w="9525">
                 <a:solidFill>
                   <a:srgbClr val="000000"/>
@@ -26514,7 +26778,7 @@
   <p:timing>
     <p:tnLst>
       <p:par>
-        <p:cTn xmlns:p14="http://schemas.microsoft.com/office/powerpoint/2010/main" id="1" dur="indefinite" restart="never" nodeType="tmRoot">
+        <p:cTn id="1" dur="indefinite" restart="never" nodeType="tmRoot">
           <p:childTnLst>
             <p:seq concurrent="1" nextAc="seek">
               <p:cTn id="2" dur="indefinite" nodeType="mainSeq">
@@ -26861,14 +27125,14 @@
           </a:ln>
           <a:effectLst/>
           <a:extLst>
-            <a:ext uri="{909E8E84-426E-40dd-AFC4-6F175D3DCCD1}">
+            <a:ext uri="{909E8E84-426E-40DD-AFC4-6F175D3DCCD1}">
               <a14:hiddenFill xmlns:a14="http://schemas.microsoft.com/office/drawing/2010/main">
                 <a:solidFill>
                   <a:srgbClr val="FFFFFF"/>
                 </a:solidFill>
               </a14:hiddenFill>
             </a:ext>
-            <a:ext uri="{91240B29-F687-4f45-9708-019B960494DF}">
+            <a:ext uri="{91240B29-F687-4F45-9708-019B960494DF}">
               <a14:hiddenLine xmlns:a14="http://schemas.microsoft.com/office/drawing/2010/main" w="9525" cap="flat">
                 <a:solidFill>
                   <a:srgbClr val="808080"/>
@@ -26878,7 +27142,7 @@
                 <a:tailEnd/>
               </a14:hiddenLine>
             </a:ext>
-            <a:ext uri="{AF507438-7753-43e0-B8FC-AC1667EBCBE1}">
+            <a:ext uri="{AF507438-7753-43E0-B8FC-AC1667EBCBE1}">
               <a14:hiddenEffects xmlns:a14="http://schemas.microsoft.com/office/drawing/2010/main">
                 <a:effectLst>
                   <a:outerShdw blurRad="63500" dist="38099" dir="2700000" algn="ctr" rotWithShape="0">
@@ -26890,7 +27154,7 @@
               </a14:hiddenEffects>
             </a:ext>
             <a:ext uri="{FAA26D3D-D897-4be2-8F04-BA451C77F1D7}">
-              <ma14:placeholderFlag xmlns:ma14="http://schemas.microsoft.com/office/mac/drawingml/2011/main" val="1"/>
+              <ma14:placeholderFlag xmlns:ma14="http://schemas.microsoft.com/office/mac/drawingml/2011/main" xmlns="" val="1"/>
             </a:ext>
           </a:extLst>
         </p:spPr>
@@ -27157,7 +27421,7 @@
   <p:timing>
     <p:tnLst>
       <p:par>
-        <p:cTn xmlns:p14="http://schemas.microsoft.com/office/powerpoint/2010/main" id="1" dur="indefinite" restart="never" nodeType="tmRoot"/>
+        <p:cTn id="1" dur="indefinite" restart="never" nodeType="tmRoot"/>
       </p:par>
     </p:tnLst>
   </p:timing>
@@ -27394,14 +27658,14 @@
           </a:ln>
           <a:effectLst/>
           <a:extLst>
-            <a:ext uri="{909E8E84-426E-40dd-AFC4-6F175D3DCCD1}">
+            <a:ext uri="{909E8E84-426E-40DD-AFC4-6F175D3DCCD1}">
               <a14:hiddenFill xmlns:a14="http://schemas.microsoft.com/office/drawing/2010/main">
                 <a:solidFill>
                   <a:srgbClr val="FFFFFF"/>
                 </a:solidFill>
               </a14:hiddenFill>
             </a:ext>
-            <a:ext uri="{91240B29-F687-4f45-9708-019B960494DF}">
+            <a:ext uri="{91240B29-F687-4F45-9708-019B960494DF}">
               <a14:hiddenLine xmlns:a14="http://schemas.microsoft.com/office/drawing/2010/main" w="9525" cap="flat">
                 <a:solidFill>
                   <a:srgbClr val="808080"/>
@@ -27411,7 +27675,7 @@
                 <a:tailEnd/>
               </a14:hiddenLine>
             </a:ext>
-            <a:ext uri="{AF507438-7753-43e0-B8FC-AC1667EBCBE1}">
+            <a:ext uri="{AF507438-7753-43E0-B8FC-AC1667EBCBE1}">
               <a14:hiddenEffects xmlns:a14="http://schemas.microsoft.com/office/drawing/2010/main">
                 <a:effectLst>
                   <a:outerShdw blurRad="63500" dist="38099" dir="2700000" algn="ctr" rotWithShape="0">
@@ -27423,7 +27687,7 @@
               </a14:hiddenEffects>
             </a:ext>
             <a:ext uri="{FAA26D3D-D897-4be2-8F04-BA451C77F1D7}">
-              <ma14:placeholderFlag xmlns:ma14="http://schemas.microsoft.com/office/mac/drawingml/2011/main" val="1"/>
+              <ma14:placeholderFlag xmlns:ma14="http://schemas.microsoft.com/office/mac/drawingml/2011/main" xmlns="" val="1"/>
             </a:ext>
           </a:extLst>
         </p:spPr>
@@ -27690,7 +27954,7 @@
   <p:timing>
     <p:tnLst>
       <p:par>
-        <p:cTn xmlns:p14="http://schemas.microsoft.com/office/powerpoint/2010/main" id="1" dur="indefinite" restart="never" nodeType="tmRoot"/>
+        <p:cTn id="1" dur="indefinite" restart="never" nodeType="tmRoot"/>
       </p:par>
     </p:tnLst>
   </p:timing>
@@ -27815,7 +28079,7 @@
   <p:timing>
     <p:tnLst>
       <p:par>
-        <p:cTn xmlns:p14="http://schemas.microsoft.com/office/powerpoint/2010/main" id="1" dur="indefinite" restart="never" nodeType="tmRoot"/>
+        <p:cTn id="1" dur="indefinite" restart="never" nodeType="tmRoot"/>
       </p:par>
     </p:tnLst>
   </p:timing>
@@ -28049,14 +28313,14 @@
           </a:ln>
           <a:effectLst/>
           <a:extLst>
-            <a:ext uri="{909E8E84-426E-40dd-AFC4-6F175D3DCCD1}">
+            <a:ext uri="{909E8E84-426E-40DD-AFC4-6F175D3DCCD1}">
               <a14:hiddenFill xmlns:a14="http://schemas.microsoft.com/office/drawing/2010/main">
                 <a:solidFill>
                   <a:srgbClr val="FFFFFF"/>
                 </a:solidFill>
               </a14:hiddenFill>
             </a:ext>
-            <a:ext uri="{91240B29-F687-4f45-9708-019B960494DF}">
+            <a:ext uri="{91240B29-F687-4F45-9708-019B960494DF}">
               <a14:hiddenLine xmlns:a14="http://schemas.microsoft.com/office/drawing/2010/main" w="9525" cap="flat">
                 <a:solidFill>
                   <a:srgbClr val="808080"/>
@@ -28066,7 +28330,7 @@
                 <a:tailEnd/>
               </a14:hiddenLine>
             </a:ext>
-            <a:ext uri="{AF507438-7753-43e0-B8FC-AC1667EBCBE1}">
+            <a:ext uri="{AF507438-7753-43E0-B8FC-AC1667EBCBE1}">
               <a14:hiddenEffects xmlns:a14="http://schemas.microsoft.com/office/drawing/2010/main">
                 <a:effectLst>
                   <a:outerShdw blurRad="63500" dist="38099" dir="2700000" algn="ctr" rotWithShape="0">
@@ -28078,7 +28342,7 @@
               </a14:hiddenEffects>
             </a:ext>
             <a:ext uri="{FAA26D3D-D897-4be2-8F04-BA451C77F1D7}">
-              <ma14:placeholderFlag xmlns:ma14="http://schemas.microsoft.com/office/mac/drawingml/2011/main" val="1"/>
+              <ma14:placeholderFlag xmlns:ma14="http://schemas.microsoft.com/office/mac/drawingml/2011/main" xmlns="" val="1"/>
             </a:ext>
           </a:extLst>
         </p:spPr>
@@ -28358,7 +28622,7 @@
   <p:timing>
     <p:tnLst>
       <p:par>
-        <p:cTn xmlns:p14="http://schemas.microsoft.com/office/powerpoint/2010/main" id="1" dur="indefinite" restart="never" nodeType="tmRoot"/>
+        <p:cTn id="1" dur="indefinite" restart="never" nodeType="tmRoot"/>
       </p:par>
     </p:tnLst>
   </p:timing>
@@ -28544,7 +28808,7 @@
   <p:timing>
     <p:tnLst>
       <p:par>
-        <p:cTn xmlns:p14="http://schemas.microsoft.com/office/powerpoint/2010/main" id="1" dur="indefinite" restart="never" nodeType="tmRoot"/>
+        <p:cTn id="1" dur="indefinite" restart="never" nodeType="tmRoot"/>
       </p:par>
     </p:tnLst>
   </p:timing>
@@ -28794,14 +29058,14 @@
           </a:ln>
           <a:effectLst/>
           <a:extLst>
-            <a:ext uri="{909E8E84-426E-40dd-AFC4-6F175D3DCCD1}">
+            <a:ext uri="{909E8E84-426E-40DD-AFC4-6F175D3DCCD1}">
               <a14:hiddenFill xmlns:a14="http://schemas.microsoft.com/office/drawing/2010/main">
                 <a:solidFill>
                   <a:srgbClr val="FFFFFF"/>
                 </a:solidFill>
               </a14:hiddenFill>
             </a:ext>
-            <a:ext uri="{91240B29-F687-4f45-9708-019B960494DF}">
+            <a:ext uri="{91240B29-F687-4F45-9708-019B960494DF}">
               <a14:hiddenLine xmlns:a14="http://schemas.microsoft.com/office/drawing/2010/main" w="9525" cap="flat">
                 <a:solidFill>
                   <a:srgbClr val="808080"/>
@@ -28811,7 +29075,7 @@
                 <a:tailEnd/>
               </a14:hiddenLine>
             </a:ext>
-            <a:ext uri="{AF507438-7753-43e0-B8FC-AC1667EBCBE1}">
+            <a:ext uri="{AF507438-7753-43E0-B8FC-AC1667EBCBE1}">
               <a14:hiddenEffects xmlns:a14="http://schemas.microsoft.com/office/drawing/2010/main">
                 <a:effectLst>
                   <a:outerShdw blurRad="63500" dist="38099" dir="2700000" algn="ctr" rotWithShape="0">
@@ -28823,7 +29087,7 @@
               </a14:hiddenEffects>
             </a:ext>
             <a:ext uri="{FAA26D3D-D897-4be2-8F04-BA451C77F1D7}">
-              <ma14:placeholderFlag xmlns:ma14="http://schemas.microsoft.com/office/mac/drawingml/2011/main" val="1"/>
+              <ma14:placeholderFlag xmlns:ma14="http://schemas.microsoft.com/office/mac/drawingml/2011/main" xmlns="" val="1"/>
             </a:ext>
           </a:extLst>
         </p:spPr>
@@ -29086,7 +29350,7 @@
   <p:timing>
     <p:tnLst>
       <p:par>
-        <p:cTn xmlns:p14="http://schemas.microsoft.com/office/powerpoint/2010/main" id="1" dur="indefinite" restart="never" nodeType="tmRoot"/>
+        <p:cTn id="1" dur="indefinite" restart="never" nodeType="tmRoot"/>
       </p:par>
     </p:tnLst>
   </p:timing>
@@ -29434,14 +29698,14 @@
           </a:ln>
           <a:effectLst/>
           <a:extLst>
-            <a:ext uri="{909E8E84-426E-40dd-AFC4-6F175D3DCCD1}">
+            <a:ext uri="{909E8E84-426E-40DD-AFC4-6F175D3DCCD1}">
               <a14:hiddenFill xmlns:a14="http://schemas.microsoft.com/office/drawing/2010/main">
                 <a:solidFill>
                   <a:srgbClr val="FFFFFF"/>
                 </a:solidFill>
               </a14:hiddenFill>
             </a:ext>
-            <a:ext uri="{91240B29-F687-4f45-9708-019B960494DF}">
+            <a:ext uri="{91240B29-F687-4F45-9708-019B960494DF}">
               <a14:hiddenLine xmlns:a14="http://schemas.microsoft.com/office/drawing/2010/main" w="9525" cap="flat">
                 <a:solidFill>
                   <a:srgbClr val="808080"/>
@@ -29451,7 +29715,7 @@
                 <a:tailEnd/>
               </a14:hiddenLine>
             </a:ext>
-            <a:ext uri="{AF507438-7753-43e0-B8FC-AC1667EBCBE1}">
+            <a:ext uri="{AF507438-7753-43E0-B8FC-AC1667EBCBE1}">
               <a14:hiddenEffects xmlns:a14="http://schemas.microsoft.com/office/drawing/2010/main">
                 <a:effectLst>
                   <a:outerShdw blurRad="63500" dist="38099" dir="2700000" algn="ctr" rotWithShape="0">
@@ -29463,7 +29727,7 @@
               </a14:hiddenEffects>
             </a:ext>
             <a:ext uri="{FAA26D3D-D897-4be2-8F04-BA451C77F1D7}">
-              <ma14:placeholderFlag xmlns:ma14="http://schemas.microsoft.com/office/mac/drawingml/2011/main" val="1"/>
+              <ma14:placeholderFlag xmlns:ma14="http://schemas.microsoft.com/office/mac/drawingml/2011/main" xmlns="" val="1"/>
             </a:ext>
           </a:extLst>
         </p:spPr>
@@ -29726,7 +29990,7 @@
   <p:timing>
     <p:tnLst>
       <p:par>
-        <p:cTn xmlns:p14="http://schemas.microsoft.com/office/powerpoint/2010/main" id="1" dur="indefinite" restart="never" nodeType="tmRoot"/>
+        <p:cTn id="1" dur="indefinite" restart="never" nodeType="tmRoot"/>
       </p:par>
     </p:tnLst>
   </p:timing>
@@ -29992,14 +30256,14 @@
           </a:ln>
           <a:effectLst/>
           <a:extLst>
-            <a:ext uri="{909E8E84-426E-40dd-AFC4-6F175D3DCCD1}">
+            <a:ext uri="{909E8E84-426E-40DD-AFC4-6F175D3DCCD1}">
               <a14:hiddenFill xmlns:a14="http://schemas.microsoft.com/office/drawing/2010/main">
                 <a:solidFill>
                   <a:srgbClr val="FFFFFF"/>
                 </a:solidFill>
               </a14:hiddenFill>
             </a:ext>
-            <a:ext uri="{91240B29-F687-4f45-9708-019B960494DF}">
+            <a:ext uri="{91240B29-F687-4F45-9708-019B960494DF}">
               <a14:hiddenLine xmlns:a14="http://schemas.microsoft.com/office/drawing/2010/main" w="9525" cap="flat">
                 <a:solidFill>
                   <a:srgbClr val="808080"/>
@@ -30009,7 +30273,7 @@
                 <a:tailEnd/>
               </a14:hiddenLine>
             </a:ext>
-            <a:ext uri="{AF507438-7753-43e0-B8FC-AC1667EBCBE1}">
+            <a:ext uri="{AF507438-7753-43E0-B8FC-AC1667EBCBE1}">
               <a14:hiddenEffects xmlns:a14="http://schemas.microsoft.com/office/drawing/2010/main">
                 <a:effectLst>
                   <a:outerShdw blurRad="63500" dist="38099" dir="2700000" algn="ctr" rotWithShape="0">
@@ -30021,7 +30285,7 @@
               </a14:hiddenEffects>
             </a:ext>
             <a:ext uri="{FAA26D3D-D897-4be2-8F04-BA451C77F1D7}">
-              <ma14:placeholderFlag xmlns:ma14="http://schemas.microsoft.com/office/mac/drawingml/2011/main" val="1"/>
+              <ma14:placeholderFlag xmlns:ma14="http://schemas.microsoft.com/office/mac/drawingml/2011/main" xmlns="" val="1"/>
             </a:ext>
           </a:extLst>
         </p:spPr>
@@ -30284,7 +30548,7 @@
   <p:timing>
     <p:tnLst>
       <p:par>
-        <p:cTn xmlns:p14="http://schemas.microsoft.com/office/powerpoint/2010/main" id="1" dur="indefinite" restart="never" nodeType="tmRoot"/>
+        <p:cTn id="1" dur="indefinite" restart="never" nodeType="tmRoot"/>
       </p:par>
     </p:tnLst>
   </p:timing>
@@ -30632,14 +30896,14 @@
           </a:ln>
           <a:effectLst/>
           <a:extLst>
-            <a:ext uri="{909E8E84-426E-40dd-AFC4-6F175D3DCCD1}">
+            <a:ext uri="{909E8E84-426E-40DD-AFC4-6F175D3DCCD1}">
               <a14:hiddenFill xmlns:a14="http://schemas.microsoft.com/office/drawing/2010/main">
                 <a:solidFill>
                   <a:srgbClr val="FFFFFF"/>
                 </a:solidFill>
               </a14:hiddenFill>
             </a:ext>
-            <a:ext uri="{91240B29-F687-4f45-9708-019B960494DF}">
+            <a:ext uri="{91240B29-F687-4F45-9708-019B960494DF}">
               <a14:hiddenLine xmlns:a14="http://schemas.microsoft.com/office/drawing/2010/main" w="9525" cap="flat">
                 <a:solidFill>
                   <a:srgbClr val="808080"/>
@@ -30649,7 +30913,7 @@
                 <a:tailEnd/>
               </a14:hiddenLine>
             </a:ext>
-            <a:ext uri="{AF507438-7753-43e0-B8FC-AC1667EBCBE1}">
+            <a:ext uri="{AF507438-7753-43E0-B8FC-AC1667EBCBE1}">
               <a14:hiddenEffects xmlns:a14="http://schemas.microsoft.com/office/drawing/2010/main">
                 <a:effectLst>
                   <a:outerShdw blurRad="63500" dist="38099" dir="2700000" algn="ctr" rotWithShape="0">
@@ -30661,7 +30925,7 @@
               </a14:hiddenEffects>
             </a:ext>
             <a:ext uri="{FAA26D3D-D897-4be2-8F04-BA451C77F1D7}">
-              <ma14:placeholderFlag xmlns:ma14="http://schemas.microsoft.com/office/mac/drawingml/2011/main" val="1"/>
+              <ma14:placeholderFlag xmlns:ma14="http://schemas.microsoft.com/office/mac/drawingml/2011/main" xmlns="" val="1"/>
             </a:ext>
           </a:extLst>
         </p:spPr>
@@ -30924,7 +31188,7 @@
   <p:timing>
     <p:tnLst>
       <p:par>
-        <p:cTn xmlns:p14="http://schemas.microsoft.com/office/powerpoint/2010/main" id="1" dur="indefinite" restart="never" nodeType="tmRoot"/>
+        <p:cTn id="1" dur="indefinite" restart="never" nodeType="tmRoot"/>
       </p:par>
     </p:tnLst>
   </p:timing>
@@ -31136,14 +31400,14 @@
           </a:ln>
           <a:effectLst/>
           <a:extLst>
-            <a:ext uri="{909E8E84-426E-40dd-AFC4-6F175D3DCCD1}">
+            <a:ext uri="{909E8E84-426E-40DD-AFC4-6F175D3DCCD1}">
               <a14:hiddenFill xmlns:a14="http://schemas.microsoft.com/office/drawing/2010/main">
                 <a:solidFill>
                   <a:srgbClr val="FFFFFF"/>
                 </a:solidFill>
               </a14:hiddenFill>
             </a:ext>
-            <a:ext uri="{91240B29-F687-4f45-9708-019B960494DF}">
+            <a:ext uri="{91240B29-F687-4F45-9708-019B960494DF}">
               <a14:hiddenLine xmlns:a14="http://schemas.microsoft.com/office/drawing/2010/main" w="9525" cap="flat">
                 <a:solidFill>
                   <a:srgbClr val="808080"/>
@@ -31153,7 +31417,7 @@
                 <a:tailEnd/>
               </a14:hiddenLine>
             </a:ext>
-            <a:ext uri="{AF507438-7753-43e0-B8FC-AC1667EBCBE1}">
+            <a:ext uri="{AF507438-7753-43E0-B8FC-AC1667EBCBE1}">
               <a14:hiddenEffects xmlns:a14="http://schemas.microsoft.com/office/drawing/2010/main">
                 <a:effectLst>
                   <a:outerShdw blurRad="63500" dist="38099" dir="2700000" algn="ctr" rotWithShape="0">
@@ -31165,7 +31429,7 @@
               </a14:hiddenEffects>
             </a:ext>
             <a:ext uri="{FAA26D3D-D897-4be2-8F04-BA451C77F1D7}">
-              <ma14:placeholderFlag xmlns:ma14="http://schemas.microsoft.com/office/mac/drawingml/2011/main" val="1"/>
+              <ma14:placeholderFlag xmlns:ma14="http://schemas.microsoft.com/office/mac/drawingml/2011/main" xmlns="" val="1"/>
             </a:ext>
           </a:extLst>
         </p:spPr>
@@ -31428,7 +31692,7 @@
   <p:timing>
     <p:tnLst>
       <p:par>
-        <p:cTn xmlns:p14="http://schemas.microsoft.com/office/powerpoint/2010/main" id="1" dur="indefinite" restart="never" nodeType="tmRoot"/>
+        <p:cTn id="1" dur="indefinite" restart="never" nodeType="tmRoot"/>
       </p:par>
     </p:tnLst>
   </p:timing>
@@ -31607,7 +31871,7 @@
   <p:timing>
     <p:tnLst>
       <p:par>
-        <p:cTn xmlns:p14="http://schemas.microsoft.com/office/powerpoint/2010/main" id="1" dur="indefinite" restart="never" nodeType="tmRoot"/>
+        <p:cTn id="1" dur="indefinite" restart="never" nodeType="tmRoot"/>
       </p:par>
     </p:tnLst>
   </p:timing>
@@ -31693,14 +31957,14 @@
             <p:ph idx="1"/>
             <p:extLst>
               <p:ext uri="{D42A27DB-BD31-4B8C-83A1-F6EECF244321}">
-                <p14:modId xmlns:p14="http://schemas.microsoft.com/office/powerpoint/2010/main" val="1639859485"/>
+                <p14:modId xmlns:p14="http://schemas.microsoft.com/office/powerpoint/2010/main" val="1124036050"/>
               </p:ext>
             </p:extLst>
           </p:nvPr>
         </p:nvGraphicFramePr>
         <p:xfrm>
           <a:off x="990604" y="1276350"/>
-          <a:ext cx="6172200" cy="2966720"/>
+          <a:ext cx="6172200" cy="3144520"/>
         </p:xfrm>
         <a:graphic>
           <a:graphicData uri="http://schemas.openxmlformats.org/drawingml/2006/table">
@@ -31719,7 +31983,7 @@
                     <a:p>
                       <a:r>
                         <a:rPr lang="en-US" sz="1500" dirty="0" smtClean="0"/>
-                        <a:t>Exam overview</a:t>
+                        <a:t>Certification Overview</a:t>
                       </a:r>
                       <a:endParaRPr lang="en-US" sz="1500" dirty="0"/>
                     </a:p>
@@ -31806,7 +32070,7 @@
                     <a:lstStyle/>
                     <a:p>
                       <a:r>
-                        <a:rPr lang="en-US" sz="1500" dirty="0" err="1" smtClean="0"/>
+                        <a:rPr lang="en-US" sz="1500" dirty="0" smtClean="0"/>
                         <a:t>var</a:t>
                       </a:r>
                       <a:endParaRPr lang="en-US" sz="1500" dirty="0"/>
@@ -31920,7 +32184,7 @@
   <p:timing>
     <p:tnLst>
       <p:par>
-        <p:cTn xmlns:p14="http://schemas.microsoft.com/office/powerpoint/2010/main" id="1" dur="indefinite" restart="never" nodeType="tmRoot"/>
+        <p:cTn id="1" dur="indefinite" restart="never" nodeType="tmRoot"/>
       </p:par>
     </p:tnLst>
   </p:timing>
@@ -32012,7 +32276,7 @@
         </p:blipFill>
         <p:spPr>
           <a:xfrm>
-            <a:off x="3429000" y="1581150"/>
+            <a:off x="1143000" y="1581150"/>
             <a:ext cx="2495550" cy="2495550"/>
           </a:xfrm>
           <a:prstGeom prst="rect">
@@ -32020,6 +32284,35 @@
           </a:prstGeom>
         </p:spPr>
       </p:pic>
+      <p:sp>
+        <p:nvSpPr>
+          <p:cNvPr id="5" name="Content Placeholder 2"/>
+          <p:cNvSpPr>
+            <a:spLocks noGrp="1"/>
+          </p:cNvSpPr>
+          <p:nvPr>
+            <p:ph idx="1"/>
+          </p:nvPr>
+        </p:nvSpPr>
+        <p:spPr>
+          <a:xfrm>
+            <a:off x="4038601" y="1962150"/>
+            <a:ext cx="3581400" cy="2286000"/>
+          </a:xfrm>
+        </p:spPr>
+        <p:txBody>
+          <a:bodyPr/>
+          <a:lstStyle/>
+          <a:p>
+            <a:pPr marL="0" indent="0"/>
+            <a:r>
+              <a:rPr lang="en-US" dirty="0" smtClean="0"/>
+              <a:t>What is the OCP Java SE 11 Developer Certification?</a:t>
+            </a:r>
+            <a:endParaRPr lang="en-US" dirty="0" smtClean="0"/>
+          </a:p>
+        </p:txBody>
+      </p:sp>
     </p:spTree>
     <p:extLst>
       <p:ext uri="{BB962C8B-B14F-4D97-AF65-F5344CB8AC3E}">
@@ -32033,7 +32326,7 @@
   <p:timing>
     <p:tnLst>
       <p:par>
-        <p:cTn xmlns:p14="http://schemas.microsoft.com/office/powerpoint/2010/main" id="1" dur="indefinite" restart="never" nodeType="tmRoot"/>
+        <p:cTn id="1" dur="indefinite" restart="never" nodeType="tmRoot"/>
       </p:par>
     </p:tnLst>
   </p:timing>
@@ -32074,7 +32367,7 @@
           <a:p>
             <a:r>
               <a:rPr lang="en-US" dirty="0" smtClean="0"/>
-              <a:t>Exam History</a:t>
+              <a:t>Previous Certification History</a:t>
             </a:r>
             <a:endParaRPr lang="en-US" dirty="0"/>
           </a:p>
@@ -32141,8 +32434,8 @@
         </p:nvSpPr>
         <p:spPr>
           <a:xfrm>
-            <a:off x="7010400" y="742954"/>
-            <a:ext cx="1524000" cy="367622"/>
+            <a:off x="7239000" y="742954"/>
+            <a:ext cx="1600200" cy="367622"/>
           </a:xfrm>
           <a:prstGeom prst="rect">
             <a:avLst/>
@@ -32184,7 +32477,7 @@
   <p:timing>
     <p:tnLst>
       <p:par>
-        <p:cTn xmlns:p14="http://schemas.microsoft.com/office/powerpoint/2010/main" id="1" dur="indefinite" restart="never" nodeType="tmRoot"/>
+        <p:cTn id="1" dur="indefinite" restart="never" nodeType="tmRoot"/>
       </p:par>
     </p:tnLst>
   </p:timing>
@@ -32436,7 +32729,7 @@
         </a:ln>
         <a:effectLst/>
         <a:extLst>
-          <a:ext uri="{AF507438-7753-43e0-B8FC-AC1667EBCBE1}">
+          <a:ext uri="{AF507438-7753-43E0-B8FC-AC1667EBCBE1}">
             <a14:hiddenEffects xmlns:a14="http://schemas.microsoft.com/office/drawing/2010/main">
               <a:effectLst>
                 <a:outerShdw blurRad="63500" dist="38099" dir="2700000" algn="ctr" rotWithShape="0">
@@ -32515,7 +32808,7 @@
         </a:ln>
         <a:effectLst/>
         <a:extLst>
-          <a:ext uri="{AF507438-7753-43e0-B8FC-AC1667EBCBE1}">
+          <a:ext uri="{AF507438-7753-43E0-B8FC-AC1667EBCBE1}">
             <a14:hiddenEffects xmlns:a14="http://schemas.microsoft.com/office/drawing/2010/main">
               <a:effectLst>
                 <a:outerShdw blurRad="63500" dist="38099" dir="2700000" algn="ctr" rotWithShape="0">

--- a/2019-OracleCodeOne-HOL.pptx
+++ b/2019-OracleCodeOne-HOL.pptx
@@ -433,7 +433,7 @@
               <a:pPr>
                 <a:defRPr/>
               </a:pPr>
-              <a:t>9/5/19</a:t>
+              <a:t>9/6/2019</a:t>
             </a:fld>
             <a:endParaRPr lang="en-US"/>
           </a:p>
@@ -577,7 +577,7 @@
           </a:ln>
           <a:effectLst/>
           <a:extLst>
-            <a:ext uri="{91240B29-F687-4f45-9708-019B960494DF}">
+            <a:ext uri="{91240B29-F687-4F45-9708-019B960494DF}">
               <a14:hiddenLine xmlns:a14="http://schemas.microsoft.com/office/drawing/2010/main" w="9525" cap="flat">
                 <a:solidFill>
                   <a:srgbClr val="808080"/>
@@ -587,7 +587,7 @@
                 <a:tailEnd/>
               </a14:hiddenLine>
             </a:ext>
-            <a:ext uri="{AF507438-7753-43e0-B8FC-AC1667EBCBE1}">
+            <a:ext uri="{AF507438-7753-43E0-B8FC-AC1667EBCBE1}">
               <a14:hiddenEffects xmlns:a14="http://schemas.microsoft.com/office/drawing/2010/main">
                 <a:effectLst>
                   <a:outerShdw blurRad="63500" dist="38099" dir="2700000" algn="ctr" rotWithShape="0">
@@ -637,7 +637,7 @@
           </a:ln>
           <a:effectLst/>
           <a:extLst>
-            <a:ext uri="{91240B29-F687-4f45-9708-019B960494DF}">
+            <a:ext uri="{91240B29-F687-4F45-9708-019B960494DF}">
               <a14:hiddenLine xmlns:a14="http://schemas.microsoft.com/office/drawing/2010/main" w="9525" cap="flat">
                 <a:solidFill>
                   <a:srgbClr val="808080"/>
@@ -647,7 +647,7 @@
                 <a:tailEnd/>
               </a14:hiddenLine>
             </a:ext>
-            <a:ext uri="{AF507438-7753-43e0-B8FC-AC1667EBCBE1}">
+            <a:ext uri="{AF507438-7753-43E0-B8FC-AC1667EBCBE1}">
               <a14:hiddenEffects xmlns:a14="http://schemas.microsoft.com/office/drawing/2010/main">
                 <a:effectLst>
                   <a:outerShdw blurRad="63500" dist="38099" dir="2700000" algn="ctr" rotWithShape="0">
@@ -697,7 +697,7 @@
           </a:ln>
           <a:effectLst/>
           <a:extLst>
-            <a:ext uri="{91240B29-F687-4f45-9708-019B960494DF}">
+            <a:ext uri="{91240B29-F687-4F45-9708-019B960494DF}">
               <a14:hiddenLine xmlns:a14="http://schemas.microsoft.com/office/drawing/2010/main" w="9525" cap="flat">
                 <a:solidFill>
                   <a:srgbClr val="808080"/>
@@ -707,7 +707,7 @@
                 <a:tailEnd/>
               </a14:hiddenLine>
             </a:ext>
-            <a:ext uri="{AF507438-7753-43e0-B8FC-AC1667EBCBE1}">
+            <a:ext uri="{AF507438-7753-43E0-B8FC-AC1667EBCBE1}">
               <a14:hiddenEffects xmlns:a14="http://schemas.microsoft.com/office/drawing/2010/main">
                 <a:effectLst>
                   <a:outerShdw blurRad="63500" dist="38099" dir="2700000" algn="ctr" rotWithShape="0">
@@ -757,7 +757,7 @@
           </a:ln>
           <a:effectLst/>
           <a:extLst>
-            <a:ext uri="{91240B29-F687-4f45-9708-019B960494DF}">
+            <a:ext uri="{91240B29-F687-4F45-9708-019B960494DF}">
               <a14:hiddenLine xmlns:a14="http://schemas.microsoft.com/office/drawing/2010/main" w="9525" cap="flat">
                 <a:solidFill>
                   <a:srgbClr val="808080"/>
@@ -767,7 +767,7 @@
                 <a:tailEnd/>
               </a14:hiddenLine>
             </a:ext>
-            <a:ext uri="{AF507438-7753-43e0-B8FC-AC1667EBCBE1}">
+            <a:ext uri="{AF507438-7753-43E0-B8FC-AC1667EBCBE1}">
               <a14:hiddenEffects xmlns:a14="http://schemas.microsoft.com/office/drawing/2010/main">
                 <a:effectLst>
                   <a:outerShdw blurRad="63500" dist="38099" dir="2700000" algn="ctr" rotWithShape="0">
@@ -815,14 +815,14 @@
           </a:ln>
           <a:effectLst/>
           <a:extLst>
-            <a:ext uri="{909E8E84-426E-40dd-AFC4-6F175D3DCCD1}">
+            <a:ext uri="{909E8E84-426E-40DD-AFC4-6F175D3DCCD1}">
               <a14:hiddenFill xmlns:a14="http://schemas.microsoft.com/office/drawing/2010/main">
                 <a:solidFill>
                   <a:srgbClr val="FFFFFF"/>
                 </a:solidFill>
               </a14:hiddenFill>
             </a:ext>
-            <a:ext uri="{91240B29-F687-4f45-9708-019B960494DF}">
+            <a:ext uri="{91240B29-F687-4F45-9708-019B960494DF}">
               <a14:hiddenLine xmlns:a14="http://schemas.microsoft.com/office/drawing/2010/main" w="9525" cap="flat">
                 <a:solidFill>
                   <a:srgbClr val="808080"/>
@@ -832,7 +832,7 @@
                 <a:tailEnd/>
               </a14:hiddenLine>
             </a:ext>
-            <a:ext uri="{AF507438-7753-43e0-B8FC-AC1667EBCBE1}">
+            <a:ext uri="{AF507438-7753-43E0-B8FC-AC1667EBCBE1}">
               <a14:hiddenEffects xmlns:a14="http://schemas.microsoft.com/office/drawing/2010/main">
                 <a:effectLst>
                   <a:outerShdw blurRad="63500" dist="38099" dir="2700000" algn="ctr" rotWithShape="0">
@@ -844,7 +844,7 @@
               </a14:hiddenEffects>
             </a:ext>
             <a:ext uri="{FAA26D3D-D897-4be2-8F04-BA451C77F1D7}">
-              <ma14:placeholderFlag xmlns:ma14="http://schemas.microsoft.com/office/mac/drawingml/2011/main" val="1"/>
+              <ma14:placeholderFlag xmlns:ma14="http://schemas.microsoft.com/office/mac/drawingml/2011/main" xmlns="" val="1"/>
             </a:ext>
           </a:extLst>
         </p:spPr>
@@ -873,14 +873,14 @@
           </a:ln>
           <a:effectLst/>
           <a:extLst>
-            <a:ext uri="{909E8E84-426E-40dd-AFC4-6F175D3DCCD1}">
+            <a:ext uri="{909E8E84-426E-40DD-AFC4-6F175D3DCCD1}">
               <a14:hiddenFill xmlns:a14="http://schemas.microsoft.com/office/drawing/2010/main">
                 <a:solidFill>
                   <a:srgbClr val="FFFFFF"/>
                 </a:solidFill>
               </a14:hiddenFill>
             </a:ext>
-            <a:ext uri="{91240B29-F687-4f45-9708-019B960494DF}">
+            <a:ext uri="{91240B29-F687-4F45-9708-019B960494DF}">
               <a14:hiddenLine xmlns:a14="http://schemas.microsoft.com/office/drawing/2010/main" w="9525" cap="flat">
                 <a:solidFill>
                   <a:srgbClr val="808080"/>
@@ -890,7 +890,7 @@
                 <a:tailEnd/>
               </a14:hiddenLine>
             </a:ext>
-            <a:ext uri="{AF507438-7753-43e0-B8FC-AC1667EBCBE1}">
+            <a:ext uri="{AF507438-7753-43E0-B8FC-AC1667EBCBE1}">
               <a14:hiddenEffects xmlns:a14="http://schemas.microsoft.com/office/drawing/2010/main">
                 <a:effectLst>
                   <a:outerShdw blurRad="63500" dist="38099" dir="2700000" algn="ctr" rotWithShape="0">
@@ -902,7 +902,7 @@
               </a14:hiddenEffects>
             </a:ext>
             <a:ext uri="{FAA26D3D-D897-4be2-8F04-BA451C77F1D7}">
-              <ma14:placeholderFlag xmlns:ma14="http://schemas.microsoft.com/office/mac/drawingml/2011/main" val="1"/>
+              <ma14:placeholderFlag xmlns:ma14="http://schemas.microsoft.com/office/mac/drawingml/2011/main" xmlns="" val="1"/>
             </a:ext>
           </a:extLst>
         </p:spPr>
@@ -941,14 +941,14 @@
           </a:ln>
           <a:effectLst/>
           <a:extLst>
-            <a:ext uri="{909E8E84-426E-40dd-AFC4-6F175D3DCCD1}">
+            <a:ext uri="{909E8E84-426E-40DD-AFC4-6F175D3DCCD1}">
               <a14:hiddenFill xmlns:a14="http://schemas.microsoft.com/office/drawing/2010/main">
                 <a:solidFill>
                   <a:srgbClr val="FFFFFF"/>
                 </a:solidFill>
               </a14:hiddenFill>
             </a:ext>
-            <a:ext uri="{91240B29-F687-4f45-9708-019B960494DF}">
+            <a:ext uri="{91240B29-F687-4F45-9708-019B960494DF}">
               <a14:hiddenLine xmlns:a14="http://schemas.microsoft.com/office/drawing/2010/main" w="9525" cap="flat">
                 <a:solidFill>
                   <a:srgbClr val="808080"/>
@@ -958,7 +958,7 @@
                 <a:tailEnd/>
               </a14:hiddenLine>
             </a:ext>
-            <a:ext uri="{AF507438-7753-43e0-B8FC-AC1667EBCBE1}">
+            <a:ext uri="{AF507438-7753-43E0-B8FC-AC1667EBCBE1}">
               <a14:hiddenEffects xmlns:a14="http://schemas.microsoft.com/office/drawing/2010/main">
                 <a:effectLst>
                   <a:outerShdw blurRad="63500" dist="38099" dir="2700000" algn="ctr" rotWithShape="0">
@@ -1004,14 +1004,14 @@
           </a:ln>
           <a:effectLst/>
           <a:extLst>
-            <a:ext uri="{909E8E84-426E-40dd-AFC4-6F175D3DCCD1}">
+            <a:ext uri="{909E8E84-426E-40DD-AFC4-6F175D3DCCD1}">
               <a14:hiddenFill xmlns:a14="http://schemas.microsoft.com/office/drawing/2010/main">
                 <a:solidFill>
                   <a:srgbClr val="FFFFFF"/>
                 </a:solidFill>
               </a14:hiddenFill>
             </a:ext>
-            <a:ext uri="{91240B29-F687-4f45-9708-019B960494DF}">
+            <a:ext uri="{91240B29-F687-4F45-9708-019B960494DF}">
               <a14:hiddenLine xmlns:a14="http://schemas.microsoft.com/office/drawing/2010/main" w="9525" cap="flat">
                 <a:solidFill>
                   <a:srgbClr val="808080"/>
@@ -1021,7 +1021,7 @@
                 <a:tailEnd/>
               </a14:hiddenLine>
             </a:ext>
-            <a:ext uri="{AF507438-7753-43e0-B8FC-AC1667EBCBE1}">
+            <a:ext uri="{AF507438-7753-43E0-B8FC-AC1667EBCBE1}">
               <a14:hiddenEffects xmlns:a14="http://schemas.microsoft.com/office/drawing/2010/main">
                 <a:effectLst>
                   <a:outerShdw blurRad="63500" dist="38099" dir="2700000" algn="ctr" rotWithShape="0">
@@ -1067,14 +1067,14 @@
           </a:ln>
           <a:effectLst/>
           <a:extLst>
-            <a:ext uri="{909E8E84-426E-40dd-AFC4-6F175D3DCCD1}">
+            <a:ext uri="{909E8E84-426E-40DD-AFC4-6F175D3DCCD1}">
               <a14:hiddenFill xmlns:a14="http://schemas.microsoft.com/office/drawing/2010/main">
                 <a:solidFill>
                   <a:srgbClr val="FFFFFF"/>
                 </a:solidFill>
               </a14:hiddenFill>
             </a:ext>
-            <a:ext uri="{91240B29-F687-4f45-9708-019B960494DF}">
+            <a:ext uri="{91240B29-F687-4F45-9708-019B960494DF}">
               <a14:hiddenLine xmlns:a14="http://schemas.microsoft.com/office/drawing/2010/main" w="9525" cap="flat">
                 <a:solidFill>
                   <a:srgbClr val="808080"/>
@@ -1084,7 +1084,7 @@
                 <a:tailEnd/>
               </a14:hiddenLine>
             </a:ext>
-            <a:ext uri="{AF507438-7753-43e0-B8FC-AC1667EBCBE1}">
+            <a:ext uri="{AF507438-7753-43E0-B8FC-AC1667EBCBE1}">
               <a14:hiddenEffects xmlns:a14="http://schemas.microsoft.com/office/drawing/2010/main">
                 <a:effectLst>
                   <a:outerShdw blurRad="63500" dist="38099" dir="2700000" algn="ctr" rotWithShape="0">
@@ -1132,14 +1132,14 @@
           </a:ln>
           <a:effectLst/>
           <a:extLst>
-            <a:ext uri="{909E8E84-426E-40dd-AFC4-6F175D3DCCD1}">
+            <a:ext uri="{909E8E84-426E-40DD-AFC4-6F175D3DCCD1}">
               <a14:hiddenFill xmlns:a14="http://schemas.microsoft.com/office/drawing/2010/main">
                 <a:solidFill>
                   <a:srgbClr val="FFFFFF"/>
                 </a:solidFill>
               </a14:hiddenFill>
             </a:ext>
-            <a:ext uri="{91240B29-F687-4f45-9708-019B960494DF}">
+            <a:ext uri="{91240B29-F687-4F45-9708-019B960494DF}">
               <a14:hiddenLine xmlns:a14="http://schemas.microsoft.com/office/drawing/2010/main" w="9525" cap="flat">
                 <a:solidFill>
                   <a:srgbClr val="808080"/>
@@ -1149,7 +1149,7 @@
                 <a:tailEnd/>
               </a14:hiddenLine>
             </a:ext>
-            <a:ext uri="{AF507438-7753-43e0-B8FC-AC1667EBCBE1}">
+            <a:ext uri="{AF507438-7753-43E0-B8FC-AC1667EBCBE1}">
               <a14:hiddenEffects xmlns:a14="http://schemas.microsoft.com/office/drawing/2010/main">
                 <a:effectLst>
                   <a:outerShdw blurRad="63500" dist="38099" dir="2700000" algn="ctr" rotWithShape="0">
@@ -1161,7 +1161,7 @@
               </a14:hiddenEffects>
             </a:ext>
             <a:ext uri="{FAA26D3D-D897-4be2-8F04-BA451C77F1D7}">
-              <ma14:placeholderFlag xmlns:ma14="http://schemas.microsoft.com/office/mac/drawingml/2011/main" val="1"/>
+              <ma14:placeholderFlag xmlns:ma14="http://schemas.microsoft.com/office/mac/drawingml/2011/main" xmlns="" val="1"/>
             </a:ext>
           </a:extLst>
         </p:spPr>
@@ -2418,11 +2418,7 @@
           <a:p>
             <a:r>
               <a:rPr lang="en-US" dirty="0" smtClean="0"/>
-              <a:t>A</a:t>
-            </a:r>
-            <a:r>
-              <a:rPr lang="en-US" dirty="0" smtClean="0"/>
-              <a:t>,B,C</a:t>
+              <a:t>A,B,C</a:t>
             </a:r>
             <a:endParaRPr lang="en-US" dirty="0"/>
           </a:p>
@@ -7981,14 +7977,14 @@
           </a:ln>
           <a:effectLst/>
           <a:extLst>
-            <a:ext uri="{909E8E84-426E-40dd-AFC4-6F175D3DCCD1}">
+            <a:ext uri="{909E8E84-426E-40DD-AFC4-6F175D3DCCD1}">
               <a14:hiddenFill xmlns:a14="http://schemas.microsoft.com/office/drawing/2010/main">
                 <a:solidFill>
                   <a:srgbClr val="FFFFFF"/>
                 </a:solidFill>
               </a14:hiddenFill>
             </a:ext>
-            <a:ext uri="{91240B29-F687-4f45-9708-019B960494DF}">
+            <a:ext uri="{91240B29-F687-4F45-9708-019B960494DF}">
               <a14:hiddenLine xmlns:a14="http://schemas.microsoft.com/office/drawing/2010/main" w="9525" cap="flat">
                 <a:solidFill>
                   <a:srgbClr val="808080"/>
@@ -7998,7 +7994,7 @@
                 <a:tailEnd/>
               </a14:hiddenLine>
             </a:ext>
-            <a:ext uri="{AF507438-7753-43e0-B8FC-AC1667EBCBE1}">
+            <a:ext uri="{AF507438-7753-43E0-B8FC-AC1667EBCBE1}">
               <a14:hiddenEffects xmlns:a14="http://schemas.microsoft.com/office/drawing/2010/main">
                 <a:effectLst>
                   <a:outerShdw blurRad="63500" dist="38099" dir="2700000" algn="ctr" rotWithShape="0">
@@ -8010,7 +8006,7 @@
               </a14:hiddenEffects>
             </a:ext>
             <a:ext uri="{FAA26D3D-D897-4be2-8F04-BA451C77F1D7}">
-              <ma14:placeholderFlag xmlns:ma14="http://schemas.microsoft.com/office/mac/drawingml/2011/main" val="1"/>
+              <ma14:placeholderFlag xmlns:ma14="http://schemas.microsoft.com/office/mac/drawingml/2011/main" xmlns="" val="1"/>
             </a:ext>
           </a:extLst>
         </p:spPr>
@@ -8054,14 +8050,14 @@
           </a:ln>
           <a:effectLst/>
           <a:extLst>
-            <a:ext uri="{909E8E84-426E-40dd-AFC4-6F175D3DCCD1}">
+            <a:ext uri="{909E8E84-426E-40DD-AFC4-6F175D3DCCD1}">
               <a14:hiddenFill xmlns:a14="http://schemas.microsoft.com/office/drawing/2010/main">
                 <a:solidFill>
                   <a:srgbClr val="FFFFFF"/>
                 </a:solidFill>
               </a14:hiddenFill>
             </a:ext>
-            <a:ext uri="{91240B29-F687-4f45-9708-019B960494DF}">
+            <a:ext uri="{91240B29-F687-4F45-9708-019B960494DF}">
               <a14:hiddenLine xmlns:a14="http://schemas.microsoft.com/office/drawing/2010/main" w="9525" cap="flat">
                 <a:solidFill>
                   <a:srgbClr val="808080"/>
@@ -8071,7 +8067,7 @@
                 <a:tailEnd/>
               </a14:hiddenLine>
             </a:ext>
-            <a:ext uri="{AF507438-7753-43e0-B8FC-AC1667EBCBE1}">
+            <a:ext uri="{AF507438-7753-43E0-B8FC-AC1667EBCBE1}">
               <a14:hiddenEffects xmlns:a14="http://schemas.microsoft.com/office/drawing/2010/main">
                 <a:effectLst>
                   <a:outerShdw blurRad="63500" dist="38099" dir="2700000" algn="ctr" rotWithShape="0">
@@ -8083,7 +8079,7 @@
               </a14:hiddenEffects>
             </a:ext>
             <a:ext uri="{FAA26D3D-D897-4be2-8F04-BA451C77F1D7}">
-              <ma14:placeholderFlag xmlns:ma14="http://schemas.microsoft.com/office/mac/drawingml/2011/main" val="1"/>
+              <ma14:placeholderFlag xmlns:ma14="http://schemas.microsoft.com/office/mac/drawingml/2011/main" xmlns="" val="1"/>
             </a:ext>
           </a:extLst>
         </p:spPr>
@@ -8181,14 +8177,14 @@
           </a:ln>
           <a:effectLst/>
           <a:extLst>
-            <a:ext uri="{909E8E84-426E-40dd-AFC4-6F175D3DCCD1}">
+            <a:ext uri="{909E8E84-426E-40DD-AFC4-6F175D3DCCD1}">
               <a14:hiddenFill xmlns:a14="http://schemas.microsoft.com/office/drawing/2010/main">
                 <a:solidFill>
                   <a:srgbClr val="FFFFFF"/>
                 </a:solidFill>
               </a14:hiddenFill>
             </a:ext>
-            <a:ext uri="{91240B29-F687-4f45-9708-019B960494DF}">
+            <a:ext uri="{91240B29-F687-4F45-9708-019B960494DF}">
               <a14:hiddenLine xmlns:a14="http://schemas.microsoft.com/office/drawing/2010/main" w="9525" cap="flat">
                 <a:solidFill>
                   <a:srgbClr val="808080"/>
@@ -8198,7 +8194,7 @@
                 <a:tailEnd/>
               </a14:hiddenLine>
             </a:ext>
-            <a:ext uri="{AF507438-7753-43e0-B8FC-AC1667EBCBE1}">
+            <a:ext uri="{AF507438-7753-43E0-B8FC-AC1667EBCBE1}">
               <a14:hiddenEffects xmlns:a14="http://schemas.microsoft.com/office/drawing/2010/main">
                 <a:effectLst>
                   <a:outerShdw blurRad="63500" dist="38099" dir="2700000" algn="ctr" rotWithShape="0">
@@ -8244,14 +8240,14 @@
           </a:ln>
           <a:effectLst/>
           <a:extLst>
-            <a:ext uri="{909E8E84-426E-40dd-AFC4-6F175D3DCCD1}">
+            <a:ext uri="{909E8E84-426E-40DD-AFC4-6F175D3DCCD1}">
               <a14:hiddenFill xmlns:a14="http://schemas.microsoft.com/office/drawing/2010/main">
                 <a:solidFill>
                   <a:srgbClr val="FFFFFF"/>
                 </a:solidFill>
               </a14:hiddenFill>
             </a:ext>
-            <a:ext uri="{91240B29-F687-4f45-9708-019B960494DF}">
+            <a:ext uri="{91240B29-F687-4F45-9708-019B960494DF}">
               <a14:hiddenLine xmlns:a14="http://schemas.microsoft.com/office/drawing/2010/main" w="9525" cap="flat">
                 <a:solidFill>
                   <a:srgbClr val="808080"/>
@@ -8261,7 +8257,7 @@
                 <a:tailEnd/>
               </a14:hiddenLine>
             </a:ext>
-            <a:ext uri="{AF507438-7753-43e0-B8FC-AC1667EBCBE1}">
+            <a:ext uri="{AF507438-7753-43E0-B8FC-AC1667EBCBE1}">
               <a14:hiddenEffects xmlns:a14="http://schemas.microsoft.com/office/drawing/2010/main">
                 <a:effectLst>
                   <a:outerShdw blurRad="63500" dist="38099" dir="2700000" algn="ctr" rotWithShape="0">
@@ -8309,14 +8305,14 @@
           </a:ln>
           <a:effectLst/>
           <a:extLst>
-            <a:ext uri="{909E8E84-426E-40dd-AFC4-6F175D3DCCD1}">
+            <a:ext uri="{909E8E84-426E-40DD-AFC4-6F175D3DCCD1}">
               <a14:hiddenFill xmlns:a14="http://schemas.microsoft.com/office/drawing/2010/main">
                 <a:solidFill>
                   <a:srgbClr val="FFFFFF"/>
                 </a:solidFill>
               </a14:hiddenFill>
             </a:ext>
-            <a:ext uri="{91240B29-F687-4f45-9708-019B960494DF}">
+            <a:ext uri="{91240B29-F687-4F45-9708-019B960494DF}">
               <a14:hiddenLine xmlns:a14="http://schemas.microsoft.com/office/drawing/2010/main" w="9525" cap="flat">
                 <a:solidFill>
                   <a:srgbClr val="808080"/>
@@ -8326,7 +8322,7 @@
                 <a:tailEnd/>
               </a14:hiddenLine>
             </a:ext>
-            <a:ext uri="{AF507438-7753-43e0-B8FC-AC1667EBCBE1}">
+            <a:ext uri="{AF507438-7753-43E0-B8FC-AC1667EBCBE1}">
               <a14:hiddenEffects xmlns:a14="http://schemas.microsoft.com/office/drawing/2010/main">
                 <a:effectLst>
                   <a:outerShdw blurRad="63500" dist="38099" dir="2700000" algn="ctr" rotWithShape="0">
@@ -8338,7 +8334,7 @@
               </a14:hiddenEffects>
             </a:ext>
             <a:ext uri="{FAA26D3D-D897-4be2-8F04-BA451C77F1D7}">
-              <ma14:placeholderFlag xmlns:ma14="http://schemas.microsoft.com/office/mac/drawingml/2011/main" val="1"/>
+              <ma14:placeholderFlag xmlns:ma14="http://schemas.microsoft.com/office/mac/drawingml/2011/main" xmlns="" val="1"/>
             </a:ext>
           </a:extLst>
         </p:spPr>
@@ -8407,7 +8403,7 @@
           <a:effectLst/>
           <a:extLst>
             <a:ext uri="{FAA26D3D-D897-4be2-8F04-BA451C77F1D7}">
-              <ma14:placeholderFlag xmlns:ma14="http://schemas.microsoft.com/office/mac/drawingml/2011/main" val="1"/>
+              <ma14:placeholderFlag xmlns:ma14="http://schemas.microsoft.com/office/mac/drawingml/2011/main" xmlns="" val="1"/>
             </a:ext>
           </a:extLst>
         </p:spPr>
@@ -9311,14 +9307,14 @@
           </a:ln>
           <a:effectLst/>
           <a:extLst>
-            <a:ext uri="{909E8E84-426E-40dd-AFC4-6F175D3DCCD1}">
+            <a:ext uri="{909E8E84-426E-40DD-AFC4-6F175D3DCCD1}">
               <a14:hiddenFill xmlns:a14="http://schemas.microsoft.com/office/drawing/2010/main">
                 <a:solidFill>
                   <a:srgbClr val="FFFFFF"/>
                 </a:solidFill>
               </a14:hiddenFill>
             </a:ext>
-            <a:ext uri="{91240B29-F687-4f45-9708-019B960494DF}">
+            <a:ext uri="{91240B29-F687-4F45-9708-019B960494DF}">
               <a14:hiddenLine xmlns:a14="http://schemas.microsoft.com/office/drawing/2010/main" w="9525" cap="flat">
                 <a:solidFill>
                   <a:srgbClr val="808080"/>
@@ -9328,7 +9324,7 @@
                 <a:tailEnd/>
               </a14:hiddenLine>
             </a:ext>
-            <a:ext uri="{AF507438-7753-43e0-B8FC-AC1667EBCBE1}">
+            <a:ext uri="{AF507438-7753-43E0-B8FC-AC1667EBCBE1}">
               <a14:hiddenEffects xmlns:a14="http://schemas.microsoft.com/office/drawing/2010/main">
                 <a:effectLst>
                   <a:outerShdw blurRad="63500" dist="38099" dir="2700000" algn="ctr" rotWithShape="0">
@@ -9340,7 +9336,7 @@
               </a14:hiddenEffects>
             </a:ext>
             <a:ext uri="{FAA26D3D-D897-4be2-8F04-BA451C77F1D7}">
-              <ma14:placeholderFlag xmlns:ma14="http://schemas.microsoft.com/office/mac/drawingml/2011/main" val="1"/>
+              <ma14:placeholderFlag xmlns:ma14="http://schemas.microsoft.com/office/mac/drawingml/2011/main" xmlns="" val="1"/>
             </a:ext>
           </a:extLst>
         </p:spPr>
@@ -9624,7 +9620,7 @@
   <p:timing>
     <p:tnLst>
       <p:par>
-        <p:cTn xmlns:p14="http://schemas.microsoft.com/office/powerpoint/2010/main" id="1" dur="indefinite" restart="never" nodeType="tmRoot"/>
+        <p:cTn id="1" dur="indefinite" restart="never" nodeType="tmRoot"/>
       </p:par>
     </p:tnLst>
   </p:timing>
@@ -9731,7 +9727,7 @@
           </a:prstGeom>
           <a:noFill/>
           <a:extLst>
-            <a:ext uri="{909E8E84-426E-40dd-AFC4-6F175D3DCCD1}">
+            <a:ext uri="{909E8E84-426E-40DD-AFC4-6F175D3DCCD1}">
               <a14:hiddenFill xmlns:a14="http://schemas.microsoft.com/office/drawing/2010/main">
                 <a:solidFill>
                   <a:srgbClr val="FFFFFF"/>
@@ -9754,7 +9750,7 @@
   <p:timing>
     <p:tnLst>
       <p:par>
-        <p:cTn xmlns:p14="http://schemas.microsoft.com/office/powerpoint/2010/main" id="1" dur="indefinite" restart="never" nodeType="tmRoot"/>
+        <p:cTn id="1" dur="indefinite" restart="never" nodeType="tmRoot"/>
       </p:par>
     </p:tnLst>
   </p:timing>
@@ -10598,7 +10594,7 @@
         </p:nvGraphicFramePr>
         <p:xfrm>
           <a:off x="838200" y="1276350"/>
-          <a:ext cx="7504114" cy="2926079"/>
+          <a:ext cx="7504114" cy="2926080"/>
         </p:xfrm>
         <a:graphic>
           <a:graphicData uri="http://schemas.openxmlformats.org/drawingml/2006/table">
@@ -10818,7 +10814,7 @@
           <a:p>
             <a:r>
               <a:rPr lang="en-US" dirty="0" smtClean="0"/>
-              <a:t>Modules</a:t>
+              <a:t>II. Modules</a:t>
             </a:r>
             <a:endParaRPr lang="en-US" dirty="0"/>
           </a:p>
@@ -10890,7 +10886,7 @@
   <p:timing>
     <p:tnLst>
       <p:par>
-        <p:cTn xmlns:p14="http://schemas.microsoft.com/office/powerpoint/2010/main" id="1" dur="indefinite" restart="never" nodeType="tmRoot"/>
+        <p:cTn id="1" dur="indefinite" restart="never" nodeType="tmRoot"/>
       </p:par>
     </p:tnLst>
   </p:timing>
@@ -10994,7 +10990,7 @@
           </a:ln>
           <a:effectLst/>
           <a:extLst>
-            <a:ext uri="{AF507438-7753-43e0-B8FC-AC1667EBCBE1}">
+            <a:ext uri="{AF507438-7753-43E0-B8FC-AC1667EBCBE1}">
               <a14:hiddenEffects xmlns:a14="http://schemas.microsoft.com/office/drawing/2010/main">
                 <a:effectLst>
                   <a:outerShdw blurRad="63500" dist="38099" dir="2700000" algn="ctr" rotWithShape="0">
@@ -11510,7 +11506,7 @@
           </a:ln>
           <a:effectLst/>
           <a:extLst>
-            <a:ext uri="{AF507438-7753-43e0-B8FC-AC1667EBCBE1}">
+            <a:ext uri="{AF507438-7753-43E0-B8FC-AC1667EBCBE1}">
               <a14:hiddenEffects xmlns:a14="http://schemas.microsoft.com/office/drawing/2010/main">
                 <a:effectLst>
                   <a:outerShdw blurRad="63500" dist="38099" dir="2700000" algn="ctr" rotWithShape="0">
@@ -11537,7 +11533,7 @@
   <p:timing>
     <p:tnLst>
       <p:par>
-        <p:cTn xmlns:p14="http://schemas.microsoft.com/office/powerpoint/2010/main" id="1" dur="indefinite" restart="never" nodeType="tmRoot"/>
+        <p:cTn id="1" dur="indefinite" restart="never" nodeType="tmRoot"/>
       </p:par>
     </p:tnLst>
   </p:timing>
@@ -11713,7 +11709,7 @@
   <p:timing>
     <p:tnLst>
       <p:par>
-        <p:cTn xmlns:p14="http://schemas.microsoft.com/office/powerpoint/2010/main" id="1" dur="indefinite" restart="never" nodeType="tmRoot"/>
+        <p:cTn id="1" dur="indefinite" restart="never" nodeType="tmRoot"/>
       </p:par>
     </p:tnLst>
   </p:timing>
@@ -12047,7 +12043,7 @@
   <p:timing>
     <p:tnLst>
       <p:par>
-        <p:cTn xmlns:p14="http://schemas.microsoft.com/office/powerpoint/2010/main" id="1" dur="indefinite" restart="never" nodeType="tmRoot"/>
+        <p:cTn id="1" dur="indefinite" restart="never" nodeType="tmRoot"/>
       </p:par>
     </p:tnLst>
   </p:timing>
@@ -12207,7 +12203,7 @@
   <p:timing>
     <p:tnLst>
       <p:par>
-        <p:cTn xmlns:p14="http://schemas.microsoft.com/office/powerpoint/2010/main" id="1" dur="indefinite" restart="never" nodeType="tmRoot"/>
+        <p:cTn id="1" dur="indefinite" restart="never" nodeType="tmRoot"/>
       </p:par>
     </p:tnLst>
   </p:timing>
@@ -12536,7 +12532,7 @@
   <p:timing>
     <p:tnLst>
       <p:par>
-        <p:cTn xmlns:p14="http://schemas.microsoft.com/office/powerpoint/2010/main" id="1" dur="indefinite" restart="never" nodeType="tmRoot"/>
+        <p:cTn id="1" dur="indefinite" restart="never" nodeType="tmRoot"/>
       </p:par>
     </p:tnLst>
   </p:timing>
@@ -12668,7 +12664,7 @@
   <p:timing>
     <p:tnLst>
       <p:par>
-        <p:cTn xmlns:p14="http://schemas.microsoft.com/office/powerpoint/2010/main" id="1" dur="indefinite" restart="never" nodeType="tmRoot"/>
+        <p:cTn id="1" dur="indefinite" restart="never" nodeType="tmRoot"/>
       </p:par>
     </p:tnLst>
   </p:timing>
@@ -12823,7 +12819,7 @@
   <p:timing>
     <p:tnLst>
       <p:par>
-        <p:cTn xmlns:p14="http://schemas.microsoft.com/office/powerpoint/2010/main" id="1" dur="indefinite" restart="never" nodeType="tmRoot"/>
+        <p:cTn id="1" dur="indefinite" restart="never" nodeType="tmRoot"/>
       </p:par>
     </p:tnLst>
   </p:timing>
@@ -12900,8 +12896,25 @@
           <a:p>
             <a:r>
               <a:rPr lang="en-US" dirty="0" smtClean="0"/>
-              <a:t>Which module command allows callers to access a package?</a:t>
-            </a:r>
+              <a:t>Given a module, which command </a:t>
+            </a:r>
+            <a:r>
+              <a:rPr lang="en-US" dirty="0" smtClean="0"/>
+              <a:t>allows </a:t>
+            </a:r>
+            <a:r>
+              <a:rPr lang="en-US" dirty="0" smtClean="0"/>
+              <a:t>other modules to </a:t>
+            </a:r>
+            <a:r>
+              <a:rPr lang="en-US" dirty="0" smtClean="0"/>
+              <a:t>access a </a:t>
+            </a:r>
+            <a:r>
+              <a:rPr lang="en-US" dirty="0" smtClean="0"/>
+              <a:t>package it defines?</a:t>
+            </a:r>
+            <a:endParaRPr lang="en-US" dirty="0" smtClean="0"/>
           </a:p>
           <a:p>
             <a:pPr marL="514100" indent="-514100">
@@ -13028,14 +13041,14 @@
           </a:ln>
           <a:effectLst/>
           <a:extLst>
-            <a:ext uri="{909E8E84-426E-40dd-AFC4-6F175D3DCCD1}">
+            <a:ext uri="{909E8E84-426E-40DD-AFC4-6F175D3DCCD1}">
               <a14:hiddenFill xmlns:a14="http://schemas.microsoft.com/office/drawing/2010/main">
                 <a:solidFill>
                   <a:srgbClr val="FFFFFF"/>
                 </a:solidFill>
               </a14:hiddenFill>
             </a:ext>
-            <a:ext uri="{91240B29-F687-4f45-9708-019B960494DF}">
+            <a:ext uri="{91240B29-F687-4F45-9708-019B960494DF}">
               <a14:hiddenLine xmlns:a14="http://schemas.microsoft.com/office/drawing/2010/main" w="9525" cap="flat">
                 <a:solidFill>
                   <a:srgbClr val="808080"/>
@@ -13045,7 +13058,7 @@
                 <a:tailEnd/>
               </a14:hiddenLine>
             </a:ext>
-            <a:ext uri="{AF507438-7753-43e0-B8FC-AC1667EBCBE1}">
+            <a:ext uri="{AF507438-7753-43E0-B8FC-AC1667EBCBE1}">
               <a14:hiddenEffects xmlns:a14="http://schemas.microsoft.com/office/drawing/2010/main">
                 <a:effectLst>
                   <a:outerShdw blurRad="63500" dist="38099" dir="2700000" algn="ctr" rotWithShape="0">
@@ -13057,7 +13070,7 @@
               </a14:hiddenEffects>
             </a:ext>
             <a:ext uri="{FAA26D3D-D897-4be2-8F04-BA451C77F1D7}">
-              <ma14:placeholderFlag xmlns:ma14="http://schemas.microsoft.com/office/mac/drawingml/2011/main" val="1"/>
+              <ma14:placeholderFlag xmlns:ma14="http://schemas.microsoft.com/office/mac/drawingml/2011/main" xmlns="" val="1"/>
             </a:ext>
           </a:extLst>
         </p:spPr>
@@ -13307,7 +13320,7 @@
   <p:timing>
     <p:tnLst>
       <p:par>
-        <p:cTn xmlns:p14="http://schemas.microsoft.com/office/powerpoint/2010/main" id="1" dur="indefinite" restart="never" nodeType="tmRoot"/>
+        <p:cTn id="1" dur="indefinite" restart="never" nodeType="tmRoot"/>
       </p:par>
     </p:tnLst>
   </p:timing>
@@ -13509,14 +13522,14 @@
           </a:ln>
           <a:effectLst/>
           <a:extLst>
-            <a:ext uri="{909E8E84-426E-40dd-AFC4-6F175D3DCCD1}">
+            <a:ext uri="{909E8E84-426E-40DD-AFC4-6F175D3DCCD1}">
               <a14:hiddenFill xmlns:a14="http://schemas.microsoft.com/office/drawing/2010/main">
                 <a:solidFill>
                   <a:srgbClr val="FFFFFF"/>
                 </a:solidFill>
               </a14:hiddenFill>
             </a:ext>
-            <a:ext uri="{91240B29-F687-4f45-9708-019B960494DF}">
+            <a:ext uri="{91240B29-F687-4F45-9708-019B960494DF}">
               <a14:hiddenLine xmlns:a14="http://schemas.microsoft.com/office/drawing/2010/main" w="9525" cap="flat">
                 <a:solidFill>
                   <a:srgbClr val="808080"/>
@@ -13526,7 +13539,7 @@
                 <a:tailEnd/>
               </a14:hiddenLine>
             </a:ext>
-            <a:ext uri="{AF507438-7753-43e0-B8FC-AC1667EBCBE1}">
+            <a:ext uri="{AF507438-7753-43E0-B8FC-AC1667EBCBE1}">
               <a14:hiddenEffects xmlns:a14="http://schemas.microsoft.com/office/drawing/2010/main">
                 <a:effectLst>
                   <a:outerShdw blurRad="63500" dist="38099" dir="2700000" algn="ctr" rotWithShape="0">
@@ -13538,7 +13551,7 @@
               </a14:hiddenEffects>
             </a:ext>
             <a:ext uri="{FAA26D3D-D897-4be2-8F04-BA451C77F1D7}">
-              <ma14:placeholderFlag xmlns:ma14="http://schemas.microsoft.com/office/mac/drawingml/2011/main" val="1"/>
+              <ma14:placeholderFlag xmlns:ma14="http://schemas.microsoft.com/office/mac/drawingml/2011/main" xmlns="" val="1"/>
             </a:ext>
           </a:extLst>
         </p:spPr>
@@ -13788,7 +13801,7 @@
   <p:timing>
     <p:tnLst>
       <p:par>
-        <p:cTn xmlns:p14="http://schemas.microsoft.com/office/powerpoint/2010/main" id="1" dur="indefinite" restart="never" nodeType="tmRoot"/>
+        <p:cTn id="1" dur="indefinite" restart="never" nodeType="tmRoot"/>
       </p:par>
     </p:tnLst>
   </p:timing>
@@ -13993,14 +14006,14 @@
           </a:ln>
           <a:effectLst/>
           <a:extLst>
-            <a:ext uri="{909E8E84-426E-40dd-AFC4-6F175D3DCCD1}">
+            <a:ext uri="{909E8E84-426E-40DD-AFC4-6F175D3DCCD1}">
               <a14:hiddenFill xmlns:a14="http://schemas.microsoft.com/office/drawing/2010/main">
                 <a:solidFill>
                   <a:srgbClr val="FFFFFF"/>
                 </a:solidFill>
               </a14:hiddenFill>
             </a:ext>
-            <a:ext uri="{91240B29-F687-4f45-9708-019B960494DF}">
+            <a:ext uri="{91240B29-F687-4F45-9708-019B960494DF}">
               <a14:hiddenLine xmlns:a14="http://schemas.microsoft.com/office/drawing/2010/main" w="9525" cap="flat">
                 <a:solidFill>
                   <a:srgbClr val="808080"/>
@@ -14010,7 +14023,7 @@
                 <a:tailEnd/>
               </a14:hiddenLine>
             </a:ext>
-            <a:ext uri="{AF507438-7753-43e0-B8FC-AC1667EBCBE1}">
+            <a:ext uri="{AF507438-7753-43E0-B8FC-AC1667EBCBE1}">
               <a14:hiddenEffects xmlns:a14="http://schemas.microsoft.com/office/drawing/2010/main">
                 <a:effectLst>
                   <a:outerShdw blurRad="63500" dist="38099" dir="2700000" algn="ctr" rotWithShape="0">
@@ -14022,7 +14035,7 @@
               </a14:hiddenEffects>
             </a:ext>
             <a:ext uri="{FAA26D3D-D897-4be2-8F04-BA451C77F1D7}">
-              <ma14:placeholderFlag xmlns:ma14="http://schemas.microsoft.com/office/mac/drawingml/2011/main" val="1"/>
+              <ma14:placeholderFlag xmlns:ma14="http://schemas.microsoft.com/office/mac/drawingml/2011/main" xmlns="" val="1"/>
             </a:ext>
           </a:extLst>
         </p:spPr>
@@ -14272,7 +14285,7 @@
   <p:timing>
     <p:tnLst>
       <p:par>
-        <p:cTn xmlns:p14="http://schemas.microsoft.com/office/powerpoint/2010/main" id="1" dur="indefinite" restart="never" nodeType="tmRoot"/>
+        <p:cTn id="1" dur="indefinite" restart="never" nodeType="tmRoot"/>
       </p:par>
     </p:tnLst>
   </p:timing>
@@ -14346,15 +14359,7 @@
           <a:p>
             <a:r>
               <a:rPr lang="en-US" dirty="0" smtClean="0"/>
-              <a:t>Which are true of the </a:t>
-            </a:r>
-            <a:r>
-              <a:rPr lang="en-US" dirty="0" smtClean="0"/>
-              <a:t>module-info</a:t>
-            </a:r>
-            <a:r>
-              <a:rPr lang="en-US" dirty="0" smtClean="0"/>
-              <a:t>?</a:t>
+              <a:t>Which are true of the module-info?</a:t>
             </a:r>
           </a:p>
           <a:p>
@@ -14478,14 +14483,14 @@
           </a:ln>
           <a:effectLst/>
           <a:extLst>
-            <a:ext uri="{909E8E84-426E-40dd-AFC4-6F175D3DCCD1}">
+            <a:ext uri="{909E8E84-426E-40DD-AFC4-6F175D3DCCD1}">
               <a14:hiddenFill xmlns:a14="http://schemas.microsoft.com/office/drawing/2010/main">
                 <a:solidFill>
                   <a:srgbClr val="FFFFFF"/>
                 </a:solidFill>
               </a14:hiddenFill>
             </a:ext>
-            <a:ext uri="{91240B29-F687-4f45-9708-019B960494DF}">
+            <a:ext uri="{91240B29-F687-4F45-9708-019B960494DF}">
               <a14:hiddenLine xmlns:a14="http://schemas.microsoft.com/office/drawing/2010/main" w="9525" cap="flat">
                 <a:solidFill>
                   <a:srgbClr val="808080"/>
@@ -14495,7 +14500,7 @@
                 <a:tailEnd/>
               </a14:hiddenLine>
             </a:ext>
-            <a:ext uri="{AF507438-7753-43e0-B8FC-AC1667EBCBE1}">
+            <a:ext uri="{AF507438-7753-43E0-B8FC-AC1667EBCBE1}">
               <a14:hiddenEffects xmlns:a14="http://schemas.microsoft.com/office/drawing/2010/main">
                 <a:effectLst>
                   <a:outerShdw blurRad="63500" dist="38099" dir="2700000" algn="ctr" rotWithShape="0">
@@ -14507,7 +14512,7 @@
               </a14:hiddenEffects>
             </a:ext>
             <a:ext uri="{FAA26D3D-D897-4be2-8F04-BA451C77F1D7}">
-              <ma14:placeholderFlag xmlns:ma14="http://schemas.microsoft.com/office/mac/drawingml/2011/main" val="1"/>
+              <ma14:placeholderFlag xmlns:ma14="http://schemas.microsoft.com/office/mac/drawingml/2011/main" xmlns="" val="1"/>
             </a:ext>
           </a:extLst>
         </p:spPr>
@@ -14757,7 +14762,7 @@
   <p:timing>
     <p:tnLst>
       <p:par>
-        <p:cTn xmlns:p14="http://schemas.microsoft.com/office/powerpoint/2010/main" id="1" dur="indefinite" restart="never" nodeType="tmRoot"/>
+        <p:cTn id="1" dur="indefinite" restart="never" nodeType="tmRoot"/>
       </p:par>
     </p:tnLst>
   </p:timing>
@@ -14798,7 +14803,7 @@
           <a:p>
             <a:r>
               <a:rPr lang="en-US" dirty="0" smtClean="0"/>
-              <a:t>Required Software for Today</a:t>
+              <a:t>III. Lab #1</a:t>
             </a:r>
             <a:endParaRPr lang="en-US" dirty="0"/>
           </a:p>
@@ -14824,12 +14829,30 @@
               <a:buChar char="•"/>
             </a:pPr>
             <a:r>
+              <a:rPr lang="en-US" dirty="0"/>
+              <a:t>Required Software for </a:t>
+            </a:r>
+            <a:r>
               <a:rPr lang="en-US" dirty="0" smtClean="0"/>
-              <a:t>Java 11</a:t>
-            </a:r>
-          </a:p>
-          <a:p>
-            <a:pPr marL="456977" indent="-456977">
+              <a:t>Today</a:t>
+            </a:r>
+          </a:p>
+          <a:p>
+            <a:pPr marL="782258" lvl="1" indent="-456977">
+              <a:buFont typeface="Arial"/>
+              <a:buChar char="•"/>
+            </a:pPr>
+            <a:r>
+              <a:rPr lang="en-US" dirty="0" smtClean="0"/>
+              <a:t>Java </a:t>
+            </a:r>
+            <a:r>
+              <a:rPr lang="en-US" dirty="0" smtClean="0"/>
+              <a:t>11</a:t>
+            </a:r>
+          </a:p>
+          <a:p>
+            <a:pPr marL="782258" lvl="1" indent="-456977">
               <a:buFont typeface="Arial"/>
               <a:buChar char="•"/>
             </a:pPr>
@@ -14899,7 +14922,7 @@
   <p:timing>
     <p:tnLst>
       <p:par>
-        <p:cTn xmlns:p14="http://schemas.microsoft.com/office/powerpoint/2010/main" id="1" dur="indefinite" restart="never" nodeType="tmRoot"/>
+        <p:cTn id="1" dur="indefinite" restart="never" nodeType="tmRoot"/>
       </p:par>
     </p:tnLst>
   </p:timing>
@@ -15061,7 +15084,7 @@
   <p:timing>
     <p:tnLst>
       <p:par>
-        <p:cTn xmlns:p14="http://schemas.microsoft.com/office/powerpoint/2010/main" id="1" dur="indefinite" restart="never" nodeType="tmRoot"/>
+        <p:cTn id="1" dur="indefinite" restart="never" nodeType="tmRoot"/>
       </p:par>
     </p:tnLst>
   </p:timing>
@@ -15203,7 +15226,7 @@
   <p:timing>
     <p:tnLst>
       <p:par>
-        <p:cTn xmlns:p14="http://schemas.microsoft.com/office/powerpoint/2010/main" id="1" dur="indefinite" restart="never" nodeType="tmRoot"/>
+        <p:cTn id="1" dur="indefinite" restart="never" nodeType="tmRoot"/>
       </p:par>
     </p:tnLst>
   </p:timing>
@@ -15244,7 +15267,11 @@
           <a:p>
             <a:r>
               <a:rPr lang="en-US" dirty="0" smtClean="0"/>
-              <a:t>Small Features</a:t>
+              <a:t>IV. Small </a:t>
+            </a:r>
+            <a:r>
+              <a:rPr lang="en-US" dirty="0" smtClean="0"/>
+              <a:t>Features</a:t>
             </a:r>
             <a:endParaRPr lang="en-US" dirty="0"/>
           </a:p>
@@ -15399,7 +15426,7 @@
   <p:timing>
     <p:tnLst>
       <p:par>
-        <p:cTn xmlns:p14="http://schemas.microsoft.com/office/powerpoint/2010/main" id="1" dur="indefinite" restart="never" nodeType="tmRoot"/>
+        <p:cTn id="1" dur="indefinite" restart="never" nodeType="tmRoot"/>
       </p:par>
     </p:tnLst>
   </p:timing>
@@ -15563,7 +15590,7 @@
   <p:timing>
     <p:tnLst>
       <p:par>
-        <p:cTn xmlns:p14="http://schemas.microsoft.com/office/powerpoint/2010/main" id="1" dur="indefinite" restart="never" nodeType="tmRoot"/>
+        <p:cTn id="1" dur="indefinite" restart="never" nodeType="tmRoot"/>
       </p:par>
     </p:tnLst>
   </p:timing>
@@ -15710,7 +15737,7 @@
   <p:timing>
     <p:tnLst>
       <p:par>
-        <p:cTn xmlns:p14="http://schemas.microsoft.com/office/powerpoint/2010/main" id="1" dur="indefinite" restart="never" nodeType="tmRoot"/>
+        <p:cTn id="1" dur="indefinite" restart="never" nodeType="tmRoot"/>
       </p:par>
     </p:tnLst>
   </p:timing>
@@ -16105,7 +16132,7 @@
   <p:timing>
     <p:tnLst>
       <p:par>
-        <p:cTn xmlns:p14="http://schemas.microsoft.com/office/powerpoint/2010/main" id="1" dur="indefinite" restart="never" nodeType="tmRoot"/>
+        <p:cTn id="1" dur="indefinite" restart="never" nodeType="tmRoot"/>
       </p:par>
     </p:tnLst>
   </p:timing>
@@ -16477,7 +16504,7 @@
   <p:timing>
     <p:tnLst>
       <p:par>
-        <p:cTn xmlns:p14="http://schemas.microsoft.com/office/powerpoint/2010/main" id="1" dur="indefinite" restart="never" nodeType="tmRoot"/>
+        <p:cTn id="1" dur="indefinite" restart="never" nodeType="tmRoot"/>
       </p:par>
     </p:tnLst>
   </p:timing>
@@ -16634,7 +16661,7 @@
   <p:timing>
     <p:tnLst>
       <p:par>
-        <p:cTn xmlns:p14="http://schemas.microsoft.com/office/powerpoint/2010/main" id="1" dur="indefinite" restart="never" nodeType="tmRoot"/>
+        <p:cTn id="1" dur="indefinite" restart="never" nodeType="tmRoot"/>
       </p:par>
     </p:tnLst>
   </p:timing>
@@ -16911,7 +16938,7 @@
   <p:timing>
     <p:tnLst>
       <p:par>
-        <p:cTn xmlns:p14="http://schemas.microsoft.com/office/powerpoint/2010/main" id="1" dur="indefinite" restart="never" nodeType="tmRoot"/>
+        <p:cTn id="1" dur="indefinite" restart="never" nodeType="tmRoot"/>
       </p:par>
     </p:tnLst>
   </p:timing>
@@ -17194,7 +17221,7 @@
   <p:timing>
     <p:tnLst>
       <p:par>
-        <p:cTn xmlns:p14="http://schemas.microsoft.com/office/powerpoint/2010/main" id="1" dur="indefinite" restart="never" nodeType="tmRoot"/>
+        <p:cTn id="1" dur="indefinite" restart="never" nodeType="tmRoot"/>
       </p:par>
     </p:tnLst>
   </p:timing>
@@ -17435,7 +17462,7 @@
   <p:timing>
     <p:tnLst>
       <p:par>
-        <p:cTn xmlns:p14="http://schemas.microsoft.com/office/powerpoint/2010/main" id="1" dur="indefinite" restart="never" nodeType="tmRoot"/>
+        <p:cTn id="1" dur="indefinite" restart="never" nodeType="tmRoot"/>
       </p:par>
     </p:tnLst>
   </p:timing>
@@ -17539,14 +17566,14 @@
             <a:noFill/>
           </a:ln>
           <a:extLst>
-            <a:ext uri="{909E8E84-426E-40dd-AFC4-6F175D3DCCD1}">
+            <a:ext uri="{909E8E84-426E-40DD-AFC4-6F175D3DCCD1}">
               <a14:hiddenFill xmlns:a14="http://schemas.microsoft.com/office/drawing/2010/main">
                 <a:solidFill>
                   <a:srgbClr val="FFFFFF"/>
                 </a:solidFill>
               </a14:hiddenFill>
             </a:ext>
-            <a:ext uri="{91240B29-F687-4f45-9708-019B960494DF}">
+            <a:ext uri="{91240B29-F687-4F45-9708-019B960494DF}">
               <a14:hiddenLine xmlns:a14="http://schemas.microsoft.com/office/drawing/2010/main" w="9525">
                 <a:solidFill>
                   <a:srgbClr val="000000"/>
@@ -18022,14 +18049,14 @@
             <a:noFill/>
           </a:ln>
           <a:extLst>
-            <a:ext uri="{909E8E84-426E-40dd-AFC4-6F175D3DCCD1}">
+            <a:ext uri="{909E8E84-426E-40DD-AFC4-6F175D3DCCD1}">
               <a14:hiddenFill xmlns:a14="http://schemas.microsoft.com/office/drawing/2010/main">
                 <a:solidFill>
                   <a:srgbClr val="FFFFFF"/>
                 </a:solidFill>
               </a14:hiddenFill>
             </a:ext>
-            <a:ext uri="{91240B29-F687-4f45-9708-019B960494DF}">
+            <a:ext uri="{91240B29-F687-4F45-9708-019B960494DF}">
               <a14:hiddenLine xmlns:a14="http://schemas.microsoft.com/office/drawing/2010/main" w="9525">
                 <a:solidFill>
                   <a:srgbClr val="000000"/>
@@ -18071,7 +18098,7 @@
   <p:timing>
     <p:tnLst>
       <p:par>
-        <p:cTn xmlns:p14="http://schemas.microsoft.com/office/powerpoint/2010/main" id="1" dur="indefinite" restart="never" nodeType="tmRoot">
+        <p:cTn id="1" dur="indefinite" restart="never" nodeType="tmRoot">
           <p:childTnLst>
             <p:seq concurrent="1" nextAc="seek">
               <p:cTn id="2" dur="indefinite" nodeType="mainSeq">
@@ -18402,7 +18429,7 @@
   <p:timing>
     <p:tnLst>
       <p:par>
-        <p:cTn xmlns:p14="http://schemas.microsoft.com/office/powerpoint/2010/main" id="1" dur="indefinite" restart="never" nodeType="tmRoot"/>
+        <p:cTn id="1" dur="indefinite" restart="never" nodeType="tmRoot"/>
       </p:par>
     </p:tnLst>
   </p:timing>
@@ -18628,14 +18655,14 @@
           </a:ln>
           <a:effectLst/>
           <a:extLst>
-            <a:ext uri="{909E8E84-426E-40dd-AFC4-6F175D3DCCD1}">
+            <a:ext uri="{909E8E84-426E-40DD-AFC4-6F175D3DCCD1}">
               <a14:hiddenFill xmlns:a14="http://schemas.microsoft.com/office/drawing/2010/main">
                 <a:solidFill>
                   <a:srgbClr val="FFFFFF"/>
                 </a:solidFill>
               </a14:hiddenFill>
             </a:ext>
-            <a:ext uri="{91240B29-F687-4f45-9708-019B960494DF}">
+            <a:ext uri="{91240B29-F687-4F45-9708-019B960494DF}">
               <a14:hiddenLine xmlns:a14="http://schemas.microsoft.com/office/drawing/2010/main" w="9525" cap="flat">
                 <a:solidFill>
                   <a:srgbClr val="808080"/>
@@ -18645,7 +18672,7 @@
                 <a:tailEnd/>
               </a14:hiddenLine>
             </a:ext>
-            <a:ext uri="{AF507438-7753-43e0-B8FC-AC1667EBCBE1}">
+            <a:ext uri="{AF507438-7753-43E0-B8FC-AC1667EBCBE1}">
               <a14:hiddenEffects xmlns:a14="http://schemas.microsoft.com/office/drawing/2010/main">
                 <a:effectLst>
                   <a:outerShdw blurRad="63500" dist="38099" dir="2700000" algn="ctr" rotWithShape="0">
@@ -18657,7 +18684,7 @@
               </a14:hiddenEffects>
             </a:ext>
             <a:ext uri="{FAA26D3D-D897-4be2-8F04-BA451C77F1D7}">
-              <ma14:placeholderFlag xmlns:ma14="http://schemas.microsoft.com/office/mac/drawingml/2011/main" val="1"/>
+              <ma14:placeholderFlag xmlns:ma14="http://schemas.microsoft.com/office/mac/drawingml/2011/main" xmlns="" val="1"/>
             </a:ext>
           </a:extLst>
         </p:spPr>
@@ -18924,7 +18951,7 @@
   <p:timing>
     <p:tnLst>
       <p:par>
-        <p:cTn xmlns:p14="http://schemas.microsoft.com/office/powerpoint/2010/main" id="1" dur="indefinite" restart="never" nodeType="tmRoot"/>
+        <p:cTn id="1" dur="indefinite" restart="never" nodeType="tmRoot"/>
       </p:par>
     </p:tnLst>
   </p:timing>
@@ -19140,14 +19167,14 @@
           </a:ln>
           <a:effectLst/>
           <a:extLst>
-            <a:ext uri="{909E8E84-426E-40dd-AFC4-6F175D3DCCD1}">
+            <a:ext uri="{909E8E84-426E-40DD-AFC4-6F175D3DCCD1}">
               <a14:hiddenFill xmlns:a14="http://schemas.microsoft.com/office/drawing/2010/main">
                 <a:solidFill>
                   <a:srgbClr val="FFFFFF"/>
                 </a:solidFill>
               </a14:hiddenFill>
             </a:ext>
-            <a:ext uri="{91240B29-F687-4f45-9708-019B960494DF}">
+            <a:ext uri="{91240B29-F687-4F45-9708-019B960494DF}">
               <a14:hiddenLine xmlns:a14="http://schemas.microsoft.com/office/drawing/2010/main" w="9525" cap="flat">
                 <a:solidFill>
                   <a:srgbClr val="808080"/>
@@ -19157,7 +19184,7 @@
                 <a:tailEnd/>
               </a14:hiddenLine>
             </a:ext>
-            <a:ext uri="{AF507438-7753-43e0-B8FC-AC1667EBCBE1}">
+            <a:ext uri="{AF507438-7753-43E0-B8FC-AC1667EBCBE1}">
               <a14:hiddenEffects xmlns:a14="http://schemas.microsoft.com/office/drawing/2010/main">
                 <a:effectLst>
                   <a:outerShdw blurRad="63500" dist="38099" dir="2700000" algn="ctr" rotWithShape="0">
@@ -19169,7 +19196,7 @@
               </a14:hiddenEffects>
             </a:ext>
             <a:ext uri="{FAA26D3D-D897-4be2-8F04-BA451C77F1D7}">
-              <ma14:placeholderFlag xmlns:ma14="http://schemas.microsoft.com/office/mac/drawingml/2011/main" val="1"/>
+              <ma14:placeholderFlag xmlns:ma14="http://schemas.microsoft.com/office/mac/drawingml/2011/main" xmlns="" val="1"/>
             </a:ext>
           </a:extLst>
         </p:spPr>
@@ -19436,7 +19463,7 @@
   <p:timing>
     <p:tnLst>
       <p:par>
-        <p:cTn xmlns:p14="http://schemas.microsoft.com/office/powerpoint/2010/main" id="1" dur="indefinite" restart="never" nodeType="tmRoot"/>
+        <p:cTn id="1" dur="indefinite" restart="never" nodeType="tmRoot"/>
       </p:par>
     </p:tnLst>
   </p:timing>
@@ -19488,7 +19515,6 @@
               <a:rPr lang="en-US" dirty="0"/>
               <a:t>4</a:t>
             </a:r>
-            <a:endParaRPr lang="en-US" dirty="0"/>
           </a:p>
         </p:txBody>
       </p:sp>
@@ -19619,14 +19645,14 @@
           </a:ln>
           <a:effectLst/>
           <a:extLst>
-            <a:ext uri="{909E8E84-426E-40dd-AFC4-6F175D3DCCD1}">
+            <a:ext uri="{909E8E84-426E-40DD-AFC4-6F175D3DCCD1}">
               <a14:hiddenFill xmlns:a14="http://schemas.microsoft.com/office/drawing/2010/main">
                 <a:solidFill>
                   <a:srgbClr val="FFFFFF"/>
                 </a:solidFill>
               </a14:hiddenFill>
             </a:ext>
-            <a:ext uri="{91240B29-F687-4f45-9708-019B960494DF}">
+            <a:ext uri="{91240B29-F687-4F45-9708-019B960494DF}">
               <a14:hiddenLine xmlns:a14="http://schemas.microsoft.com/office/drawing/2010/main" w="9525" cap="flat">
                 <a:solidFill>
                   <a:srgbClr val="808080"/>
@@ -19636,7 +19662,7 @@
                 <a:tailEnd/>
               </a14:hiddenLine>
             </a:ext>
-            <a:ext uri="{AF507438-7753-43e0-B8FC-AC1667EBCBE1}">
+            <a:ext uri="{AF507438-7753-43E0-B8FC-AC1667EBCBE1}">
               <a14:hiddenEffects xmlns:a14="http://schemas.microsoft.com/office/drawing/2010/main">
                 <a:effectLst>
                   <a:outerShdw blurRad="63500" dist="38099" dir="2700000" algn="ctr" rotWithShape="0">
@@ -19648,7 +19674,7 @@
               </a14:hiddenEffects>
             </a:ext>
             <a:ext uri="{FAA26D3D-D897-4be2-8F04-BA451C77F1D7}">
-              <ma14:placeholderFlag xmlns:ma14="http://schemas.microsoft.com/office/mac/drawingml/2011/main" val="1"/>
+              <ma14:placeholderFlag xmlns:ma14="http://schemas.microsoft.com/office/mac/drawingml/2011/main" xmlns="" val="1"/>
             </a:ext>
           </a:extLst>
         </p:spPr>
@@ -20086,7 +20112,7 @@
   <p:timing>
     <p:tnLst>
       <p:par>
-        <p:cTn xmlns:p14="http://schemas.microsoft.com/office/powerpoint/2010/main" id="1" dur="indefinite" restart="never" nodeType="tmRoot"/>
+        <p:cTn id="1" dur="indefinite" restart="never" nodeType="tmRoot"/>
       </p:par>
     </p:tnLst>
   </p:timing>
@@ -20196,14 +20222,14 @@
             <a:noFill/>
           </a:ln>
           <a:extLst>
-            <a:ext uri="{909E8E84-426E-40dd-AFC4-6F175D3DCCD1}">
+            <a:ext uri="{909E8E84-426E-40DD-AFC4-6F175D3DCCD1}">
               <a14:hiddenFill xmlns:a14="http://schemas.microsoft.com/office/drawing/2010/main">
                 <a:solidFill>
                   <a:srgbClr val="FFFFFF"/>
                 </a:solidFill>
               </a14:hiddenFill>
             </a:ext>
-            <a:ext uri="{91240B29-F687-4f45-9708-019B960494DF}">
+            <a:ext uri="{91240B29-F687-4F45-9708-019B960494DF}">
               <a14:hiddenLine xmlns:a14="http://schemas.microsoft.com/office/drawing/2010/main" w="9525">
                 <a:solidFill>
                   <a:srgbClr val="000000"/>
@@ -20229,7 +20255,7 @@
   <p:timing>
     <p:tnLst>
       <p:par>
-        <p:cTn xmlns:p14="http://schemas.microsoft.com/office/powerpoint/2010/main" id="1" dur="indefinite" restart="never" nodeType="tmRoot"/>
+        <p:cTn id="1" dur="indefinite" restart="never" nodeType="tmRoot"/>
       </p:par>
     </p:tnLst>
   </p:timing>
@@ -20429,7 +20455,7 @@
   <p:timing>
     <p:tnLst>
       <p:par>
-        <p:cTn xmlns:p14="http://schemas.microsoft.com/office/powerpoint/2010/main" id="1" dur="indefinite" restart="never" nodeType="tmRoot"/>
+        <p:cTn id="1" dur="indefinite" restart="never" nodeType="tmRoot"/>
       </p:par>
     </p:tnLst>
   </p:timing>
@@ -20469,13 +20495,10 @@
           <a:lstStyle/>
           <a:p>
             <a:r>
-              <a:rPr lang="en-US" dirty="0" err="1"/>
-              <a:t>Vars</a:t>
-            </a:r>
-            <a:r>
-              <a:rPr lang="en-US" dirty="0"/>
-              <a:t>/Streams</a:t>
-            </a:r>
+              <a:rPr lang="en-US" dirty="0" smtClean="0"/>
+              <a:t>V. Var/Stream Changes</a:t>
+            </a:r>
+            <a:endParaRPr lang="en-US" dirty="0"/>
           </a:p>
         </p:txBody>
       </p:sp>
@@ -20601,7 +20624,7 @@
   <p:timing>
     <p:tnLst>
       <p:par>
-        <p:cTn xmlns:p14="http://schemas.microsoft.com/office/powerpoint/2010/main" id="1" dur="indefinite" restart="never" nodeType="tmRoot"/>
+        <p:cTn id="1" dur="indefinite" restart="never" nodeType="tmRoot"/>
       </p:par>
     </p:tnLst>
   </p:timing>
@@ -20855,7 +20878,7 @@
   <p:timing>
     <p:tnLst>
       <p:par>
-        <p:cTn xmlns:p14="http://schemas.microsoft.com/office/powerpoint/2010/main" id="1" dur="indefinite" restart="never" nodeType="tmRoot">
+        <p:cTn id="1" dur="indefinite" restart="never" nodeType="tmRoot">
           <p:childTnLst>
             <p:seq concurrent="1" nextAc="seek">
               <p:cTn id="2" dur="indefinite" nodeType="mainSeq">
@@ -21421,7 +21444,7 @@
   <p:timing>
     <p:tnLst>
       <p:par>
-        <p:cTn xmlns:p14="http://schemas.microsoft.com/office/powerpoint/2010/main" id="1" dur="indefinite" restart="never" nodeType="tmRoot">
+        <p:cTn id="1" dur="indefinite" restart="never" nodeType="tmRoot">
           <p:childTnLst>
             <p:seq concurrent="1" nextAc="seek">
               <p:cTn id="2" dur="indefinite" nodeType="mainSeq">
@@ -21926,7 +21949,7 @@
   <p:timing>
     <p:tnLst>
       <p:par>
-        <p:cTn xmlns:p14="http://schemas.microsoft.com/office/powerpoint/2010/main" id="1" dur="indefinite" restart="never" nodeType="tmRoot"/>
+        <p:cTn id="1" dur="indefinite" restart="never" nodeType="tmRoot"/>
       </p:par>
     </p:tnLst>
   </p:timing>
@@ -22147,7 +22170,7 @@
   <p:timing>
     <p:tnLst>
       <p:par>
-        <p:cTn xmlns:p14="http://schemas.microsoft.com/office/powerpoint/2010/main" id="1" dur="indefinite" restart="never" nodeType="tmRoot">
+        <p:cTn id="1" dur="indefinite" restart="never" nodeType="tmRoot">
           <p:childTnLst>
             <p:seq concurrent="1" nextAc="seek">
               <p:cTn id="2" dur="indefinite" nodeType="mainSeq">
@@ -22691,7 +22714,7 @@
   <p:timing>
     <p:tnLst>
       <p:par>
-        <p:cTn xmlns:p14="http://schemas.microsoft.com/office/powerpoint/2010/main" id="1" dur="indefinite" restart="never" nodeType="tmRoot">
+        <p:cTn id="1" dur="indefinite" restart="never" nodeType="tmRoot">
           <p:childTnLst>
             <p:seq concurrent="1" nextAc="seek">
               <p:cTn id="2" dur="indefinite" nodeType="mainSeq">
@@ -23209,7 +23232,7 @@
   <p:timing>
     <p:tnLst>
       <p:par>
-        <p:cTn xmlns:p14="http://schemas.microsoft.com/office/powerpoint/2010/main" id="1" dur="indefinite" restart="never" nodeType="tmRoot">
+        <p:cTn id="1" dur="indefinite" restart="never" nodeType="tmRoot">
           <p:childTnLst>
             <p:seq concurrent="1" nextAc="seek">
               <p:cTn id="2" dur="indefinite" nodeType="mainSeq">
@@ -23601,7 +23624,7 @@
   <p:timing>
     <p:tnLst>
       <p:par>
-        <p:cTn xmlns:p14="http://schemas.microsoft.com/office/powerpoint/2010/main" id="1" dur="indefinite" restart="never" nodeType="tmRoot">
+        <p:cTn id="1" dur="indefinite" restart="never" nodeType="tmRoot">
           <p:childTnLst>
             <p:seq concurrent="1" nextAc="seek">
               <p:cTn id="2" dur="indefinite" nodeType="mainSeq">
@@ -23921,7 +23944,7 @@
   <p:timing>
     <p:tnLst>
       <p:par>
-        <p:cTn xmlns:p14="http://schemas.microsoft.com/office/powerpoint/2010/main" id="1" dur="indefinite" restart="never" nodeType="tmRoot"/>
+        <p:cTn id="1" dur="indefinite" restart="never" nodeType="tmRoot"/>
       </p:par>
     </p:tnLst>
   </p:timing>
@@ -24006,15 +24029,21 @@
           <p:nvPr/>
         </p:nvPicPr>
         <p:blipFill>
-          <a:blip/>
+          <a:blip r:embed="rId2">
+            <a:extLst>
+              <a:ext uri="{28A0092B-C50C-407E-A947-70E740481C1C}">
+                <a14:useLocalDpi xmlns:a14="http://schemas.microsoft.com/office/drawing/2010/main" val="0"/>
+              </a:ext>
+            </a:extLst>
+          </a:blip>
           <a:stretch>
             <a:fillRect/>
           </a:stretch>
         </p:blipFill>
         <p:spPr>
           <a:xfrm>
-            <a:off x="2209800" y="1428750"/>
-            <a:ext cx="1930400" cy="2413000"/>
+            <a:off x="2210284" y="1428750"/>
+            <a:ext cx="1929432" cy="2413000"/>
           </a:xfrm>
           <a:prstGeom prst="rect">
             <a:avLst/>
@@ -24030,7 +24059,13 @@
           <p:nvPr/>
         </p:nvPicPr>
         <p:blipFill>
-          <a:blip r:embed="rId2"/>
+          <a:blip r:embed="rId3">
+            <a:extLst>
+              <a:ext uri="{28A0092B-C50C-407E-A947-70E740481C1C}">
+                <a14:useLocalDpi xmlns:a14="http://schemas.microsoft.com/office/drawing/2010/main" val="0"/>
+              </a:ext>
+            </a:extLst>
+          </a:blip>
           <a:stretch>
             <a:fillRect/>
           </a:stretch>
@@ -24086,7 +24121,7 @@
   <p:timing>
     <p:tnLst>
       <p:par>
-        <p:cTn xmlns:p14="http://schemas.microsoft.com/office/powerpoint/2010/main" id="1" dur="indefinite" restart="never" nodeType="tmRoot"/>
+        <p:cTn id="1" dur="indefinite" restart="never" nodeType="tmRoot"/>
       </p:par>
     </p:tnLst>
   </p:timing>
@@ -24316,14 +24351,14 @@
             <a:noFill/>
           </a:ln>
           <a:extLst>
-            <a:ext uri="{909E8E84-426E-40dd-AFC4-6F175D3DCCD1}">
+            <a:ext uri="{909E8E84-426E-40DD-AFC4-6F175D3DCCD1}">
               <a14:hiddenFill xmlns:a14="http://schemas.microsoft.com/office/drawing/2010/main">
                 <a:solidFill>
                   <a:srgbClr val="FFFFFF"/>
                 </a:solidFill>
               </a14:hiddenFill>
             </a:ext>
-            <a:ext uri="{91240B29-F687-4f45-9708-019B960494DF}">
+            <a:ext uri="{91240B29-F687-4F45-9708-019B960494DF}">
               <a14:hiddenLine xmlns:a14="http://schemas.microsoft.com/office/drawing/2010/main" w="9525">
                 <a:solidFill>
                   <a:srgbClr val="000000"/>
@@ -24365,7 +24400,7 @@
   <p:timing>
     <p:tnLst>
       <p:par>
-        <p:cTn xmlns:p14="http://schemas.microsoft.com/office/powerpoint/2010/main" id="1" dur="indefinite" restart="never" nodeType="tmRoot"/>
+        <p:cTn id="1" dur="indefinite" restart="never" nodeType="tmRoot"/>
       </p:par>
     </p:tnLst>
   </p:timing>
@@ -24643,7 +24678,7 @@
   <p:timing>
     <p:tnLst>
       <p:par>
-        <p:cTn xmlns:p14="http://schemas.microsoft.com/office/powerpoint/2010/main" id="1" dur="indefinite" restart="never" nodeType="tmRoot"/>
+        <p:cTn id="1" dur="indefinite" restart="never" nodeType="tmRoot"/>
       </p:par>
     </p:tnLst>
   </p:timing>
@@ -24718,14 +24753,14 @@
             <a:noFill/>
           </a:ln>
           <a:extLst>
-            <a:ext uri="{909E8E84-426E-40dd-AFC4-6F175D3DCCD1}">
+            <a:ext uri="{909E8E84-426E-40DD-AFC4-6F175D3DCCD1}">
               <a14:hiddenFill xmlns:a14="http://schemas.microsoft.com/office/drawing/2010/main">
                 <a:solidFill>
                   <a:srgbClr val="FFFFFF"/>
                 </a:solidFill>
               </a14:hiddenFill>
             </a:ext>
-            <a:ext uri="{91240B29-F687-4f45-9708-019B960494DF}">
+            <a:ext uri="{91240B29-F687-4F45-9708-019B960494DF}">
               <a14:hiddenLine xmlns:a14="http://schemas.microsoft.com/office/drawing/2010/main" w="9525">
                 <a:solidFill>
                   <a:srgbClr val="000000"/>
@@ -24795,14 +24830,14 @@
             <a:noFill/>
           </a:ln>
           <a:extLst>
-            <a:ext uri="{909E8E84-426E-40dd-AFC4-6F175D3DCCD1}">
+            <a:ext uri="{909E8E84-426E-40DD-AFC4-6F175D3DCCD1}">
               <a14:hiddenFill xmlns:a14="http://schemas.microsoft.com/office/drawing/2010/main">
                 <a:solidFill>
                   <a:srgbClr val="FFFFFF"/>
                 </a:solidFill>
               </a14:hiddenFill>
             </a:ext>
-            <a:ext uri="{91240B29-F687-4f45-9708-019B960494DF}">
+            <a:ext uri="{91240B29-F687-4F45-9708-019B960494DF}">
               <a14:hiddenLine xmlns:a14="http://schemas.microsoft.com/office/drawing/2010/main" w="9525">
                 <a:solidFill>
                   <a:srgbClr val="000000"/>
@@ -24859,7 +24894,7 @@
           </a:ln>
           <a:effectLst/>
           <a:extLst>
-            <a:ext uri="{AF507438-7753-43e0-B8FC-AC1667EBCBE1}">
+            <a:ext uri="{AF507438-7753-43E0-B8FC-AC1667EBCBE1}">
               <a14:hiddenEffects xmlns:a14="http://schemas.microsoft.com/office/drawing/2010/main">
                 <a:effectLst>
                   <a:outerShdw blurRad="63500" dist="38099" dir="2700000" algn="ctr" rotWithShape="0">
@@ -24942,7 +24977,7 @@
   <p:timing>
     <p:tnLst>
       <p:par>
-        <p:cTn xmlns:p14="http://schemas.microsoft.com/office/powerpoint/2010/main" id="1" dur="indefinite" restart="never" nodeType="tmRoot">
+        <p:cTn id="1" dur="indefinite" restart="never" nodeType="tmRoot">
           <p:childTnLst>
             <p:seq concurrent="1" nextAc="seek">
               <p:cTn id="2" dur="indefinite" nodeType="mainSeq">
@@ -25112,14 +25147,14 @@
             <a:noFill/>
           </a:ln>
           <a:extLst>
-            <a:ext uri="{909E8E84-426E-40dd-AFC4-6F175D3DCCD1}">
+            <a:ext uri="{909E8E84-426E-40DD-AFC4-6F175D3DCCD1}">
               <a14:hiddenFill xmlns:a14="http://schemas.microsoft.com/office/drawing/2010/main">
                 <a:solidFill>
                   <a:srgbClr val="FFFFFF"/>
                 </a:solidFill>
               </a14:hiddenFill>
             </a:ext>
-            <a:ext uri="{91240B29-F687-4f45-9708-019B960494DF}">
+            <a:ext uri="{91240B29-F687-4F45-9708-019B960494DF}">
               <a14:hiddenLine xmlns:a14="http://schemas.microsoft.com/office/drawing/2010/main" w="9525">
                 <a:solidFill>
                   <a:srgbClr val="000000"/>
@@ -25189,14 +25224,14 @@
             <a:noFill/>
           </a:ln>
           <a:extLst>
-            <a:ext uri="{909E8E84-426E-40dd-AFC4-6F175D3DCCD1}">
+            <a:ext uri="{909E8E84-426E-40DD-AFC4-6F175D3DCCD1}">
               <a14:hiddenFill xmlns:a14="http://schemas.microsoft.com/office/drawing/2010/main">
                 <a:solidFill>
                   <a:srgbClr val="FFFFFF"/>
                 </a:solidFill>
               </a14:hiddenFill>
             </a:ext>
-            <a:ext uri="{91240B29-F687-4f45-9708-019B960494DF}">
+            <a:ext uri="{91240B29-F687-4F45-9708-019B960494DF}">
               <a14:hiddenLine xmlns:a14="http://schemas.microsoft.com/office/drawing/2010/main" w="9525">
                 <a:solidFill>
                   <a:srgbClr val="000000"/>
@@ -25268,7 +25303,7 @@
           </a:ln>
           <a:effectLst/>
           <a:extLst>
-            <a:ext uri="{AF507438-7753-43e0-B8FC-AC1667EBCBE1}">
+            <a:ext uri="{AF507438-7753-43E0-B8FC-AC1667EBCBE1}">
               <a14:hiddenEffects xmlns:a14="http://schemas.microsoft.com/office/drawing/2010/main">
                 <a:effectLst>
                   <a:outerShdw blurRad="63500" dist="38099" dir="2700000" algn="ctr" rotWithShape="0">
@@ -25381,7 +25416,7 @@
   <p:timing>
     <p:tnLst>
       <p:par>
-        <p:cTn xmlns:p14="http://schemas.microsoft.com/office/powerpoint/2010/main" id="1" dur="indefinite" restart="never" nodeType="tmRoot">
+        <p:cTn id="1" dur="indefinite" restart="never" nodeType="tmRoot">
           <p:childTnLst>
             <p:seq concurrent="1" nextAc="seek">
               <p:cTn id="2" dur="indefinite" nodeType="mainSeq">
@@ -25588,7 +25623,7 @@
             <a:tailEnd/>
           </a:ln>
           <a:extLst>
-            <a:ext uri="{909E8E84-426E-40dd-AFC4-6F175D3DCCD1}">
+            <a:ext uri="{909E8E84-426E-40DD-AFC4-6F175D3DCCD1}">
               <a14:hiddenFill xmlns:a14="http://schemas.microsoft.com/office/drawing/2010/main">
                 <a:solidFill>
                   <a:srgbClr val="FFFFFF"/>
@@ -25823,14 +25858,14 @@
             <a:noFill/>
           </a:ln>
           <a:extLst>
-            <a:ext uri="{909E8E84-426E-40dd-AFC4-6F175D3DCCD1}">
+            <a:ext uri="{909E8E84-426E-40DD-AFC4-6F175D3DCCD1}">
               <a14:hiddenFill xmlns:a14="http://schemas.microsoft.com/office/drawing/2010/main">
                 <a:solidFill>
                   <a:srgbClr val="FFFFFF"/>
                 </a:solidFill>
               </a14:hiddenFill>
             </a:ext>
-            <a:ext uri="{91240B29-F687-4f45-9708-019B960494DF}">
+            <a:ext uri="{91240B29-F687-4F45-9708-019B960494DF}">
               <a14:hiddenLine xmlns:a14="http://schemas.microsoft.com/office/drawing/2010/main" w="9525">
                 <a:solidFill>
                   <a:srgbClr val="000000"/>
@@ -25877,7 +25912,7 @@
   <p:timing>
     <p:tnLst>
       <p:par>
-        <p:cTn xmlns:p14="http://schemas.microsoft.com/office/powerpoint/2010/main" id="1" dur="indefinite" restart="never" nodeType="tmRoot">
+        <p:cTn id="1" dur="indefinite" restart="never" nodeType="tmRoot">
           <p:childTnLst>
             <p:seq concurrent="1" nextAc="seek">
               <p:cTn id="2" dur="indefinite" nodeType="mainSeq">
@@ -26074,7 +26109,7 @@
             <a:tailEnd/>
           </a:ln>
           <a:extLst>
-            <a:ext uri="{909E8E84-426E-40dd-AFC4-6F175D3DCCD1}">
+            <a:ext uri="{909E8E84-426E-40DD-AFC4-6F175D3DCCD1}">
               <a14:hiddenFill xmlns:a14="http://schemas.microsoft.com/office/drawing/2010/main">
                 <a:solidFill>
                   <a:srgbClr val="FFFFFF"/>
@@ -26309,14 +26344,14 @@
             <a:noFill/>
           </a:ln>
           <a:extLst>
-            <a:ext uri="{909E8E84-426E-40dd-AFC4-6F175D3DCCD1}">
+            <a:ext uri="{909E8E84-426E-40DD-AFC4-6F175D3DCCD1}">
               <a14:hiddenFill xmlns:a14="http://schemas.microsoft.com/office/drawing/2010/main">
                 <a:solidFill>
                   <a:srgbClr val="FFFFFF"/>
                 </a:solidFill>
               </a14:hiddenFill>
             </a:ext>
-            <a:ext uri="{91240B29-F687-4f45-9708-019B960494DF}">
+            <a:ext uri="{91240B29-F687-4F45-9708-019B960494DF}">
               <a14:hiddenLine xmlns:a14="http://schemas.microsoft.com/office/drawing/2010/main" w="9525">
                 <a:solidFill>
                   <a:srgbClr val="000000"/>
@@ -26358,7 +26393,7 @@
   <p:timing>
     <p:tnLst>
       <p:par>
-        <p:cTn xmlns:p14="http://schemas.microsoft.com/office/powerpoint/2010/main" id="1" dur="indefinite" restart="never" nodeType="tmRoot">
+        <p:cTn id="1" dur="indefinite" restart="never" nodeType="tmRoot">
           <p:childTnLst>
             <p:seq concurrent="1" nextAc="seek">
               <p:cTn id="2" dur="indefinite" nodeType="mainSeq">
@@ -26509,7 +26544,7 @@
             <a:tailEnd/>
           </a:ln>
           <a:extLst>
-            <a:ext uri="{909E8E84-426E-40dd-AFC4-6F175D3DCCD1}">
+            <a:ext uri="{909E8E84-426E-40DD-AFC4-6F175D3DCCD1}">
               <a14:hiddenFill xmlns:a14="http://schemas.microsoft.com/office/drawing/2010/main">
                 <a:solidFill>
                   <a:srgbClr val="FFFFFF"/>
@@ -26744,14 +26779,14 @@
             <a:noFill/>
           </a:ln>
           <a:extLst>
-            <a:ext uri="{909E8E84-426E-40dd-AFC4-6F175D3DCCD1}">
+            <a:ext uri="{909E8E84-426E-40DD-AFC4-6F175D3DCCD1}">
               <a14:hiddenFill xmlns:a14="http://schemas.microsoft.com/office/drawing/2010/main">
                 <a:solidFill>
                   <a:srgbClr val="FFFFFF"/>
                 </a:solidFill>
               </a14:hiddenFill>
             </a:ext>
-            <a:ext uri="{91240B29-F687-4f45-9708-019B960494DF}">
+            <a:ext uri="{91240B29-F687-4F45-9708-019B960494DF}">
               <a14:hiddenLine xmlns:a14="http://schemas.microsoft.com/office/drawing/2010/main" w="9525">
                 <a:solidFill>
                   <a:srgbClr val="000000"/>
@@ -26798,7 +26833,7 @@
   <p:timing>
     <p:tnLst>
       <p:par>
-        <p:cTn xmlns:p14="http://schemas.microsoft.com/office/powerpoint/2010/main" id="1" dur="indefinite" restart="never" nodeType="tmRoot">
+        <p:cTn id="1" dur="indefinite" restart="never" nodeType="tmRoot">
           <p:childTnLst>
             <p:seq concurrent="1" nextAc="seek">
               <p:cTn id="2" dur="indefinite" nodeType="mainSeq">
@@ -26995,7 +27030,7 @@
             <a:tailEnd/>
           </a:ln>
           <a:extLst>
-            <a:ext uri="{909E8E84-426E-40dd-AFC4-6F175D3DCCD1}">
+            <a:ext uri="{909E8E84-426E-40DD-AFC4-6F175D3DCCD1}">
               <a14:hiddenFill xmlns:a14="http://schemas.microsoft.com/office/drawing/2010/main">
                 <a:solidFill>
                   <a:srgbClr val="FFFFFF"/>
@@ -27212,14 +27247,14 @@
             <a:noFill/>
           </a:ln>
           <a:extLst>
-            <a:ext uri="{909E8E84-426E-40dd-AFC4-6F175D3DCCD1}">
+            <a:ext uri="{909E8E84-426E-40DD-AFC4-6F175D3DCCD1}">
               <a14:hiddenFill xmlns:a14="http://schemas.microsoft.com/office/drawing/2010/main">
                 <a:solidFill>
                   <a:srgbClr val="FFFFFF"/>
                 </a:solidFill>
               </a14:hiddenFill>
             </a:ext>
-            <a:ext uri="{91240B29-F687-4f45-9708-019B960494DF}">
+            <a:ext uri="{91240B29-F687-4F45-9708-019B960494DF}">
               <a14:hiddenLine xmlns:a14="http://schemas.microsoft.com/office/drawing/2010/main" w="9525">
                 <a:solidFill>
                   <a:srgbClr val="000000"/>
@@ -27293,7 +27328,7 @@
   <p:timing>
     <p:tnLst>
       <p:par>
-        <p:cTn xmlns:p14="http://schemas.microsoft.com/office/powerpoint/2010/main" id="1" dur="indefinite" restart="never" nodeType="tmRoot">
+        <p:cTn id="1" dur="indefinite" restart="never" nodeType="tmRoot">
           <p:childTnLst>
             <p:seq concurrent="1" nextAc="seek">
               <p:cTn id="2" dur="indefinite" nodeType="mainSeq">
@@ -27640,14 +27675,14 @@
           </a:ln>
           <a:effectLst/>
           <a:extLst>
-            <a:ext uri="{909E8E84-426E-40dd-AFC4-6F175D3DCCD1}">
+            <a:ext uri="{909E8E84-426E-40DD-AFC4-6F175D3DCCD1}">
               <a14:hiddenFill xmlns:a14="http://schemas.microsoft.com/office/drawing/2010/main">
                 <a:solidFill>
                   <a:srgbClr val="FFFFFF"/>
                 </a:solidFill>
               </a14:hiddenFill>
             </a:ext>
-            <a:ext uri="{91240B29-F687-4f45-9708-019B960494DF}">
+            <a:ext uri="{91240B29-F687-4F45-9708-019B960494DF}">
               <a14:hiddenLine xmlns:a14="http://schemas.microsoft.com/office/drawing/2010/main" w="9525" cap="flat">
                 <a:solidFill>
                   <a:srgbClr val="808080"/>
@@ -27657,7 +27692,7 @@
                 <a:tailEnd/>
               </a14:hiddenLine>
             </a:ext>
-            <a:ext uri="{AF507438-7753-43e0-B8FC-AC1667EBCBE1}">
+            <a:ext uri="{AF507438-7753-43E0-B8FC-AC1667EBCBE1}">
               <a14:hiddenEffects xmlns:a14="http://schemas.microsoft.com/office/drawing/2010/main">
                 <a:effectLst>
                   <a:outerShdw blurRad="63500" dist="38099" dir="2700000" algn="ctr" rotWithShape="0">
@@ -27669,7 +27704,7 @@
               </a14:hiddenEffects>
             </a:ext>
             <a:ext uri="{FAA26D3D-D897-4be2-8F04-BA451C77F1D7}">
-              <ma14:placeholderFlag xmlns:ma14="http://schemas.microsoft.com/office/mac/drawingml/2011/main" val="1"/>
+              <ma14:placeholderFlag xmlns:ma14="http://schemas.microsoft.com/office/mac/drawingml/2011/main" xmlns="" val="1"/>
             </a:ext>
           </a:extLst>
         </p:spPr>
@@ -27936,7 +27971,7 @@
   <p:timing>
     <p:tnLst>
       <p:par>
-        <p:cTn xmlns:p14="http://schemas.microsoft.com/office/powerpoint/2010/main" id="1" dur="indefinite" restart="never" nodeType="tmRoot"/>
+        <p:cTn id="1" dur="indefinite" restart="never" nodeType="tmRoot"/>
       </p:par>
     </p:tnLst>
   </p:timing>
@@ -28173,14 +28208,14 @@
           </a:ln>
           <a:effectLst/>
           <a:extLst>
-            <a:ext uri="{909E8E84-426E-40dd-AFC4-6F175D3DCCD1}">
+            <a:ext uri="{909E8E84-426E-40DD-AFC4-6F175D3DCCD1}">
               <a14:hiddenFill xmlns:a14="http://schemas.microsoft.com/office/drawing/2010/main">
                 <a:solidFill>
                   <a:srgbClr val="FFFFFF"/>
                 </a:solidFill>
               </a14:hiddenFill>
             </a:ext>
-            <a:ext uri="{91240B29-F687-4f45-9708-019B960494DF}">
+            <a:ext uri="{91240B29-F687-4F45-9708-019B960494DF}">
               <a14:hiddenLine xmlns:a14="http://schemas.microsoft.com/office/drawing/2010/main" w="9525" cap="flat">
                 <a:solidFill>
                   <a:srgbClr val="808080"/>
@@ -28190,7 +28225,7 @@
                 <a:tailEnd/>
               </a14:hiddenLine>
             </a:ext>
-            <a:ext uri="{AF507438-7753-43e0-B8FC-AC1667EBCBE1}">
+            <a:ext uri="{AF507438-7753-43E0-B8FC-AC1667EBCBE1}">
               <a14:hiddenEffects xmlns:a14="http://schemas.microsoft.com/office/drawing/2010/main">
                 <a:effectLst>
                   <a:outerShdw blurRad="63500" dist="38099" dir="2700000" algn="ctr" rotWithShape="0">
@@ -28202,7 +28237,7 @@
               </a14:hiddenEffects>
             </a:ext>
             <a:ext uri="{FAA26D3D-D897-4be2-8F04-BA451C77F1D7}">
-              <ma14:placeholderFlag xmlns:ma14="http://schemas.microsoft.com/office/mac/drawingml/2011/main" val="1"/>
+              <ma14:placeholderFlag xmlns:ma14="http://schemas.microsoft.com/office/mac/drawingml/2011/main" xmlns="" val="1"/>
             </a:ext>
           </a:extLst>
         </p:spPr>
@@ -28469,7 +28504,7 @@
   <p:timing>
     <p:tnLst>
       <p:par>
-        <p:cTn xmlns:p14="http://schemas.microsoft.com/office/powerpoint/2010/main" id="1" dur="indefinite" restart="never" nodeType="tmRoot"/>
+        <p:cTn id="1" dur="indefinite" restart="never" nodeType="tmRoot"/>
       </p:par>
     </p:tnLst>
   </p:timing>
@@ -28594,7 +28629,7 @@
   <p:timing>
     <p:tnLst>
       <p:par>
-        <p:cTn xmlns:p14="http://schemas.microsoft.com/office/powerpoint/2010/main" id="1" dur="indefinite" restart="never" nodeType="tmRoot"/>
+        <p:cTn id="1" dur="indefinite" restart="never" nodeType="tmRoot"/>
       </p:par>
     </p:tnLst>
   </p:timing>
@@ -28828,14 +28863,14 @@
           </a:ln>
           <a:effectLst/>
           <a:extLst>
-            <a:ext uri="{909E8E84-426E-40dd-AFC4-6F175D3DCCD1}">
+            <a:ext uri="{909E8E84-426E-40DD-AFC4-6F175D3DCCD1}">
               <a14:hiddenFill xmlns:a14="http://schemas.microsoft.com/office/drawing/2010/main">
                 <a:solidFill>
                   <a:srgbClr val="FFFFFF"/>
                 </a:solidFill>
               </a14:hiddenFill>
             </a:ext>
-            <a:ext uri="{91240B29-F687-4f45-9708-019B960494DF}">
+            <a:ext uri="{91240B29-F687-4F45-9708-019B960494DF}">
               <a14:hiddenLine xmlns:a14="http://schemas.microsoft.com/office/drawing/2010/main" w="9525" cap="flat">
                 <a:solidFill>
                   <a:srgbClr val="808080"/>
@@ -28845,7 +28880,7 @@
                 <a:tailEnd/>
               </a14:hiddenLine>
             </a:ext>
-            <a:ext uri="{AF507438-7753-43e0-B8FC-AC1667EBCBE1}">
+            <a:ext uri="{AF507438-7753-43E0-B8FC-AC1667EBCBE1}">
               <a14:hiddenEffects xmlns:a14="http://schemas.microsoft.com/office/drawing/2010/main">
                 <a:effectLst>
                   <a:outerShdw blurRad="63500" dist="38099" dir="2700000" algn="ctr" rotWithShape="0">
@@ -28857,7 +28892,7 @@
               </a14:hiddenEffects>
             </a:ext>
             <a:ext uri="{FAA26D3D-D897-4be2-8F04-BA451C77F1D7}">
-              <ma14:placeholderFlag xmlns:ma14="http://schemas.microsoft.com/office/mac/drawingml/2011/main" val="1"/>
+              <ma14:placeholderFlag xmlns:ma14="http://schemas.microsoft.com/office/mac/drawingml/2011/main" xmlns="" val="1"/>
             </a:ext>
           </a:extLst>
         </p:spPr>
@@ -29137,7 +29172,7 @@
   <p:timing>
     <p:tnLst>
       <p:par>
-        <p:cTn xmlns:p14="http://schemas.microsoft.com/office/powerpoint/2010/main" id="1" dur="indefinite" restart="never" nodeType="tmRoot"/>
+        <p:cTn id="1" dur="indefinite" restart="never" nodeType="tmRoot"/>
       </p:par>
     </p:tnLst>
   </p:timing>
@@ -29323,7 +29358,7 @@
   <p:timing>
     <p:tnLst>
       <p:par>
-        <p:cTn xmlns:p14="http://schemas.microsoft.com/office/powerpoint/2010/main" id="1" dur="indefinite" restart="never" nodeType="tmRoot"/>
+        <p:cTn id="1" dur="indefinite" restart="never" nodeType="tmRoot"/>
       </p:par>
     </p:tnLst>
   </p:timing>
@@ -29573,14 +29608,14 @@
           </a:ln>
           <a:effectLst/>
           <a:extLst>
-            <a:ext uri="{909E8E84-426E-40dd-AFC4-6F175D3DCCD1}">
+            <a:ext uri="{909E8E84-426E-40DD-AFC4-6F175D3DCCD1}">
               <a14:hiddenFill xmlns:a14="http://schemas.microsoft.com/office/drawing/2010/main">
                 <a:solidFill>
                   <a:srgbClr val="FFFFFF"/>
                 </a:solidFill>
               </a14:hiddenFill>
             </a:ext>
-            <a:ext uri="{91240B29-F687-4f45-9708-019B960494DF}">
+            <a:ext uri="{91240B29-F687-4F45-9708-019B960494DF}">
               <a14:hiddenLine xmlns:a14="http://schemas.microsoft.com/office/drawing/2010/main" w="9525" cap="flat">
                 <a:solidFill>
                   <a:srgbClr val="808080"/>
@@ -29590,7 +29625,7 @@
                 <a:tailEnd/>
               </a14:hiddenLine>
             </a:ext>
-            <a:ext uri="{AF507438-7753-43e0-B8FC-AC1667EBCBE1}">
+            <a:ext uri="{AF507438-7753-43E0-B8FC-AC1667EBCBE1}">
               <a14:hiddenEffects xmlns:a14="http://schemas.microsoft.com/office/drawing/2010/main">
                 <a:effectLst>
                   <a:outerShdw blurRad="63500" dist="38099" dir="2700000" algn="ctr" rotWithShape="0">
@@ -29602,7 +29637,7 @@
               </a14:hiddenEffects>
             </a:ext>
             <a:ext uri="{FAA26D3D-D897-4be2-8F04-BA451C77F1D7}">
-              <ma14:placeholderFlag xmlns:ma14="http://schemas.microsoft.com/office/mac/drawingml/2011/main" val="1"/>
+              <ma14:placeholderFlag xmlns:ma14="http://schemas.microsoft.com/office/mac/drawingml/2011/main" xmlns="" val="1"/>
             </a:ext>
           </a:extLst>
         </p:spPr>
@@ -29865,7 +29900,7 @@
   <p:timing>
     <p:tnLst>
       <p:par>
-        <p:cTn xmlns:p14="http://schemas.microsoft.com/office/powerpoint/2010/main" id="1" dur="indefinite" restart="never" nodeType="tmRoot"/>
+        <p:cTn id="1" dur="indefinite" restart="never" nodeType="tmRoot"/>
       </p:par>
     </p:tnLst>
   </p:timing>
@@ -30213,14 +30248,14 @@
           </a:ln>
           <a:effectLst/>
           <a:extLst>
-            <a:ext uri="{909E8E84-426E-40dd-AFC4-6F175D3DCCD1}">
+            <a:ext uri="{909E8E84-426E-40DD-AFC4-6F175D3DCCD1}">
               <a14:hiddenFill xmlns:a14="http://schemas.microsoft.com/office/drawing/2010/main">
                 <a:solidFill>
                   <a:srgbClr val="FFFFFF"/>
                 </a:solidFill>
               </a14:hiddenFill>
             </a:ext>
-            <a:ext uri="{91240B29-F687-4f45-9708-019B960494DF}">
+            <a:ext uri="{91240B29-F687-4F45-9708-019B960494DF}">
               <a14:hiddenLine xmlns:a14="http://schemas.microsoft.com/office/drawing/2010/main" w="9525" cap="flat">
                 <a:solidFill>
                   <a:srgbClr val="808080"/>
@@ -30230,7 +30265,7 @@
                 <a:tailEnd/>
               </a14:hiddenLine>
             </a:ext>
-            <a:ext uri="{AF507438-7753-43e0-B8FC-AC1667EBCBE1}">
+            <a:ext uri="{AF507438-7753-43E0-B8FC-AC1667EBCBE1}">
               <a14:hiddenEffects xmlns:a14="http://schemas.microsoft.com/office/drawing/2010/main">
                 <a:effectLst>
                   <a:outerShdw blurRad="63500" dist="38099" dir="2700000" algn="ctr" rotWithShape="0">
@@ -30242,7 +30277,7 @@
               </a14:hiddenEffects>
             </a:ext>
             <a:ext uri="{FAA26D3D-D897-4be2-8F04-BA451C77F1D7}">
-              <ma14:placeholderFlag xmlns:ma14="http://schemas.microsoft.com/office/mac/drawingml/2011/main" val="1"/>
+              <ma14:placeholderFlag xmlns:ma14="http://schemas.microsoft.com/office/mac/drawingml/2011/main" xmlns="" val="1"/>
             </a:ext>
           </a:extLst>
         </p:spPr>
@@ -30505,7 +30540,7 @@
   <p:timing>
     <p:tnLst>
       <p:par>
-        <p:cTn xmlns:p14="http://schemas.microsoft.com/office/powerpoint/2010/main" id="1" dur="indefinite" restart="never" nodeType="tmRoot"/>
+        <p:cTn id="1" dur="indefinite" restart="never" nodeType="tmRoot"/>
       </p:par>
     </p:tnLst>
   </p:timing>
@@ -30771,14 +30806,14 @@
           </a:ln>
           <a:effectLst/>
           <a:extLst>
-            <a:ext uri="{909E8E84-426E-40dd-AFC4-6F175D3DCCD1}">
+            <a:ext uri="{909E8E84-426E-40DD-AFC4-6F175D3DCCD1}">
               <a14:hiddenFill xmlns:a14="http://schemas.microsoft.com/office/drawing/2010/main">
                 <a:solidFill>
                   <a:srgbClr val="FFFFFF"/>
                 </a:solidFill>
               </a14:hiddenFill>
             </a:ext>
-            <a:ext uri="{91240B29-F687-4f45-9708-019B960494DF}">
+            <a:ext uri="{91240B29-F687-4F45-9708-019B960494DF}">
               <a14:hiddenLine xmlns:a14="http://schemas.microsoft.com/office/drawing/2010/main" w="9525" cap="flat">
                 <a:solidFill>
                   <a:srgbClr val="808080"/>
@@ -30788,7 +30823,7 @@
                 <a:tailEnd/>
               </a14:hiddenLine>
             </a:ext>
-            <a:ext uri="{AF507438-7753-43e0-B8FC-AC1667EBCBE1}">
+            <a:ext uri="{AF507438-7753-43E0-B8FC-AC1667EBCBE1}">
               <a14:hiddenEffects xmlns:a14="http://schemas.microsoft.com/office/drawing/2010/main">
                 <a:effectLst>
                   <a:outerShdw blurRad="63500" dist="38099" dir="2700000" algn="ctr" rotWithShape="0">
@@ -30800,7 +30835,7 @@
               </a14:hiddenEffects>
             </a:ext>
             <a:ext uri="{FAA26D3D-D897-4be2-8F04-BA451C77F1D7}">
-              <ma14:placeholderFlag xmlns:ma14="http://schemas.microsoft.com/office/mac/drawingml/2011/main" val="1"/>
+              <ma14:placeholderFlag xmlns:ma14="http://schemas.microsoft.com/office/mac/drawingml/2011/main" xmlns="" val="1"/>
             </a:ext>
           </a:extLst>
         </p:spPr>
@@ -31063,7 +31098,7 @@
   <p:timing>
     <p:tnLst>
       <p:par>
-        <p:cTn xmlns:p14="http://schemas.microsoft.com/office/powerpoint/2010/main" id="1" dur="indefinite" restart="never" nodeType="tmRoot"/>
+        <p:cTn id="1" dur="indefinite" restart="never" nodeType="tmRoot"/>
       </p:par>
     </p:tnLst>
   </p:timing>
@@ -31411,14 +31446,14 @@
           </a:ln>
           <a:effectLst/>
           <a:extLst>
-            <a:ext uri="{909E8E84-426E-40dd-AFC4-6F175D3DCCD1}">
+            <a:ext uri="{909E8E84-426E-40DD-AFC4-6F175D3DCCD1}">
               <a14:hiddenFill xmlns:a14="http://schemas.microsoft.com/office/drawing/2010/main">
                 <a:solidFill>
                   <a:srgbClr val="FFFFFF"/>
                 </a:solidFill>
               </a14:hiddenFill>
             </a:ext>
-            <a:ext uri="{91240B29-F687-4f45-9708-019B960494DF}">
+            <a:ext uri="{91240B29-F687-4F45-9708-019B960494DF}">
               <a14:hiddenLine xmlns:a14="http://schemas.microsoft.com/office/drawing/2010/main" w="9525" cap="flat">
                 <a:solidFill>
                   <a:srgbClr val="808080"/>
@@ -31428,7 +31463,7 @@
                 <a:tailEnd/>
               </a14:hiddenLine>
             </a:ext>
-            <a:ext uri="{AF507438-7753-43e0-B8FC-AC1667EBCBE1}">
+            <a:ext uri="{AF507438-7753-43E0-B8FC-AC1667EBCBE1}">
               <a14:hiddenEffects xmlns:a14="http://schemas.microsoft.com/office/drawing/2010/main">
                 <a:effectLst>
                   <a:outerShdw blurRad="63500" dist="38099" dir="2700000" algn="ctr" rotWithShape="0">
@@ -31440,7 +31475,7 @@
               </a14:hiddenEffects>
             </a:ext>
             <a:ext uri="{FAA26D3D-D897-4be2-8F04-BA451C77F1D7}">
-              <ma14:placeholderFlag xmlns:ma14="http://schemas.microsoft.com/office/mac/drawingml/2011/main" val="1"/>
+              <ma14:placeholderFlag xmlns:ma14="http://schemas.microsoft.com/office/mac/drawingml/2011/main" xmlns="" val="1"/>
             </a:ext>
           </a:extLst>
         </p:spPr>
@@ -31703,7 +31738,7 @@
   <p:timing>
     <p:tnLst>
       <p:par>
-        <p:cTn xmlns:p14="http://schemas.microsoft.com/office/powerpoint/2010/main" id="1" dur="indefinite" restart="never" nodeType="tmRoot"/>
+        <p:cTn id="1" dur="indefinite" restart="never" nodeType="tmRoot"/>
       </p:par>
     </p:tnLst>
   </p:timing>
@@ -31915,14 +31950,14 @@
           </a:ln>
           <a:effectLst/>
           <a:extLst>
-            <a:ext uri="{909E8E84-426E-40dd-AFC4-6F175D3DCCD1}">
+            <a:ext uri="{909E8E84-426E-40DD-AFC4-6F175D3DCCD1}">
               <a14:hiddenFill xmlns:a14="http://schemas.microsoft.com/office/drawing/2010/main">
                 <a:solidFill>
                   <a:srgbClr val="FFFFFF"/>
                 </a:solidFill>
               </a14:hiddenFill>
             </a:ext>
-            <a:ext uri="{91240B29-F687-4f45-9708-019B960494DF}">
+            <a:ext uri="{91240B29-F687-4F45-9708-019B960494DF}">
               <a14:hiddenLine xmlns:a14="http://schemas.microsoft.com/office/drawing/2010/main" w="9525" cap="flat">
                 <a:solidFill>
                   <a:srgbClr val="808080"/>
@@ -31932,7 +31967,7 @@
                 <a:tailEnd/>
               </a14:hiddenLine>
             </a:ext>
-            <a:ext uri="{AF507438-7753-43e0-B8FC-AC1667EBCBE1}">
+            <a:ext uri="{AF507438-7753-43E0-B8FC-AC1667EBCBE1}">
               <a14:hiddenEffects xmlns:a14="http://schemas.microsoft.com/office/drawing/2010/main">
                 <a:effectLst>
                   <a:outerShdw blurRad="63500" dist="38099" dir="2700000" algn="ctr" rotWithShape="0">
@@ -31944,7 +31979,7 @@
               </a14:hiddenEffects>
             </a:ext>
             <a:ext uri="{FAA26D3D-D897-4be2-8F04-BA451C77F1D7}">
-              <ma14:placeholderFlag xmlns:ma14="http://schemas.microsoft.com/office/mac/drawingml/2011/main" val="1"/>
+              <ma14:placeholderFlag xmlns:ma14="http://schemas.microsoft.com/office/mac/drawingml/2011/main" xmlns="" val="1"/>
             </a:ext>
           </a:extLst>
         </p:spPr>
@@ -32207,7 +32242,7 @@
   <p:timing>
     <p:tnLst>
       <p:par>
-        <p:cTn xmlns:p14="http://schemas.microsoft.com/office/powerpoint/2010/main" id="1" dur="indefinite" restart="never" nodeType="tmRoot"/>
+        <p:cTn id="1" dur="indefinite" restart="never" nodeType="tmRoot"/>
       </p:par>
     </p:tnLst>
   </p:timing>
@@ -32253,7 +32288,7 @@
           <a:p>
             <a:r>
               <a:rPr lang="en-US" dirty="0" smtClean="0"/>
-              <a:t>Lab</a:t>
+              <a:t>VI. Lab #2</a:t>
             </a:r>
             <a:endParaRPr lang="en-US" dirty="0"/>
           </a:p>
@@ -32386,7 +32421,7 @@
   <p:timing>
     <p:tnLst>
       <p:par>
-        <p:cTn xmlns:p14="http://schemas.microsoft.com/office/powerpoint/2010/main" id="1" dur="indefinite" restart="never" nodeType="tmRoot"/>
+        <p:cTn id="1" dur="indefinite" restart="never" nodeType="tmRoot"/>
       </p:par>
     </p:tnLst>
   </p:timing>
@@ -32472,14 +32507,14 @@
             <p:ph idx="1"/>
             <p:extLst>
               <p:ext uri="{D42A27DB-BD31-4B8C-83A1-F6EECF244321}">
-                <p14:modId xmlns:p14="http://schemas.microsoft.com/office/powerpoint/2010/main" val="1356315510"/>
+                <p14:modId xmlns:p14="http://schemas.microsoft.com/office/powerpoint/2010/main" val="1051964682"/>
               </p:ext>
             </p:extLst>
           </p:nvPr>
         </p:nvGraphicFramePr>
         <p:xfrm>
           <a:off x="990604" y="1179830"/>
-          <a:ext cx="6172200" cy="3144520"/>
+          <a:ext cx="6172200" cy="2595880"/>
         </p:xfrm>
         <a:graphic>
           <a:graphicData uri="http://schemas.openxmlformats.org/drawingml/2006/table">
@@ -32498,6 +32533,14 @@
                     <a:p>
                       <a:r>
                         <a:rPr lang="en-US" sz="1500" dirty="0" smtClean="0"/>
+                        <a:t>I.</a:t>
+                      </a:r>
+                      <a:r>
+                        <a:rPr lang="en-US" sz="1500" baseline="0" dirty="0" smtClean="0"/>
+                        <a:t>  </a:t>
+                      </a:r>
+                      <a:r>
+                        <a:rPr lang="en-US" sz="1500" dirty="0" smtClean="0"/>
                         <a:t>Certification Overview</a:t>
                       </a:r>
                       <a:endParaRPr lang="en-US" sz="1500" dirty="0"/>
@@ -32512,9 +32555,12 @@
                     <a:bodyPr/>
                     <a:lstStyle/>
                     <a:p>
+                      <a:pPr>
+                        <a:buNone/>
+                      </a:pPr>
                       <a:r>
                         <a:rPr lang="en-US" sz="1500" dirty="0" smtClean="0"/>
-                        <a:t>Modules</a:t>
+                        <a:t>II. Modules</a:t>
                       </a:r>
                       <a:endParaRPr lang="en-US" sz="1500" dirty="0"/>
                     </a:p>
@@ -32547,8 +32593,9 @@
                       </a:pPr>
                       <a:r>
                         <a:rPr lang="en-US" sz="1500" dirty="0" smtClean="0"/>
-                        <a:t>Lab</a:t>
+                        <a:t>III. Lab #1</a:t>
                       </a:r>
+                      <a:endParaRPr lang="en-US" sz="1500" dirty="0" smtClean="0"/>
                     </a:p>
                   </a:txBody>
                   <a:tcPr/>
@@ -32562,15 +32609,19 @@
                     <a:p>
                       <a:r>
                         <a:rPr lang="en-US" sz="1500" dirty="0" smtClean="0"/>
+                        <a:t>IV.</a:t>
+                      </a:r>
+                      <a:r>
+                        <a:rPr lang="en-US" sz="1500" baseline="0" dirty="0" smtClean="0"/>
+                        <a:t> </a:t>
+                      </a:r>
+                      <a:r>
+                        <a:rPr lang="en-US" sz="1500" dirty="0" smtClean="0"/>
                         <a:t>Small</a:t>
                       </a:r>
                       <a:r>
                         <a:rPr lang="en-US" sz="1500" baseline="0" dirty="0" smtClean="0"/>
-                        <a:t> features: </a:t>
-                      </a:r>
-                      <a:r>
-                        <a:rPr lang="en-US" sz="1500" dirty="0" smtClean="0"/>
-                        <a:t>_, private methods, effectively final in try-with-resources</a:t>
+                        <a:t> features</a:t>
                       </a:r>
                       <a:endParaRPr lang="en-US" sz="1500" dirty="0"/>
                     </a:p>
@@ -32586,23 +32637,11 @@
                     <a:p>
                       <a:r>
                         <a:rPr lang="en-US" sz="1500" dirty="0" smtClean="0"/>
-                        <a:t>var</a:t>
+                        <a:t>V. Var/Stream</a:t>
                       </a:r>
-                      <a:endParaRPr lang="en-US" sz="1500" dirty="0"/>
-                    </a:p>
-                  </a:txBody>
-                  <a:tcPr/>
-                </a:tc>
-              </a:tr>
-              <a:tr h="370840">
-                <a:tc>
-                  <a:txBody>
-                    <a:bodyPr/>
-                    <a:lstStyle/>
-                    <a:p>
                       <a:r>
-                        <a:rPr lang="en-US" sz="1500" dirty="0" smtClean="0"/>
-                        <a:t>Streams changes</a:t>
+                        <a:rPr lang="en-US" sz="1500" baseline="0" dirty="0" smtClean="0"/>
+                        <a:t> Changes</a:t>
                       </a:r>
                       <a:endParaRPr lang="en-US" sz="1500" dirty="0"/>
                     </a:p>
@@ -32635,8 +32674,17 @@
                       </a:pPr>
                       <a:r>
                         <a:rPr lang="en-US" sz="1500" dirty="0" smtClean="0"/>
-                        <a:t>Lab</a:t>
+                        <a:t>VI.</a:t>
                       </a:r>
+                      <a:r>
+                        <a:rPr lang="en-US" sz="1500" baseline="0" dirty="0" smtClean="0"/>
+                        <a:t> </a:t>
+                      </a:r>
+                      <a:r>
+                        <a:rPr lang="en-US" sz="1500" dirty="0" smtClean="0"/>
+                        <a:t>Lab #2</a:t>
+                      </a:r>
+                      <a:endParaRPr lang="en-US" sz="1500" dirty="0" smtClean="0"/>
                     </a:p>
                   </a:txBody>
                   <a:tcPr/>
@@ -32667,7 +32715,11 @@
                       </a:pPr>
                       <a:r>
                         <a:rPr lang="en-US" sz="1500" dirty="0" smtClean="0"/>
-                        <a:t>Off to </a:t>
+                        <a:t>...then Off </a:t>
+                      </a:r>
+                      <a:r>
+                        <a:rPr lang="en-US" sz="1500" dirty="0" smtClean="0"/>
+                        <a:t>to </a:t>
                       </a:r>
                       <a:r>
                         <a:rPr lang="en-US" sz="1500" dirty="0" err="1" smtClean="0"/>
@@ -32675,8 +32727,13 @@
                       </a:r>
                       <a:r>
                         <a:rPr lang="en-US" sz="1500" dirty="0" smtClean="0"/>
-                        <a:t> @ Chase Center...</a:t>
+                        <a:t> @ Chase </a:t>
                       </a:r>
+                      <a:r>
+                        <a:rPr lang="en-US" sz="1500" dirty="0" smtClean="0"/>
+                        <a:t>Center!</a:t>
+                      </a:r>
+                      <a:endParaRPr lang="en-US" sz="1500" dirty="0" smtClean="0"/>
                     </a:p>
                   </a:txBody>
                   <a:tcPr/>
@@ -32699,7 +32756,7 @@
   <p:timing>
     <p:tnLst>
       <p:par>
-        <p:cTn xmlns:p14="http://schemas.microsoft.com/office/powerpoint/2010/main" id="1" dur="indefinite" restart="never" nodeType="tmRoot"/>
+        <p:cTn id="1" dur="indefinite" restart="never" nodeType="tmRoot"/>
       </p:par>
     </p:tnLst>
   </p:timing>
@@ -32740,7 +32797,7 @@
           <a:p>
             <a:r>
               <a:rPr lang="en-US" dirty="0" smtClean="0"/>
-              <a:t>Exam Overview</a:t>
+              <a:t>I. Certification Overview</a:t>
             </a:r>
             <a:endParaRPr lang="en-US" dirty="0"/>
           </a:p>
@@ -32840,7 +32897,7 @@
   <p:timing>
     <p:tnLst>
       <p:par>
-        <p:cTn xmlns:p14="http://schemas.microsoft.com/office/powerpoint/2010/main" id="1" dur="indefinite" restart="never" nodeType="tmRoot"/>
+        <p:cTn id="1" dur="indefinite" restart="never" nodeType="tmRoot"/>
       </p:par>
     </p:tnLst>
   </p:timing>
@@ -32997,7 +33054,7 @@
   <p:timing>
     <p:tnLst>
       <p:par>
-        <p:cTn xmlns:p14="http://schemas.microsoft.com/office/powerpoint/2010/main" id="1" dur="indefinite" restart="never" nodeType="tmRoot"/>
+        <p:cTn id="1" dur="indefinite" restart="never" nodeType="tmRoot"/>
       </p:par>
     </p:tnLst>
   </p:timing>
@@ -33249,7 +33306,7 @@
         </a:ln>
         <a:effectLst/>
         <a:extLst>
-          <a:ext uri="{AF507438-7753-43e0-B8FC-AC1667EBCBE1}">
+          <a:ext uri="{AF507438-7753-43E0-B8FC-AC1667EBCBE1}">
             <a14:hiddenEffects xmlns:a14="http://schemas.microsoft.com/office/drawing/2010/main">
               <a:effectLst>
                 <a:outerShdw blurRad="63500" dist="38099" dir="2700000" algn="ctr" rotWithShape="0">
@@ -33328,7 +33385,7 @@
         </a:ln>
         <a:effectLst/>
         <a:extLst>
-          <a:ext uri="{AF507438-7753-43e0-B8FC-AC1667EBCBE1}">
+          <a:ext uri="{AF507438-7753-43E0-B8FC-AC1667EBCBE1}">
             <a14:hiddenEffects xmlns:a14="http://schemas.microsoft.com/office/drawing/2010/main">
               <a:effectLst>
                 <a:outerShdw blurRad="63500" dist="38099" dir="2700000" algn="ctr" rotWithShape="0">

--- a/2019-OracleCodeOne-HOL.pptx
+++ b/2019-OracleCodeOne-HOL.pptx
@@ -433,7 +433,7 @@
               <a:pPr>
                 <a:defRPr/>
               </a:pPr>
-              <a:t>9/6/2019</a:t>
+              <a:t>9/8/19</a:t>
             </a:fld>
             <a:endParaRPr lang="en-US"/>
           </a:p>
@@ -577,7 +577,7 @@
           </a:ln>
           <a:effectLst/>
           <a:extLst>
-            <a:ext uri="{91240B29-F687-4F45-9708-019B960494DF}">
+            <a:ext uri="{91240B29-F687-4f45-9708-019B960494DF}">
               <a14:hiddenLine xmlns:a14="http://schemas.microsoft.com/office/drawing/2010/main" w="9525" cap="flat">
                 <a:solidFill>
                   <a:srgbClr val="808080"/>
@@ -587,7 +587,7 @@
                 <a:tailEnd/>
               </a14:hiddenLine>
             </a:ext>
-            <a:ext uri="{AF507438-7753-43E0-B8FC-AC1667EBCBE1}">
+            <a:ext uri="{AF507438-7753-43e0-B8FC-AC1667EBCBE1}">
               <a14:hiddenEffects xmlns:a14="http://schemas.microsoft.com/office/drawing/2010/main">
                 <a:effectLst>
                   <a:outerShdw blurRad="63500" dist="38099" dir="2700000" algn="ctr" rotWithShape="0">
@@ -637,7 +637,7 @@
           </a:ln>
           <a:effectLst/>
           <a:extLst>
-            <a:ext uri="{91240B29-F687-4F45-9708-019B960494DF}">
+            <a:ext uri="{91240B29-F687-4f45-9708-019B960494DF}">
               <a14:hiddenLine xmlns:a14="http://schemas.microsoft.com/office/drawing/2010/main" w="9525" cap="flat">
                 <a:solidFill>
                   <a:srgbClr val="808080"/>
@@ -647,7 +647,7 @@
                 <a:tailEnd/>
               </a14:hiddenLine>
             </a:ext>
-            <a:ext uri="{AF507438-7753-43E0-B8FC-AC1667EBCBE1}">
+            <a:ext uri="{AF507438-7753-43e0-B8FC-AC1667EBCBE1}">
               <a14:hiddenEffects xmlns:a14="http://schemas.microsoft.com/office/drawing/2010/main">
                 <a:effectLst>
                   <a:outerShdw blurRad="63500" dist="38099" dir="2700000" algn="ctr" rotWithShape="0">
@@ -697,7 +697,7 @@
           </a:ln>
           <a:effectLst/>
           <a:extLst>
-            <a:ext uri="{91240B29-F687-4F45-9708-019B960494DF}">
+            <a:ext uri="{91240B29-F687-4f45-9708-019B960494DF}">
               <a14:hiddenLine xmlns:a14="http://schemas.microsoft.com/office/drawing/2010/main" w="9525" cap="flat">
                 <a:solidFill>
                   <a:srgbClr val="808080"/>
@@ -707,7 +707,7 @@
                 <a:tailEnd/>
               </a14:hiddenLine>
             </a:ext>
-            <a:ext uri="{AF507438-7753-43E0-B8FC-AC1667EBCBE1}">
+            <a:ext uri="{AF507438-7753-43e0-B8FC-AC1667EBCBE1}">
               <a14:hiddenEffects xmlns:a14="http://schemas.microsoft.com/office/drawing/2010/main">
                 <a:effectLst>
                   <a:outerShdw blurRad="63500" dist="38099" dir="2700000" algn="ctr" rotWithShape="0">
@@ -757,7 +757,7 @@
           </a:ln>
           <a:effectLst/>
           <a:extLst>
-            <a:ext uri="{91240B29-F687-4F45-9708-019B960494DF}">
+            <a:ext uri="{91240B29-F687-4f45-9708-019B960494DF}">
               <a14:hiddenLine xmlns:a14="http://schemas.microsoft.com/office/drawing/2010/main" w="9525" cap="flat">
                 <a:solidFill>
                   <a:srgbClr val="808080"/>
@@ -767,7 +767,7 @@
                 <a:tailEnd/>
               </a14:hiddenLine>
             </a:ext>
-            <a:ext uri="{AF507438-7753-43E0-B8FC-AC1667EBCBE1}">
+            <a:ext uri="{AF507438-7753-43e0-B8FC-AC1667EBCBE1}">
               <a14:hiddenEffects xmlns:a14="http://schemas.microsoft.com/office/drawing/2010/main">
                 <a:effectLst>
                   <a:outerShdw blurRad="63500" dist="38099" dir="2700000" algn="ctr" rotWithShape="0">
@@ -815,14 +815,14 @@
           </a:ln>
           <a:effectLst/>
           <a:extLst>
-            <a:ext uri="{909E8E84-426E-40DD-AFC4-6F175D3DCCD1}">
+            <a:ext uri="{909E8E84-426E-40dd-AFC4-6F175D3DCCD1}">
               <a14:hiddenFill xmlns:a14="http://schemas.microsoft.com/office/drawing/2010/main">
                 <a:solidFill>
                   <a:srgbClr val="FFFFFF"/>
                 </a:solidFill>
               </a14:hiddenFill>
             </a:ext>
-            <a:ext uri="{91240B29-F687-4F45-9708-019B960494DF}">
+            <a:ext uri="{91240B29-F687-4f45-9708-019B960494DF}">
               <a14:hiddenLine xmlns:a14="http://schemas.microsoft.com/office/drawing/2010/main" w="9525" cap="flat">
                 <a:solidFill>
                   <a:srgbClr val="808080"/>
@@ -832,7 +832,7 @@
                 <a:tailEnd/>
               </a14:hiddenLine>
             </a:ext>
-            <a:ext uri="{AF507438-7753-43E0-B8FC-AC1667EBCBE1}">
+            <a:ext uri="{AF507438-7753-43e0-B8FC-AC1667EBCBE1}">
               <a14:hiddenEffects xmlns:a14="http://schemas.microsoft.com/office/drawing/2010/main">
                 <a:effectLst>
                   <a:outerShdw blurRad="63500" dist="38099" dir="2700000" algn="ctr" rotWithShape="0">
@@ -844,7 +844,7 @@
               </a14:hiddenEffects>
             </a:ext>
             <a:ext uri="{FAA26D3D-D897-4be2-8F04-BA451C77F1D7}">
-              <ma14:placeholderFlag xmlns:ma14="http://schemas.microsoft.com/office/mac/drawingml/2011/main" xmlns="" val="1"/>
+              <ma14:placeholderFlag xmlns:ma14="http://schemas.microsoft.com/office/mac/drawingml/2011/main" val="1"/>
             </a:ext>
           </a:extLst>
         </p:spPr>
@@ -873,14 +873,14 @@
           </a:ln>
           <a:effectLst/>
           <a:extLst>
-            <a:ext uri="{909E8E84-426E-40DD-AFC4-6F175D3DCCD1}">
+            <a:ext uri="{909E8E84-426E-40dd-AFC4-6F175D3DCCD1}">
               <a14:hiddenFill xmlns:a14="http://schemas.microsoft.com/office/drawing/2010/main">
                 <a:solidFill>
                   <a:srgbClr val="FFFFFF"/>
                 </a:solidFill>
               </a14:hiddenFill>
             </a:ext>
-            <a:ext uri="{91240B29-F687-4F45-9708-019B960494DF}">
+            <a:ext uri="{91240B29-F687-4f45-9708-019B960494DF}">
               <a14:hiddenLine xmlns:a14="http://schemas.microsoft.com/office/drawing/2010/main" w="9525" cap="flat">
                 <a:solidFill>
                   <a:srgbClr val="808080"/>
@@ -890,7 +890,7 @@
                 <a:tailEnd/>
               </a14:hiddenLine>
             </a:ext>
-            <a:ext uri="{AF507438-7753-43E0-B8FC-AC1667EBCBE1}">
+            <a:ext uri="{AF507438-7753-43e0-B8FC-AC1667EBCBE1}">
               <a14:hiddenEffects xmlns:a14="http://schemas.microsoft.com/office/drawing/2010/main">
                 <a:effectLst>
                   <a:outerShdw blurRad="63500" dist="38099" dir="2700000" algn="ctr" rotWithShape="0">
@@ -902,7 +902,7 @@
               </a14:hiddenEffects>
             </a:ext>
             <a:ext uri="{FAA26D3D-D897-4be2-8F04-BA451C77F1D7}">
-              <ma14:placeholderFlag xmlns:ma14="http://schemas.microsoft.com/office/mac/drawingml/2011/main" xmlns="" val="1"/>
+              <ma14:placeholderFlag xmlns:ma14="http://schemas.microsoft.com/office/mac/drawingml/2011/main" val="1"/>
             </a:ext>
           </a:extLst>
         </p:spPr>
@@ -941,14 +941,14 @@
           </a:ln>
           <a:effectLst/>
           <a:extLst>
-            <a:ext uri="{909E8E84-426E-40DD-AFC4-6F175D3DCCD1}">
+            <a:ext uri="{909E8E84-426E-40dd-AFC4-6F175D3DCCD1}">
               <a14:hiddenFill xmlns:a14="http://schemas.microsoft.com/office/drawing/2010/main">
                 <a:solidFill>
                   <a:srgbClr val="FFFFFF"/>
                 </a:solidFill>
               </a14:hiddenFill>
             </a:ext>
-            <a:ext uri="{91240B29-F687-4F45-9708-019B960494DF}">
+            <a:ext uri="{91240B29-F687-4f45-9708-019B960494DF}">
               <a14:hiddenLine xmlns:a14="http://schemas.microsoft.com/office/drawing/2010/main" w="9525" cap="flat">
                 <a:solidFill>
                   <a:srgbClr val="808080"/>
@@ -958,7 +958,7 @@
                 <a:tailEnd/>
               </a14:hiddenLine>
             </a:ext>
-            <a:ext uri="{AF507438-7753-43E0-B8FC-AC1667EBCBE1}">
+            <a:ext uri="{AF507438-7753-43e0-B8FC-AC1667EBCBE1}">
               <a14:hiddenEffects xmlns:a14="http://schemas.microsoft.com/office/drawing/2010/main">
                 <a:effectLst>
                   <a:outerShdw blurRad="63500" dist="38099" dir="2700000" algn="ctr" rotWithShape="0">
@@ -1004,14 +1004,14 @@
           </a:ln>
           <a:effectLst/>
           <a:extLst>
-            <a:ext uri="{909E8E84-426E-40DD-AFC4-6F175D3DCCD1}">
+            <a:ext uri="{909E8E84-426E-40dd-AFC4-6F175D3DCCD1}">
               <a14:hiddenFill xmlns:a14="http://schemas.microsoft.com/office/drawing/2010/main">
                 <a:solidFill>
                   <a:srgbClr val="FFFFFF"/>
                 </a:solidFill>
               </a14:hiddenFill>
             </a:ext>
-            <a:ext uri="{91240B29-F687-4F45-9708-019B960494DF}">
+            <a:ext uri="{91240B29-F687-4f45-9708-019B960494DF}">
               <a14:hiddenLine xmlns:a14="http://schemas.microsoft.com/office/drawing/2010/main" w="9525" cap="flat">
                 <a:solidFill>
                   <a:srgbClr val="808080"/>
@@ -1021,7 +1021,7 @@
                 <a:tailEnd/>
               </a14:hiddenLine>
             </a:ext>
-            <a:ext uri="{AF507438-7753-43E0-B8FC-AC1667EBCBE1}">
+            <a:ext uri="{AF507438-7753-43e0-B8FC-AC1667EBCBE1}">
               <a14:hiddenEffects xmlns:a14="http://schemas.microsoft.com/office/drawing/2010/main">
                 <a:effectLst>
                   <a:outerShdw blurRad="63500" dist="38099" dir="2700000" algn="ctr" rotWithShape="0">
@@ -1067,14 +1067,14 @@
           </a:ln>
           <a:effectLst/>
           <a:extLst>
-            <a:ext uri="{909E8E84-426E-40DD-AFC4-6F175D3DCCD1}">
+            <a:ext uri="{909E8E84-426E-40dd-AFC4-6F175D3DCCD1}">
               <a14:hiddenFill xmlns:a14="http://schemas.microsoft.com/office/drawing/2010/main">
                 <a:solidFill>
                   <a:srgbClr val="FFFFFF"/>
                 </a:solidFill>
               </a14:hiddenFill>
             </a:ext>
-            <a:ext uri="{91240B29-F687-4F45-9708-019B960494DF}">
+            <a:ext uri="{91240B29-F687-4f45-9708-019B960494DF}">
               <a14:hiddenLine xmlns:a14="http://schemas.microsoft.com/office/drawing/2010/main" w="9525" cap="flat">
                 <a:solidFill>
                   <a:srgbClr val="808080"/>
@@ -1084,7 +1084,7 @@
                 <a:tailEnd/>
               </a14:hiddenLine>
             </a:ext>
-            <a:ext uri="{AF507438-7753-43E0-B8FC-AC1667EBCBE1}">
+            <a:ext uri="{AF507438-7753-43e0-B8FC-AC1667EBCBE1}">
               <a14:hiddenEffects xmlns:a14="http://schemas.microsoft.com/office/drawing/2010/main">
                 <a:effectLst>
                   <a:outerShdw blurRad="63500" dist="38099" dir="2700000" algn="ctr" rotWithShape="0">
@@ -1132,14 +1132,14 @@
           </a:ln>
           <a:effectLst/>
           <a:extLst>
-            <a:ext uri="{909E8E84-426E-40DD-AFC4-6F175D3DCCD1}">
+            <a:ext uri="{909E8E84-426E-40dd-AFC4-6F175D3DCCD1}">
               <a14:hiddenFill xmlns:a14="http://schemas.microsoft.com/office/drawing/2010/main">
                 <a:solidFill>
                   <a:srgbClr val="FFFFFF"/>
                 </a:solidFill>
               </a14:hiddenFill>
             </a:ext>
-            <a:ext uri="{91240B29-F687-4F45-9708-019B960494DF}">
+            <a:ext uri="{91240B29-F687-4f45-9708-019B960494DF}">
               <a14:hiddenLine xmlns:a14="http://schemas.microsoft.com/office/drawing/2010/main" w="9525" cap="flat">
                 <a:solidFill>
                   <a:srgbClr val="808080"/>
@@ -1149,7 +1149,7 @@
                 <a:tailEnd/>
               </a14:hiddenLine>
             </a:ext>
-            <a:ext uri="{AF507438-7753-43E0-B8FC-AC1667EBCBE1}">
+            <a:ext uri="{AF507438-7753-43e0-B8FC-AC1667EBCBE1}">
               <a14:hiddenEffects xmlns:a14="http://schemas.microsoft.com/office/drawing/2010/main">
                 <a:effectLst>
                   <a:outerShdw blurRad="63500" dist="38099" dir="2700000" algn="ctr" rotWithShape="0">
@@ -1161,7 +1161,7 @@
               </a14:hiddenEffects>
             </a:ext>
             <a:ext uri="{FAA26D3D-D897-4be2-8F04-BA451C77F1D7}">
-              <ma14:placeholderFlag xmlns:ma14="http://schemas.microsoft.com/office/mac/drawingml/2011/main" xmlns="" val="1"/>
+              <ma14:placeholderFlag xmlns:ma14="http://schemas.microsoft.com/office/mac/drawingml/2011/main" val="1"/>
             </a:ext>
           </a:extLst>
         </p:spPr>
@@ -7977,14 +7977,14 @@
           </a:ln>
           <a:effectLst/>
           <a:extLst>
-            <a:ext uri="{909E8E84-426E-40DD-AFC4-6F175D3DCCD1}">
+            <a:ext uri="{909E8E84-426E-40dd-AFC4-6F175D3DCCD1}">
               <a14:hiddenFill xmlns:a14="http://schemas.microsoft.com/office/drawing/2010/main">
                 <a:solidFill>
                   <a:srgbClr val="FFFFFF"/>
                 </a:solidFill>
               </a14:hiddenFill>
             </a:ext>
-            <a:ext uri="{91240B29-F687-4F45-9708-019B960494DF}">
+            <a:ext uri="{91240B29-F687-4f45-9708-019B960494DF}">
               <a14:hiddenLine xmlns:a14="http://schemas.microsoft.com/office/drawing/2010/main" w="9525" cap="flat">
                 <a:solidFill>
                   <a:srgbClr val="808080"/>
@@ -7994,7 +7994,7 @@
                 <a:tailEnd/>
               </a14:hiddenLine>
             </a:ext>
-            <a:ext uri="{AF507438-7753-43E0-B8FC-AC1667EBCBE1}">
+            <a:ext uri="{AF507438-7753-43e0-B8FC-AC1667EBCBE1}">
               <a14:hiddenEffects xmlns:a14="http://schemas.microsoft.com/office/drawing/2010/main">
                 <a:effectLst>
                   <a:outerShdw blurRad="63500" dist="38099" dir="2700000" algn="ctr" rotWithShape="0">
@@ -8006,7 +8006,7 @@
               </a14:hiddenEffects>
             </a:ext>
             <a:ext uri="{FAA26D3D-D897-4be2-8F04-BA451C77F1D7}">
-              <ma14:placeholderFlag xmlns:ma14="http://schemas.microsoft.com/office/mac/drawingml/2011/main" xmlns="" val="1"/>
+              <ma14:placeholderFlag xmlns:ma14="http://schemas.microsoft.com/office/mac/drawingml/2011/main" val="1"/>
             </a:ext>
           </a:extLst>
         </p:spPr>
@@ -8050,14 +8050,14 @@
           </a:ln>
           <a:effectLst/>
           <a:extLst>
-            <a:ext uri="{909E8E84-426E-40DD-AFC4-6F175D3DCCD1}">
+            <a:ext uri="{909E8E84-426E-40dd-AFC4-6F175D3DCCD1}">
               <a14:hiddenFill xmlns:a14="http://schemas.microsoft.com/office/drawing/2010/main">
                 <a:solidFill>
                   <a:srgbClr val="FFFFFF"/>
                 </a:solidFill>
               </a14:hiddenFill>
             </a:ext>
-            <a:ext uri="{91240B29-F687-4F45-9708-019B960494DF}">
+            <a:ext uri="{91240B29-F687-4f45-9708-019B960494DF}">
               <a14:hiddenLine xmlns:a14="http://schemas.microsoft.com/office/drawing/2010/main" w="9525" cap="flat">
                 <a:solidFill>
                   <a:srgbClr val="808080"/>
@@ -8067,7 +8067,7 @@
                 <a:tailEnd/>
               </a14:hiddenLine>
             </a:ext>
-            <a:ext uri="{AF507438-7753-43E0-B8FC-AC1667EBCBE1}">
+            <a:ext uri="{AF507438-7753-43e0-B8FC-AC1667EBCBE1}">
               <a14:hiddenEffects xmlns:a14="http://schemas.microsoft.com/office/drawing/2010/main">
                 <a:effectLst>
                   <a:outerShdw blurRad="63500" dist="38099" dir="2700000" algn="ctr" rotWithShape="0">
@@ -8079,7 +8079,7 @@
               </a14:hiddenEffects>
             </a:ext>
             <a:ext uri="{FAA26D3D-D897-4be2-8F04-BA451C77F1D7}">
-              <ma14:placeholderFlag xmlns:ma14="http://schemas.microsoft.com/office/mac/drawingml/2011/main" xmlns="" val="1"/>
+              <ma14:placeholderFlag xmlns:ma14="http://schemas.microsoft.com/office/mac/drawingml/2011/main" val="1"/>
             </a:ext>
           </a:extLst>
         </p:spPr>
@@ -8177,14 +8177,14 @@
           </a:ln>
           <a:effectLst/>
           <a:extLst>
-            <a:ext uri="{909E8E84-426E-40DD-AFC4-6F175D3DCCD1}">
+            <a:ext uri="{909E8E84-426E-40dd-AFC4-6F175D3DCCD1}">
               <a14:hiddenFill xmlns:a14="http://schemas.microsoft.com/office/drawing/2010/main">
                 <a:solidFill>
                   <a:srgbClr val="FFFFFF"/>
                 </a:solidFill>
               </a14:hiddenFill>
             </a:ext>
-            <a:ext uri="{91240B29-F687-4F45-9708-019B960494DF}">
+            <a:ext uri="{91240B29-F687-4f45-9708-019B960494DF}">
               <a14:hiddenLine xmlns:a14="http://schemas.microsoft.com/office/drawing/2010/main" w="9525" cap="flat">
                 <a:solidFill>
                   <a:srgbClr val="808080"/>
@@ -8194,7 +8194,7 @@
                 <a:tailEnd/>
               </a14:hiddenLine>
             </a:ext>
-            <a:ext uri="{AF507438-7753-43E0-B8FC-AC1667EBCBE1}">
+            <a:ext uri="{AF507438-7753-43e0-B8FC-AC1667EBCBE1}">
               <a14:hiddenEffects xmlns:a14="http://schemas.microsoft.com/office/drawing/2010/main">
                 <a:effectLst>
                   <a:outerShdw blurRad="63500" dist="38099" dir="2700000" algn="ctr" rotWithShape="0">
@@ -8240,14 +8240,14 @@
           </a:ln>
           <a:effectLst/>
           <a:extLst>
-            <a:ext uri="{909E8E84-426E-40DD-AFC4-6F175D3DCCD1}">
+            <a:ext uri="{909E8E84-426E-40dd-AFC4-6F175D3DCCD1}">
               <a14:hiddenFill xmlns:a14="http://schemas.microsoft.com/office/drawing/2010/main">
                 <a:solidFill>
                   <a:srgbClr val="FFFFFF"/>
                 </a:solidFill>
               </a14:hiddenFill>
             </a:ext>
-            <a:ext uri="{91240B29-F687-4F45-9708-019B960494DF}">
+            <a:ext uri="{91240B29-F687-4f45-9708-019B960494DF}">
               <a14:hiddenLine xmlns:a14="http://schemas.microsoft.com/office/drawing/2010/main" w="9525" cap="flat">
                 <a:solidFill>
                   <a:srgbClr val="808080"/>
@@ -8257,7 +8257,7 @@
                 <a:tailEnd/>
               </a14:hiddenLine>
             </a:ext>
-            <a:ext uri="{AF507438-7753-43E0-B8FC-AC1667EBCBE1}">
+            <a:ext uri="{AF507438-7753-43e0-B8FC-AC1667EBCBE1}">
               <a14:hiddenEffects xmlns:a14="http://schemas.microsoft.com/office/drawing/2010/main">
                 <a:effectLst>
                   <a:outerShdw blurRad="63500" dist="38099" dir="2700000" algn="ctr" rotWithShape="0">
@@ -8305,14 +8305,14 @@
           </a:ln>
           <a:effectLst/>
           <a:extLst>
-            <a:ext uri="{909E8E84-426E-40DD-AFC4-6F175D3DCCD1}">
+            <a:ext uri="{909E8E84-426E-40dd-AFC4-6F175D3DCCD1}">
               <a14:hiddenFill xmlns:a14="http://schemas.microsoft.com/office/drawing/2010/main">
                 <a:solidFill>
                   <a:srgbClr val="FFFFFF"/>
                 </a:solidFill>
               </a14:hiddenFill>
             </a:ext>
-            <a:ext uri="{91240B29-F687-4F45-9708-019B960494DF}">
+            <a:ext uri="{91240B29-F687-4f45-9708-019B960494DF}">
               <a14:hiddenLine xmlns:a14="http://schemas.microsoft.com/office/drawing/2010/main" w="9525" cap="flat">
                 <a:solidFill>
                   <a:srgbClr val="808080"/>
@@ -8322,7 +8322,7 @@
                 <a:tailEnd/>
               </a14:hiddenLine>
             </a:ext>
-            <a:ext uri="{AF507438-7753-43E0-B8FC-AC1667EBCBE1}">
+            <a:ext uri="{AF507438-7753-43e0-B8FC-AC1667EBCBE1}">
               <a14:hiddenEffects xmlns:a14="http://schemas.microsoft.com/office/drawing/2010/main">
                 <a:effectLst>
                   <a:outerShdw blurRad="63500" dist="38099" dir="2700000" algn="ctr" rotWithShape="0">
@@ -8334,7 +8334,7 @@
               </a14:hiddenEffects>
             </a:ext>
             <a:ext uri="{FAA26D3D-D897-4be2-8F04-BA451C77F1D7}">
-              <ma14:placeholderFlag xmlns:ma14="http://schemas.microsoft.com/office/mac/drawingml/2011/main" xmlns="" val="1"/>
+              <ma14:placeholderFlag xmlns:ma14="http://schemas.microsoft.com/office/mac/drawingml/2011/main" val="1"/>
             </a:ext>
           </a:extLst>
         </p:spPr>
@@ -8403,7 +8403,7 @@
           <a:effectLst/>
           <a:extLst>
             <a:ext uri="{FAA26D3D-D897-4be2-8F04-BA451C77F1D7}">
-              <ma14:placeholderFlag xmlns:ma14="http://schemas.microsoft.com/office/mac/drawingml/2011/main" xmlns="" val="1"/>
+              <ma14:placeholderFlag xmlns:ma14="http://schemas.microsoft.com/office/mac/drawingml/2011/main" val="1"/>
             </a:ext>
           </a:extLst>
         </p:spPr>
@@ -9307,14 +9307,14 @@
           </a:ln>
           <a:effectLst/>
           <a:extLst>
-            <a:ext uri="{909E8E84-426E-40DD-AFC4-6F175D3DCCD1}">
+            <a:ext uri="{909E8E84-426E-40dd-AFC4-6F175D3DCCD1}">
               <a14:hiddenFill xmlns:a14="http://schemas.microsoft.com/office/drawing/2010/main">
                 <a:solidFill>
                   <a:srgbClr val="FFFFFF"/>
                 </a:solidFill>
               </a14:hiddenFill>
             </a:ext>
-            <a:ext uri="{91240B29-F687-4F45-9708-019B960494DF}">
+            <a:ext uri="{91240B29-F687-4f45-9708-019B960494DF}">
               <a14:hiddenLine xmlns:a14="http://schemas.microsoft.com/office/drawing/2010/main" w="9525" cap="flat">
                 <a:solidFill>
                   <a:srgbClr val="808080"/>
@@ -9324,7 +9324,7 @@
                 <a:tailEnd/>
               </a14:hiddenLine>
             </a:ext>
-            <a:ext uri="{AF507438-7753-43E0-B8FC-AC1667EBCBE1}">
+            <a:ext uri="{AF507438-7753-43e0-B8FC-AC1667EBCBE1}">
               <a14:hiddenEffects xmlns:a14="http://schemas.microsoft.com/office/drawing/2010/main">
                 <a:effectLst>
                   <a:outerShdw blurRad="63500" dist="38099" dir="2700000" algn="ctr" rotWithShape="0">
@@ -9336,7 +9336,7 @@
               </a14:hiddenEffects>
             </a:ext>
             <a:ext uri="{FAA26D3D-D897-4be2-8F04-BA451C77F1D7}">
-              <ma14:placeholderFlag xmlns:ma14="http://schemas.microsoft.com/office/mac/drawingml/2011/main" xmlns="" val="1"/>
+              <ma14:placeholderFlag xmlns:ma14="http://schemas.microsoft.com/office/mac/drawingml/2011/main" val="1"/>
             </a:ext>
           </a:extLst>
         </p:spPr>
@@ -9620,7 +9620,7 @@
   <p:timing>
     <p:tnLst>
       <p:par>
-        <p:cTn id="1" dur="indefinite" restart="never" nodeType="tmRoot"/>
+        <p:cTn xmlns:p14="http://schemas.microsoft.com/office/powerpoint/2010/main" id="1" dur="indefinite" restart="never" nodeType="tmRoot"/>
       </p:par>
     </p:tnLst>
   </p:timing>
@@ -9727,7 +9727,7 @@
           </a:prstGeom>
           <a:noFill/>
           <a:extLst>
-            <a:ext uri="{909E8E84-426E-40DD-AFC4-6F175D3DCCD1}">
+            <a:ext uri="{909E8E84-426E-40dd-AFC4-6F175D3DCCD1}">
               <a14:hiddenFill xmlns:a14="http://schemas.microsoft.com/office/drawing/2010/main">
                 <a:solidFill>
                   <a:srgbClr val="FFFFFF"/>
@@ -9750,7 +9750,7 @@
   <p:timing>
     <p:tnLst>
       <p:par>
-        <p:cTn id="1" dur="indefinite" restart="never" nodeType="tmRoot"/>
+        <p:cTn xmlns:p14="http://schemas.microsoft.com/office/powerpoint/2010/main" id="1" dur="indefinite" restart="never" nodeType="tmRoot"/>
       </p:par>
     </p:tnLst>
   </p:timing>
@@ -10594,7 +10594,7 @@
         </p:nvGraphicFramePr>
         <p:xfrm>
           <a:off x="838200" y="1276350"/>
-          <a:ext cx="7504114" cy="2926080"/>
+          <a:ext cx="7504114" cy="2926079"/>
         </p:xfrm>
         <a:graphic>
           <a:graphicData uri="http://schemas.openxmlformats.org/drawingml/2006/table">
@@ -10886,7 +10886,7 @@
   <p:timing>
     <p:tnLst>
       <p:par>
-        <p:cTn id="1" dur="indefinite" restart="never" nodeType="tmRoot"/>
+        <p:cTn xmlns:p14="http://schemas.microsoft.com/office/powerpoint/2010/main" id="1" dur="indefinite" restart="never" nodeType="tmRoot"/>
       </p:par>
     </p:tnLst>
   </p:timing>
@@ -10990,7 +10990,7 @@
           </a:ln>
           <a:effectLst/>
           <a:extLst>
-            <a:ext uri="{AF507438-7753-43E0-B8FC-AC1667EBCBE1}">
+            <a:ext uri="{AF507438-7753-43e0-B8FC-AC1667EBCBE1}">
               <a14:hiddenEffects xmlns:a14="http://schemas.microsoft.com/office/drawing/2010/main">
                 <a:effectLst>
                   <a:outerShdw blurRad="63500" dist="38099" dir="2700000" algn="ctr" rotWithShape="0">
@@ -11506,7 +11506,7 @@
           </a:ln>
           <a:effectLst/>
           <a:extLst>
-            <a:ext uri="{AF507438-7753-43E0-B8FC-AC1667EBCBE1}">
+            <a:ext uri="{AF507438-7753-43e0-B8FC-AC1667EBCBE1}">
               <a14:hiddenEffects xmlns:a14="http://schemas.microsoft.com/office/drawing/2010/main">
                 <a:effectLst>
                   <a:outerShdw blurRad="63500" dist="38099" dir="2700000" algn="ctr" rotWithShape="0">
@@ -11533,7 +11533,7 @@
   <p:timing>
     <p:tnLst>
       <p:par>
-        <p:cTn id="1" dur="indefinite" restart="never" nodeType="tmRoot"/>
+        <p:cTn xmlns:p14="http://schemas.microsoft.com/office/powerpoint/2010/main" id="1" dur="indefinite" restart="never" nodeType="tmRoot"/>
       </p:par>
     </p:tnLst>
   </p:timing>
@@ -11709,7 +11709,7 @@
   <p:timing>
     <p:tnLst>
       <p:par>
-        <p:cTn id="1" dur="indefinite" restart="never" nodeType="tmRoot"/>
+        <p:cTn xmlns:p14="http://schemas.microsoft.com/office/powerpoint/2010/main" id="1" dur="indefinite" restart="never" nodeType="tmRoot"/>
       </p:par>
     </p:tnLst>
   </p:timing>
@@ -12043,7 +12043,7 @@
   <p:timing>
     <p:tnLst>
       <p:par>
-        <p:cTn id="1" dur="indefinite" restart="never" nodeType="tmRoot"/>
+        <p:cTn xmlns:p14="http://schemas.microsoft.com/office/powerpoint/2010/main" id="1" dur="indefinite" restart="never" nodeType="tmRoot"/>
       </p:par>
     </p:tnLst>
   </p:timing>
@@ -12203,7 +12203,7 @@
   <p:timing>
     <p:tnLst>
       <p:par>
-        <p:cTn id="1" dur="indefinite" restart="never" nodeType="tmRoot"/>
+        <p:cTn xmlns:p14="http://schemas.microsoft.com/office/powerpoint/2010/main" id="1" dur="indefinite" restart="never" nodeType="tmRoot"/>
       </p:par>
     </p:tnLst>
   </p:timing>
@@ -12532,7 +12532,7 @@
   <p:timing>
     <p:tnLst>
       <p:par>
-        <p:cTn id="1" dur="indefinite" restart="never" nodeType="tmRoot"/>
+        <p:cTn xmlns:p14="http://schemas.microsoft.com/office/powerpoint/2010/main" id="1" dur="indefinite" restart="never" nodeType="tmRoot"/>
       </p:par>
     </p:tnLst>
   </p:timing>
@@ -12664,7 +12664,7 @@
   <p:timing>
     <p:tnLst>
       <p:par>
-        <p:cTn id="1" dur="indefinite" restart="never" nodeType="tmRoot"/>
+        <p:cTn xmlns:p14="http://schemas.microsoft.com/office/powerpoint/2010/main" id="1" dur="indefinite" restart="never" nodeType="tmRoot"/>
       </p:par>
     </p:tnLst>
   </p:timing>
@@ -12819,7 +12819,7 @@
   <p:timing>
     <p:tnLst>
       <p:par>
-        <p:cTn id="1" dur="indefinite" restart="never" nodeType="tmRoot"/>
+        <p:cTn xmlns:p14="http://schemas.microsoft.com/office/powerpoint/2010/main" id="1" dur="indefinite" restart="never" nodeType="tmRoot"/>
       </p:par>
     </p:tnLst>
   </p:timing>
@@ -12896,25 +12896,8 @@
           <a:p>
             <a:r>
               <a:rPr lang="en-US" dirty="0" smtClean="0"/>
-              <a:t>Given a module, which command </a:t>
-            </a:r>
-            <a:r>
-              <a:rPr lang="en-US" dirty="0" smtClean="0"/>
-              <a:t>allows </a:t>
-            </a:r>
-            <a:r>
-              <a:rPr lang="en-US" dirty="0" smtClean="0"/>
-              <a:t>other modules to </a:t>
-            </a:r>
-            <a:r>
-              <a:rPr lang="en-US" dirty="0" smtClean="0"/>
-              <a:t>access a </a:t>
-            </a:r>
-            <a:r>
-              <a:rPr lang="en-US" dirty="0" smtClean="0"/>
-              <a:t>package it defines?</a:t>
-            </a:r>
-            <a:endParaRPr lang="en-US" dirty="0" smtClean="0"/>
+              <a:t>Given a module, which command allows other modules to access a package it defines?</a:t>
+            </a:r>
           </a:p>
           <a:p>
             <a:pPr marL="514100" indent="-514100">
@@ -13041,14 +13024,14 @@
           </a:ln>
           <a:effectLst/>
           <a:extLst>
-            <a:ext uri="{909E8E84-426E-40DD-AFC4-6F175D3DCCD1}">
+            <a:ext uri="{909E8E84-426E-40dd-AFC4-6F175D3DCCD1}">
               <a14:hiddenFill xmlns:a14="http://schemas.microsoft.com/office/drawing/2010/main">
                 <a:solidFill>
                   <a:srgbClr val="FFFFFF"/>
                 </a:solidFill>
               </a14:hiddenFill>
             </a:ext>
-            <a:ext uri="{91240B29-F687-4F45-9708-019B960494DF}">
+            <a:ext uri="{91240B29-F687-4f45-9708-019B960494DF}">
               <a14:hiddenLine xmlns:a14="http://schemas.microsoft.com/office/drawing/2010/main" w="9525" cap="flat">
                 <a:solidFill>
                   <a:srgbClr val="808080"/>
@@ -13058,7 +13041,7 @@
                 <a:tailEnd/>
               </a14:hiddenLine>
             </a:ext>
-            <a:ext uri="{AF507438-7753-43E0-B8FC-AC1667EBCBE1}">
+            <a:ext uri="{AF507438-7753-43e0-B8FC-AC1667EBCBE1}">
               <a14:hiddenEffects xmlns:a14="http://schemas.microsoft.com/office/drawing/2010/main">
                 <a:effectLst>
                   <a:outerShdw blurRad="63500" dist="38099" dir="2700000" algn="ctr" rotWithShape="0">
@@ -13070,7 +13053,7 @@
               </a14:hiddenEffects>
             </a:ext>
             <a:ext uri="{FAA26D3D-D897-4be2-8F04-BA451C77F1D7}">
-              <ma14:placeholderFlag xmlns:ma14="http://schemas.microsoft.com/office/mac/drawingml/2011/main" xmlns="" val="1"/>
+              <ma14:placeholderFlag xmlns:ma14="http://schemas.microsoft.com/office/mac/drawingml/2011/main" val="1"/>
             </a:ext>
           </a:extLst>
         </p:spPr>
@@ -13320,7 +13303,7 @@
   <p:timing>
     <p:tnLst>
       <p:par>
-        <p:cTn id="1" dur="indefinite" restart="never" nodeType="tmRoot"/>
+        <p:cTn xmlns:p14="http://schemas.microsoft.com/office/powerpoint/2010/main" id="1" dur="indefinite" restart="never" nodeType="tmRoot"/>
       </p:par>
     </p:tnLst>
   </p:timing>
@@ -13522,14 +13505,14 @@
           </a:ln>
           <a:effectLst/>
           <a:extLst>
-            <a:ext uri="{909E8E84-426E-40DD-AFC4-6F175D3DCCD1}">
+            <a:ext uri="{909E8E84-426E-40dd-AFC4-6F175D3DCCD1}">
               <a14:hiddenFill xmlns:a14="http://schemas.microsoft.com/office/drawing/2010/main">
                 <a:solidFill>
                   <a:srgbClr val="FFFFFF"/>
                 </a:solidFill>
               </a14:hiddenFill>
             </a:ext>
-            <a:ext uri="{91240B29-F687-4F45-9708-019B960494DF}">
+            <a:ext uri="{91240B29-F687-4f45-9708-019B960494DF}">
               <a14:hiddenLine xmlns:a14="http://schemas.microsoft.com/office/drawing/2010/main" w="9525" cap="flat">
                 <a:solidFill>
                   <a:srgbClr val="808080"/>
@@ -13539,7 +13522,7 @@
                 <a:tailEnd/>
               </a14:hiddenLine>
             </a:ext>
-            <a:ext uri="{AF507438-7753-43E0-B8FC-AC1667EBCBE1}">
+            <a:ext uri="{AF507438-7753-43e0-B8FC-AC1667EBCBE1}">
               <a14:hiddenEffects xmlns:a14="http://schemas.microsoft.com/office/drawing/2010/main">
                 <a:effectLst>
                   <a:outerShdw blurRad="63500" dist="38099" dir="2700000" algn="ctr" rotWithShape="0">
@@ -13551,7 +13534,7 @@
               </a14:hiddenEffects>
             </a:ext>
             <a:ext uri="{FAA26D3D-D897-4be2-8F04-BA451C77F1D7}">
-              <ma14:placeholderFlag xmlns:ma14="http://schemas.microsoft.com/office/mac/drawingml/2011/main" xmlns="" val="1"/>
+              <ma14:placeholderFlag xmlns:ma14="http://schemas.microsoft.com/office/mac/drawingml/2011/main" val="1"/>
             </a:ext>
           </a:extLst>
         </p:spPr>
@@ -13801,7 +13784,7 @@
   <p:timing>
     <p:tnLst>
       <p:par>
-        <p:cTn id="1" dur="indefinite" restart="never" nodeType="tmRoot"/>
+        <p:cTn xmlns:p14="http://schemas.microsoft.com/office/powerpoint/2010/main" id="1" dur="indefinite" restart="never" nodeType="tmRoot"/>
       </p:par>
     </p:tnLst>
   </p:timing>
@@ -14006,14 +13989,14 @@
           </a:ln>
           <a:effectLst/>
           <a:extLst>
-            <a:ext uri="{909E8E84-426E-40DD-AFC4-6F175D3DCCD1}">
+            <a:ext uri="{909E8E84-426E-40dd-AFC4-6F175D3DCCD1}">
               <a14:hiddenFill xmlns:a14="http://schemas.microsoft.com/office/drawing/2010/main">
                 <a:solidFill>
                   <a:srgbClr val="FFFFFF"/>
                 </a:solidFill>
               </a14:hiddenFill>
             </a:ext>
-            <a:ext uri="{91240B29-F687-4F45-9708-019B960494DF}">
+            <a:ext uri="{91240B29-F687-4f45-9708-019B960494DF}">
               <a14:hiddenLine xmlns:a14="http://schemas.microsoft.com/office/drawing/2010/main" w="9525" cap="flat">
                 <a:solidFill>
                   <a:srgbClr val="808080"/>
@@ -14023,7 +14006,7 @@
                 <a:tailEnd/>
               </a14:hiddenLine>
             </a:ext>
-            <a:ext uri="{AF507438-7753-43E0-B8FC-AC1667EBCBE1}">
+            <a:ext uri="{AF507438-7753-43e0-B8FC-AC1667EBCBE1}">
               <a14:hiddenEffects xmlns:a14="http://schemas.microsoft.com/office/drawing/2010/main">
                 <a:effectLst>
                   <a:outerShdw blurRad="63500" dist="38099" dir="2700000" algn="ctr" rotWithShape="0">
@@ -14035,7 +14018,7 @@
               </a14:hiddenEffects>
             </a:ext>
             <a:ext uri="{FAA26D3D-D897-4be2-8F04-BA451C77F1D7}">
-              <ma14:placeholderFlag xmlns:ma14="http://schemas.microsoft.com/office/mac/drawingml/2011/main" xmlns="" val="1"/>
+              <ma14:placeholderFlag xmlns:ma14="http://schemas.microsoft.com/office/mac/drawingml/2011/main" val="1"/>
             </a:ext>
           </a:extLst>
         </p:spPr>
@@ -14285,7 +14268,7 @@
   <p:timing>
     <p:tnLst>
       <p:par>
-        <p:cTn id="1" dur="indefinite" restart="never" nodeType="tmRoot"/>
+        <p:cTn xmlns:p14="http://schemas.microsoft.com/office/powerpoint/2010/main" id="1" dur="indefinite" restart="never" nodeType="tmRoot"/>
       </p:par>
     </p:tnLst>
   </p:timing>
@@ -14483,14 +14466,14 @@
           </a:ln>
           <a:effectLst/>
           <a:extLst>
-            <a:ext uri="{909E8E84-426E-40DD-AFC4-6F175D3DCCD1}">
+            <a:ext uri="{909E8E84-426E-40dd-AFC4-6F175D3DCCD1}">
               <a14:hiddenFill xmlns:a14="http://schemas.microsoft.com/office/drawing/2010/main">
                 <a:solidFill>
                   <a:srgbClr val="FFFFFF"/>
                 </a:solidFill>
               </a14:hiddenFill>
             </a:ext>
-            <a:ext uri="{91240B29-F687-4F45-9708-019B960494DF}">
+            <a:ext uri="{91240B29-F687-4f45-9708-019B960494DF}">
               <a14:hiddenLine xmlns:a14="http://schemas.microsoft.com/office/drawing/2010/main" w="9525" cap="flat">
                 <a:solidFill>
                   <a:srgbClr val="808080"/>
@@ -14500,7 +14483,7 @@
                 <a:tailEnd/>
               </a14:hiddenLine>
             </a:ext>
-            <a:ext uri="{AF507438-7753-43E0-B8FC-AC1667EBCBE1}">
+            <a:ext uri="{AF507438-7753-43e0-B8FC-AC1667EBCBE1}">
               <a14:hiddenEffects xmlns:a14="http://schemas.microsoft.com/office/drawing/2010/main">
                 <a:effectLst>
                   <a:outerShdw blurRad="63500" dist="38099" dir="2700000" algn="ctr" rotWithShape="0">
@@ -14512,7 +14495,7 @@
               </a14:hiddenEffects>
             </a:ext>
             <a:ext uri="{FAA26D3D-D897-4be2-8F04-BA451C77F1D7}">
-              <ma14:placeholderFlag xmlns:ma14="http://schemas.microsoft.com/office/mac/drawingml/2011/main" xmlns="" val="1"/>
+              <ma14:placeholderFlag xmlns:ma14="http://schemas.microsoft.com/office/mac/drawingml/2011/main" val="1"/>
             </a:ext>
           </a:extLst>
         </p:spPr>
@@ -14762,7 +14745,7 @@
   <p:timing>
     <p:tnLst>
       <p:par>
-        <p:cTn id="1" dur="indefinite" restart="never" nodeType="tmRoot"/>
+        <p:cTn xmlns:p14="http://schemas.microsoft.com/office/powerpoint/2010/main" id="1" dur="indefinite" restart="never" nodeType="tmRoot"/>
       </p:par>
     </p:tnLst>
   </p:timing>
@@ -14844,11 +14827,7 @@
             </a:pPr>
             <a:r>
               <a:rPr lang="en-US" dirty="0" smtClean="0"/>
-              <a:t>Java </a:t>
-            </a:r>
-            <a:r>
-              <a:rPr lang="en-US" dirty="0" smtClean="0"/>
-              <a:t>11</a:t>
+              <a:t>Java 11</a:t>
             </a:r>
           </a:p>
           <a:p>
@@ -14922,7 +14901,7 @@
   <p:timing>
     <p:tnLst>
       <p:par>
-        <p:cTn id="1" dur="indefinite" restart="never" nodeType="tmRoot"/>
+        <p:cTn xmlns:p14="http://schemas.microsoft.com/office/powerpoint/2010/main" id="1" dur="indefinite" restart="never" nodeType="tmRoot"/>
       </p:par>
     </p:tnLst>
   </p:timing>
@@ -15084,7 +15063,7 @@
   <p:timing>
     <p:tnLst>
       <p:par>
-        <p:cTn id="1" dur="indefinite" restart="never" nodeType="tmRoot"/>
+        <p:cTn xmlns:p14="http://schemas.microsoft.com/office/powerpoint/2010/main" id="1" dur="indefinite" restart="never" nodeType="tmRoot"/>
       </p:par>
     </p:tnLst>
   </p:timing>
@@ -15130,7 +15109,7 @@
           <a:p>
             <a:r>
               <a:rPr lang="en-US" dirty="0" smtClean="0"/>
-              <a:t>Lab</a:t>
+              <a:t>III. Lab #1</a:t>
             </a:r>
             <a:endParaRPr lang="en-US" dirty="0"/>
           </a:p>
@@ -15226,7 +15205,7 @@
   <p:timing>
     <p:tnLst>
       <p:par>
-        <p:cTn id="1" dur="indefinite" restart="never" nodeType="tmRoot"/>
+        <p:cTn xmlns:p14="http://schemas.microsoft.com/office/powerpoint/2010/main" id="1" dur="indefinite" restart="never" nodeType="tmRoot"/>
       </p:par>
     </p:tnLst>
   </p:timing>
@@ -15267,11 +15246,7 @@
           <a:p>
             <a:r>
               <a:rPr lang="en-US" dirty="0" smtClean="0"/>
-              <a:t>IV. Small </a:t>
-            </a:r>
-            <a:r>
-              <a:rPr lang="en-US" dirty="0" smtClean="0"/>
-              <a:t>Features</a:t>
+              <a:t>IV. Small Features</a:t>
             </a:r>
             <a:endParaRPr lang="en-US" dirty="0"/>
           </a:p>
@@ -15426,7 +15401,7 @@
   <p:timing>
     <p:tnLst>
       <p:par>
-        <p:cTn id="1" dur="indefinite" restart="never" nodeType="tmRoot"/>
+        <p:cTn xmlns:p14="http://schemas.microsoft.com/office/powerpoint/2010/main" id="1" dur="indefinite" restart="never" nodeType="tmRoot"/>
       </p:par>
     </p:tnLst>
   </p:timing>
@@ -15590,7 +15565,7 @@
   <p:timing>
     <p:tnLst>
       <p:par>
-        <p:cTn id="1" dur="indefinite" restart="never" nodeType="tmRoot"/>
+        <p:cTn xmlns:p14="http://schemas.microsoft.com/office/powerpoint/2010/main" id="1" dur="indefinite" restart="never" nodeType="tmRoot"/>
       </p:par>
     </p:tnLst>
   </p:timing>
@@ -15737,7 +15712,7 @@
   <p:timing>
     <p:tnLst>
       <p:par>
-        <p:cTn id="1" dur="indefinite" restart="never" nodeType="tmRoot"/>
+        <p:cTn xmlns:p14="http://schemas.microsoft.com/office/powerpoint/2010/main" id="1" dur="indefinite" restart="never" nodeType="tmRoot"/>
       </p:par>
     </p:tnLst>
   </p:timing>
@@ -16132,7 +16107,7 @@
   <p:timing>
     <p:tnLst>
       <p:par>
-        <p:cTn id="1" dur="indefinite" restart="never" nodeType="tmRoot"/>
+        <p:cTn xmlns:p14="http://schemas.microsoft.com/office/powerpoint/2010/main" id="1" dur="indefinite" restart="never" nodeType="tmRoot"/>
       </p:par>
     </p:tnLst>
   </p:timing>
@@ -16504,7 +16479,7 @@
   <p:timing>
     <p:tnLst>
       <p:par>
-        <p:cTn id="1" dur="indefinite" restart="never" nodeType="tmRoot"/>
+        <p:cTn xmlns:p14="http://schemas.microsoft.com/office/powerpoint/2010/main" id="1" dur="indefinite" restart="never" nodeType="tmRoot"/>
       </p:par>
     </p:tnLst>
   </p:timing>
@@ -16661,7 +16636,7 @@
   <p:timing>
     <p:tnLst>
       <p:par>
-        <p:cTn id="1" dur="indefinite" restart="never" nodeType="tmRoot"/>
+        <p:cTn xmlns:p14="http://schemas.microsoft.com/office/powerpoint/2010/main" id="1" dur="indefinite" restart="never" nodeType="tmRoot"/>
       </p:par>
     </p:tnLst>
   </p:timing>
@@ -16938,7 +16913,7 @@
   <p:timing>
     <p:tnLst>
       <p:par>
-        <p:cTn id="1" dur="indefinite" restart="never" nodeType="tmRoot"/>
+        <p:cTn xmlns:p14="http://schemas.microsoft.com/office/powerpoint/2010/main" id="1" dur="indefinite" restart="never" nodeType="tmRoot"/>
       </p:par>
     </p:tnLst>
   </p:timing>
@@ -17221,7 +17196,7 @@
   <p:timing>
     <p:tnLst>
       <p:par>
-        <p:cTn id="1" dur="indefinite" restart="never" nodeType="tmRoot"/>
+        <p:cTn xmlns:p14="http://schemas.microsoft.com/office/powerpoint/2010/main" id="1" dur="indefinite" restart="never" nodeType="tmRoot"/>
       </p:par>
     </p:tnLst>
   </p:timing>
@@ -17462,7 +17437,7 @@
   <p:timing>
     <p:tnLst>
       <p:par>
-        <p:cTn id="1" dur="indefinite" restart="never" nodeType="tmRoot"/>
+        <p:cTn xmlns:p14="http://schemas.microsoft.com/office/powerpoint/2010/main" id="1" dur="indefinite" restart="never" nodeType="tmRoot"/>
       </p:par>
     </p:tnLst>
   </p:timing>
@@ -17566,14 +17541,14 @@
             <a:noFill/>
           </a:ln>
           <a:extLst>
-            <a:ext uri="{909E8E84-426E-40DD-AFC4-6F175D3DCCD1}">
+            <a:ext uri="{909E8E84-426E-40dd-AFC4-6F175D3DCCD1}">
               <a14:hiddenFill xmlns:a14="http://schemas.microsoft.com/office/drawing/2010/main">
                 <a:solidFill>
                   <a:srgbClr val="FFFFFF"/>
                 </a:solidFill>
               </a14:hiddenFill>
             </a:ext>
-            <a:ext uri="{91240B29-F687-4F45-9708-019B960494DF}">
+            <a:ext uri="{91240B29-F687-4f45-9708-019B960494DF}">
               <a14:hiddenLine xmlns:a14="http://schemas.microsoft.com/office/drawing/2010/main" w="9525">
                 <a:solidFill>
                   <a:srgbClr val="000000"/>
@@ -18049,14 +18024,14 @@
             <a:noFill/>
           </a:ln>
           <a:extLst>
-            <a:ext uri="{909E8E84-426E-40DD-AFC4-6F175D3DCCD1}">
+            <a:ext uri="{909E8E84-426E-40dd-AFC4-6F175D3DCCD1}">
               <a14:hiddenFill xmlns:a14="http://schemas.microsoft.com/office/drawing/2010/main">
                 <a:solidFill>
                   <a:srgbClr val="FFFFFF"/>
                 </a:solidFill>
               </a14:hiddenFill>
             </a:ext>
-            <a:ext uri="{91240B29-F687-4F45-9708-019B960494DF}">
+            <a:ext uri="{91240B29-F687-4f45-9708-019B960494DF}">
               <a14:hiddenLine xmlns:a14="http://schemas.microsoft.com/office/drawing/2010/main" w="9525">
                 <a:solidFill>
                   <a:srgbClr val="000000"/>
@@ -18098,7 +18073,7 @@
   <p:timing>
     <p:tnLst>
       <p:par>
-        <p:cTn id="1" dur="indefinite" restart="never" nodeType="tmRoot">
+        <p:cTn xmlns:p14="http://schemas.microsoft.com/office/powerpoint/2010/main" id="1" dur="indefinite" restart="never" nodeType="tmRoot">
           <p:childTnLst>
             <p:seq concurrent="1" nextAc="seek">
               <p:cTn id="2" dur="indefinite" nodeType="mainSeq">
@@ -18429,7 +18404,7 @@
   <p:timing>
     <p:tnLst>
       <p:par>
-        <p:cTn id="1" dur="indefinite" restart="never" nodeType="tmRoot"/>
+        <p:cTn xmlns:p14="http://schemas.microsoft.com/office/powerpoint/2010/main" id="1" dur="indefinite" restart="never" nodeType="tmRoot"/>
       </p:par>
     </p:tnLst>
   </p:timing>
@@ -18655,14 +18630,14 @@
           </a:ln>
           <a:effectLst/>
           <a:extLst>
-            <a:ext uri="{909E8E84-426E-40DD-AFC4-6F175D3DCCD1}">
+            <a:ext uri="{909E8E84-426E-40dd-AFC4-6F175D3DCCD1}">
               <a14:hiddenFill xmlns:a14="http://schemas.microsoft.com/office/drawing/2010/main">
                 <a:solidFill>
                   <a:srgbClr val="FFFFFF"/>
                 </a:solidFill>
               </a14:hiddenFill>
             </a:ext>
-            <a:ext uri="{91240B29-F687-4F45-9708-019B960494DF}">
+            <a:ext uri="{91240B29-F687-4f45-9708-019B960494DF}">
               <a14:hiddenLine xmlns:a14="http://schemas.microsoft.com/office/drawing/2010/main" w="9525" cap="flat">
                 <a:solidFill>
                   <a:srgbClr val="808080"/>
@@ -18672,7 +18647,7 @@
                 <a:tailEnd/>
               </a14:hiddenLine>
             </a:ext>
-            <a:ext uri="{AF507438-7753-43E0-B8FC-AC1667EBCBE1}">
+            <a:ext uri="{AF507438-7753-43e0-B8FC-AC1667EBCBE1}">
               <a14:hiddenEffects xmlns:a14="http://schemas.microsoft.com/office/drawing/2010/main">
                 <a:effectLst>
                   <a:outerShdw blurRad="63500" dist="38099" dir="2700000" algn="ctr" rotWithShape="0">
@@ -18684,7 +18659,7 @@
               </a14:hiddenEffects>
             </a:ext>
             <a:ext uri="{FAA26D3D-D897-4be2-8F04-BA451C77F1D7}">
-              <ma14:placeholderFlag xmlns:ma14="http://schemas.microsoft.com/office/mac/drawingml/2011/main" xmlns="" val="1"/>
+              <ma14:placeholderFlag xmlns:ma14="http://schemas.microsoft.com/office/mac/drawingml/2011/main" val="1"/>
             </a:ext>
           </a:extLst>
         </p:spPr>
@@ -18951,7 +18926,7 @@
   <p:timing>
     <p:tnLst>
       <p:par>
-        <p:cTn id="1" dur="indefinite" restart="never" nodeType="tmRoot"/>
+        <p:cTn xmlns:p14="http://schemas.microsoft.com/office/powerpoint/2010/main" id="1" dur="indefinite" restart="never" nodeType="tmRoot"/>
       </p:par>
     </p:tnLst>
   </p:timing>
@@ -19167,14 +19142,14 @@
           </a:ln>
           <a:effectLst/>
           <a:extLst>
-            <a:ext uri="{909E8E84-426E-40DD-AFC4-6F175D3DCCD1}">
+            <a:ext uri="{909E8E84-426E-40dd-AFC4-6F175D3DCCD1}">
               <a14:hiddenFill xmlns:a14="http://schemas.microsoft.com/office/drawing/2010/main">
                 <a:solidFill>
                   <a:srgbClr val="FFFFFF"/>
                 </a:solidFill>
               </a14:hiddenFill>
             </a:ext>
-            <a:ext uri="{91240B29-F687-4F45-9708-019B960494DF}">
+            <a:ext uri="{91240B29-F687-4f45-9708-019B960494DF}">
               <a14:hiddenLine xmlns:a14="http://schemas.microsoft.com/office/drawing/2010/main" w="9525" cap="flat">
                 <a:solidFill>
                   <a:srgbClr val="808080"/>
@@ -19184,7 +19159,7 @@
                 <a:tailEnd/>
               </a14:hiddenLine>
             </a:ext>
-            <a:ext uri="{AF507438-7753-43E0-B8FC-AC1667EBCBE1}">
+            <a:ext uri="{AF507438-7753-43e0-B8FC-AC1667EBCBE1}">
               <a14:hiddenEffects xmlns:a14="http://schemas.microsoft.com/office/drawing/2010/main">
                 <a:effectLst>
                   <a:outerShdw blurRad="63500" dist="38099" dir="2700000" algn="ctr" rotWithShape="0">
@@ -19196,7 +19171,7 @@
               </a14:hiddenEffects>
             </a:ext>
             <a:ext uri="{FAA26D3D-D897-4be2-8F04-BA451C77F1D7}">
-              <ma14:placeholderFlag xmlns:ma14="http://schemas.microsoft.com/office/mac/drawingml/2011/main" xmlns="" val="1"/>
+              <ma14:placeholderFlag xmlns:ma14="http://schemas.microsoft.com/office/mac/drawingml/2011/main" val="1"/>
             </a:ext>
           </a:extLst>
         </p:spPr>
@@ -19463,7 +19438,7 @@
   <p:timing>
     <p:tnLst>
       <p:par>
-        <p:cTn id="1" dur="indefinite" restart="never" nodeType="tmRoot"/>
+        <p:cTn xmlns:p14="http://schemas.microsoft.com/office/powerpoint/2010/main" id="1" dur="indefinite" restart="never" nodeType="tmRoot"/>
       </p:par>
     </p:tnLst>
   </p:timing>
@@ -19645,14 +19620,14 @@
           </a:ln>
           <a:effectLst/>
           <a:extLst>
-            <a:ext uri="{909E8E84-426E-40DD-AFC4-6F175D3DCCD1}">
+            <a:ext uri="{909E8E84-426E-40dd-AFC4-6F175D3DCCD1}">
               <a14:hiddenFill xmlns:a14="http://schemas.microsoft.com/office/drawing/2010/main">
                 <a:solidFill>
                   <a:srgbClr val="FFFFFF"/>
                 </a:solidFill>
               </a14:hiddenFill>
             </a:ext>
-            <a:ext uri="{91240B29-F687-4F45-9708-019B960494DF}">
+            <a:ext uri="{91240B29-F687-4f45-9708-019B960494DF}">
               <a14:hiddenLine xmlns:a14="http://schemas.microsoft.com/office/drawing/2010/main" w="9525" cap="flat">
                 <a:solidFill>
                   <a:srgbClr val="808080"/>
@@ -19662,7 +19637,7 @@
                 <a:tailEnd/>
               </a14:hiddenLine>
             </a:ext>
-            <a:ext uri="{AF507438-7753-43E0-B8FC-AC1667EBCBE1}">
+            <a:ext uri="{AF507438-7753-43e0-B8FC-AC1667EBCBE1}">
               <a14:hiddenEffects xmlns:a14="http://schemas.microsoft.com/office/drawing/2010/main">
                 <a:effectLst>
                   <a:outerShdw blurRad="63500" dist="38099" dir="2700000" algn="ctr" rotWithShape="0">
@@ -19674,7 +19649,7 @@
               </a14:hiddenEffects>
             </a:ext>
             <a:ext uri="{FAA26D3D-D897-4be2-8F04-BA451C77F1D7}">
-              <ma14:placeholderFlag xmlns:ma14="http://schemas.microsoft.com/office/mac/drawingml/2011/main" xmlns="" val="1"/>
+              <ma14:placeholderFlag xmlns:ma14="http://schemas.microsoft.com/office/mac/drawingml/2011/main" val="1"/>
             </a:ext>
           </a:extLst>
         </p:spPr>
@@ -20112,7 +20087,7 @@
   <p:timing>
     <p:tnLst>
       <p:par>
-        <p:cTn id="1" dur="indefinite" restart="never" nodeType="tmRoot"/>
+        <p:cTn xmlns:p14="http://schemas.microsoft.com/office/powerpoint/2010/main" id="1" dur="indefinite" restart="never" nodeType="tmRoot"/>
       </p:par>
     </p:tnLst>
   </p:timing>
@@ -20222,14 +20197,14 @@
             <a:noFill/>
           </a:ln>
           <a:extLst>
-            <a:ext uri="{909E8E84-426E-40DD-AFC4-6F175D3DCCD1}">
+            <a:ext uri="{909E8E84-426E-40dd-AFC4-6F175D3DCCD1}">
               <a14:hiddenFill xmlns:a14="http://schemas.microsoft.com/office/drawing/2010/main">
                 <a:solidFill>
                   <a:srgbClr val="FFFFFF"/>
                 </a:solidFill>
               </a14:hiddenFill>
             </a:ext>
-            <a:ext uri="{91240B29-F687-4F45-9708-019B960494DF}">
+            <a:ext uri="{91240B29-F687-4f45-9708-019B960494DF}">
               <a14:hiddenLine xmlns:a14="http://schemas.microsoft.com/office/drawing/2010/main" w="9525">
                 <a:solidFill>
                   <a:srgbClr val="000000"/>
@@ -20255,7 +20230,7 @@
   <p:timing>
     <p:tnLst>
       <p:par>
-        <p:cTn id="1" dur="indefinite" restart="never" nodeType="tmRoot"/>
+        <p:cTn xmlns:p14="http://schemas.microsoft.com/office/powerpoint/2010/main" id="1" dur="indefinite" restart="never" nodeType="tmRoot"/>
       </p:par>
     </p:tnLst>
   </p:timing>
@@ -20455,7 +20430,7 @@
   <p:timing>
     <p:tnLst>
       <p:par>
-        <p:cTn id="1" dur="indefinite" restart="never" nodeType="tmRoot"/>
+        <p:cTn xmlns:p14="http://schemas.microsoft.com/office/powerpoint/2010/main" id="1" dur="indefinite" restart="never" nodeType="tmRoot"/>
       </p:par>
     </p:tnLst>
   </p:timing>
@@ -20624,7 +20599,7 @@
   <p:timing>
     <p:tnLst>
       <p:par>
-        <p:cTn id="1" dur="indefinite" restart="never" nodeType="tmRoot"/>
+        <p:cTn xmlns:p14="http://schemas.microsoft.com/office/powerpoint/2010/main" id="1" dur="indefinite" restart="never" nodeType="tmRoot"/>
       </p:par>
     </p:tnLst>
   </p:timing>
@@ -20878,7 +20853,7 @@
   <p:timing>
     <p:tnLst>
       <p:par>
-        <p:cTn id="1" dur="indefinite" restart="never" nodeType="tmRoot">
+        <p:cTn xmlns:p14="http://schemas.microsoft.com/office/powerpoint/2010/main" id="1" dur="indefinite" restart="never" nodeType="tmRoot">
           <p:childTnLst>
             <p:seq concurrent="1" nextAc="seek">
               <p:cTn id="2" dur="indefinite" nodeType="mainSeq">
@@ -21444,7 +21419,7 @@
   <p:timing>
     <p:tnLst>
       <p:par>
-        <p:cTn id="1" dur="indefinite" restart="never" nodeType="tmRoot">
+        <p:cTn xmlns:p14="http://schemas.microsoft.com/office/powerpoint/2010/main" id="1" dur="indefinite" restart="never" nodeType="tmRoot">
           <p:childTnLst>
             <p:seq concurrent="1" nextAc="seek">
               <p:cTn id="2" dur="indefinite" nodeType="mainSeq">
@@ -21949,7 +21924,7 @@
   <p:timing>
     <p:tnLst>
       <p:par>
-        <p:cTn id="1" dur="indefinite" restart="never" nodeType="tmRoot"/>
+        <p:cTn xmlns:p14="http://schemas.microsoft.com/office/powerpoint/2010/main" id="1" dur="indefinite" restart="never" nodeType="tmRoot"/>
       </p:par>
     </p:tnLst>
   </p:timing>
@@ -22170,7 +22145,7 @@
   <p:timing>
     <p:tnLst>
       <p:par>
-        <p:cTn id="1" dur="indefinite" restart="never" nodeType="tmRoot">
+        <p:cTn xmlns:p14="http://schemas.microsoft.com/office/powerpoint/2010/main" id="1" dur="indefinite" restart="never" nodeType="tmRoot">
           <p:childTnLst>
             <p:seq concurrent="1" nextAc="seek">
               <p:cTn id="2" dur="indefinite" nodeType="mainSeq">
@@ -22714,7 +22689,7 @@
   <p:timing>
     <p:tnLst>
       <p:par>
-        <p:cTn id="1" dur="indefinite" restart="never" nodeType="tmRoot">
+        <p:cTn xmlns:p14="http://schemas.microsoft.com/office/powerpoint/2010/main" id="1" dur="indefinite" restart="never" nodeType="tmRoot">
           <p:childTnLst>
             <p:seq concurrent="1" nextAc="seek">
               <p:cTn id="2" dur="indefinite" nodeType="mainSeq">
@@ -23232,7 +23207,7 @@
   <p:timing>
     <p:tnLst>
       <p:par>
-        <p:cTn id="1" dur="indefinite" restart="never" nodeType="tmRoot">
+        <p:cTn xmlns:p14="http://schemas.microsoft.com/office/powerpoint/2010/main" id="1" dur="indefinite" restart="never" nodeType="tmRoot">
           <p:childTnLst>
             <p:seq concurrent="1" nextAc="seek">
               <p:cTn id="2" dur="indefinite" nodeType="mainSeq">
@@ -23624,7 +23599,7 @@
   <p:timing>
     <p:tnLst>
       <p:par>
-        <p:cTn id="1" dur="indefinite" restart="never" nodeType="tmRoot">
+        <p:cTn xmlns:p14="http://schemas.microsoft.com/office/powerpoint/2010/main" id="1" dur="indefinite" restart="never" nodeType="tmRoot">
           <p:childTnLst>
             <p:seq concurrent="1" nextAc="seek">
               <p:cTn id="2" dur="indefinite" nodeType="mainSeq">
@@ -23944,7 +23919,7 @@
   <p:timing>
     <p:tnLst>
       <p:par>
-        <p:cTn id="1" dur="indefinite" restart="never" nodeType="tmRoot"/>
+        <p:cTn xmlns:p14="http://schemas.microsoft.com/office/powerpoint/2010/main" id="1" dur="indefinite" restart="never" nodeType="tmRoot"/>
       </p:par>
     </p:tnLst>
   </p:timing>
@@ -24121,7 +24096,7 @@
   <p:timing>
     <p:tnLst>
       <p:par>
-        <p:cTn id="1" dur="indefinite" restart="never" nodeType="tmRoot"/>
+        <p:cTn xmlns:p14="http://schemas.microsoft.com/office/powerpoint/2010/main" id="1" dur="indefinite" restart="never" nodeType="tmRoot"/>
       </p:par>
     </p:tnLst>
   </p:timing>
@@ -24351,14 +24326,14 @@
             <a:noFill/>
           </a:ln>
           <a:extLst>
-            <a:ext uri="{909E8E84-426E-40DD-AFC4-6F175D3DCCD1}">
+            <a:ext uri="{909E8E84-426E-40dd-AFC4-6F175D3DCCD1}">
               <a14:hiddenFill xmlns:a14="http://schemas.microsoft.com/office/drawing/2010/main">
                 <a:solidFill>
                   <a:srgbClr val="FFFFFF"/>
                 </a:solidFill>
               </a14:hiddenFill>
             </a:ext>
-            <a:ext uri="{91240B29-F687-4F45-9708-019B960494DF}">
+            <a:ext uri="{91240B29-F687-4f45-9708-019B960494DF}">
               <a14:hiddenLine xmlns:a14="http://schemas.microsoft.com/office/drawing/2010/main" w="9525">
                 <a:solidFill>
                   <a:srgbClr val="000000"/>
@@ -24400,7 +24375,7 @@
   <p:timing>
     <p:tnLst>
       <p:par>
-        <p:cTn id="1" dur="indefinite" restart="never" nodeType="tmRoot"/>
+        <p:cTn xmlns:p14="http://schemas.microsoft.com/office/powerpoint/2010/main" id="1" dur="indefinite" restart="never" nodeType="tmRoot"/>
       </p:par>
     </p:tnLst>
   </p:timing>
@@ -24678,7 +24653,7 @@
   <p:timing>
     <p:tnLst>
       <p:par>
-        <p:cTn id="1" dur="indefinite" restart="never" nodeType="tmRoot"/>
+        <p:cTn xmlns:p14="http://schemas.microsoft.com/office/powerpoint/2010/main" id="1" dur="indefinite" restart="never" nodeType="tmRoot"/>
       </p:par>
     </p:tnLst>
   </p:timing>
@@ -24753,14 +24728,14 @@
             <a:noFill/>
           </a:ln>
           <a:extLst>
-            <a:ext uri="{909E8E84-426E-40DD-AFC4-6F175D3DCCD1}">
+            <a:ext uri="{909E8E84-426E-40dd-AFC4-6F175D3DCCD1}">
               <a14:hiddenFill xmlns:a14="http://schemas.microsoft.com/office/drawing/2010/main">
                 <a:solidFill>
                   <a:srgbClr val="FFFFFF"/>
                 </a:solidFill>
               </a14:hiddenFill>
             </a:ext>
-            <a:ext uri="{91240B29-F687-4F45-9708-019B960494DF}">
+            <a:ext uri="{91240B29-F687-4f45-9708-019B960494DF}">
               <a14:hiddenLine xmlns:a14="http://schemas.microsoft.com/office/drawing/2010/main" w="9525">
                 <a:solidFill>
                   <a:srgbClr val="000000"/>
@@ -24830,14 +24805,14 @@
             <a:noFill/>
           </a:ln>
           <a:extLst>
-            <a:ext uri="{909E8E84-426E-40DD-AFC4-6F175D3DCCD1}">
+            <a:ext uri="{909E8E84-426E-40dd-AFC4-6F175D3DCCD1}">
               <a14:hiddenFill xmlns:a14="http://schemas.microsoft.com/office/drawing/2010/main">
                 <a:solidFill>
                   <a:srgbClr val="FFFFFF"/>
                 </a:solidFill>
               </a14:hiddenFill>
             </a:ext>
-            <a:ext uri="{91240B29-F687-4F45-9708-019B960494DF}">
+            <a:ext uri="{91240B29-F687-4f45-9708-019B960494DF}">
               <a14:hiddenLine xmlns:a14="http://schemas.microsoft.com/office/drawing/2010/main" w="9525">
                 <a:solidFill>
                   <a:srgbClr val="000000"/>
@@ -24894,7 +24869,7 @@
           </a:ln>
           <a:effectLst/>
           <a:extLst>
-            <a:ext uri="{AF507438-7753-43E0-B8FC-AC1667EBCBE1}">
+            <a:ext uri="{AF507438-7753-43e0-B8FC-AC1667EBCBE1}">
               <a14:hiddenEffects xmlns:a14="http://schemas.microsoft.com/office/drawing/2010/main">
                 <a:effectLst>
                   <a:outerShdw blurRad="63500" dist="38099" dir="2700000" algn="ctr" rotWithShape="0">
@@ -24977,7 +24952,7 @@
   <p:timing>
     <p:tnLst>
       <p:par>
-        <p:cTn id="1" dur="indefinite" restart="never" nodeType="tmRoot">
+        <p:cTn xmlns:p14="http://schemas.microsoft.com/office/powerpoint/2010/main" id="1" dur="indefinite" restart="never" nodeType="tmRoot">
           <p:childTnLst>
             <p:seq concurrent="1" nextAc="seek">
               <p:cTn id="2" dur="indefinite" nodeType="mainSeq">
@@ -25147,14 +25122,14 @@
             <a:noFill/>
           </a:ln>
           <a:extLst>
-            <a:ext uri="{909E8E84-426E-40DD-AFC4-6F175D3DCCD1}">
+            <a:ext uri="{909E8E84-426E-40dd-AFC4-6F175D3DCCD1}">
               <a14:hiddenFill xmlns:a14="http://schemas.microsoft.com/office/drawing/2010/main">
                 <a:solidFill>
                   <a:srgbClr val="FFFFFF"/>
                 </a:solidFill>
               </a14:hiddenFill>
             </a:ext>
-            <a:ext uri="{91240B29-F687-4F45-9708-019B960494DF}">
+            <a:ext uri="{91240B29-F687-4f45-9708-019B960494DF}">
               <a14:hiddenLine xmlns:a14="http://schemas.microsoft.com/office/drawing/2010/main" w="9525">
                 <a:solidFill>
                   <a:srgbClr val="000000"/>
@@ -25224,14 +25199,14 @@
             <a:noFill/>
           </a:ln>
           <a:extLst>
-            <a:ext uri="{909E8E84-426E-40DD-AFC4-6F175D3DCCD1}">
+            <a:ext uri="{909E8E84-426E-40dd-AFC4-6F175D3DCCD1}">
               <a14:hiddenFill xmlns:a14="http://schemas.microsoft.com/office/drawing/2010/main">
                 <a:solidFill>
                   <a:srgbClr val="FFFFFF"/>
                 </a:solidFill>
               </a14:hiddenFill>
             </a:ext>
-            <a:ext uri="{91240B29-F687-4F45-9708-019B960494DF}">
+            <a:ext uri="{91240B29-F687-4f45-9708-019B960494DF}">
               <a14:hiddenLine xmlns:a14="http://schemas.microsoft.com/office/drawing/2010/main" w="9525">
                 <a:solidFill>
                   <a:srgbClr val="000000"/>
@@ -25303,7 +25278,7 @@
           </a:ln>
           <a:effectLst/>
           <a:extLst>
-            <a:ext uri="{AF507438-7753-43E0-B8FC-AC1667EBCBE1}">
+            <a:ext uri="{AF507438-7753-43e0-B8FC-AC1667EBCBE1}">
               <a14:hiddenEffects xmlns:a14="http://schemas.microsoft.com/office/drawing/2010/main">
                 <a:effectLst>
                   <a:outerShdw blurRad="63500" dist="38099" dir="2700000" algn="ctr" rotWithShape="0">
@@ -25416,7 +25391,7 @@
   <p:timing>
     <p:tnLst>
       <p:par>
-        <p:cTn id="1" dur="indefinite" restart="never" nodeType="tmRoot">
+        <p:cTn xmlns:p14="http://schemas.microsoft.com/office/powerpoint/2010/main" id="1" dur="indefinite" restart="never" nodeType="tmRoot">
           <p:childTnLst>
             <p:seq concurrent="1" nextAc="seek">
               <p:cTn id="2" dur="indefinite" nodeType="mainSeq">
@@ -25623,7 +25598,7 @@
             <a:tailEnd/>
           </a:ln>
           <a:extLst>
-            <a:ext uri="{909E8E84-426E-40DD-AFC4-6F175D3DCCD1}">
+            <a:ext uri="{909E8E84-426E-40dd-AFC4-6F175D3DCCD1}">
               <a14:hiddenFill xmlns:a14="http://schemas.microsoft.com/office/drawing/2010/main">
                 <a:solidFill>
                   <a:srgbClr val="FFFFFF"/>
@@ -25858,14 +25833,14 @@
             <a:noFill/>
           </a:ln>
           <a:extLst>
-            <a:ext uri="{909E8E84-426E-40DD-AFC4-6F175D3DCCD1}">
+            <a:ext uri="{909E8E84-426E-40dd-AFC4-6F175D3DCCD1}">
               <a14:hiddenFill xmlns:a14="http://schemas.microsoft.com/office/drawing/2010/main">
                 <a:solidFill>
                   <a:srgbClr val="FFFFFF"/>
                 </a:solidFill>
               </a14:hiddenFill>
             </a:ext>
-            <a:ext uri="{91240B29-F687-4F45-9708-019B960494DF}">
+            <a:ext uri="{91240B29-F687-4f45-9708-019B960494DF}">
               <a14:hiddenLine xmlns:a14="http://schemas.microsoft.com/office/drawing/2010/main" w="9525">
                 <a:solidFill>
                   <a:srgbClr val="000000"/>
@@ -25889,7 +25864,31 @@
                   <a:srgbClr val="000000"/>
                 </a:solidFill>
               </a:rPr>
-              <a:t>Assumes ordered stream. Takes all elements until one doesn’t match. So prints the numbers 1-4</a:t>
+              <a:t>Assumes ordered stream. Takes all elements until one doesn’t match. </a:t>
+            </a:r>
+            <a:r>
+              <a:rPr lang="en-US" dirty="0">
+                <a:solidFill>
+                  <a:srgbClr val="000000"/>
+                </a:solidFill>
+              </a:rPr>
+              <a:t>P</a:t>
+            </a:r>
+            <a:r>
+              <a:rPr lang="en-US" dirty="0" smtClean="0">
+                <a:solidFill>
+                  <a:srgbClr val="000000"/>
+                </a:solidFill>
+              </a:rPr>
+              <a:t>rints </a:t>
+            </a:r>
+            <a:r>
+              <a:rPr lang="en-US" dirty="0" smtClean="0">
+                <a:solidFill>
+                  <a:srgbClr val="000000"/>
+                </a:solidFill>
+              </a:rPr>
+              <a:t>the numbers 1-4</a:t>
             </a:r>
             <a:endParaRPr lang="en-US" dirty="0">
               <a:solidFill>
@@ -25912,7 +25911,7 @@
   <p:timing>
     <p:tnLst>
       <p:par>
-        <p:cTn id="1" dur="indefinite" restart="never" nodeType="tmRoot">
+        <p:cTn xmlns:p14="http://schemas.microsoft.com/office/powerpoint/2010/main" id="1" dur="indefinite" restart="never" nodeType="tmRoot">
           <p:childTnLst>
             <p:seq concurrent="1" nextAc="seek">
               <p:cTn id="2" dur="indefinite" nodeType="mainSeq">
@@ -26109,7 +26108,7 @@
             <a:tailEnd/>
           </a:ln>
           <a:extLst>
-            <a:ext uri="{909E8E84-426E-40DD-AFC4-6F175D3DCCD1}">
+            <a:ext uri="{909E8E84-426E-40dd-AFC4-6F175D3DCCD1}">
               <a14:hiddenFill xmlns:a14="http://schemas.microsoft.com/office/drawing/2010/main">
                 <a:solidFill>
                   <a:srgbClr val="FFFFFF"/>
@@ -26344,14 +26343,14 @@
             <a:noFill/>
           </a:ln>
           <a:extLst>
-            <a:ext uri="{909E8E84-426E-40DD-AFC4-6F175D3DCCD1}">
+            <a:ext uri="{909E8E84-426E-40dd-AFC4-6F175D3DCCD1}">
               <a14:hiddenFill xmlns:a14="http://schemas.microsoft.com/office/drawing/2010/main">
                 <a:solidFill>
                   <a:srgbClr val="FFFFFF"/>
                 </a:solidFill>
               </a14:hiddenFill>
             </a:ext>
-            <a:ext uri="{91240B29-F687-4F45-9708-019B960494DF}">
+            <a:ext uri="{91240B29-F687-4f45-9708-019B960494DF}">
               <a14:hiddenLine xmlns:a14="http://schemas.microsoft.com/office/drawing/2010/main" w="9525">
                 <a:solidFill>
                   <a:srgbClr val="000000"/>
@@ -26370,12 +26369,28 @@
           <a:lstStyle/>
           <a:p>
             <a:r>
-              <a:rPr lang="en-US">
+              <a:rPr lang="en-US" dirty="0">
                 <a:solidFill>
                   <a:srgbClr val="000000"/>
                 </a:solidFill>
               </a:rPr>
-              <a:t>How print all Fibonacci #s less than 30?</a:t>
+              <a:t>How </a:t>
+            </a:r>
+            <a:r>
+              <a:rPr lang="en-US" dirty="0" smtClean="0">
+                <a:solidFill>
+                  <a:srgbClr val="000000"/>
+                </a:solidFill>
+              </a:rPr>
+              <a:t>to print </a:t>
+            </a:r>
+            <a:r>
+              <a:rPr lang="en-US" dirty="0">
+                <a:solidFill>
+                  <a:srgbClr val="000000"/>
+                </a:solidFill>
+              </a:rPr>
+              <a:t>all Fibonacci #s less than 30?</a:t>
             </a:r>
           </a:p>
         </p:txBody>
@@ -26393,7 +26408,7 @@
   <p:timing>
     <p:tnLst>
       <p:par>
-        <p:cTn id="1" dur="indefinite" restart="never" nodeType="tmRoot">
+        <p:cTn xmlns:p14="http://schemas.microsoft.com/office/powerpoint/2010/main" id="1" dur="indefinite" restart="never" nodeType="tmRoot">
           <p:childTnLst>
             <p:seq concurrent="1" nextAc="seek">
               <p:cTn id="2" dur="indefinite" nodeType="mainSeq">
@@ -26544,7 +26559,7 @@
             <a:tailEnd/>
           </a:ln>
           <a:extLst>
-            <a:ext uri="{909E8E84-426E-40DD-AFC4-6F175D3DCCD1}">
+            <a:ext uri="{909E8E84-426E-40dd-AFC4-6F175D3DCCD1}">
               <a14:hiddenFill xmlns:a14="http://schemas.microsoft.com/office/drawing/2010/main">
                 <a:solidFill>
                   <a:srgbClr val="FFFFFF"/>
@@ -26779,14 +26794,14 @@
             <a:noFill/>
           </a:ln>
           <a:extLst>
-            <a:ext uri="{909E8E84-426E-40DD-AFC4-6F175D3DCCD1}">
+            <a:ext uri="{909E8E84-426E-40dd-AFC4-6F175D3DCCD1}">
               <a14:hiddenFill xmlns:a14="http://schemas.microsoft.com/office/drawing/2010/main">
                 <a:solidFill>
                   <a:srgbClr val="FFFFFF"/>
                 </a:solidFill>
               </a14:hiddenFill>
             </a:ext>
-            <a:ext uri="{91240B29-F687-4F45-9708-019B960494DF}">
+            <a:ext uri="{91240B29-F687-4f45-9708-019B960494DF}">
               <a14:hiddenLine xmlns:a14="http://schemas.microsoft.com/office/drawing/2010/main" w="9525">
                 <a:solidFill>
                   <a:srgbClr val="000000"/>
@@ -26810,7 +26825,31 @@
                   <a:srgbClr val="000000"/>
                 </a:solidFill>
               </a:rPr>
-              <a:t>Assumes ordered stream. Takes all elements until one doesn’t match. So prints the numbers 5-9</a:t>
+              <a:t>Assumes ordered stream. Takes all elements until one doesn’t match. </a:t>
+            </a:r>
+            <a:r>
+              <a:rPr lang="en-US" dirty="0">
+                <a:solidFill>
+                  <a:srgbClr val="000000"/>
+                </a:solidFill>
+              </a:rPr>
+              <a:t>P</a:t>
+            </a:r>
+            <a:r>
+              <a:rPr lang="en-US" dirty="0" smtClean="0">
+                <a:solidFill>
+                  <a:srgbClr val="000000"/>
+                </a:solidFill>
+              </a:rPr>
+              <a:t>rints </a:t>
+            </a:r>
+            <a:r>
+              <a:rPr lang="en-US" dirty="0" smtClean="0">
+                <a:solidFill>
+                  <a:srgbClr val="000000"/>
+                </a:solidFill>
+              </a:rPr>
+              <a:t>the numbers 5-9</a:t>
             </a:r>
             <a:endParaRPr lang="en-US" dirty="0">
               <a:solidFill>
@@ -26833,7 +26872,7 @@
   <p:timing>
     <p:tnLst>
       <p:par>
-        <p:cTn id="1" dur="indefinite" restart="never" nodeType="tmRoot">
+        <p:cTn xmlns:p14="http://schemas.microsoft.com/office/powerpoint/2010/main" id="1" dur="indefinite" restart="never" nodeType="tmRoot">
           <p:childTnLst>
             <p:seq concurrent="1" nextAc="seek">
               <p:cTn id="2" dur="indefinite" nodeType="mainSeq">
@@ -27030,7 +27069,7 @@
             <a:tailEnd/>
           </a:ln>
           <a:extLst>
-            <a:ext uri="{909E8E84-426E-40DD-AFC4-6F175D3DCCD1}">
+            <a:ext uri="{909E8E84-426E-40dd-AFC4-6F175D3DCCD1}">
               <a14:hiddenFill xmlns:a14="http://schemas.microsoft.com/office/drawing/2010/main">
                 <a:solidFill>
                   <a:srgbClr val="FFFFFF"/>
@@ -27247,14 +27286,14 @@
             <a:noFill/>
           </a:ln>
           <a:extLst>
-            <a:ext uri="{909E8E84-426E-40DD-AFC4-6F175D3DCCD1}">
+            <a:ext uri="{909E8E84-426E-40dd-AFC4-6F175D3DCCD1}">
               <a14:hiddenFill xmlns:a14="http://schemas.microsoft.com/office/drawing/2010/main">
                 <a:solidFill>
                   <a:srgbClr val="FFFFFF"/>
                 </a:solidFill>
               </a14:hiddenFill>
             </a:ext>
-            <a:ext uri="{91240B29-F687-4F45-9708-019B960494DF}">
+            <a:ext uri="{91240B29-F687-4f45-9708-019B960494DF}">
               <a14:hiddenLine xmlns:a14="http://schemas.microsoft.com/office/drawing/2010/main" w="9525">
                 <a:solidFill>
                   <a:srgbClr val="000000"/>
@@ -27328,7 +27367,7 @@
   <p:timing>
     <p:tnLst>
       <p:par>
-        <p:cTn id="1" dur="indefinite" restart="never" nodeType="tmRoot">
+        <p:cTn xmlns:p14="http://schemas.microsoft.com/office/powerpoint/2010/main" id="1" dur="indefinite" restart="never" nodeType="tmRoot">
           <p:childTnLst>
             <p:seq concurrent="1" nextAc="seek">
               <p:cTn id="2" dur="indefinite" nodeType="mainSeq">
@@ -27675,14 +27714,14 @@
           </a:ln>
           <a:effectLst/>
           <a:extLst>
-            <a:ext uri="{909E8E84-426E-40DD-AFC4-6F175D3DCCD1}">
+            <a:ext uri="{909E8E84-426E-40dd-AFC4-6F175D3DCCD1}">
               <a14:hiddenFill xmlns:a14="http://schemas.microsoft.com/office/drawing/2010/main">
                 <a:solidFill>
                   <a:srgbClr val="FFFFFF"/>
                 </a:solidFill>
               </a14:hiddenFill>
             </a:ext>
-            <a:ext uri="{91240B29-F687-4F45-9708-019B960494DF}">
+            <a:ext uri="{91240B29-F687-4f45-9708-019B960494DF}">
               <a14:hiddenLine xmlns:a14="http://schemas.microsoft.com/office/drawing/2010/main" w="9525" cap="flat">
                 <a:solidFill>
                   <a:srgbClr val="808080"/>
@@ -27692,7 +27731,7 @@
                 <a:tailEnd/>
               </a14:hiddenLine>
             </a:ext>
-            <a:ext uri="{AF507438-7753-43E0-B8FC-AC1667EBCBE1}">
+            <a:ext uri="{AF507438-7753-43e0-B8FC-AC1667EBCBE1}">
               <a14:hiddenEffects xmlns:a14="http://schemas.microsoft.com/office/drawing/2010/main">
                 <a:effectLst>
                   <a:outerShdw blurRad="63500" dist="38099" dir="2700000" algn="ctr" rotWithShape="0">
@@ -27704,7 +27743,7 @@
               </a14:hiddenEffects>
             </a:ext>
             <a:ext uri="{FAA26D3D-D897-4be2-8F04-BA451C77F1D7}">
-              <ma14:placeholderFlag xmlns:ma14="http://schemas.microsoft.com/office/mac/drawingml/2011/main" xmlns="" val="1"/>
+              <ma14:placeholderFlag xmlns:ma14="http://schemas.microsoft.com/office/mac/drawingml/2011/main" val="1"/>
             </a:ext>
           </a:extLst>
         </p:spPr>
@@ -27971,7 +28010,7 @@
   <p:timing>
     <p:tnLst>
       <p:par>
-        <p:cTn id="1" dur="indefinite" restart="never" nodeType="tmRoot"/>
+        <p:cTn xmlns:p14="http://schemas.microsoft.com/office/powerpoint/2010/main" id="1" dur="indefinite" restart="never" nodeType="tmRoot"/>
       </p:par>
     </p:tnLst>
   </p:timing>
@@ -28208,14 +28247,14 @@
           </a:ln>
           <a:effectLst/>
           <a:extLst>
-            <a:ext uri="{909E8E84-426E-40DD-AFC4-6F175D3DCCD1}">
+            <a:ext uri="{909E8E84-426E-40dd-AFC4-6F175D3DCCD1}">
               <a14:hiddenFill xmlns:a14="http://schemas.microsoft.com/office/drawing/2010/main">
                 <a:solidFill>
                   <a:srgbClr val="FFFFFF"/>
                 </a:solidFill>
               </a14:hiddenFill>
             </a:ext>
-            <a:ext uri="{91240B29-F687-4F45-9708-019B960494DF}">
+            <a:ext uri="{91240B29-F687-4f45-9708-019B960494DF}">
               <a14:hiddenLine xmlns:a14="http://schemas.microsoft.com/office/drawing/2010/main" w="9525" cap="flat">
                 <a:solidFill>
                   <a:srgbClr val="808080"/>
@@ -28225,7 +28264,7 @@
                 <a:tailEnd/>
               </a14:hiddenLine>
             </a:ext>
-            <a:ext uri="{AF507438-7753-43E0-B8FC-AC1667EBCBE1}">
+            <a:ext uri="{AF507438-7753-43e0-B8FC-AC1667EBCBE1}">
               <a14:hiddenEffects xmlns:a14="http://schemas.microsoft.com/office/drawing/2010/main">
                 <a:effectLst>
                   <a:outerShdw blurRad="63500" dist="38099" dir="2700000" algn="ctr" rotWithShape="0">
@@ -28237,7 +28276,7 @@
               </a14:hiddenEffects>
             </a:ext>
             <a:ext uri="{FAA26D3D-D897-4be2-8F04-BA451C77F1D7}">
-              <ma14:placeholderFlag xmlns:ma14="http://schemas.microsoft.com/office/mac/drawingml/2011/main" xmlns="" val="1"/>
+              <ma14:placeholderFlag xmlns:ma14="http://schemas.microsoft.com/office/mac/drawingml/2011/main" val="1"/>
             </a:ext>
           </a:extLst>
         </p:spPr>
@@ -28504,7 +28543,7 @@
   <p:timing>
     <p:tnLst>
       <p:par>
-        <p:cTn id="1" dur="indefinite" restart="never" nodeType="tmRoot"/>
+        <p:cTn xmlns:p14="http://schemas.microsoft.com/office/powerpoint/2010/main" id="1" dur="indefinite" restart="never" nodeType="tmRoot"/>
       </p:par>
     </p:tnLst>
   </p:timing>
@@ -28629,7 +28668,7 @@
   <p:timing>
     <p:tnLst>
       <p:par>
-        <p:cTn id="1" dur="indefinite" restart="never" nodeType="tmRoot"/>
+        <p:cTn xmlns:p14="http://schemas.microsoft.com/office/powerpoint/2010/main" id="1" dur="indefinite" restart="never" nodeType="tmRoot"/>
       </p:par>
     </p:tnLst>
   </p:timing>
@@ -28863,14 +28902,14 @@
           </a:ln>
           <a:effectLst/>
           <a:extLst>
-            <a:ext uri="{909E8E84-426E-40DD-AFC4-6F175D3DCCD1}">
+            <a:ext uri="{909E8E84-426E-40dd-AFC4-6F175D3DCCD1}">
               <a14:hiddenFill xmlns:a14="http://schemas.microsoft.com/office/drawing/2010/main">
                 <a:solidFill>
                   <a:srgbClr val="FFFFFF"/>
                 </a:solidFill>
               </a14:hiddenFill>
             </a:ext>
-            <a:ext uri="{91240B29-F687-4F45-9708-019B960494DF}">
+            <a:ext uri="{91240B29-F687-4f45-9708-019B960494DF}">
               <a14:hiddenLine xmlns:a14="http://schemas.microsoft.com/office/drawing/2010/main" w="9525" cap="flat">
                 <a:solidFill>
                   <a:srgbClr val="808080"/>
@@ -28880,7 +28919,7 @@
                 <a:tailEnd/>
               </a14:hiddenLine>
             </a:ext>
-            <a:ext uri="{AF507438-7753-43E0-B8FC-AC1667EBCBE1}">
+            <a:ext uri="{AF507438-7753-43e0-B8FC-AC1667EBCBE1}">
               <a14:hiddenEffects xmlns:a14="http://schemas.microsoft.com/office/drawing/2010/main">
                 <a:effectLst>
                   <a:outerShdw blurRad="63500" dist="38099" dir="2700000" algn="ctr" rotWithShape="0">
@@ -28892,7 +28931,7 @@
               </a14:hiddenEffects>
             </a:ext>
             <a:ext uri="{FAA26D3D-D897-4be2-8F04-BA451C77F1D7}">
-              <ma14:placeholderFlag xmlns:ma14="http://schemas.microsoft.com/office/mac/drawingml/2011/main" xmlns="" val="1"/>
+              <ma14:placeholderFlag xmlns:ma14="http://schemas.microsoft.com/office/mac/drawingml/2011/main" val="1"/>
             </a:ext>
           </a:extLst>
         </p:spPr>
@@ -29172,7 +29211,7 @@
   <p:timing>
     <p:tnLst>
       <p:par>
-        <p:cTn id="1" dur="indefinite" restart="never" nodeType="tmRoot"/>
+        <p:cTn xmlns:p14="http://schemas.microsoft.com/office/powerpoint/2010/main" id="1" dur="indefinite" restart="never" nodeType="tmRoot"/>
       </p:par>
     </p:tnLst>
   </p:timing>
@@ -29358,7 +29397,7 @@
   <p:timing>
     <p:tnLst>
       <p:par>
-        <p:cTn id="1" dur="indefinite" restart="never" nodeType="tmRoot"/>
+        <p:cTn xmlns:p14="http://schemas.microsoft.com/office/powerpoint/2010/main" id="1" dur="indefinite" restart="never" nodeType="tmRoot"/>
       </p:par>
     </p:tnLst>
   </p:timing>
@@ -29608,14 +29647,14 @@
           </a:ln>
           <a:effectLst/>
           <a:extLst>
-            <a:ext uri="{909E8E84-426E-40DD-AFC4-6F175D3DCCD1}">
+            <a:ext uri="{909E8E84-426E-40dd-AFC4-6F175D3DCCD1}">
               <a14:hiddenFill xmlns:a14="http://schemas.microsoft.com/office/drawing/2010/main">
                 <a:solidFill>
                   <a:srgbClr val="FFFFFF"/>
                 </a:solidFill>
               </a14:hiddenFill>
             </a:ext>
-            <a:ext uri="{91240B29-F687-4F45-9708-019B960494DF}">
+            <a:ext uri="{91240B29-F687-4f45-9708-019B960494DF}">
               <a14:hiddenLine xmlns:a14="http://schemas.microsoft.com/office/drawing/2010/main" w="9525" cap="flat">
                 <a:solidFill>
                   <a:srgbClr val="808080"/>
@@ -29625,7 +29664,7 @@
                 <a:tailEnd/>
               </a14:hiddenLine>
             </a:ext>
-            <a:ext uri="{AF507438-7753-43E0-B8FC-AC1667EBCBE1}">
+            <a:ext uri="{AF507438-7753-43e0-B8FC-AC1667EBCBE1}">
               <a14:hiddenEffects xmlns:a14="http://schemas.microsoft.com/office/drawing/2010/main">
                 <a:effectLst>
                   <a:outerShdw blurRad="63500" dist="38099" dir="2700000" algn="ctr" rotWithShape="0">
@@ -29637,7 +29676,7 @@
               </a14:hiddenEffects>
             </a:ext>
             <a:ext uri="{FAA26D3D-D897-4be2-8F04-BA451C77F1D7}">
-              <ma14:placeholderFlag xmlns:ma14="http://schemas.microsoft.com/office/mac/drawingml/2011/main" xmlns="" val="1"/>
+              <ma14:placeholderFlag xmlns:ma14="http://schemas.microsoft.com/office/mac/drawingml/2011/main" val="1"/>
             </a:ext>
           </a:extLst>
         </p:spPr>
@@ -29900,7 +29939,7 @@
   <p:timing>
     <p:tnLst>
       <p:par>
-        <p:cTn id="1" dur="indefinite" restart="never" nodeType="tmRoot"/>
+        <p:cTn xmlns:p14="http://schemas.microsoft.com/office/powerpoint/2010/main" id="1" dur="indefinite" restart="never" nodeType="tmRoot"/>
       </p:par>
     </p:tnLst>
   </p:timing>
@@ -30248,14 +30287,14 @@
           </a:ln>
           <a:effectLst/>
           <a:extLst>
-            <a:ext uri="{909E8E84-426E-40DD-AFC4-6F175D3DCCD1}">
+            <a:ext uri="{909E8E84-426E-40dd-AFC4-6F175D3DCCD1}">
               <a14:hiddenFill xmlns:a14="http://schemas.microsoft.com/office/drawing/2010/main">
                 <a:solidFill>
                   <a:srgbClr val="FFFFFF"/>
                 </a:solidFill>
               </a14:hiddenFill>
             </a:ext>
-            <a:ext uri="{91240B29-F687-4F45-9708-019B960494DF}">
+            <a:ext uri="{91240B29-F687-4f45-9708-019B960494DF}">
               <a14:hiddenLine xmlns:a14="http://schemas.microsoft.com/office/drawing/2010/main" w="9525" cap="flat">
                 <a:solidFill>
                   <a:srgbClr val="808080"/>
@@ -30265,7 +30304,7 @@
                 <a:tailEnd/>
               </a14:hiddenLine>
             </a:ext>
-            <a:ext uri="{AF507438-7753-43E0-B8FC-AC1667EBCBE1}">
+            <a:ext uri="{AF507438-7753-43e0-B8FC-AC1667EBCBE1}">
               <a14:hiddenEffects xmlns:a14="http://schemas.microsoft.com/office/drawing/2010/main">
                 <a:effectLst>
                   <a:outerShdw blurRad="63500" dist="38099" dir="2700000" algn="ctr" rotWithShape="0">
@@ -30277,7 +30316,7 @@
               </a14:hiddenEffects>
             </a:ext>
             <a:ext uri="{FAA26D3D-D897-4be2-8F04-BA451C77F1D7}">
-              <ma14:placeholderFlag xmlns:ma14="http://schemas.microsoft.com/office/mac/drawingml/2011/main" xmlns="" val="1"/>
+              <ma14:placeholderFlag xmlns:ma14="http://schemas.microsoft.com/office/mac/drawingml/2011/main" val="1"/>
             </a:ext>
           </a:extLst>
         </p:spPr>
@@ -30540,7 +30579,7 @@
   <p:timing>
     <p:tnLst>
       <p:par>
-        <p:cTn id="1" dur="indefinite" restart="never" nodeType="tmRoot"/>
+        <p:cTn xmlns:p14="http://schemas.microsoft.com/office/powerpoint/2010/main" id="1" dur="indefinite" restart="never" nodeType="tmRoot"/>
       </p:par>
     </p:tnLst>
   </p:timing>
@@ -30585,24 +30624,12 @@
           <a:lstStyle/>
           <a:p>
             <a:r>
+              <a:rPr lang="en-US" dirty="0" smtClean="0"/>
+              <a:t>Question </a:t>
+            </a:r>
+            <a:r>
               <a:rPr lang="en-US" dirty="0"/>
-              <a:t>Module 5</a:t>
-            </a:r>
-            <a:r>
-              <a:rPr lang="en-US" dirty="0" smtClean="0"/>
-              <a:t> </a:t>
-            </a:r>
-            <a:r>
-              <a:rPr lang="mr-IN" dirty="0"/>
-              <a:t>–</a:t>
-            </a:r>
-            <a:r>
-              <a:rPr lang="en-US" dirty="0"/>
-              <a:t> Question </a:t>
-            </a:r>
-            <a:r>
-              <a:rPr lang="en-US" dirty="0" smtClean="0"/>
-              <a:t>3</a:t>
+              <a:t>7</a:t>
             </a:r>
             <a:endParaRPr lang="en-US" dirty="0"/>
           </a:p>
@@ -30806,14 +30833,14 @@
           </a:ln>
           <a:effectLst/>
           <a:extLst>
-            <a:ext uri="{909E8E84-426E-40DD-AFC4-6F175D3DCCD1}">
+            <a:ext uri="{909E8E84-426E-40dd-AFC4-6F175D3DCCD1}">
               <a14:hiddenFill xmlns:a14="http://schemas.microsoft.com/office/drawing/2010/main">
                 <a:solidFill>
                   <a:srgbClr val="FFFFFF"/>
                 </a:solidFill>
               </a14:hiddenFill>
             </a:ext>
-            <a:ext uri="{91240B29-F687-4F45-9708-019B960494DF}">
+            <a:ext uri="{91240B29-F687-4f45-9708-019B960494DF}">
               <a14:hiddenLine xmlns:a14="http://schemas.microsoft.com/office/drawing/2010/main" w="9525" cap="flat">
                 <a:solidFill>
                   <a:srgbClr val="808080"/>
@@ -30823,7 +30850,7 @@
                 <a:tailEnd/>
               </a14:hiddenLine>
             </a:ext>
-            <a:ext uri="{AF507438-7753-43E0-B8FC-AC1667EBCBE1}">
+            <a:ext uri="{AF507438-7753-43e0-B8FC-AC1667EBCBE1}">
               <a14:hiddenEffects xmlns:a14="http://schemas.microsoft.com/office/drawing/2010/main">
                 <a:effectLst>
                   <a:outerShdw blurRad="63500" dist="38099" dir="2700000" algn="ctr" rotWithShape="0">
@@ -30835,7 +30862,7 @@
               </a14:hiddenEffects>
             </a:ext>
             <a:ext uri="{FAA26D3D-D897-4be2-8F04-BA451C77F1D7}">
-              <ma14:placeholderFlag xmlns:ma14="http://schemas.microsoft.com/office/mac/drawingml/2011/main" xmlns="" val="1"/>
+              <ma14:placeholderFlag xmlns:ma14="http://schemas.microsoft.com/office/mac/drawingml/2011/main" val="1"/>
             </a:ext>
           </a:extLst>
         </p:spPr>
@@ -31098,7 +31125,7 @@
   <p:timing>
     <p:tnLst>
       <p:par>
-        <p:cTn id="1" dur="indefinite" restart="never" nodeType="tmRoot"/>
+        <p:cTn xmlns:p14="http://schemas.microsoft.com/office/powerpoint/2010/main" id="1" dur="indefinite" restart="never" nodeType="tmRoot"/>
       </p:par>
     </p:tnLst>
   </p:timing>
@@ -31147,9 +31174,10 @@
               <a:t>Question </a:t>
             </a:r>
             <a:r>
-              <a:rPr lang="en-US" dirty="0"/>
-              <a:t>7</a:t>
-            </a:r>
+              <a:rPr lang="en-US" dirty="0" smtClean="0"/>
+              <a:t>8</a:t>
+            </a:r>
+            <a:endParaRPr lang="en-US" dirty="0"/>
           </a:p>
         </p:txBody>
       </p:sp>
@@ -31446,14 +31474,14 @@
           </a:ln>
           <a:effectLst/>
           <a:extLst>
-            <a:ext uri="{909E8E84-426E-40DD-AFC4-6F175D3DCCD1}">
+            <a:ext uri="{909E8E84-426E-40dd-AFC4-6F175D3DCCD1}">
               <a14:hiddenFill xmlns:a14="http://schemas.microsoft.com/office/drawing/2010/main">
                 <a:solidFill>
                   <a:srgbClr val="FFFFFF"/>
                 </a:solidFill>
               </a14:hiddenFill>
             </a:ext>
-            <a:ext uri="{91240B29-F687-4F45-9708-019B960494DF}">
+            <a:ext uri="{91240B29-F687-4f45-9708-019B960494DF}">
               <a14:hiddenLine xmlns:a14="http://schemas.microsoft.com/office/drawing/2010/main" w="9525" cap="flat">
                 <a:solidFill>
                   <a:srgbClr val="808080"/>
@@ -31463,7 +31491,7 @@
                 <a:tailEnd/>
               </a14:hiddenLine>
             </a:ext>
-            <a:ext uri="{AF507438-7753-43E0-B8FC-AC1667EBCBE1}">
+            <a:ext uri="{AF507438-7753-43e0-B8FC-AC1667EBCBE1}">
               <a14:hiddenEffects xmlns:a14="http://schemas.microsoft.com/office/drawing/2010/main">
                 <a:effectLst>
                   <a:outerShdw blurRad="63500" dist="38099" dir="2700000" algn="ctr" rotWithShape="0">
@@ -31475,7 +31503,7 @@
               </a14:hiddenEffects>
             </a:ext>
             <a:ext uri="{FAA26D3D-D897-4be2-8F04-BA451C77F1D7}">
-              <ma14:placeholderFlag xmlns:ma14="http://schemas.microsoft.com/office/mac/drawingml/2011/main" xmlns="" val="1"/>
+              <ma14:placeholderFlag xmlns:ma14="http://schemas.microsoft.com/office/mac/drawingml/2011/main" val="1"/>
             </a:ext>
           </a:extLst>
         </p:spPr>
@@ -31738,7 +31766,7 @@
   <p:timing>
     <p:tnLst>
       <p:par>
-        <p:cTn id="1" dur="indefinite" restart="never" nodeType="tmRoot"/>
+        <p:cTn xmlns:p14="http://schemas.microsoft.com/office/powerpoint/2010/main" id="1" dur="indefinite" restart="never" nodeType="tmRoot"/>
       </p:par>
     </p:tnLst>
   </p:timing>
@@ -31950,14 +31978,14 @@
           </a:ln>
           <a:effectLst/>
           <a:extLst>
-            <a:ext uri="{909E8E84-426E-40DD-AFC4-6F175D3DCCD1}">
+            <a:ext uri="{909E8E84-426E-40dd-AFC4-6F175D3DCCD1}">
               <a14:hiddenFill xmlns:a14="http://schemas.microsoft.com/office/drawing/2010/main">
                 <a:solidFill>
                   <a:srgbClr val="FFFFFF"/>
                 </a:solidFill>
               </a14:hiddenFill>
             </a:ext>
-            <a:ext uri="{91240B29-F687-4F45-9708-019B960494DF}">
+            <a:ext uri="{91240B29-F687-4f45-9708-019B960494DF}">
               <a14:hiddenLine xmlns:a14="http://schemas.microsoft.com/office/drawing/2010/main" w="9525" cap="flat">
                 <a:solidFill>
                   <a:srgbClr val="808080"/>
@@ -31967,7 +31995,7 @@
                 <a:tailEnd/>
               </a14:hiddenLine>
             </a:ext>
-            <a:ext uri="{AF507438-7753-43E0-B8FC-AC1667EBCBE1}">
+            <a:ext uri="{AF507438-7753-43e0-B8FC-AC1667EBCBE1}">
               <a14:hiddenEffects xmlns:a14="http://schemas.microsoft.com/office/drawing/2010/main">
                 <a:effectLst>
                   <a:outerShdw blurRad="63500" dist="38099" dir="2700000" algn="ctr" rotWithShape="0">
@@ -31979,7 +32007,7 @@
               </a14:hiddenEffects>
             </a:ext>
             <a:ext uri="{FAA26D3D-D897-4be2-8F04-BA451C77F1D7}">
-              <ma14:placeholderFlag xmlns:ma14="http://schemas.microsoft.com/office/mac/drawingml/2011/main" xmlns="" val="1"/>
+              <ma14:placeholderFlag xmlns:ma14="http://schemas.microsoft.com/office/mac/drawingml/2011/main" val="1"/>
             </a:ext>
           </a:extLst>
         </p:spPr>
@@ -32242,7 +32270,7 @@
   <p:timing>
     <p:tnLst>
       <p:par>
-        <p:cTn id="1" dur="indefinite" restart="never" nodeType="tmRoot"/>
+        <p:cTn xmlns:p14="http://schemas.microsoft.com/office/powerpoint/2010/main" id="1" dur="indefinite" restart="never" nodeType="tmRoot"/>
       </p:par>
     </p:tnLst>
   </p:timing>
@@ -32421,7 +32449,7 @@
   <p:timing>
     <p:tnLst>
       <p:par>
-        <p:cTn id="1" dur="indefinite" restart="never" nodeType="tmRoot"/>
+        <p:cTn xmlns:p14="http://schemas.microsoft.com/office/powerpoint/2010/main" id="1" dur="indefinite" restart="never" nodeType="tmRoot"/>
       </p:par>
     </p:tnLst>
   </p:timing>
@@ -32595,7 +32623,6 @@
                         <a:rPr lang="en-US" sz="1500" dirty="0" smtClean="0"/>
                         <a:t>III. Lab #1</a:t>
                       </a:r>
-                      <a:endParaRPr lang="en-US" sz="1500" dirty="0" smtClean="0"/>
                     </a:p>
                   </a:txBody>
                   <a:tcPr/>
@@ -32684,7 +32711,6 @@
                         <a:rPr lang="en-US" sz="1500" dirty="0" smtClean="0"/>
                         <a:t>Lab #2</a:t>
                       </a:r>
-                      <a:endParaRPr lang="en-US" sz="1500" dirty="0" smtClean="0"/>
                     </a:p>
                   </a:txBody>
                   <a:tcPr/>
@@ -32715,11 +32741,7 @@
                       </a:pPr>
                       <a:r>
                         <a:rPr lang="en-US" sz="1500" dirty="0" smtClean="0"/>
-                        <a:t>...then Off </a:t>
-                      </a:r>
-                      <a:r>
-                        <a:rPr lang="en-US" sz="1500" dirty="0" smtClean="0"/>
-                        <a:t>to </a:t>
+                        <a:t>...then Off to </a:t>
                       </a:r>
                       <a:r>
                         <a:rPr lang="en-US" sz="1500" dirty="0" err="1" smtClean="0"/>
@@ -32727,13 +32749,8 @@
                       </a:r>
                       <a:r>
                         <a:rPr lang="en-US" sz="1500" dirty="0" smtClean="0"/>
-                        <a:t> @ Chase </a:t>
+                        <a:t> @ Chase Center!</a:t>
                       </a:r>
-                      <a:r>
-                        <a:rPr lang="en-US" sz="1500" dirty="0" smtClean="0"/>
-                        <a:t>Center!</a:t>
-                      </a:r>
-                      <a:endParaRPr lang="en-US" sz="1500" dirty="0" smtClean="0"/>
                     </a:p>
                   </a:txBody>
                   <a:tcPr/>
@@ -32756,7 +32773,7 @@
   <p:timing>
     <p:tnLst>
       <p:par>
-        <p:cTn id="1" dur="indefinite" restart="never" nodeType="tmRoot"/>
+        <p:cTn xmlns:p14="http://schemas.microsoft.com/office/powerpoint/2010/main" id="1" dur="indefinite" restart="never" nodeType="tmRoot"/>
       </p:par>
     </p:tnLst>
   </p:timing>
@@ -32897,7 +32914,7 @@
   <p:timing>
     <p:tnLst>
       <p:par>
-        <p:cTn id="1" dur="indefinite" restart="never" nodeType="tmRoot"/>
+        <p:cTn xmlns:p14="http://schemas.microsoft.com/office/powerpoint/2010/main" id="1" dur="indefinite" restart="never" nodeType="tmRoot"/>
       </p:par>
     </p:tnLst>
   </p:timing>
@@ -33054,7 +33071,7 @@
   <p:timing>
     <p:tnLst>
       <p:par>
-        <p:cTn id="1" dur="indefinite" restart="never" nodeType="tmRoot"/>
+        <p:cTn xmlns:p14="http://schemas.microsoft.com/office/powerpoint/2010/main" id="1" dur="indefinite" restart="never" nodeType="tmRoot"/>
       </p:par>
     </p:tnLst>
   </p:timing>
@@ -33306,7 +33323,7 @@
         </a:ln>
         <a:effectLst/>
         <a:extLst>
-          <a:ext uri="{AF507438-7753-43E0-B8FC-AC1667EBCBE1}">
+          <a:ext uri="{AF507438-7753-43e0-B8FC-AC1667EBCBE1}">
             <a14:hiddenEffects xmlns:a14="http://schemas.microsoft.com/office/drawing/2010/main">
               <a:effectLst>
                 <a:outerShdw blurRad="63500" dist="38099" dir="2700000" algn="ctr" rotWithShape="0">
@@ -33385,7 +33402,7 @@
         </a:ln>
         <a:effectLst/>
         <a:extLst>
-          <a:ext uri="{AF507438-7753-43E0-B8FC-AC1667EBCBE1}">
+          <a:ext uri="{AF507438-7753-43e0-B8FC-AC1667EBCBE1}">
             <a14:hiddenEffects xmlns:a14="http://schemas.microsoft.com/office/drawing/2010/main">
               <a:effectLst>
                 <a:outerShdw blurRad="63500" dist="38099" dir="2700000" algn="ctr" rotWithShape="0">

--- a/2019-OracleCodeOne-HOL.pptx
+++ b/2019-OracleCodeOne-HOL.pptx
@@ -433,7 +433,7 @@
               <a:pPr>
                 <a:defRPr/>
               </a:pPr>
-              <a:t>9/8/19</a:t>
+              <a:t>9/8/2019</a:t>
             </a:fld>
             <a:endParaRPr lang="en-US"/>
           </a:p>
@@ -577,7 +577,7 @@
           </a:ln>
           <a:effectLst/>
           <a:extLst>
-            <a:ext uri="{91240B29-F687-4f45-9708-019B960494DF}">
+            <a:ext uri="{91240B29-F687-4F45-9708-019B960494DF}">
               <a14:hiddenLine xmlns:a14="http://schemas.microsoft.com/office/drawing/2010/main" w="9525" cap="flat">
                 <a:solidFill>
                   <a:srgbClr val="808080"/>
@@ -587,7 +587,7 @@
                 <a:tailEnd/>
               </a14:hiddenLine>
             </a:ext>
-            <a:ext uri="{AF507438-7753-43e0-B8FC-AC1667EBCBE1}">
+            <a:ext uri="{AF507438-7753-43E0-B8FC-AC1667EBCBE1}">
               <a14:hiddenEffects xmlns:a14="http://schemas.microsoft.com/office/drawing/2010/main">
                 <a:effectLst>
                   <a:outerShdw blurRad="63500" dist="38099" dir="2700000" algn="ctr" rotWithShape="0">
@@ -637,7 +637,7 @@
           </a:ln>
           <a:effectLst/>
           <a:extLst>
-            <a:ext uri="{91240B29-F687-4f45-9708-019B960494DF}">
+            <a:ext uri="{91240B29-F687-4F45-9708-019B960494DF}">
               <a14:hiddenLine xmlns:a14="http://schemas.microsoft.com/office/drawing/2010/main" w="9525" cap="flat">
                 <a:solidFill>
                   <a:srgbClr val="808080"/>
@@ -647,7 +647,7 @@
                 <a:tailEnd/>
               </a14:hiddenLine>
             </a:ext>
-            <a:ext uri="{AF507438-7753-43e0-B8FC-AC1667EBCBE1}">
+            <a:ext uri="{AF507438-7753-43E0-B8FC-AC1667EBCBE1}">
               <a14:hiddenEffects xmlns:a14="http://schemas.microsoft.com/office/drawing/2010/main">
                 <a:effectLst>
                   <a:outerShdw blurRad="63500" dist="38099" dir="2700000" algn="ctr" rotWithShape="0">
@@ -697,7 +697,7 @@
           </a:ln>
           <a:effectLst/>
           <a:extLst>
-            <a:ext uri="{91240B29-F687-4f45-9708-019B960494DF}">
+            <a:ext uri="{91240B29-F687-4F45-9708-019B960494DF}">
               <a14:hiddenLine xmlns:a14="http://schemas.microsoft.com/office/drawing/2010/main" w="9525" cap="flat">
                 <a:solidFill>
                   <a:srgbClr val="808080"/>
@@ -707,7 +707,7 @@
                 <a:tailEnd/>
               </a14:hiddenLine>
             </a:ext>
-            <a:ext uri="{AF507438-7753-43e0-B8FC-AC1667EBCBE1}">
+            <a:ext uri="{AF507438-7753-43E0-B8FC-AC1667EBCBE1}">
               <a14:hiddenEffects xmlns:a14="http://schemas.microsoft.com/office/drawing/2010/main">
                 <a:effectLst>
                   <a:outerShdw blurRad="63500" dist="38099" dir="2700000" algn="ctr" rotWithShape="0">
@@ -757,7 +757,7 @@
           </a:ln>
           <a:effectLst/>
           <a:extLst>
-            <a:ext uri="{91240B29-F687-4f45-9708-019B960494DF}">
+            <a:ext uri="{91240B29-F687-4F45-9708-019B960494DF}">
               <a14:hiddenLine xmlns:a14="http://schemas.microsoft.com/office/drawing/2010/main" w="9525" cap="flat">
                 <a:solidFill>
                   <a:srgbClr val="808080"/>
@@ -767,7 +767,7 @@
                 <a:tailEnd/>
               </a14:hiddenLine>
             </a:ext>
-            <a:ext uri="{AF507438-7753-43e0-B8FC-AC1667EBCBE1}">
+            <a:ext uri="{AF507438-7753-43E0-B8FC-AC1667EBCBE1}">
               <a14:hiddenEffects xmlns:a14="http://schemas.microsoft.com/office/drawing/2010/main">
                 <a:effectLst>
                   <a:outerShdw blurRad="63500" dist="38099" dir="2700000" algn="ctr" rotWithShape="0">
@@ -815,14 +815,14 @@
           </a:ln>
           <a:effectLst/>
           <a:extLst>
-            <a:ext uri="{909E8E84-426E-40dd-AFC4-6F175D3DCCD1}">
+            <a:ext uri="{909E8E84-426E-40DD-AFC4-6F175D3DCCD1}">
               <a14:hiddenFill xmlns:a14="http://schemas.microsoft.com/office/drawing/2010/main">
                 <a:solidFill>
                   <a:srgbClr val="FFFFFF"/>
                 </a:solidFill>
               </a14:hiddenFill>
             </a:ext>
-            <a:ext uri="{91240B29-F687-4f45-9708-019B960494DF}">
+            <a:ext uri="{91240B29-F687-4F45-9708-019B960494DF}">
               <a14:hiddenLine xmlns:a14="http://schemas.microsoft.com/office/drawing/2010/main" w="9525" cap="flat">
                 <a:solidFill>
                   <a:srgbClr val="808080"/>
@@ -832,7 +832,7 @@
                 <a:tailEnd/>
               </a14:hiddenLine>
             </a:ext>
-            <a:ext uri="{AF507438-7753-43e0-B8FC-AC1667EBCBE1}">
+            <a:ext uri="{AF507438-7753-43E0-B8FC-AC1667EBCBE1}">
               <a14:hiddenEffects xmlns:a14="http://schemas.microsoft.com/office/drawing/2010/main">
                 <a:effectLst>
                   <a:outerShdw blurRad="63500" dist="38099" dir="2700000" algn="ctr" rotWithShape="0">
@@ -844,7 +844,7 @@
               </a14:hiddenEffects>
             </a:ext>
             <a:ext uri="{FAA26D3D-D897-4be2-8F04-BA451C77F1D7}">
-              <ma14:placeholderFlag xmlns:ma14="http://schemas.microsoft.com/office/mac/drawingml/2011/main" val="1"/>
+              <ma14:placeholderFlag xmlns:ma14="http://schemas.microsoft.com/office/mac/drawingml/2011/main" xmlns="" val="1"/>
             </a:ext>
           </a:extLst>
         </p:spPr>
@@ -873,14 +873,14 @@
           </a:ln>
           <a:effectLst/>
           <a:extLst>
-            <a:ext uri="{909E8E84-426E-40dd-AFC4-6F175D3DCCD1}">
+            <a:ext uri="{909E8E84-426E-40DD-AFC4-6F175D3DCCD1}">
               <a14:hiddenFill xmlns:a14="http://schemas.microsoft.com/office/drawing/2010/main">
                 <a:solidFill>
                   <a:srgbClr val="FFFFFF"/>
                 </a:solidFill>
               </a14:hiddenFill>
             </a:ext>
-            <a:ext uri="{91240B29-F687-4f45-9708-019B960494DF}">
+            <a:ext uri="{91240B29-F687-4F45-9708-019B960494DF}">
               <a14:hiddenLine xmlns:a14="http://schemas.microsoft.com/office/drawing/2010/main" w="9525" cap="flat">
                 <a:solidFill>
                   <a:srgbClr val="808080"/>
@@ -890,7 +890,7 @@
                 <a:tailEnd/>
               </a14:hiddenLine>
             </a:ext>
-            <a:ext uri="{AF507438-7753-43e0-B8FC-AC1667EBCBE1}">
+            <a:ext uri="{AF507438-7753-43E0-B8FC-AC1667EBCBE1}">
               <a14:hiddenEffects xmlns:a14="http://schemas.microsoft.com/office/drawing/2010/main">
                 <a:effectLst>
                   <a:outerShdw blurRad="63500" dist="38099" dir="2700000" algn="ctr" rotWithShape="0">
@@ -902,7 +902,7 @@
               </a14:hiddenEffects>
             </a:ext>
             <a:ext uri="{FAA26D3D-D897-4be2-8F04-BA451C77F1D7}">
-              <ma14:placeholderFlag xmlns:ma14="http://schemas.microsoft.com/office/mac/drawingml/2011/main" val="1"/>
+              <ma14:placeholderFlag xmlns:ma14="http://schemas.microsoft.com/office/mac/drawingml/2011/main" xmlns="" val="1"/>
             </a:ext>
           </a:extLst>
         </p:spPr>
@@ -941,14 +941,14 @@
           </a:ln>
           <a:effectLst/>
           <a:extLst>
-            <a:ext uri="{909E8E84-426E-40dd-AFC4-6F175D3DCCD1}">
+            <a:ext uri="{909E8E84-426E-40DD-AFC4-6F175D3DCCD1}">
               <a14:hiddenFill xmlns:a14="http://schemas.microsoft.com/office/drawing/2010/main">
                 <a:solidFill>
                   <a:srgbClr val="FFFFFF"/>
                 </a:solidFill>
               </a14:hiddenFill>
             </a:ext>
-            <a:ext uri="{91240B29-F687-4f45-9708-019B960494DF}">
+            <a:ext uri="{91240B29-F687-4F45-9708-019B960494DF}">
               <a14:hiddenLine xmlns:a14="http://schemas.microsoft.com/office/drawing/2010/main" w="9525" cap="flat">
                 <a:solidFill>
                   <a:srgbClr val="808080"/>
@@ -958,7 +958,7 @@
                 <a:tailEnd/>
               </a14:hiddenLine>
             </a:ext>
-            <a:ext uri="{AF507438-7753-43e0-B8FC-AC1667EBCBE1}">
+            <a:ext uri="{AF507438-7753-43E0-B8FC-AC1667EBCBE1}">
               <a14:hiddenEffects xmlns:a14="http://schemas.microsoft.com/office/drawing/2010/main">
                 <a:effectLst>
                   <a:outerShdw blurRad="63500" dist="38099" dir="2700000" algn="ctr" rotWithShape="0">
@@ -1004,14 +1004,14 @@
           </a:ln>
           <a:effectLst/>
           <a:extLst>
-            <a:ext uri="{909E8E84-426E-40dd-AFC4-6F175D3DCCD1}">
+            <a:ext uri="{909E8E84-426E-40DD-AFC4-6F175D3DCCD1}">
               <a14:hiddenFill xmlns:a14="http://schemas.microsoft.com/office/drawing/2010/main">
                 <a:solidFill>
                   <a:srgbClr val="FFFFFF"/>
                 </a:solidFill>
               </a14:hiddenFill>
             </a:ext>
-            <a:ext uri="{91240B29-F687-4f45-9708-019B960494DF}">
+            <a:ext uri="{91240B29-F687-4F45-9708-019B960494DF}">
               <a14:hiddenLine xmlns:a14="http://schemas.microsoft.com/office/drawing/2010/main" w="9525" cap="flat">
                 <a:solidFill>
                   <a:srgbClr val="808080"/>
@@ -1021,7 +1021,7 @@
                 <a:tailEnd/>
               </a14:hiddenLine>
             </a:ext>
-            <a:ext uri="{AF507438-7753-43e0-B8FC-AC1667EBCBE1}">
+            <a:ext uri="{AF507438-7753-43E0-B8FC-AC1667EBCBE1}">
               <a14:hiddenEffects xmlns:a14="http://schemas.microsoft.com/office/drawing/2010/main">
                 <a:effectLst>
                   <a:outerShdw blurRad="63500" dist="38099" dir="2700000" algn="ctr" rotWithShape="0">
@@ -1067,14 +1067,14 @@
           </a:ln>
           <a:effectLst/>
           <a:extLst>
-            <a:ext uri="{909E8E84-426E-40dd-AFC4-6F175D3DCCD1}">
+            <a:ext uri="{909E8E84-426E-40DD-AFC4-6F175D3DCCD1}">
               <a14:hiddenFill xmlns:a14="http://schemas.microsoft.com/office/drawing/2010/main">
                 <a:solidFill>
                   <a:srgbClr val="FFFFFF"/>
                 </a:solidFill>
               </a14:hiddenFill>
             </a:ext>
-            <a:ext uri="{91240B29-F687-4f45-9708-019B960494DF}">
+            <a:ext uri="{91240B29-F687-4F45-9708-019B960494DF}">
               <a14:hiddenLine xmlns:a14="http://schemas.microsoft.com/office/drawing/2010/main" w="9525" cap="flat">
                 <a:solidFill>
                   <a:srgbClr val="808080"/>
@@ -1084,7 +1084,7 @@
                 <a:tailEnd/>
               </a14:hiddenLine>
             </a:ext>
-            <a:ext uri="{AF507438-7753-43e0-B8FC-AC1667EBCBE1}">
+            <a:ext uri="{AF507438-7753-43E0-B8FC-AC1667EBCBE1}">
               <a14:hiddenEffects xmlns:a14="http://schemas.microsoft.com/office/drawing/2010/main">
                 <a:effectLst>
                   <a:outerShdw blurRad="63500" dist="38099" dir="2700000" algn="ctr" rotWithShape="0">
@@ -1132,14 +1132,14 @@
           </a:ln>
           <a:effectLst/>
           <a:extLst>
-            <a:ext uri="{909E8E84-426E-40dd-AFC4-6F175D3DCCD1}">
+            <a:ext uri="{909E8E84-426E-40DD-AFC4-6F175D3DCCD1}">
               <a14:hiddenFill xmlns:a14="http://schemas.microsoft.com/office/drawing/2010/main">
                 <a:solidFill>
                   <a:srgbClr val="FFFFFF"/>
                 </a:solidFill>
               </a14:hiddenFill>
             </a:ext>
-            <a:ext uri="{91240B29-F687-4f45-9708-019B960494DF}">
+            <a:ext uri="{91240B29-F687-4F45-9708-019B960494DF}">
               <a14:hiddenLine xmlns:a14="http://schemas.microsoft.com/office/drawing/2010/main" w="9525" cap="flat">
                 <a:solidFill>
                   <a:srgbClr val="808080"/>
@@ -1149,7 +1149,7 @@
                 <a:tailEnd/>
               </a14:hiddenLine>
             </a:ext>
-            <a:ext uri="{AF507438-7753-43e0-B8FC-AC1667EBCBE1}">
+            <a:ext uri="{AF507438-7753-43E0-B8FC-AC1667EBCBE1}">
               <a14:hiddenEffects xmlns:a14="http://schemas.microsoft.com/office/drawing/2010/main">
                 <a:effectLst>
                   <a:outerShdw blurRad="63500" dist="38099" dir="2700000" algn="ctr" rotWithShape="0">
@@ -1161,7 +1161,7 @@
               </a14:hiddenEffects>
             </a:ext>
             <a:ext uri="{FAA26D3D-D897-4be2-8F04-BA451C77F1D7}">
-              <ma14:placeholderFlag xmlns:ma14="http://schemas.microsoft.com/office/mac/drawingml/2011/main" val="1"/>
+              <ma14:placeholderFlag xmlns:ma14="http://schemas.microsoft.com/office/mac/drawingml/2011/main" xmlns="" val="1"/>
             </a:ext>
           </a:extLst>
         </p:spPr>
@@ -7977,14 +7977,14 @@
           </a:ln>
           <a:effectLst/>
           <a:extLst>
-            <a:ext uri="{909E8E84-426E-40dd-AFC4-6F175D3DCCD1}">
+            <a:ext uri="{909E8E84-426E-40DD-AFC4-6F175D3DCCD1}">
               <a14:hiddenFill xmlns:a14="http://schemas.microsoft.com/office/drawing/2010/main">
                 <a:solidFill>
                   <a:srgbClr val="FFFFFF"/>
                 </a:solidFill>
               </a14:hiddenFill>
             </a:ext>
-            <a:ext uri="{91240B29-F687-4f45-9708-019B960494DF}">
+            <a:ext uri="{91240B29-F687-4F45-9708-019B960494DF}">
               <a14:hiddenLine xmlns:a14="http://schemas.microsoft.com/office/drawing/2010/main" w="9525" cap="flat">
                 <a:solidFill>
                   <a:srgbClr val="808080"/>
@@ -7994,7 +7994,7 @@
                 <a:tailEnd/>
               </a14:hiddenLine>
             </a:ext>
-            <a:ext uri="{AF507438-7753-43e0-B8FC-AC1667EBCBE1}">
+            <a:ext uri="{AF507438-7753-43E0-B8FC-AC1667EBCBE1}">
               <a14:hiddenEffects xmlns:a14="http://schemas.microsoft.com/office/drawing/2010/main">
                 <a:effectLst>
                   <a:outerShdw blurRad="63500" dist="38099" dir="2700000" algn="ctr" rotWithShape="0">
@@ -8006,7 +8006,7 @@
               </a14:hiddenEffects>
             </a:ext>
             <a:ext uri="{FAA26D3D-D897-4be2-8F04-BA451C77F1D7}">
-              <ma14:placeholderFlag xmlns:ma14="http://schemas.microsoft.com/office/mac/drawingml/2011/main" val="1"/>
+              <ma14:placeholderFlag xmlns:ma14="http://schemas.microsoft.com/office/mac/drawingml/2011/main" xmlns="" val="1"/>
             </a:ext>
           </a:extLst>
         </p:spPr>
@@ -8050,14 +8050,14 @@
           </a:ln>
           <a:effectLst/>
           <a:extLst>
-            <a:ext uri="{909E8E84-426E-40dd-AFC4-6F175D3DCCD1}">
+            <a:ext uri="{909E8E84-426E-40DD-AFC4-6F175D3DCCD1}">
               <a14:hiddenFill xmlns:a14="http://schemas.microsoft.com/office/drawing/2010/main">
                 <a:solidFill>
                   <a:srgbClr val="FFFFFF"/>
                 </a:solidFill>
               </a14:hiddenFill>
             </a:ext>
-            <a:ext uri="{91240B29-F687-4f45-9708-019B960494DF}">
+            <a:ext uri="{91240B29-F687-4F45-9708-019B960494DF}">
               <a14:hiddenLine xmlns:a14="http://schemas.microsoft.com/office/drawing/2010/main" w="9525" cap="flat">
                 <a:solidFill>
                   <a:srgbClr val="808080"/>
@@ -8067,7 +8067,7 @@
                 <a:tailEnd/>
               </a14:hiddenLine>
             </a:ext>
-            <a:ext uri="{AF507438-7753-43e0-B8FC-AC1667EBCBE1}">
+            <a:ext uri="{AF507438-7753-43E0-B8FC-AC1667EBCBE1}">
               <a14:hiddenEffects xmlns:a14="http://schemas.microsoft.com/office/drawing/2010/main">
                 <a:effectLst>
                   <a:outerShdw blurRad="63500" dist="38099" dir="2700000" algn="ctr" rotWithShape="0">
@@ -8079,7 +8079,7 @@
               </a14:hiddenEffects>
             </a:ext>
             <a:ext uri="{FAA26D3D-D897-4be2-8F04-BA451C77F1D7}">
-              <ma14:placeholderFlag xmlns:ma14="http://schemas.microsoft.com/office/mac/drawingml/2011/main" val="1"/>
+              <ma14:placeholderFlag xmlns:ma14="http://schemas.microsoft.com/office/mac/drawingml/2011/main" xmlns="" val="1"/>
             </a:ext>
           </a:extLst>
         </p:spPr>
@@ -8177,14 +8177,14 @@
           </a:ln>
           <a:effectLst/>
           <a:extLst>
-            <a:ext uri="{909E8E84-426E-40dd-AFC4-6F175D3DCCD1}">
+            <a:ext uri="{909E8E84-426E-40DD-AFC4-6F175D3DCCD1}">
               <a14:hiddenFill xmlns:a14="http://schemas.microsoft.com/office/drawing/2010/main">
                 <a:solidFill>
                   <a:srgbClr val="FFFFFF"/>
                 </a:solidFill>
               </a14:hiddenFill>
             </a:ext>
-            <a:ext uri="{91240B29-F687-4f45-9708-019B960494DF}">
+            <a:ext uri="{91240B29-F687-4F45-9708-019B960494DF}">
               <a14:hiddenLine xmlns:a14="http://schemas.microsoft.com/office/drawing/2010/main" w="9525" cap="flat">
                 <a:solidFill>
                   <a:srgbClr val="808080"/>
@@ -8194,7 +8194,7 @@
                 <a:tailEnd/>
               </a14:hiddenLine>
             </a:ext>
-            <a:ext uri="{AF507438-7753-43e0-B8FC-AC1667EBCBE1}">
+            <a:ext uri="{AF507438-7753-43E0-B8FC-AC1667EBCBE1}">
               <a14:hiddenEffects xmlns:a14="http://schemas.microsoft.com/office/drawing/2010/main">
                 <a:effectLst>
                   <a:outerShdw blurRad="63500" dist="38099" dir="2700000" algn="ctr" rotWithShape="0">
@@ -8240,14 +8240,14 @@
           </a:ln>
           <a:effectLst/>
           <a:extLst>
-            <a:ext uri="{909E8E84-426E-40dd-AFC4-6F175D3DCCD1}">
+            <a:ext uri="{909E8E84-426E-40DD-AFC4-6F175D3DCCD1}">
               <a14:hiddenFill xmlns:a14="http://schemas.microsoft.com/office/drawing/2010/main">
                 <a:solidFill>
                   <a:srgbClr val="FFFFFF"/>
                 </a:solidFill>
               </a14:hiddenFill>
             </a:ext>
-            <a:ext uri="{91240B29-F687-4f45-9708-019B960494DF}">
+            <a:ext uri="{91240B29-F687-4F45-9708-019B960494DF}">
               <a14:hiddenLine xmlns:a14="http://schemas.microsoft.com/office/drawing/2010/main" w="9525" cap="flat">
                 <a:solidFill>
                   <a:srgbClr val="808080"/>
@@ -8257,7 +8257,7 @@
                 <a:tailEnd/>
               </a14:hiddenLine>
             </a:ext>
-            <a:ext uri="{AF507438-7753-43e0-B8FC-AC1667EBCBE1}">
+            <a:ext uri="{AF507438-7753-43E0-B8FC-AC1667EBCBE1}">
               <a14:hiddenEffects xmlns:a14="http://schemas.microsoft.com/office/drawing/2010/main">
                 <a:effectLst>
                   <a:outerShdw blurRad="63500" dist="38099" dir="2700000" algn="ctr" rotWithShape="0">
@@ -8305,14 +8305,14 @@
           </a:ln>
           <a:effectLst/>
           <a:extLst>
-            <a:ext uri="{909E8E84-426E-40dd-AFC4-6F175D3DCCD1}">
+            <a:ext uri="{909E8E84-426E-40DD-AFC4-6F175D3DCCD1}">
               <a14:hiddenFill xmlns:a14="http://schemas.microsoft.com/office/drawing/2010/main">
                 <a:solidFill>
                   <a:srgbClr val="FFFFFF"/>
                 </a:solidFill>
               </a14:hiddenFill>
             </a:ext>
-            <a:ext uri="{91240B29-F687-4f45-9708-019B960494DF}">
+            <a:ext uri="{91240B29-F687-4F45-9708-019B960494DF}">
               <a14:hiddenLine xmlns:a14="http://schemas.microsoft.com/office/drawing/2010/main" w="9525" cap="flat">
                 <a:solidFill>
                   <a:srgbClr val="808080"/>
@@ -8322,7 +8322,7 @@
                 <a:tailEnd/>
               </a14:hiddenLine>
             </a:ext>
-            <a:ext uri="{AF507438-7753-43e0-B8FC-AC1667EBCBE1}">
+            <a:ext uri="{AF507438-7753-43E0-B8FC-AC1667EBCBE1}">
               <a14:hiddenEffects xmlns:a14="http://schemas.microsoft.com/office/drawing/2010/main">
                 <a:effectLst>
                   <a:outerShdw blurRad="63500" dist="38099" dir="2700000" algn="ctr" rotWithShape="0">
@@ -8334,7 +8334,7 @@
               </a14:hiddenEffects>
             </a:ext>
             <a:ext uri="{FAA26D3D-D897-4be2-8F04-BA451C77F1D7}">
-              <ma14:placeholderFlag xmlns:ma14="http://schemas.microsoft.com/office/mac/drawingml/2011/main" val="1"/>
+              <ma14:placeholderFlag xmlns:ma14="http://schemas.microsoft.com/office/mac/drawingml/2011/main" xmlns="" val="1"/>
             </a:ext>
           </a:extLst>
         </p:spPr>
@@ -8403,7 +8403,7 @@
           <a:effectLst/>
           <a:extLst>
             <a:ext uri="{FAA26D3D-D897-4be2-8F04-BA451C77F1D7}">
-              <ma14:placeholderFlag xmlns:ma14="http://schemas.microsoft.com/office/mac/drawingml/2011/main" val="1"/>
+              <ma14:placeholderFlag xmlns:ma14="http://schemas.microsoft.com/office/mac/drawingml/2011/main" xmlns="" val="1"/>
             </a:ext>
           </a:extLst>
         </p:spPr>
@@ -9307,14 +9307,14 @@
           </a:ln>
           <a:effectLst/>
           <a:extLst>
-            <a:ext uri="{909E8E84-426E-40dd-AFC4-6F175D3DCCD1}">
+            <a:ext uri="{909E8E84-426E-40DD-AFC4-6F175D3DCCD1}">
               <a14:hiddenFill xmlns:a14="http://schemas.microsoft.com/office/drawing/2010/main">
                 <a:solidFill>
                   <a:srgbClr val="FFFFFF"/>
                 </a:solidFill>
               </a14:hiddenFill>
             </a:ext>
-            <a:ext uri="{91240B29-F687-4f45-9708-019B960494DF}">
+            <a:ext uri="{91240B29-F687-4F45-9708-019B960494DF}">
               <a14:hiddenLine xmlns:a14="http://schemas.microsoft.com/office/drawing/2010/main" w="9525" cap="flat">
                 <a:solidFill>
                   <a:srgbClr val="808080"/>
@@ -9324,7 +9324,7 @@
                 <a:tailEnd/>
               </a14:hiddenLine>
             </a:ext>
-            <a:ext uri="{AF507438-7753-43e0-B8FC-AC1667EBCBE1}">
+            <a:ext uri="{AF507438-7753-43E0-B8FC-AC1667EBCBE1}">
               <a14:hiddenEffects xmlns:a14="http://schemas.microsoft.com/office/drawing/2010/main">
                 <a:effectLst>
                   <a:outerShdw blurRad="63500" dist="38099" dir="2700000" algn="ctr" rotWithShape="0">
@@ -9336,7 +9336,7 @@
               </a14:hiddenEffects>
             </a:ext>
             <a:ext uri="{FAA26D3D-D897-4be2-8F04-BA451C77F1D7}">
-              <ma14:placeholderFlag xmlns:ma14="http://schemas.microsoft.com/office/mac/drawingml/2011/main" val="1"/>
+              <ma14:placeholderFlag xmlns:ma14="http://schemas.microsoft.com/office/mac/drawingml/2011/main" xmlns="" val="1"/>
             </a:ext>
           </a:extLst>
         </p:spPr>
@@ -9620,7 +9620,7 @@
   <p:timing>
     <p:tnLst>
       <p:par>
-        <p:cTn xmlns:p14="http://schemas.microsoft.com/office/powerpoint/2010/main" id="1" dur="indefinite" restart="never" nodeType="tmRoot"/>
+        <p:cTn id="1" dur="indefinite" restart="never" nodeType="tmRoot"/>
       </p:par>
     </p:tnLst>
   </p:timing>
@@ -9727,7 +9727,7 @@
           </a:prstGeom>
           <a:noFill/>
           <a:extLst>
-            <a:ext uri="{909E8E84-426E-40dd-AFC4-6F175D3DCCD1}">
+            <a:ext uri="{909E8E84-426E-40DD-AFC4-6F175D3DCCD1}">
               <a14:hiddenFill xmlns:a14="http://schemas.microsoft.com/office/drawing/2010/main">
                 <a:solidFill>
                   <a:srgbClr val="FFFFFF"/>
@@ -9750,7 +9750,7 @@
   <p:timing>
     <p:tnLst>
       <p:par>
-        <p:cTn xmlns:p14="http://schemas.microsoft.com/office/powerpoint/2010/main" id="1" dur="indefinite" restart="never" nodeType="tmRoot"/>
+        <p:cTn id="1" dur="indefinite" restart="never" nodeType="tmRoot"/>
       </p:par>
     </p:tnLst>
   </p:timing>
@@ -10594,7 +10594,7 @@
         </p:nvGraphicFramePr>
         <p:xfrm>
           <a:off x="838200" y="1276350"/>
-          <a:ext cx="7504114" cy="2926079"/>
+          <a:ext cx="7504114" cy="2926080"/>
         </p:xfrm>
         <a:graphic>
           <a:graphicData uri="http://schemas.openxmlformats.org/drawingml/2006/table">
@@ -10886,7 +10886,7 @@
   <p:timing>
     <p:tnLst>
       <p:par>
-        <p:cTn xmlns:p14="http://schemas.microsoft.com/office/powerpoint/2010/main" id="1" dur="indefinite" restart="never" nodeType="tmRoot"/>
+        <p:cTn id="1" dur="indefinite" restart="never" nodeType="tmRoot"/>
       </p:par>
     </p:tnLst>
   </p:timing>
@@ -10990,7 +10990,7 @@
           </a:ln>
           <a:effectLst/>
           <a:extLst>
-            <a:ext uri="{AF507438-7753-43e0-B8FC-AC1667EBCBE1}">
+            <a:ext uri="{AF507438-7753-43E0-B8FC-AC1667EBCBE1}">
               <a14:hiddenEffects xmlns:a14="http://schemas.microsoft.com/office/drawing/2010/main">
                 <a:effectLst>
                   <a:outerShdw blurRad="63500" dist="38099" dir="2700000" algn="ctr" rotWithShape="0">
@@ -11506,7 +11506,7 @@
           </a:ln>
           <a:effectLst/>
           <a:extLst>
-            <a:ext uri="{AF507438-7753-43e0-B8FC-AC1667EBCBE1}">
+            <a:ext uri="{AF507438-7753-43E0-B8FC-AC1667EBCBE1}">
               <a14:hiddenEffects xmlns:a14="http://schemas.microsoft.com/office/drawing/2010/main">
                 <a:effectLst>
                   <a:outerShdw blurRad="63500" dist="38099" dir="2700000" algn="ctr" rotWithShape="0">
@@ -11533,7 +11533,7 @@
   <p:timing>
     <p:tnLst>
       <p:par>
-        <p:cTn xmlns:p14="http://schemas.microsoft.com/office/powerpoint/2010/main" id="1" dur="indefinite" restart="never" nodeType="tmRoot"/>
+        <p:cTn id="1" dur="indefinite" restart="never" nodeType="tmRoot"/>
       </p:par>
     </p:tnLst>
   </p:timing>
@@ -11709,7 +11709,7 @@
   <p:timing>
     <p:tnLst>
       <p:par>
-        <p:cTn xmlns:p14="http://schemas.microsoft.com/office/powerpoint/2010/main" id="1" dur="indefinite" restart="never" nodeType="tmRoot"/>
+        <p:cTn id="1" dur="indefinite" restart="never" nodeType="tmRoot"/>
       </p:par>
     </p:tnLst>
   </p:timing>
@@ -12043,7 +12043,7 @@
   <p:timing>
     <p:tnLst>
       <p:par>
-        <p:cTn xmlns:p14="http://schemas.microsoft.com/office/powerpoint/2010/main" id="1" dur="indefinite" restart="never" nodeType="tmRoot"/>
+        <p:cTn id="1" dur="indefinite" restart="never" nodeType="tmRoot"/>
       </p:par>
     </p:tnLst>
   </p:timing>
@@ -12203,7 +12203,7 @@
   <p:timing>
     <p:tnLst>
       <p:par>
-        <p:cTn xmlns:p14="http://schemas.microsoft.com/office/powerpoint/2010/main" id="1" dur="indefinite" restart="never" nodeType="tmRoot"/>
+        <p:cTn id="1" dur="indefinite" restart="never" nodeType="tmRoot"/>
       </p:par>
     </p:tnLst>
   </p:timing>
@@ -12532,7 +12532,7 @@
   <p:timing>
     <p:tnLst>
       <p:par>
-        <p:cTn xmlns:p14="http://schemas.microsoft.com/office/powerpoint/2010/main" id="1" dur="indefinite" restart="never" nodeType="tmRoot"/>
+        <p:cTn id="1" dur="indefinite" restart="never" nodeType="tmRoot"/>
       </p:par>
     </p:tnLst>
   </p:timing>
@@ -12664,7 +12664,7 @@
   <p:timing>
     <p:tnLst>
       <p:par>
-        <p:cTn xmlns:p14="http://schemas.microsoft.com/office/powerpoint/2010/main" id="1" dur="indefinite" restart="never" nodeType="tmRoot"/>
+        <p:cTn id="1" dur="indefinite" restart="never" nodeType="tmRoot"/>
       </p:par>
     </p:tnLst>
   </p:timing>
@@ -12819,7 +12819,7 @@
   <p:timing>
     <p:tnLst>
       <p:par>
-        <p:cTn xmlns:p14="http://schemas.microsoft.com/office/powerpoint/2010/main" id="1" dur="indefinite" restart="never" nodeType="tmRoot"/>
+        <p:cTn id="1" dur="indefinite" restart="never" nodeType="tmRoot"/>
       </p:par>
     </p:tnLst>
   </p:timing>
@@ -13024,14 +13024,14 @@
           </a:ln>
           <a:effectLst/>
           <a:extLst>
-            <a:ext uri="{909E8E84-426E-40dd-AFC4-6F175D3DCCD1}">
+            <a:ext uri="{909E8E84-426E-40DD-AFC4-6F175D3DCCD1}">
               <a14:hiddenFill xmlns:a14="http://schemas.microsoft.com/office/drawing/2010/main">
                 <a:solidFill>
                   <a:srgbClr val="FFFFFF"/>
                 </a:solidFill>
               </a14:hiddenFill>
             </a:ext>
-            <a:ext uri="{91240B29-F687-4f45-9708-019B960494DF}">
+            <a:ext uri="{91240B29-F687-4F45-9708-019B960494DF}">
               <a14:hiddenLine xmlns:a14="http://schemas.microsoft.com/office/drawing/2010/main" w="9525" cap="flat">
                 <a:solidFill>
                   <a:srgbClr val="808080"/>
@@ -13041,7 +13041,7 @@
                 <a:tailEnd/>
               </a14:hiddenLine>
             </a:ext>
-            <a:ext uri="{AF507438-7753-43e0-B8FC-AC1667EBCBE1}">
+            <a:ext uri="{AF507438-7753-43E0-B8FC-AC1667EBCBE1}">
               <a14:hiddenEffects xmlns:a14="http://schemas.microsoft.com/office/drawing/2010/main">
                 <a:effectLst>
                   <a:outerShdw blurRad="63500" dist="38099" dir="2700000" algn="ctr" rotWithShape="0">
@@ -13053,7 +13053,7 @@
               </a14:hiddenEffects>
             </a:ext>
             <a:ext uri="{FAA26D3D-D897-4be2-8F04-BA451C77F1D7}">
-              <ma14:placeholderFlag xmlns:ma14="http://schemas.microsoft.com/office/mac/drawingml/2011/main" val="1"/>
+              <ma14:placeholderFlag xmlns:ma14="http://schemas.microsoft.com/office/mac/drawingml/2011/main" xmlns="" val="1"/>
             </a:ext>
           </a:extLst>
         </p:spPr>
@@ -13303,7 +13303,7 @@
   <p:timing>
     <p:tnLst>
       <p:par>
-        <p:cTn xmlns:p14="http://schemas.microsoft.com/office/powerpoint/2010/main" id="1" dur="indefinite" restart="never" nodeType="tmRoot"/>
+        <p:cTn id="1" dur="indefinite" restart="never" nodeType="tmRoot"/>
       </p:par>
     </p:tnLst>
   </p:timing>
@@ -13505,14 +13505,14 @@
           </a:ln>
           <a:effectLst/>
           <a:extLst>
-            <a:ext uri="{909E8E84-426E-40dd-AFC4-6F175D3DCCD1}">
+            <a:ext uri="{909E8E84-426E-40DD-AFC4-6F175D3DCCD1}">
               <a14:hiddenFill xmlns:a14="http://schemas.microsoft.com/office/drawing/2010/main">
                 <a:solidFill>
                   <a:srgbClr val="FFFFFF"/>
                 </a:solidFill>
               </a14:hiddenFill>
             </a:ext>
-            <a:ext uri="{91240B29-F687-4f45-9708-019B960494DF}">
+            <a:ext uri="{91240B29-F687-4F45-9708-019B960494DF}">
               <a14:hiddenLine xmlns:a14="http://schemas.microsoft.com/office/drawing/2010/main" w="9525" cap="flat">
                 <a:solidFill>
                   <a:srgbClr val="808080"/>
@@ -13522,7 +13522,7 @@
                 <a:tailEnd/>
               </a14:hiddenLine>
             </a:ext>
-            <a:ext uri="{AF507438-7753-43e0-B8FC-AC1667EBCBE1}">
+            <a:ext uri="{AF507438-7753-43E0-B8FC-AC1667EBCBE1}">
               <a14:hiddenEffects xmlns:a14="http://schemas.microsoft.com/office/drawing/2010/main">
                 <a:effectLst>
                   <a:outerShdw blurRad="63500" dist="38099" dir="2700000" algn="ctr" rotWithShape="0">
@@ -13534,7 +13534,7 @@
               </a14:hiddenEffects>
             </a:ext>
             <a:ext uri="{FAA26D3D-D897-4be2-8F04-BA451C77F1D7}">
-              <ma14:placeholderFlag xmlns:ma14="http://schemas.microsoft.com/office/mac/drawingml/2011/main" val="1"/>
+              <ma14:placeholderFlag xmlns:ma14="http://schemas.microsoft.com/office/mac/drawingml/2011/main" xmlns="" val="1"/>
             </a:ext>
           </a:extLst>
         </p:spPr>
@@ -13784,7 +13784,7 @@
   <p:timing>
     <p:tnLst>
       <p:par>
-        <p:cTn xmlns:p14="http://schemas.microsoft.com/office/powerpoint/2010/main" id="1" dur="indefinite" restart="never" nodeType="tmRoot"/>
+        <p:cTn id="1" dur="indefinite" restart="never" nodeType="tmRoot"/>
       </p:par>
     </p:tnLst>
   </p:timing>
@@ -13989,14 +13989,14 @@
           </a:ln>
           <a:effectLst/>
           <a:extLst>
-            <a:ext uri="{909E8E84-426E-40dd-AFC4-6F175D3DCCD1}">
+            <a:ext uri="{909E8E84-426E-40DD-AFC4-6F175D3DCCD1}">
               <a14:hiddenFill xmlns:a14="http://schemas.microsoft.com/office/drawing/2010/main">
                 <a:solidFill>
                   <a:srgbClr val="FFFFFF"/>
                 </a:solidFill>
               </a14:hiddenFill>
             </a:ext>
-            <a:ext uri="{91240B29-F687-4f45-9708-019B960494DF}">
+            <a:ext uri="{91240B29-F687-4F45-9708-019B960494DF}">
               <a14:hiddenLine xmlns:a14="http://schemas.microsoft.com/office/drawing/2010/main" w="9525" cap="flat">
                 <a:solidFill>
                   <a:srgbClr val="808080"/>
@@ -14006,7 +14006,7 @@
                 <a:tailEnd/>
               </a14:hiddenLine>
             </a:ext>
-            <a:ext uri="{AF507438-7753-43e0-B8FC-AC1667EBCBE1}">
+            <a:ext uri="{AF507438-7753-43E0-B8FC-AC1667EBCBE1}">
               <a14:hiddenEffects xmlns:a14="http://schemas.microsoft.com/office/drawing/2010/main">
                 <a:effectLst>
                   <a:outerShdw blurRad="63500" dist="38099" dir="2700000" algn="ctr" rotWithShape="0">
@@ -14018,7 +14018,7 @@
               </a14:hiddenEffects>
             </a:ext>
             <a:ext uri="{FAA26D3D-D897-4be2-8F04-BA451C77F1D7}">
-              <ma14:placeholderFlag xmlns:ma14="http://schemas.microsoft.com/office/mac/drawingml/2011/main" val="1"/>
+              <ma14:placeholderFlag xmlns:ma14="http://schemas.microsoft.com/office/mac/drawingml/2011/main" xmlns="" val="1"/>
             </a:ext>
           </a:extLst>
         </p:spPr>
@@ -14268,7 +14268,7 @@
   <p:timing>
     <p:tnLst>
       <p:par>
-        <p:cTn xmlns:p14="http://schemas.microsoft.com/office/powerpoint/2010/main" id="1" dur="indefinite" restart="never" nodeType="tmRoot"/>
+        <p:cTn id="1" dur="indefinite" restart="never" nodeType="tmRoot"/>
       </p:par>
     </p:tnLst>
   </p:timing>
@@ -14466,14 +14466,14 @@
           </a:ln>
           <a:effectLst/>
           <a:extLst>
-            <a:ext uri="{909E8E84-426E-40dd-AFC4-6F175D3DCCD1}">
+            <a:ext uri="{909E8E84-426E-40DD-AFC4-6F175D3DCCD1}">
               <a14:hiddenFill xmlns:a14="http://schemas.microsoft.com/office/drawing/2010/main">
                 <a:solidFill>
                   <a:srgbClr val="FFFFFF"/>
                 </a:solidFill>
               </a14:hiddenFill>
             </a:ext>
-            <a:ext uri="{91240B29-F687-4f45-9708-019B960494DF}">
+            <a:ext uri="{91240B29-F687-4F45-9708-019B960494DF}">
               <a14:hiddenLine xmlns:a14="http://schemas.microsoft.com/office/drawing/2010/main" w="9525" cap="flat">
                 <a:solidFill>
                   <a:srgbClr val="808080"/>
@@ -14483,7 +14483,7 @@
                 <a:tailEnd/>
               </a14:hiddenLine>
             </a:ext>
-            <a:ext uri="{AF507438-7753-43e0-B8FC-AC1667EBCBE1}">
+            <a:ext uri="{AF507438-7753-43E0-B8FC-AC1667EBCBE1}">
               <a14:hiddenEffects xmlns:a14="http://schemas.microsoft.com/office/drawing/2010/main">
                 <a:effectLst>
                   <a:outerShdw blurRad="63500" dist="38099" dir="2700000" algn="ctr" rotWithShape="0">
@@ -14495,7 +14495,7 @@
               </a14:hiddenEffects>
             </a:ext>
             <a:ext uri="{FAA26D3D-D897-4be2-8F04-BA451C77F1D7}">
-              <ma14:placeholderFlag xmlns:ma14="http://schemas.microsoft.com/office/mac/drawingml/2011/main" val="1"/>
+              <ma14:placeholderFlag xmlns:ma14="http://schemas.microsoft.com/office/mac/drawingml/2011/main" xmlns="" val="1"/>
             </a:ext>
           </a:extLst>
         </p:spPr>
@@ -14745,7 +14745,7 @@
   <p:timing>
     <p:tnLst>
       <p:par>
-        <p:cTn xmlns:p14="http://schemas.microsoft.com/office/powerpoint/2010/main" id="1" dur="indefinite" restart="never" nodeType="tmRoot"/>
+        <p:cTn id="1" dur="indefinite" restart="never" nodeType="tmRoot"/>
       </p:par>
     </p:tnLst>
   </p:timing>
@@ -14901,7 +14901,7 @@
   <p:timing>
     <p:tnLst>
       <p:par>
-        <p:cTn xmlns:p14="http://schemas.microsoft.com/office/powerpoint/2010/main" id="1" dur="indefinite" restart="never" nodeType="tmRoot"/>
+        <p:cTn id="1" dur="indefinite" restart="never" nodeType="tmRoot"/>
       </p:par>
     </p:tnLst>
   </p:timing>
@@ -15063,7 +15063,7 @@
   <p:timing>
     <p:tnLst>
       <p:par>
-        <p:cTn xmlns:p14="http://schemas.microsoft.com/office/powerpoint/2010/main" id="1" dur="indefinite" restart="never" nodeType="tmRoot"/>
+        <p:cTn id="1" dur="indefinite" restart="never" nodeType="tmRoot"/>
       </p:par>
     </p:tnLst>
   </p:timing>
@@ -15205,7 +15205,7 @@
   <p:timing>
     <p:tnLst>
       <p:par>
-        <p:cTn xmlns:p14="http://schemas.microsoft.com/office/powerpoint/2010/main" id="1" dur="indefinite" restart="never" nodeType="tmRoot"/>
+        <p:cTn id="1" dur="indefinite" restart="never" nodeType="tmRoot"/>
       </p:par>
     </p:tnLst>
   </p:timing>
@@ -15401,7 +15401,7 @@
   <p:timing>
     <p:tnLst>
       <p:par>
-        <p:cTn xmlns:p14="http://schemas.microsoft.com/office/powerpoint/2010/main" id="1" dur="indefinite" restart="never" nodeType="tmRoot"/>
+        <p:cTn id="1" dur="indefinite" restart="never" nodeType="tmRoot"/>
       </p:par>
     </p:tnLst>
   </p:timing>
@@ -15565,7 +15565,7 @@
   <p:timing>
     <p:tnLst>
       <p:par>
-        <p:cTn xmlns:p14="http://schemas.microsoft.com/office/powerpoint/2010/main" id="1" dur="indefinite" restart="never" nodeType="tmRoot"/>
+        <p:cTn id="1" dur="indefinite" restart="never" nodeType="tmRoot"/>
       </p:par>
     </p:tnLst>
   </p:timing>
@@ -15712,7 +15712,7 @@
   <p:timing>
     <p:tnLst>
       <p:par>
-        <p:cTn xmlns:p14="http://schemas.microsoft.com/office/powerpoint/2010/main" id="1" dur="indefinite" restart="never" nodeType="tmRoot"/>
+        <p:cTn id="1" dur="indefinite" restart="never" nodeType="tmRoot"/>
       </p:par>
     </p:tnLst>
   </p:timing>
@@ -16107,7 +16107,7 @@
   <p:timing>
     <p:tnLst>
       <p:par>
-        <p:cTn xmlns:p14="http://schemas.microsoft.com/office/powerpoint/2010/main" id="1" dur="indefinite" restart="never" nodeType="tmRoot"/>
+        <p:cTn id="1" dur="indefinite" restart="never" nodeType="tmRoot"/>
       </p:par>
     </p:tnLst>
   </p:timing>
@@ -16164,7 +16164,7 @@
             <p:ph idx="1"/>
             <p:extLst>
               <p:ext uri="{D42A27DB-BD31-4B8C-83A1-F6EECF244321}">
-                <p14:modId xmlns:p14="http://schemas.microsoft.com/office/powerpoint/2010/main" val="154857148"/>
+                <p14:modId xmlns:p14="http://schemas.microsoft.com/office/powerpoint/2010/main" val="3159598460"/>
               </p:ext>
             </p:extLst>
           </p:nvPr>
@@ -16297,7 +16297,11 @@
                       </a:r>
                       <a:r>
                         <a:rPr lang="en-US" sz="2200" baseline="0" dirty="0" smtClean="0"/>
-                        <a:t> Methods</a:t>
+                        <a:t> </a:t>
+                      </a:r>
+                      <a:r>
+                        <a:rPr lang="en-US" sz="2200" baseline="0" dirty="0" smtClean="0"/>
+                        <a:t>Methods (8)</a:t>
                       </a:r>
                       <a:endParaRPr lang="en-US" sz="2200" dirty="0"/>
                     </a:p>
@@ -16314,7 +16318,7 @@
                           <a:latin typeface="Courier New" panose="02070309020205020404" pitchFamily="49" charset="0"/>
                           <a:cs typeface="Courier New" panose="02070309020205020404" pitchFamily="49" charset="0"/>
                         </a:rPr>
-                        <a:t>public</a:t>
+                        <a:t>public default</a:t>
                       </a:r>
                       <a:endParaRPr lang="en-US" sz="2200" dirty="0">
                         <a:latin typeface="Courier New" panose="02070309020205020404" pitchFamily="49" charset="0"/>
@@ -16333,7 +16337,11 @@
                     <a:p>
                       <a:r>
                         <a:rPr lang="en-US" sz="2200" dirty="0" smtClean="0"/>
-                        <a:t>Instance Methods</a:t>
+                        <a:t>Instance </a:t>
+                      </a:r>
+                      <a:r>
+                        <a:rPr lang="en-US" sz="2200" dirty="0" smtClean="0"/>
+                        <a:t>Methods (9)</a:t>
                       </a:r>
                       <a:endParaRPr lang="en-US" sz="2200" dirty="0"/>
                     </a:p>
@@ -16369,7 +16377,11 @@
                     <a:p>
                       <a:r>
                         <a:rPr lang="en-US" sz="2200" dirty="0" smtClean="0"/>
-                        <a:t>Public Static Methods</a:t>
+                        <a:t>Public Static </a:t>
+                      </a:r>
+                      <a:r>
+                        <a:rPr lang="en-US" sz="2200" dirty="0" smtClean="0"/>
+                        <a:t>Methods (8)</a:t>
                       </a:r>
                       <a:endParaRPr lang="en-US" sz="2200" dirty="0"/>
                     </a:p>
@@ -16405,7 +16417,11 @@
                     <a:p>
                       <a:r>
                         <a:rPr lang="en-US" sz="2200" dirty="0" smtClean="0"/>
-                        <a:t>Private Static Methods</a:t>
+                        <a:t>Private Static </a:t>
+                      </a:r>
+                      <a:r>
+                        <a:rPr lang="en-US" sz="2200" dirty="0" smtClean="0"/>
+                        <a:t>Methods (9)</a:t>
                       </a:r>
                       <a:endParaRPr lang="en-US" sz="2200" dirty="0"/>
                     </a:p>
@@ -16479,7 +16495,7 @@
   <p:timing>
     <p:tnLst>
       <p:par>
-        <p:cTn xmlns:p14="http://schemas.microsoft.com/office/powerpoint/2010/main" id="1" dur="indefinite" restart="never" nodeType="tmRoot"/>
+        <p:cTn id="1" dur="indefinite" restart="never" nodeType="tmRoot"/>
       </p:par>
     </p:tnLst>
   </p:timing>
@@ -16546,8 +16562,22 @@
               <a:buChar char="•"/>
             </a:pPr>
             <a:r>
+              <a:rPr lang="en-US" sz="2800" dirty="0" smtClean="0"/>
+              <a:t>Added in Java 8</a:t>
+            </a:r>
+          </a:p>
+          <a:p>
+            <a:pPr marL="457200" indent="-457200">
+              <a:buFont typeface="Arial" panose="020B0604020202020204" pitchFamily="34" charset="0"/>
+              <a:buChar char="•"/>
+            </a:pPr>
+            <a:r>
+              <a:rPr lang="en-US" sz="2800" dirty="0" smtClean="0"/>
+              <a:t>If </a:t>
+            </a:r>
+            <a:r>
               <a:rPr lang="en-US" sz="2800" dirty="0"/>
-              <a:t>If typed </a:t>
+              <a:t>typed </a:t>
             </a:r>
             <a:r>
               <a:rPr lang="en-US" sz="2800" dirty="0">
@@ -16636,7 +16666,7 @@
   <p:timing>
     <p:tnLst>
       <p:par>
-        <p:cTn xmlns:p14="http://schemas.microsoft.com/office/powerpoint/2010/main" id="1" dur="indefinite" restart="never" nodeType="tmRoot"/>
+        <p:cTn id="1" dur="indefinite" restart="never" nodeType="tmRoot"/>
       </p:par>
     </p:tnLst>
   </p:timing>
@@ -16913,7 +16943,7 @@
   <p:timing>
     <p:tnLst>
       <p:par>
-        <p:cTn xmlns:p14="http://schemas.microsoft.com/office/powerpoint/2010/main" id="1" dur="indefinite" restart="never" nodeType="tmRoot"/>
+        <p:cTn id="1" dur="indefinite" restart="never" nodeType="tmRoot"/>
       </p:par>
     </p:tnLst>
   </p:timing>
@@ -17196,7 +17226,7 @@
   <p:timing>
     <p:tnLst>
       <p:par>
-        <p:cTn xmlns:p14="http://schemas.microsoft.com/office/powerpoint/2010/main" id="1" dur="indefinite" restart="never" nodeType="tmRoot"/>
+        <p:cTn id="1" dur="indefinite" restart="never" nodeType="tmRoot"/>
       </p:par>
     </p:tnLst>
   </p:timing>
@@ -17437,7 +17467,7 @@
   <p:timing>
     <p:tnLst>
       <p:par>
-        <p:cTn xmlns:p14="http://schemas.microsoft.com/office/powerpoint/2010/main" id="1" dur="indefinite" restart="never" nodeType="tmRoot"/>
+        <p:cTn id="1" dur="indefinite" restart="never" nodeType="tmRoot"/>
       </p:par>
     </p:tnLst>
   </p:timing>
@@ -17541,14 +17571,14 @@
             <a:noFill/>
           </a:ln>
           <a:extLst>
-            <a:ext uri="{909E8E84-426E-40dd-AFC4-6F175D3DCCD1}">
+            <a:ext uri="{909E8E84-426E-40DD-AFC4-6F175D3DCCD1}">
               <a14:hiddenFill xmlns:a14="http://schemas.microsoft.com/office/drawing/2010/main">
                 <a:solidFill>
                   <a:srgbClr val="FFFFFF"/>
                 </a:solidFill>
               </a14:hiddenFill>
             </a:ext>
-            <a:ext uri="{91240B29-F687-4f45-9708-019B960494DF}">
+            <a:ext uri="{91240B29-F687-4F45-9708-019B960494DF}">
               <a14:hiddenLine xmlns:a14="http://schemas.microsoft.com/office/drawing/2010/main" w="9525">
                 <a:solidFill>
                   <a:srgbClr val="000000"/>
@@ -18013,8 +18043,8 @@
         </p:nvSpPr>
         <p:spPr bwMode="auto">
           <a:xfrm>
-            <a:off x="5470560" y="3453127"/>
-            <a:ext cx="2557440" cy="422536"/>
+            <a:off x="6172200" y="1809750"/>
+            <a:ext cx="2286000" cy="422536"/>
           </a:xfrm>
           <a:prstGeom prst="rect">
             <a:avLst/>
@@ -18024,14 +18054,14 @@
             <a:noFill/>
           </a:ln>
           <a:extLst>
-            <a:ext uri="{909E8E84-426E-40dd-AFC4-6F175D3DCCD1}">
+            <a:ext uri="{909E8E84-426E-40DD-AFC4-6F175D3DCCD1}">
               <a14:hiddenFill xmlns:a14="http://schemas.microsoft.com/office/drawing/2010/main">
                 <a:solidFill>
                   <a:srgbClr val="FFFFFF"/>
                 </a:solidFill>
               </a14:hiddenFill>
             </a:ext>
-            <a:ext uri="{91240B29-F687-4f45-9708-019B960494DF}">
+            <a:ext uri="{91240B29-F687-4F45-9708-019B960494DF}">
               <a14:hiddenLine xmlns:a14="http://schemas.microsoft.com/office/drawing/2010/main" w="9525">
                 <a:solidFill>
                   <a:srgbClr val="000000"/>
@@ -18044,7 +18074,7 @@
           </a:extLst>
         </p:spPr>
         <p:txBody>
-          <a:bodyPr lIns="74028" tIns="37013" rIns="74028" bIns="37013">
+          <a:bodyPr wrap="square" lIns="74028" tIns="37013" rIns="74028" bIns="37013">
             <a:spAutoFit/>
           </a:bodyPr>
           <a:lstStyle/>
@@ -18073,7 +18103,7 @@
   <p:timing>
     <p:tnLst>
       <p:par>
-        <p:cTn xmlns:p14="http://schemas.microsoft.com/office/powerpoint/2010/main" id="1" dur="indefinite" restart="never" nodeType="tmRoot">
+        <p:cTn id="1" dur="indefinite" restart="never" nodeType="tmRoot">
           <p:childTnLst>
             <p:seq concurrent="1" nextAc="seek">
               <p:cTn id="2" dur="indefinite" nodeType="mainSeq">
@@ -18404,7 +18434,7 @@
   <p:timing>
     <p:tnLst>
       <p:par>
-        <p:cTn xmlns:p14="http://schemas.microsoft.com/office/powerpoint/2010/main" id="1" dur="indefinite" restart="never" nodeType="tmRoot"/>
+        <p:cTn id="1" dur="indefinite" restart="never" nodeType="tmRoot"/>
       </p:par>
     </p:tnLst>
   </p:timing>
@@ -18630,14 +18660,14 @@
           </a:ln>
           <a:effectLst/>
           <a:extLst>
-            <a:ext uri="{909E8E84-426E-40dd-AFC4-6F175D3DCCD1}">
+            <a:ext uri="{909E8E84-426E-40DD-AFC4-6F175D3DCCD1}">
               <a14:hiddenFill xmlns:a14="http://schemas.microsoft.com/office/drawing/2010/main">
                 <a:solidFill>
                   <a:srgbClr val="FFFFFF"/>
                 </a:solidFill>
               </a14:hiddenFill>
             </a:ext>
-            <a:ext uri="{91240B29-F687-4f45-9708-019B960494DF}">
+            <a:ext uri="{91240B29-F687-4F45-9708-019B960494DF}">
               <a14:hiddenLine xmlns:a14="http://schemas.microsoft.com/office/drawing/2010/main" w="9525" cap="flat">
                 <a:solidFill>
                   <a:srgbClr val="808080"/>
@@ -18647,7 +18677,7 @@
                 <a:tailEnd/>
               </a14:hiddenLine>
             </a:ext>
-            <a:ext uri="{AF507438-7753-43e0-B8FC-AC1667EBCBE1}">
+            <a:ext uri="{AF507438-7753-43E0-B8FC-AC1667EBCBE1}">
               <a14:hiddenEffects xmlns:a14="http://schemas.microsoft.com/office/drawing/2010/main">
                 <a:effectLst>
                   <a:outerShdw blurRad="63500" dist="38099" dir="2700000" algn="ctr" rotWithShape="0">
@@ -18659,7 +18689,7 @@
               </a14:hiddenEffects>
             </a:ext>
             <a:ext uri="{FAA26D3D-D897-4be2-8F04-BA451C77F1D7}">
-              <ma14:placeholderFlag xmlns:ma14="http://schemas.microsoft.com/office/mac/drawingml/2011/main" val="1"/>
+              <ma14:placeholderFlag xmlns:ma14="http://schemas.microsoft.com/office/mac/drawingml/2011/main" xmlns="" val="1"/>
             </a:ext>
           </a:extLst>
         </p:spPr>
@@ -18926,7 +18956,7 @@
   <p:timing>
     <p:tnLst>
       <p:par>
-        <p:cTn xmlns:p14="http://schemas.microsoft.com/office/powerpoint/2010/main" id="1" dur="indefinite" restart="never" nodeType="tmRoot"/>
+        <p:cTn id="1" dur="indefinite" restart="never" nodeType="tmRoot"/>
       </p:par>
     </p:tnLst>
   </p:timing>
@@ -19142,14 +19172,14 @@
           </a:ln>
           <a:effectLst/>
           <a:extLst>
-            <a:ext uri="{909E8E84-426E-40dd-AFC4-6F175D3DCCD1}">
+            <a:ext uri="{909E8E84-426E-40DD-AFC4-6F175D3DCCD1}">
               <a14:hiddenFill xmlns:a14="http://schemas.microsoft.com/office/drawing/2010/main">
                 <a:solidFill>
                   <a:srgbClr val="FFFFFF"/>
                 </a:solidFill>
               </a14:hiddenFill>
             </a:ext>
-            <a:ext uri="{91240B29-F687-4f45-9708-019B960494DF}">
+            <a:ext uri="{91240B29-F687-4F45-9708-019B960494DF}">
               <a14:hiddenLine xmlns:a14="http://schemas.microsoft.com/office/drawing/2010/main" w="9525" cap="flat">
                 <a:solidFill>
                   <a:srgbClr val="808080"/>
@@ -19159,7 +19189,7 @@
                 <a:tailEnd/>
               </a14:hiddenLine>
             </a:ext>
-            <a:ext uri="{AF507438-7753-43e0-B8FC-AC1667EBCBE1}">
+            <a:ext uri="{AF507438-7753-43E0-B8FC-AC1667EBCBE1}">
               <a14:hiddenEffects xmlns:a14="http://schemas.microsoft.com/office/drawing/2010/main">
                 <a:effectLst>
                   <a:outerShdw blurRad="63500" dist="38099" dir="2700000" algn="ctr" rotWithShape="0">
@@ -19171,7 +19201,7 @@
               </a14:hiddenEffects>
             </a:ext>
             <a:ext uri="{FAA26D3D-D897-4be2-8F04-BA451C77F1D7}">
-              <ma14:placeholderFlag xmlns:ma14="http://schemas.microsoft.com/office/mac/drawingml/2011/main" val="1"/>
+              <ma14:placeholderFlag xmlns:ma14="http://schemas.microsoft.com/office/mac/drawingml/2011/main" xmlns="" val="1"/>
             </a:ext>
           </a:extLst>
         </p:spPr>
@@ -19438,7 +19468,7 @@
   <p:timing>
     <p:tnLst>
       <p:par>
-        <p:cTn xmlns:p14="http://schemas.microsoft.com/office/powerpoint/2010/main" id="1" dur="indefinite" restart="never" nodeType="tmRoot"/>
+        <p:cTn id="1" dur="indefinite" restart="never" nodeType="tmRoot"/>
       </p:par>
     </p:tnLst>
   </p:timing>
@@ -19620,14 +19650,14 @@
           </a:ln>
           <a:effectLst/>
           <a:extLst>
-            <a:ext uri="{909E8E84-426E-40dd-AFC4-6F175D3DCCD1}">
+            <a:ext uri="{909E8E84-426E-40DD-AFC4-6F175D3DCCD1}">
               <a14:hiddenFill xmlns:a14="http://schemas.microsoft.com/office/drawing/2010/main">
                 <a:solidFill>
                   <a:srgbClr val="FFFFFF"/>
                 </a:solidFill>
               </a14:hiddenFill>
             </a:ext>
-            <a:ext uri="{91240B29-F687-4f45-9708-019B960494DF}">
+            <a:ext uri="{91240B29-F687-4F45-9708-019B960494DF}">
               <a14:hiddenLine xmlns:a14="http://schemas.microsoft.com/office/drawing/2010/main" w="9525" cap="flat">
                 <a:solidFill>
                   <a:srgbClr val="808080"/>
@@ -19637,7 +19667,7 @@
                 <a:tailEnd/>
               </a14:hiddenLine>
             </a:ext>
-            <a:ext uri="{AF507438-7753-43e0-B8FC-AC1667EBCBE1}">
+            <a:ext uri="{AF507438-7753-43E0-B8FC-AC1667EBCBE1}">
               <a14:hiddenEffects xmlns:a14="http://schemas.microsoft.com/office/drawing/2010/main">
                 <a:effectLst>
                   <a:outerShdw blurRad="63500" dist="38099" dir="2700000" algn="ctr" rotWithShape="0">
@@ -19649,7 +19679,7 @@
               </a14:hiddenEffects>
             </a:ext>
             <a:ext uri="{FAA26D3D-D897-4be2-8F04-BA451C77F1D7}">
-              <ma14:placeholderFlag xmlns:ma14="http://schemas.microsoft.com/office/mac/drawingml/2011/main" val="1"/>
+              <ma14:placeholderFlag xmlns:ma14="http://schemas.microsoft.com/office/mac/drawingml/2011/main" xmlns="" val="1"/>
             </a:ext>
           </a:extLst>
         </p:spPr>
@@ -20087,7 +20117,7 @@
   <p:timing>
     <p:tnLst>
       <p:par>
-        <p:cTn xmlns:p14="http://schemas.microsoft.com/office/powerpoint/2010/main" id="1" dur="indefinite" restart="never" nodeType="tmRoot"/>
+        <p:cTn id="1" dur="indefinite" restart="never" nodeType="tmRoot"/>
       </p:par>
     </p:tnLst>
   </p:timing>
@@ -20197,14 +20227,14 @@
             <a:noFill/>
           </a:ln>
           <a:extLst>
-            <a:ext uri="{909E8E84-426E-40dd-AFC4-6F175D3DCCD1}">
+            <a:ext uri="{909E8E84-426E-40DD-AFC4-6F175D3DCCD1}">
               <a14:hiddenFill xmlns:a14="http://schemas.microsoft.com/office/drawing/2010/main">
                 <a:solidFill>
                   <a:srgbClr val="FFFFFF"/>
                 </a:solidFill>
               </a14:hiddenFill>
             </a:ext>
-            <a:ext uri="{91240B29-F687-4f45-9708-019B960494DF}">
+            <a:ext uri="{91240B29-F687-4F45-9708-019B960494DF}">
               <a14:hiddenLine xmlns:a14="http://schemas.microsoft.com/office/drawing/2010/main" w="9525">
                 <a:solidFill>
                   <a:srgbClr val="000000"/>
@@ -20230,7 +20260,7 @@
   <p:timing>
     <p:tnLst>
       <p:par>
-        <p:cTn xmlns:p14="http://schemas.microsoft.com/office/powerpoint/2010/main" id="1" dur="indefinite" restart="never" nodeType="tmRoot"/>
+        <p:cTn id="1" dur="indefinite" restart="never" nodeType="tmRoot"/>
       </p:par>
     </p:tnLst>
   </p:timing>
@@ -20430,7 +20460,7 @@
   <p:timing>
     <p:tnLst>
       <p:par>
-        <p:cTn xmlns:p14="http://schemas.microsoft.com/office/powerpoint/2010/main" id="1" dur="indefinite" restart="never" nodeType="tmRoot"/>
+        <p:cTn id="1" dur="indefinite" restart="never" nodeType="tmRoot"/>
       </p:par>
     </p:tnLst>
   </p:timing>
@@ -20599,7 +20629,7 @@
   <p:timing>
     <p:tnLst>
       <p:par>
-        <p:cTn xmlns:p14="http://schemas.microsoft.com/office/powerpoint/2010/main" id="1" dur="indefinite" restart="never" nodeType="tmRoot"/>
+        <p:cTn id="1" dur="indefinite" restart="never" nodeType="tmRoot"/>
       </p:par>
     </p:tnLst>
   </p:timing>
@@ -20853,7 +20883,7 @@
   <p:timing>
     <p:tnLst>
       <p:par>
-        <p:cTn xmlns:p14="http://schemas.microsoft.com/office/powerpoint/2010/main" id="1" dur="indefinite" restart="never" nodeType="tmRoot">
+        <p:cTn id="1" dur="indefinite" restart="never" nodeType="tmRoot">
           <p:childTnLst>
             <p:seq concurrent="1" nextAc="seek">
               <p:cTn id="2" dur="indefinite" nodeType="mainSeq">
@@ -21419,7 +21449,7 @@
   <p:timing>
     <p:tnLst>
       <p:par>
-        <p:cTn xmlns:p14="http://schemas.microsoft.com/office/powerpoint/2010/main" id="1" dur="indefinite" restart="never" nodeType="tmRoot">
+        <p:cTn id="1" dur="indefinite" restart="never" nodeType="tmRoot">
           <p:childTnLst>
             <p:seq concurrent="1" nextAc="seek">
               <p:cTn id="2" dur="indefinite" nodeType="mainSeq">
@@ -21924,7 +21954,7 @@
   <p:timing>
     <p:tnLst>
       <p:par>
-        <p:cTn xmlns:p14="http://schemas.microsoft.com/office/powerpoint/2010/main" id="1" dur="indefinite" restart="never" nodeType="tmRoot"/>
+        <p:cTn id="1" dur="indefinite" restart="never" nodeType="tmRoot"/>
       </p:par>
     </p:tnLst>
   </p:timing>
@@ -22145,7 +22175,7 @@
   <p:timing>
     <p:tnLst>
       <p:par>
-        <p:cTn xmlns:p14="http://schemas.microsoft.com/office/powerpoint/2010/main" id="1" dur="indefinite" restart="never" nodeType="tmRoot">
+        <p:cTn id="1" dur="indefinite" restart="never" nodeType="tmRoot">
           <p:childTnLst>
             <p:seq concurrent="1" nextAc="seek">
               <p:cTn id="2" dur="indefinite" nodeType="mainSeq">
@@ -22689,7 +22719,7 @@
   <p:timing>
     <p:tnLst>
       <p:par>
-        <p:cTn xmlns:p14="http://schemas.microsoft.com/office/powerpoint/2010/main" id="1" dur="indefinite" restart="never" nodeType="tmRoot">
+        <p:cTn id="1" dur="indefinite" restart="never" nodeType="tmRoot">
           <p:childTnLst>
             <p:seq concurrent="1" nextAc="seek">
               <p:cTn id="2" dur="indefinite" nodeType="mainSeq">
@@ -23207,7 +23237,7 @@
   <p:timing>
     <p:tnLst>
       <p:par>
-        <p:cTn xmlns:p14="http://schemas.microsoft.com/office/powerpoint/2010/main" id="1" dur="indefinite" restart="never" nodeType="tmRoot">
+        <p:cTn id="1" dur="indefinite" restart="never" nodeType="tmRoot">
           <p:childTnLst>
             <p:seq concurrent="1" nextAc="seek">
               <p:cTn id="2" dur="indefinite" nodeType="mainSeq">
@@ -23599,7 +23629,7 @@
   <p:timing>
     <p:tnLst>
       <p:par>
-        <p:cTn xmlns:p14="http://schemas.microsoft.com/office/powerpoint/2010/main" id="1" dur="indefinite" restart="never" nodeType="tmRoot">
+        <p:cTn id="1" dur="indefinite" restart="never" nodeType="tmRoot">
           <p:childTnLst>
             <p:seq concurrent="1" nextAc="seek">
               <p:cTn id="2" dur="indefinite" nodeType="mainSeq">
@@ -23919,7 +23949,7 @@
   <p:timing>
     <p:tnLst>
       <p:par>
-        <p:cTn xmlns:p14="http://schemas.microsoft.com/office/powerpoint/2010/main" id="1" dur="indefinite" restart="never" nodeType="tmRoot"/>
+        <p:cTn id="1" dur="indefinite" restart="never" nodeType="tmRoot"/>
       </p:par>
     </p:tnLst>
   </p:timing>
@@ -24096,7 +24126,7 @@
   <p:timing>
     <p:tnLst>
       <p:par>
-        <p:cTn xmlns:p14="http://schemas.microsoft.com/office/powerpoint/2010/main" id="1" dur="indefinite" restart="never" nodeType="tmRoot"/>
+        <p:cTn id="1" dur="indefinite" restart="never" nodeType="tmRoot"/>
       </p:par>
     </p:tnLst>
   </p:timing>
@@ -24326,14 +24356,14 @@
             <a:noFill/>
           </a:ln>
           <a:extLst>
-            <a:ext uri="{909E8E84-426E-40dd-AFC4-6F175D3DCCD1}">
+            <a:ext uri="{909E8E84-426E-40DD-AFC4-6F175D3DCCD1}">
               <a14:hiddenFill xmlns:a14="http://schemas.microsoft.com/office/drawing/2010/main">
                 <a:solidFill>
                   <a:srgbClr val="FFFFFF"/>
                 </a:solidFill>
               </a14:hiddenFill>
             </a:ext>
-            <a:ext uri="{91240B29-F687-4f45-9708-019B960494DF}">
+            <a:ext uri="{91240B29-F687-4F45-9708-019B960494DF}">
               <a14:hiddenLine xmlns:a14="http://schemas.microsoft.com/office/drawing/2010/main" w="9525">
                 <a:solidFill>
                   <a:srgbClr val="000000"/>
@@ -24375,7 +24405,7 @@
   <p:timing>
     <p:tnLst>
       <p:par>
-        <p:cTn xmlns:p14="http://schemas.microsoft.com/office/powerpoint/2010/main" id="1" dur="indefinite" restart="never" nodeType="tmRoot"/>
+        <p:cTn id="1" dur="indefinite" restart="never" nodeType="tmRoot"/>
       </p:par>
     </p:tnLst>
   </p:timing>
@@ -24653,7 +24683,7 @@
   <p:timing>
     <p:tnLst>
       <p:par>
-        <p:cTn xmlns:p14="http://schemas.microsoft.com/office/powerpoint/2010/main" id="1" dur="indefinite" restart="never" nodeType="tmRoot"/>
+        <p:cTn id="1" dur="indefinite" restart="never" nodeType="tmRoot"/>
       </p:par>
     </p:tnLst>
   </p:timing>
@@ -24728,14 +24758,14 @@
             <a:noFill/>
           </a:ln>
           <a:extLst>
-            <a:ext uri="{909E8E84-426E-40dd-AFC4-6F175D3DCCD1}">
+            <a:ext uri="{909E8E84-426E-40DD-AFC4-6F175D3DCCD1}">
               <a14:hiddenFill xmlns:a14="http://schemas.microsoft.com/office/drawing/2010/main">
                 <a:solidFill>
                   <a:srgbClr val="FFFFFF"/>
                 </a:solidFill>
               </a14:hiddenFill>
             </a:ext>
-            <a:ext uri="{91240B29-F687-4f45-9708-019B960494DF}">
+            <a:ext uri="{91240B29-F687-4F45-9708-019B960494DF}">
               <a14:hiddenLine xmlns:a14="http://schemas.microsoft.com/office/drawing/2010/main" w="9525">
                 <a:solidFill>
                   <a:srgbClr val="000000"/>
@@ -24805,14 +24835,14 @@
             <a:noFill/>
           </a:ln>
           <a:extLst>
-            <a:ext uri="{909E8E84-426E-40dd-AFC4-6F175D3DCCD1}">
+            <a:ext uri="{909E8E84-426E-40DD-AFC4-6F175D3DCCD1}">
               <a14:hiddenFill xmlns:a14="http://schemas.microsoft.com/office/drawing/2010/main">
                 <a:solidFill>
                   <a:srgbClr val="FFFFFF"/>
                 </a:solidFill>
               </a14:hiddenFill>
             </a:ext>
-            <a:ext uri="{91240B29-F687-4f45-9708-019B960494DF}">
+            <a:ext uri="{91240B29-F687-4F45-9708-019B960494DF}">
               <a14:hiddenLine xmlns:a14="http://schemas.microsoft.com/office/drawing/2010/main" w="9525">
                 <a:solidFill>
                   <a:srgbClr val="000000"/>
@@ -24869,7 +24899,7 @@
           </a:ln>
           <a:effectLst/>
           <a:extLst>
-            <a:ext uri="{AF507438-7753-43e0-B8FC-AC1667EBCBE1}">
+            <a:ext uri="{AF507438-7753-43E0-B8FC-AC1667EBCBE1}">
               <a14:hiddenEffects xmlns:a14="http://schemas.microsoft.com/office/drawing/2010/main">
                 <a:effectLst>
                   <a:outerShdw blurRad="63500" dist="38099" dir="2700000" algn="ctr" rotWithShape="0">
@@ -24952,7 +24982,7 @@
   <p:timing>
     <p:tnLst>
       <p:par>
-        <p:cTn xmlns:p14="http://schemas.microsoft.com/office/powerpoint/2010/main" id="1" dur="indefinite" restart="never" nodeType="tmRoot">
+        <p:cTn id="1" dur="indefinite" restart="never" nodeType="tmRoot">
           <p:childTnLst>
             <p:seq concurrent="1" nextAc="seek">
               <p:cTn id="2" dur="indefinite" nodeType="mainSeq">
@@ -25122,14 +25152,14 @@
             <a:noFill/>
           </a:ln>
           <a:extLst>
-            <a:ext uri="{909E8E84-426E-40dd-AFC4-6F175D3DCCD1}">
+            <a:ext uri="{909E8E84-426E-40DD-AFC4-6F175D3DCCD1}">
               <a14:hiddenFill xmlns:a14="http://schemas.microsoft.com/office/drawing/2010/main">
                 <a:solidFill>
                   <a:srgbClr val="FFFFFF"/>
                 </a:solidFill>
               </a14:hiddenFill>
             </a:ext>
-            <a:ext uri="{91240B29-F687-4f45-9708-019B960494DF}">
+            <a:ext uri="{91240B29-F687-4F45-9708-019B960494DF}">
               <a14:hiddenLine xmlns:a14="http://schemas.microsoft.com/office/drawing/2010/main" w="9525">
                 <a:solidFill>
                   <a:srgbClr val="000000"/>
@@ -25199,14 +25229,14 @@
             <a:noFill/>
           </a:ln>
           <a:extLst>
-            <a:ext uri="{909E8E84-426E-40dd-AFC4-6F175D3DCCD1}">
+            <a:ext uri="{909E8E84-426E-40DD-AFC4-6F175D3DCCD1}">
               <a14:hiddenFill xmlns:a14="http://schemas.microsoft.com/office/drawing/2010/main">
                 <a:solidFill>
                   <a:srgbClr val="FFFFFF"/>
                 </a:solidFill>
               </a14:hiddenFill>
             </a:ext>
-            <a:ext uri="{91240B29-F687-4f45-9708-019B960494DF}">
+            <a:ext uri="{91240B29-F687-4F45-9708-019B960494DF}">
               <a14:hiddenLine xmlns:a14="http://schemas.microsoft.com/office/drawing/2010/main" w="9525">
                 <a:solidFill>
                   <a:srgbClr val="000000"/>
@@ -25278,7 +25308,7 @@
           </a:ln>
           <a:effectLst/>
           <a:extLst>
-            <a:ext uri="{AF507438-7753-43e0-B8FC-AC1667EBCBE1}">
+            <a:ext uri="{AF507438-7753-43E0-B8FC-AC1667EBCBE1}">
               <a14:hiddenEffects xmlns:a14="http://schemas.microsoft.com/office/drawing/2010/main">
                 <a:effectLst>
                   <a:outerShdw blurRad="63500" dist="38099" dir="2700000" algn="ctr" rotWithShape="0">
@@ -25391,7 +25421,7 @@
   <p:timing>
     <p:tnLst>
       <p:par>
-        <p:cTn xmlns:p14="http://schemas.microsoft.com/office/powerpoint/2010/main" id="1" dur="indefinite" restart="never" nodeType="tmRoot">
+        <p:cTn id="1" dur="indefinite" restart="never" nodeType="tmRoot">
           <p:childTnLst>
             <p:seq concurrent="1" nextAc="seek">
               <p:cTn id="2" dur="indefinite" nodeType="mainSeq">
@@ -25598,7 +25628,7 @@
             <a:tailEnd/>
           </a:ln>
           <a:extLst>
-            <a:ext uri="{909E8E84-426E-40dd-AFC4-6F175D3DCCD1}">
+            <a:ext uri="{909E8E84-426E-40DD-AFC4-6F175D3DCCD1}">
               <a14:hiddenFill xmlns:a14="http://schemas.microsoft.com/office/drawing/2010/main">
                 <a:solidFill>
                   <a:srgbClr val="FFFFFF"/>
@@ -25833,14 +25863,14 @@
             <a:noFill/>
           </a:ln>
           <a:extLst>
-            <a:ext uri="{909E8E84-426E-40dd-AFC4-6F175D3DCCD1}">
+            <a:ext uri="{909E8E84-426E-40DD-AFC4-6F175D3DCCD1}">
               <a14:hiddenFill xmlns:a14="http://schemas.microsoft.com/office/drawing/2010/main">
                 <a:solidFill>
                   <a:srgbClr val="FFFFFF"/>
                 </a:solidFill>
               </a14:hiddenFill>
             </a:ext>
-            <a:ext uri="{91240B29-F687-4f45-9708-019B960494DF}">
+            <a:ext uri="{91240B29-F687-4F45-9708-019B960494DF}">
               <a14:hiddenLine xmlns:a14="http://schemas.microsoft.com/office/drawing/2010/main" w="9525">
                 <a:solidFill>
                   <a:srgbClr val="000000"/>
@@ -25880,15 +25910,7 @@
                   <a:srgbClr val="000000"/>
                 </a:solidFill>
               </a:rPr>
-              <a:t>rints </a:t>
-            </a:r>
-            <a:r>
-              <a:rPr lang="en-US" dirty="0" smtClean="0">
-                <a:solidFill>
-                  <a:srgbClr val="000000"/>
-                </a:solidFill>
-              </a:rPr>
-              <a:t>the numbers 1-4</a:t>
+              <a:t>rints the numbers 1-4</a:t>
             </a:r>
             <a:endParaRPr lang="en-US" dirty="0">
               <a:solidFill>
@@ -25911,7 +25933,7 @@
   <p:timing>
     <p:tnLst>
       <p:par>
-        <p:cTn xmlns:p14="http://schemas.microsoft.com/office/powerpoint/2010/main" id="1" dur="indefinite" restart="never" nodeType="tmRoot">
+        <p:cTn id="1" dur="indefinite" restart="never" nodeType="tmRoot">
           <p:childTnLst>
             <p:seq concurrent="1" nextAc="seek">
               <p:cTn id="2" dur="indefinite" nodeType="mainSeq">
@@ -26108,7 +26130,7 @@
             <a:tailEnd/>
           </a:ln>
           <a:extLst>
-            <a:ext uri="{909E8E84-426E-40dd-AFC4-6F175D3DCCD1}">
+            <a:ext uri="{909E8E84-426E-40DD-AFC4-6F175D3DCCD1}">
               <a14:hiddenFill xmlns:a14="http://schemas.microsoft.com/office/drawing/2010/main">
                 <a:solidFill>
                   <a:srgbClr val="FFFFFF"/>
@@ -26343,14 +26365,14 @@
             <a:noFill/>
           </a:ln>
           <a:extLst>
-            <a:ext uri="{909E8E84-426E-40dd-AFC4-6F175D3DCCD1}">
+            <a:ext uri="{909E8E84-426E-40DD-AFC4-6F175D3DCCD1}">
               <a14:hiddenFill xmlns:a14="http://schemas.microsoft.com/office/drawing/2010/main">
                 <a:solidFill>
                   <a:srgbClr val="FFFFFF"/>
                 </a:solidFill>
               </a14:hiddenFill>
             </a:ext>
-            <a:ext uri="{91240B29-F687-4f45-9708-019B960494DF}">
+            <a:ext uri="{91240B29-F687-4F45-9708-019B960494DF}">
               <a14:hiddenLine xmlns:a14="http://schemas.microsoft.com/office/drawing/2010/main" w="9525">
                 <a:solidFill>
                   <a:srgbClr val="000000"/>
@@ -26408,7 +26430,7 @@
   <p:timing>
     <p:tnLst>
       <p:par>
-        <p:cTn xmlns:p14="http://schemas.microsoft.com/office/powerpoint/2010/main" id="1" dur="indefinite" restart="never" nodeType="tmRoot">
+        <p:cTn id="1" dur="indefinite" restart="never" nodeType="tmRoot">
           <p:childTnLst>
             <p:seq concurrent="1" nextAc="seek">
               <p:cTn id="2" dur="indefinite" nodeType="mainSeq">
@@ -26559,7 +26581,7 @@
             <a:tailEnd/>
           </a:ln>
           <a:extLst>
-            <a:ext uri="{909E8E84-426E-40dd-AFC4-6F175D3DCCD1}">
+            <a:ext uri="{909E8E84-426E-40DD-AFC4-6F175D3DCCD1}">
               <a14:hiddenFill xmlns:a14="http://schemas.microsoft.com/office/drawing/2010/main">
                 <a:solidFill>
                   <a:srgbClr val="FFFFFF"/>
@@ -26794,14 +26816,14 @@
             <a:noFill/>
           </a:ln>
           <a:extLst>
-            <a:ext uri="{909E8E84-426E-40dd-AFC4-6F175D3DCCD1}">
+            <a:ext uri="{909E8E84-426E-40DD-AFC4-6F175D3DCCD1}">
               <a14:hiddenFill xmlns:a14="http://schemas.microsoft.com/office/drawing/2010/main">
                 <a:solidFill>
                   <a:srgbClr val="FFFFFF"/>
                 </a:solidFill>
               </a14:hiddenFill>
             </a:ext>
-            <a:ext uri="{91240B29-F687-4f45-9708-019B960494DF}">
+            <a:ext uri="{91240B29-F687-4F45-9708-019B960494DF}">
               <a14:hiddenLine xmlns:a14="http://schemas.microsoft.com/office/drawing/2010/main" w="9525">
                 <a:solidFill>
                   <a:srgbClr val="000000"/>
@@ -26841,15 +26863,7 @@
                   <a:srgbClr val="000000"/>
                 </a:solidFill>
               </a:rPr>
-              <a:t>rints </a:t>
-            </a:r>
-            <a:r>
-              <a:rPr lang="en-US" dirty="0" smtClean="0">
-                <a:solidFill>
-                  <a:srgbClr val="000000"/>
-                </a:solidFill>
-              </a:rPr>
-              <a:t>the numbers 5-9</a:t>
+              <a:t>rints the numbers 5-9</a:t>
             </a:r>
             <a:endParaRPr lang="en-US" dirty="0">
               <a:solidFill>
@@ -26872,7 +26886,7 @@
   <p:timing>
     <p:tnLst>
       <p:par>
-        <p:cTn xmlns:p14="http://schemas.microsoft.com/office/powerpoint/2010/main" id="1" dur="indefinite" restart="never" nodeType="tmRoot">
+        <p:cTn id="1" dur="indefinite" restart="never" nodeType="tmRoot">
           <p:childTnLst>
             <p:seq concurrent="1" nextAc="seek">
               <p:cTn id="2" dur="indefinite" nodeType="mainSeq">
@@ -27069,7 +27083,7 @@
             <a:tailEnd/>
           </a:ln>
           <a:extLst>
-            <a:ext uri="{909E8E84-426E-40dd-AFC4-6F175D3DCCD1}">
+            <a:ext uri="{909E8E84-426E-40DD-AFC4-6F175D3DCCD1}">
               <a14:hiddenFill xmlns:a14="http://schemas.microsoft.com/office/drawing/2010/main">
                 <a:solidFill>
                   <a:srgbClr val="FFFFFF"/>
@@ -27286,14 +27300,14 @@
             <a:noFill/>
           </a:ln>
           <a:extLst>
-            <a:ext uri="{909E8E84-426E-40dd-AFC4-6F175D3DCCD1}">
+            <a:ext uri="{909E8E84-426E-40DD-AFC4-6F175D3DCCD1}">
               <a14:hiddenFill xmlns:a14="http://schemas.microsoft.com/office/drawing/2010/main">
                 <a:solidFill>
                   <a:srgbClr val="FFFFFF"/>
                 </a:solidFill>
               </a14:hiddenFill>
             </a:ext>
-            <a:ext uri="{91240B29-F687-4f45-9708-019B960494DF}">
+            <a:ext uri="{91240B29-F687-4F45-9708-019B960494DF}">
               <a14:hiddenLine xmlns:a14="http://schemas.microsoft.com/office/drawing/2010/main" w="9525">
                 <a:solidFill>
                   <a:srgbClr val="000000"/>
@@ -27367,7 +27381,7 @@
   <p:timing>
     <p:tnLst>
       <p:par>
-        <p:cTn xmlns:p14="http://schemas.microsoft.com/office/powerpoint/2010/main" id="1" dur="indefinite" restart="never" nodeType="tmRoot">
+        <p:cTn id="1" dur="indefinite" restart="never" nodeType="tmRoot">
           <p:childTnLst>
             <p:seq concurrent="1" nextAc="seek">
               <p:cTn id="2" dur="indefinite" nodeType="mainSeq">
@@ -27714,14 +27728,14 @@
           </a:ln>
           <a:effectLst/>
           <a:extLst>
-            <a:ext uri="{909E8E84-426E-40dd-AFC4-6F175D3DCCD1}">
+            <a:ext uri="{909E8E84-426E-40DD-AFC4-6F175D3DCCD1}">
               <a14:hiddenFill xmlns:a14="http://schemas.microsoft.com/office/drawing/2010/main">
                 <a:solidFill>
                   <a:srgbClr val="FFFFFF"/>
                 </a:solidFill>
               </a14:hiddenFill>
             </a:ext>
-            <a:ext uri="{91240B29-F687-4f45-9708-019B960494DF}">
+            <a:ext uri="{91240B29-F687-4F45-9708-019B960494DF}">
               <a14:hiddenLine xmlns:a14="http://schemas.microsoft.com/office/drawing/2010/main" w="9525" cap="flat">
                 <a:solidFill>
                   <a:srgbClr val="808080"/>
@@ -27731,7 +27745,7 @@
                 <a:tailEnd/>
               </a14:hiddenLine>
             </a:ext>
-            <a:ext uri="{AF507438-7753-43e0-B8FC-AC1667EBCBE1}">
+            <a:ext uri="{AF507438-7753-43E0-B8FC-AC1667EBCBE1}">
               <a14:hiddenEffects xmlns:a14="http://schemas.microsoft.com/office/drawing/2010/main">
                 <a:effectLst>
                   <a:outerShdw blurRad="63500" dist="38099" dir="2700000" algn="ctr" rotWithShape="0">
@@ -27743,7 +27757,7 @@
               </a14:hiddenEffects>
             </a:ext>
             <a:ext uri="{FAA26D3D-D897-4be2-8F04-BA451C77F1D7}">
-              <ma14:placeholderFlag xmlns:ma14="http://schemas.microsoft.com/office/mac/drawingml/2011/main" val="1"/>
+              <ma14:placeholderFlag xmlns:ma14="http://schemas.microsoft.com/office/mac/drawingml/2011/main" xmlns="" val="1"/>
             </a:ext>
           </a:extLst>
         </p:spPr>
@@ -28010,7 +28024,7 @@
   <p:timing>
     <p:tnLst>
       <p:par>
-        <p:cTn xmlns:p14="http://schemas.microsoft.com/office/powerpoint/2010/main" id="1" dur="indefinite" restart="never" nodeType="tmRoot"/>
+        <p:cTn id="1" dur="indefinite" restart="never" nodeType="tmRoot"/>
       </p:par>
     </p:tnLst>
   </p:timing>
@@ -28247,14 +28261,14 @@
           </a:ln>
           <a:effectLst/>
           <a:extLst>
-            <a:ext uri="{909E8E84-426E-40dd-AFC4-6F175D3DCCD1}">
+            <a:ext uri="{909E8E84-426E-40DD-AFC4-6F175D3DCCD1}">
               <a14:hiddenFill xmlns:a14="http://schemas.microsoft.com/office/drawing/2010/main">
                 <a:solidFill>
                   <a:srgbClr val="FFFFFF"/>
                 </a:solidFill>
               </a14:hiddenFill>
             </a:ext>
-            <a:ext uri="{91240B29-F687-4f45-9708-019B960494DF}">
+            <a:ext uri="{91240B29-F687-4F45-9708-019B960494DF}">
               <a14:hiddenLine xmlns:a14="http://schemas.microsoft.com/office/drawing/2010/main" w="9525" cap="flat">
                 <a:solidFill>
                   <a:srgbClr val="808080"/>
@@ -28264,7 +28278,7 @@
                 <a:tailEnd/>
               </a14:hiddenLine>
             </a:ext>
-            <a:ext uri="{AF507438-7753-43e0-B8FC-AC1667EBCBE1}">
+            <a:ext uri="{AF507438-7753-43E0-B8FC-AC1667EBCBE1}">
               <a14:hiddenEffects xmlns:a14="http://schemas.microsoft.com/office/drawing/2010/main">
                 <a:effectLst>
                   <a:outerShdw blurRad="63500" dist="38099" dir="2700000" algn="ctr" rotWithShape="0">
@@ -28276,7 +28290,7 @@
               </a14:hiddenEffects>
             </a:ext>
             <a:ext uri="{FAA26D3D-D897-4be2-8F04-BA451C77F1D7}">
-              <ma14:placeholderFlag xmlns:ma14="http://schemas.microsoft.com/office/mac/drawingml/2011/main" val="1"/>
+              <ma14:placeholderFlag xmlns:ma14="http://schemas.microsoft.com/office/mac/drawingml/2011/main" xmlns="" val="1"/>
             </a:ext>
           </a:extLst>
         </p:spPr>
@@ -28543,7 +28557,7 @@
   <p:timing>
     <p:tnLst>
       <p:par>
-        <p:cTn xmlns:p14="http://schemas.microsoft.com/office/powerpoint/2010/main" id="1" dur="indefinite" restart="never" nodeType="tmRoot"/>
+        <p:cTn id="1" dur="indefinite" restart="never" nodeType="tmRoot"/>
       </p:par>
     </p:tnLst>
   </p:timing>
@@ -28668,7 +28682,7 @@
   <p:timing>
     <p:tnLst>
       <p:par>
-        <p:cTn xmlns:p14="http://schemas.microsoft.com/office/powerpoint/2010/main" id="1" dur="indefinite" restart="never" nodeType="tmRoot"/>
+        <p:cTn id="1" dur="indefinite" restart="never" nodeType="tmRoot"/>
       </p:par>
     </p:tnLst>
   </p:timing>
@@ -28902,14 +28916,14 @@
           </a:ln>
           <a:effectLst/>
           <a:extLst>
-            <a:ext uri="{909E8E84-426E-40dd-AFC4-6F175D3DCCD1}">
+            <a:ext uri="{909E8E84-426E-40DD-AFC4-6F175D3DCCD1}">
               <a14:hiddenFill xmlns:a14="http://schemas.microsoft.com/office/drawing/2010/main">
                 <a:solidFill>
                   <a:srgbClr val="FFFFFF"/>
                 </a:solidFill>
               </a14:hiddenFill>
             </a:ext>
-            <a:ext uri="{91240B29-F687-4f45-9708-019B960494DF}">
+            <a:ext uri="{91240B29-F687-4F45-9708-019B960494DF}">
               <a14:hiddenLine xmlns:a14="http://schemas.microsoft.com/office/drawing/2010/main" w="9525" cap="flat">
                 <a:solidFill>
                   <a:srgbClr val="808080"/>
@@ -28919,7 +28933,7 @@
                 <a:tailEnd/>
               </a14:hiddenLine>
             </a:ext>
-            <a:ext uri="{AF507438-7753-43e0-B8FC-AC1667EBCBE1}">
+            <a:ext uri="{AF507438-7753-43E0-B8FC-AC1667EBCBE1}">
               <a14:hiddenEffects xmlns:a14="http://schemas.microsoft.com/office/drawing/2010/main">
                 <a:effectLst>
                   <a:outerShdw blurRad="63500" dist="38099" dir="2700000" algn="ctr" rotWithShape="0">
@@ -28931,7 +28945,7 @@
               </a14:hiddenEffects>
             </a:ext>
             <a:ext uri="{FAA26D3D-D897-4be2-8F04-BA451C77F1D7}">
-              <ma14:placeholderFlag xmlns:ma14="http://schemas.microsoft.com/office/mac/drawingml/2011/main" val="1"/>
+              <ma14:placeholderFlag xmlns:ma14="http://schemas.microsoft.com/office/mac/drawingml/2011/main" xmlns="" val="1"/>
             </a:ext>
           </a:extLst>
         </p:spPr>
@@ -29211,7 +29225,7 @@
   <p:timing>
     <p:tnLst>
       <p:par>
-        <p:cTn xmlns:p14="http://schemas.microsoft.com/office/powerpoint/2010/main" id="1" dur="indefinite" restart="never" nodeType="tmRoot"/>
+        <p:cTn id="1" dur="indefinite" restart="never" nodeType="tmRoot"/>
       </p:par>
     </p:tnLst>
   </p:timing>
@@ -29397,7 +29411,7 @@
   <p:timing>
     <p:tnLst>
       <p:par>
-        <p:cTn xmlns:p14="http://schemas.microsoft.com/office/powerpoint/2010/main" id="1" dur="indefinite" restart="never" nodeType="tmRoot"/>
+        <p:cTn id="1" dur="indefinite" restart="never" nodeType="tmRoot"/>
       </p:par>
     </p:tnLst>
   </p:timing>
@@ -29647,14 +29661,14 @@
           </a:ln>
           <a:effectLst/>
           <a:extLst>
-            <a:ext uri="{909E8E84-426E-40dd-AFC4-6F175D3DCCD1}">
+            <a:ext uri="{909E8E84-426E-40DD-AFC4-6F175D3DCCD1}">
               <a14:hiddenFill xmlns:a14="http://schemas.microsoft.com/office/drawing/2010/main">
                 <a:solidFill>
                   <a:srgbClr val="FFFFFF"/>
                 </a:solidFill>
               </a14:hiddenFill>
             </a:ext>
-            <a:ext uri="{91240B29-F687-4f45-9708-019B960494DF}">
+            <a:ext uri="{91240B29-F687-4F45-9708-019B960494DF}">
               <a14:hiddenLine xmlns:a14="http://schemas.microsoft.com/office/drawing/2010/main" w="9525" cap="flat">
                 <a:solidFill>
                   <a:srgbClr val="808080"/>
@@ -29664,7 +29678,7 @@
                 <a:tailEnd/>
               </a14:hiddenLine>
             </a:ext>
-            <a:ext uri="{AF507438-7753-43e0-B8FC-AC1667EBCBE1}">
+            <a:ext uri="{AF507438-7753-43E0-B8FC-AC1667EBCBE1}">
               <a14:hiddenEffects xmlns:a14="http://schemas.microsoft.com/office/drawing/2010/main">
                 <a:effectLst>
                   <a:outerShdw blurRad="63500" dist="38099" dir="2700000" algn="ctr" rotWithShape="0">
@@ -29676,7 +29690,7 @@
               </a14:hiddenEffects>
             </a:ext>
             <a:ext uri="{FAA26D3D-D897-4be2-8F04-BA451C77F1D7}">
-              <ma14:placeholderFlag xmlns:ma14="http://schemas.microsoft.com/office/mac/drawingml/2011/main" val="1"/>
+              <ma14:placeholderFlag xmlns:ma14="http://schemas.microsoft.com/office/mac/drawingml/2011/main" xmlns="" val="1"/>
             </a:ext>
           </a:extLst>
         </p:spPr>
@@ -29939,7 +29953,7 @@
   <p:timing>
     <p:tnLst>
       <p:par>
-        <p:cTn xmlns:p14="http://schemas.microsoft.com/office/powerpoint/2010/main" id="1" dur="indefinite" restart="never" nodeType="tmRoot"/>
+        <p:cTn id="1" dur="indefinite" restart="never" nodeType="tmRoot"/>
       </p:par>
     </p:tnLst>
   </p:timing>
@@ -30287,14 +30301,14 @@
           </a:ln>
           <a:effectLst/>
           <a:extLst>
-            <a:ext uri="{909E8E84-426E-40dd-AFC4-6F175D3DCCD1}">
+            <a:ext uri="{909E8E84-426E-40DD-AFC4-6F175D3DCCD1}">
               <a14:hiddenFill xmlns:a14="http://schemas.microsoft.com/office/drawing/2010/main">
                 <a:solidFill>
                   <a:srgbClr val="FFFFFF"/>
                 </a:solidFill>
               </a14:hiddenFill>
             </a:ext>
-            <a:ext uri="{91240B29-F687-4f45-9708-019B960494DF}">
+            <a:ext uri="{91240B29-F687-4F45-9708-019B960494DF}">
               <a14:hiddenLine xmlns:a14="http://schemas.microsoft.com/office/drawing/2010/main" w="9525" cap="flat">
                 <a:solidFill>
                   <a:srgbClr val="808080"/>
@@ -30304,7 +30318,7 @@
                 <a:tailEnd/>
               </a14:hiddenLine>
             </a:ext>
-            <a:ext uri="{AF507438-7753-43e0-B8FC-AC1667EBCBE1}">
+            <a:ext uri="{AF507438-7753-43E0-B8FC-AC1667EBCBE1}">
               <a14:hiddenEffects xmlns:a14="http://schemas.microsoft.com/office/drawing/2010/main">
                 <a:effectLst>
                   <a:outerShdw blurRad="63500" dist="38099" dir="2700000" algn="ctr" rotWithShape="0">
@@ -30316,7 +30330,7 @@
               </a14:hiddenEffects>
             </a:ext>
             <a:ext uri="{FAA26D3D-D897-4be2-8F04-BA451C77F1D7}">
-              <ma14:placeholderFlag xmlns:ma14="http://schemas.microsoft.com/office/mac/drawingml/2011/main" val="1"/>
+              <ma14:placeholderFlag xmlns:ma14="http://schemas.microsoft.com/office/mac/drawingml/2011/main" xmlns="" val="1"/>
             </a:ext>
           </a:extLst>
         </p:spPr>
@@ -30579,7 +30593,7 @@
   <p:timing>
     <p:tnLst>
       <p:par>
-        <p:cTn xmlns:p14="http://schemas.microsoft.com/office/powerpoint/2010/main" id="1" dur="indefinite" restart="never" nodeType="tmRoot"/>
+        <p:cTn id="1" dur="indefinite" restart="never" nodeType="tmRoot"/>
       </p:par>
     </p:tnLst>
   </p:timing>
@@ -30631,7 +30645,6 @@
               <a:rPr lang="en-US" dirty="0"/>
               <a:t>7</a:t>
             </a:r>
-            <a:endParaRPr lang="en-US" dirty="0"/>
           </a:p>
         </p:txBody>
       </p:sp>
@@ -30833,14 +30846,14 @@
           </a:ln>
           <a:effectLst/>
           <a:extLst>
-            <a:ext uri="{909E8E84-426E-40dd-AFC4-6F175D3DCCD1}">
+            <a:ext uri="{909E8E84-426E-40DD-AFC4-6F175D3DCCD1}">
               <a14:hiddenFill xmlns:a14="http://schemas.microsoft.com/office/drawing/2010/main">
                 <a:solidFill>
                   <a:srgbClr val="FFFFFF"/>
                 </a:solidFill>
               </a14:hiddenFill>
             </a:ext>
-            <a:ext uri="{91240B29-F687-4f45-9708-019B960494DF}">
+            <a:ext uri="{91240B29-F687-4F45-9708-019B960494DF}">
               <a14:hiddenLine xmlns:a14="http://schemas.microsoft.com/office/drawing/2010/main" w="9525" cap="flat">
                 <a:solidFill>
                   <a:srgbClr val="808080"/>
@@ -30850,7 +30863,7 @@
                 <a:tailEnd/>
               </a14:hiddenLine>
             </a:ext>
-            <a:ext uri="{AF507438-7753-43e0-B8FC-AC1667EBCBE1}">
+            <a:ext uri="{AF507438-7753-43E0-B8FC-AC1667EBCBE1}">
               <a14:hiddenEffects xmlns:a14="http://schemas.microsoft.com/office/drawing/2010/main">
                 <a:effectLst>
                   <a:outerShdw blurRad="63500" dist="38099" dir="2700000" algn="ctr" rotWithShape="0">
@@ -30862,7 +30875,7 @@
               </a14:hiddenEffects>
             </a:ext>
             <a:ext uri="{FAA26D3D-D897-4be2-8F04-BA451C77F1D7}">
-              <ma14:placeholderFlag xmlns:ma14="http://schemas.microsoft.com/office/mac/drawingml/2011/main" val="1"/>
+              <ma14:placeholderFlag xmlns:ma14="http://schemas.microsoft.com/office/mac/drawingml/2011/main" xmlns="" val="1"/>
             </a:ext>
           </a:extLst>
         </p:spPr>
@@ -31125,7 +31138,7 @@
   <p:timing>
     <p:tnLst>
       <p:par>
-        <p:cTn xmlns:p14="http://schemas.microsoft.com/office/powerpoint/2010/main" id="1" dur="indefinite" restart="never" nodeType="tmRoot"/>
+        <p:cTn id="1" dur="indefinite" restart="never" nodeType="tmRoot"/>
       </p:par>
     </p:tnLst>
   </p:timing>
@@ -31171,11 +31184,7 @@
           <a:p>
             <a:r>
               <a:rPr lang="en-US" dirty="0" smtClean="0"/>
-              <a:t>Question </a:t>
-            </a:r>
-            <a:r>
-              <a:rPr lang="en-US" dirty="0" smtClean="0"/>
-              <a:t>8</a:t>
+              <a:t>Question 8</a:t>
             </a:r>
             <a:endParaRPr lang="en-US" dirty="0"/>
           </a:p>
@@ -31474,14 +31483,14 @@
           </a:ln>
           <a:effectLst/>
           <a:extLst>
-            <a:ext uri="{909E8E84-426E-40dd-AFC4-6F175D3DCCD1}">
+            <a:ext uri="{909E8E84-426E-40DD-AFC4-6F175D3DCCD1}">
               <a14:hiddenFill xmlns:a14="http://schemas.microsoft.com/office/drawing/2010/main">
                 <a:solidFill>
                   <a:srgbClr val="FFFFFF"/>
                 </a:solidFill>
               </a14:hiddenFill>
             </a:ext>
-            <a:ext uri="{91240B29-F687-4f45-9708-019B960494DF}">
+            <a:ext uri="{91240B29-F687-4F45-9708-019B960494DF}">
               <a14:hiddenLine xmlns:a14="http://schemas.microsoft.com/office/drawing/2010/main" w="9525" cap="flat">
                 <a:solidFill>
                   <a:srgbClr val="808080"/>
@@ -31491,7 +31500,7 @@
                 <a:tailEnd/>
               </a14:hiddenLine>
             </a:ext>
-            <a:ext uri="{AF507438-7753-43e0-B8FC-AC1667EBCBE1}">
+            <a:ext uri="{AF507438-7753-43E0-B8FC-AC1667EBCBE1}">
               <a14:hiddenEffects xmlns:a14="http://schemas.microsoft.com/office/drawing/2010/main">
                 <a:effectLst>
                   <a:outerShdw blurRad="63500" dist="38099" dir="2700000" algn="ctr" rotWithShape="0">
@@ -31503,7 +31512,7 @@
               </a14:hiddenEffects>
             </a:ext>
             <a:ext uri="{FAA26D3D-D897-4be2-8F04-BA451C77F1D7}">
-              <ma14:placeholderFlag xmlns:ma14="http://schemas.microsoft.com/office/mac/drawingml/2011/main" val="1"/>
+              <ma14:placeholderFlag xmlns:ma14="http://schemas.microsoft.com/office/mac/drawingml/2011/main" xmlns="" val="1"/>
             </a:ext>
           </a:extLst>
         </p:spPr>
@@ -31766,7 +31775,7 @@
   <p:timing>
     <p:tnLst>
       <p:par>
-        <p:cTn xmlns:p14="http://schemas.microsoft.com/office/powerpoint/2010/main" id="1" dur="indefinite" restart="never" nodeType="tmRoot"/>
+        <p:cTn id="1" dur="indefinite" restart="never" nodeType="tmRoot"/>
       </p:par>
     </p:tnLst>
   </p:timing>
@@ -31978,14 +31987,14 @@
           </a:ln>
           <a:effectLst/>
           <a:extLst>
-            <a:ext uri="{909E8E84-426E-40dd-AFC4-6F175D3DCCD1}">
+            <a:ext uri="{909E8E84-426E-40DD-AFC4-6F175D3DCCD1}">
               <a14:hiddenFill xmlns:a14="http://schemas.microsoft.com/office/drawing/2010/main">
                 <a:solidFill>
                   <a:srgbClr val="FFFFFF"/>
                 </a:solidFill>
               </a14:hiddenFill>
             </a:ext>
-            <a:ext uri="{91240B29-F687-4f45-9708-019B960494DF}">
+            <a:ext uri="{91240B29-F687-4F45-9708-019B960494DF}">
               <a14:hiddenLine xmlns:a14="http://schemas.microsoft.com/office/drawing/2010/main" w="9525" cap="flat">
                 <a:solidFill>
                   <a:srgbClr val="808080"/>
@@ -31995,7 +32004,7 @@
                 <a:tailEnd/>
               </a14:hiddenLine>
             </a:ext>
-            <a:ext uri="{AF507438-7753-43e0-B8FC-AC1667EBCBE1}">
+            <a:ext uri="{AF507438-7753-43E0-B8FC-AC1667EBCBE1}">
               <a14:hiddenEffects xmlns:a14="http://schemas.microsoft.com/office/drawing/2010/main">
                 <a:effectLst>
                   <a:outerShdw blurRad="63500" dist="38099" dir="2700000" algn="ctr" rotWithShape="0">
@@ -32007,7 +32016,7 @@
               </a14:hiddenEffects>
             </a:ext>
             <a:ext uri="{FAA26D3D-D897-4be2-8F04-BA451C77F1D7}">
-              <ma14:placeholderFlag xmlns:ma14="http://schemas.microsoft.com/office/mac/drawingml/2011/main" val="1"/>
+              <ma14:placeholderFlag xmlns:ma14="http://schemas.microsoft.com/office/mac/drawingml/2011/main" xmlns="" val="1"/>
             </a:ext>
           </a:extLst>
         </p:spPr>
@@ -32270,7 +32279,7 @@
   <p:timing>
     <p:tnLst>
       <p:par>
-        <p:cTn xmlns:p14="http://schemas.microsoft.com/office/powerpoint/2010/main" id="1" dur="indefinite" restart="never" nodeType="tmRoot"/>
+        <p:cTn id="1" dur="indefinite" restart="never" nodeType="tmRoot"/>
       </p:par>
     </p:tnLst>
   </p:timing>
@@ -32449,7 +32458,7 @@
   <p:timing>
     <p:tnLst>
       <p:par>
-        <p:cTn xmlns:p14="http://schemas.microsoft.com/office/powerpoint/2010/main" id="1" dur="indefinite" restart="never" nodeType="tmRoot"/>
+        <p:cTn id="1" dur="indefinite" restart="never" nodeType="tmRoot"/>
       </p:par>
     </p:tnLst>
   </p:timing>
@@ -32773,7 +32782,7 @@
   <p:timing>
     <p:tnLst>
       <p:par>
-        <p:cTn xmlns:p14="http://schemas.microsoft.com/office/powerpoint/2010/main" id="1" dur="indefinite" restart="never" nodeType="tmRoot"/>
+        <p:cTn id="1" dur="indefinite" restart="never" nodeType="tmRoot"/>
       </p:par>
     </p:tnLst>
   </p:timing>
@@ -32914,7 +32923,7 @@
   <p:timing>
     <p:tnLst>
       <p:par>
-        <p:cTn xmlns:p14="http://schemas.microsoft.com/office/powerpoint/2010/main" id="1" dur="indefinite" restart="never" nodeType="tmRoot"/>
+        <p:cTn id="1" dur="indefinite" restart="never" nodeType="tmRoot"/>
       </p:par>
     </p:tnLst>
   </p:timing>
@@ -33071,7 +33080,7 @@
   <p:timing>
     <p:tnLst>
       <p:par>
-        <p:cTn xmlns:p14="http://schemas.microsoft.com/office/powerpoint/2010/main" id="1" dur="indefinite" restart="never" nodeType="tmRoot"/>
+        <p:cTn id="1" dur="indefinite" restart="never" nodeType="tmRoot"/>
       </p:par>
     </p:tnLst>
   </p:timing>
@@ -33323,7 +33332,7 @@
         </a:ln>
         <a:effectLst/>
         <a:extLst>
-          <a:ext uri="{AF507438-7753-43e0-B8FC-AC1667EBCBE1}">
+          <a:ext uri="{AF507438-7753-43E0-B8FC-AC1667EBCBE1}">
             <a14:hiddenEffects xmlns:a14="http://schemas.microsoft.com/office/drawing/2010/main">
               <a:effectLst>
                 <a:outerShdw blurRad="63500" dist="38099" dir="2700000" algn="ctr" rotWithShape="0">
@@ -33402,7 +33411,7 @@
         </a:ln>
         <a:effectLst/>
         <a:extLst>
-          <a:ext uri="{AF507438-7753-43e0-B8FC-AC1667EBCBE1}">
+          <a:ext uri="{AF507438-7753-43E0-B8FC-AC1667EBCBE1}">
             <a14:hiddenEffects xmlns:a14="http://schemas.microsoft.com/office/drawing/2010/main">
               <a:effectLst>
                 <a:outerShdw blurRad="63500" dist="38099" dir="2700000" algn="ctr" rotWithShape="0">

--- a/2019-OracleCodeOne-HOL.pptx
+++ b/2019-OracleCodeOne-HOL.pptx
@@ -433,7 +433,7 @@
               <a:pPr>
                 <a:defRPr/>
               </a:pPr>
-              <a:t>9/8/2019</a:t>
+              <a:t>9/8/19</a:t>
             </a:fld>
             <a:endParaRPr lang="en-US"/>
           </a:p>
@@ -577,7 +577,7 @@
           </a:ln>
           <a:effectLst/>
           <a:extLst>
-            <a:ext uri="{91240B29-F687-4F45-9708-019B960494DF}">
+            <a:ext uri="{91240B29-F687-4f45-9708-019B960494DF}">
               <a14:hiddenLine xmlns:a14="http://schemas.microsoft.com/office/drawing/2010/main" w="9525" cap="flat">
                 <a:solidFill>
                   <a:srgbClr val="808080"/>
@@ -587,7 +587,7 @@
                 <a:tailEnd/>
               </a14:hiddenLine>
             </a:ext>
-            <a:ext uri="{AF507438-7753-43E0-B8FC-AC1667EBCBE1}">
+            <a:ext uri="{AF507438-7753-43e0-B8FC-AC1667EBCBE1}">
               <a14:hiddenEffects xmlns:a14="http://schemas.microsoft.com/office/drawing/2010/main">
                 <a:effectLst>
                   <a:outerShdw blurRad="63500" dist="38099" dir="2700000" algn="ctr" rotWithShape="0">
@@ -637,7 +637,7 @@
           </a:ln>
           <a:effectLst/>
           <a:extLst>
-            <a:ext uri="{91240B29-F687-4F45-9708-019B960494DF}">
+            <a:ext uri="{91240B29-F687-4f45-9708-019B960494DF}">
               <a14:hiddenLine xmlns:a14="http://schemas.microsoft.com/office/drawing/2010/main" w="9525" cap="flat">
                 <a:solidFill>
                   <a:srgbClr val="808080"/>
@@ -647,7 +647,7 @@
                 <a:tailEnd/>
               </a14:hiddenLine>
             </a:ext>
-            <a:ext uri="{AF507438-7753-43E0-B8FC-AC1667EBCBE1}">
+            <a:ext uri="{AF507438-7753-43e0-B8FC-AC1667EBCBE1}">
               <a14:hiddenEffects xmlns:a14="http://schemas.microsoft.com/office/drawing/2010/main">
                 <a:effectLst>
                   <a:outerShdw blurRad="63500" dist="38099" dir="2700000" algn="ctr" rotWithShape="0">
@@ -697,7 +697,7 @@
           </a:ln>
           <a:effectLst/>
           <a:extLst>
-            <a:ext uri="{91240B29-F687-4F45-9708-019B960494DF}">
+            <a:ext uri="{91240B29-F687-4f45-9708-019B960494DF}">
               <a14:hiddenLine xmlns:a14="http://schemas.microsoft.com/office/drawing/2010/main" w="9525" cap="flat">
                 <a:solidFill>
                   <a:srgbClr val="808080"/>
@@ -707,7 +707,7 @@
                 <a:tailEnd/>
               </a14:hiddenLine>
             </a:ext>
-            <a:ext uri="{AF507438-7753-43E0-B8FC-AC1667EBCBE1}">
+            <a:ext uri="{AF507438-7753-43e0-B8FC-AC1667EBCBE1}">
               <a14:hiddenEffects xmlns:a14="http://schemas.microsoft.com/office/drawing/2010/main">
                 <a:effectLst>
                   <a:outerShdw blurRad="63500" dist="38099" dir="2700000" algn="ctr" rotWithShape="0">
@@ -757,7 +757,7 @@
           </a:ln>
           <a:effectLst/>
           <a:extLst>
-            <a:ext uri="{91240B29-F687-4F45-9708-019B960494DF}">
+            <a:ext uri="{91240B29-F687-4f45-9708-019B960494DF}">
               <a14:hiddenLine xmlns:a14="http://schemas.microsoft.com/office/drawing/2010/main" w="9525" cap="flat">
                 <a:solidFill>
                   <a:srgbClr val="808080"/>
@@ -767,7 +767,7 @@
                 <a:tailEnd/>
               </a14:hiddenLine>
             </a:ext>
-            <a:ext uri="{AF507438-7753-43E0-B8FC-AC1667EBCBE1}">
+            <a:ext uri="{AF507438-7753-43e0-B8FC-AC1667EBCBE1}">
               <a14:hiddenEffects xmlns:a14="http://schemas.microsoft.com/office/drawing/2010/main">
                 <a:effectLst>
                   <a:outerShdw blurRad="63500" dist="38099" dir="2700000" algn="ctr" rotWithShape="0">
@@ -815,14 +815,14 @@
           </a:ln>
           <a:effectLst/>
           <a:extLst>
-            <a:ext uri="{909E8E84-426E-40DD-AFC4-6F175D3DCCD1}">
+            <a:ext uri="{909E8E84-426E-40dd-AFC4-6F175D3DCCD1}">
               <a14:hiddenFill xmlns:a14="http://schemas.microsoft.com/office/drawing/2010/main">
                 <a:solidFill>
                   <a:srgbClr val="FFFFFF"/>
                 </a:solidFill>
               </a14:hiddenFill>
             </a:ext>
-            <a:ext uri="{91240B29-F687-4F45-9708-019B960494DF}">
+            <a:ext uri="{91240B29-F687-4f45-9708-019B960494DF}">
               <a14:hiddenLine xmlns:a14="http://schemas.microsoft.com/office/drawing/2010/main" w="9525" cap="flat">
                 <a:solidFill>
                   <a:srgbClr val="808080"/>
@@ -832,7 +832,7 @@
                 <a:tailEnd/>
               </a14:hiddenLine>
             </a:ext>
-            <a:ext uri="{AF507438-7753-43E0-B8FC-AC1667EBCBE1}">
+            <a:ext uri="{AF507438-7753-43e0-B8FC-AC1667EBCBE1}">
               <a14:hiddenEffects xmlns:a14="http://schemas.microsoft.com/office/drawing/2010/main">
                 <a:effectLst>
                   <a:outerShdw blurRad="63500" dist="38099" dir="2700000" algn="ctr" rotWithShape="0">
@@ -844,7 +844,7 @@
               </a14:hiddenEffects>
             </a:ext>
             <a:ext uri="{FAA26D3D-D897-4be2-8F04-BA451C77F1D7}">
-              <ma14:placeholderFlag xmlns:ma14="http://schemas.microsoft.com/office/mac/drawingml/2011/main" xmlns="" val="1"/>
+              <ma14:placeholderFlag xmlns:ma14="http://schemas.microsoft.com/office/mac/drawingml/2011/main" val="1"/>
             </a:ext>
           </a:extLst>
         </p:spPr>
@@ -873,14 +873,14 @@
           </a:ln>
           <a:effectLst/>
           <a:extLst>
-            <a:ext uri="{909E8E84-426E-40DD-AFC4-6F175D3DCCD1}">
+            <a:ext uri="{909E8E84-426E-40dd-AFC4-6F175D3DCCD1}">
               <a14:hiddenFill xmlns:a14="http://schemas.microsoft.com/office/drawing/2010/main">
                 <a:solidFill>
                   <a:srgbClr val="FFFFFF"/>
                 </a:solidFill>
               </a14:hiddenFill>
             </a:ext>
-            <a:ext uri="{91240B29-F687-4F45-9708-019B960494DF}">
+            <a:ext uri="{91240B29-F687-4f45-9708-019B960494DF}">
               <a14:hiddenLine xmlns:a14="http://schemas.microsoft.com/office/drawing/2010/main" w="9525" cap="flat">
                 <a:solidFill>
                   <a:srgbClr val="808080"/>
@@ -890,7 +890,7 @@
                 <a:tailEnd/>
               </a14:hiddenLine>
             </a:ext>
-            <a:ext uri="{AF507438-7753-43E0-B8FC-AC1667EBCBE1}">
+            <a:ext uri="{AF507438-7753-43e0-B8FC-AC1667EBCBE1}">
               <a14:hiddenEffects xmlns:a14="http://schemas.microsoft.com/office/drawing/2010/main">
                 <a:effectLst>
                   <a:outerShdw blurRad="63500" dist="38099" dir="2700000" algn="ctr" rotWithShape="0">
@@ -902,7 +902,7 @@
               </a14:hiddenEffects>
             </a:ext>
             <a:ext uri="{FAA26D3D-D897-4be2-8F04-BA451C77F1D7}">
-              <ma14:placeholderFlag xmlns:ma14="http://schemas.microsoft.com/office/mac/drawingml/2011/main" xmlns="" val="1"/>
+              <ma14:placeholderFlag xmlns:ma14="http://schemas.microsoft.com/office/mac/drawingml/2011/main" val="1"/>
             </a:ext>
           </a:extLst>
         </p:spPr>
@@ -941,14 +941,14 @@
           </a:ln>
           <a:effectLst/>
           <a:extLst>
-            <a:ext uri="{909E8E84-426E-40DD-AFC4-6F175D3DCCD1}">
+            <a:ext uri="{909E8E84-426E-40dd-AFC4-6F175D3DCCD1}">
               <a14:hiddenFill xmlns:a14="http://schemas.microsoft.com/office/drawing/2010/main">
                 <a:solidFill>
                   <a:srgbClr val="FFFFFF"/>
                 </a:solidFill>
               </a14:hiddenFill>
             </a:ext>
-            <a:ext uri="{91240B29-F687-4F45-9708-019B960494DF}">
+            <a:ext uri="{91240B29-F687-4f45-9708-019B960494DF}">
               <a14:hiddenLine xmlns:a14="http://schemas.microsoft.com/office/drawing/2010/main" w="9525" cap="flat">
                 <a:solidFill>
                   <a:srgbClr val="808080"/>
@@ -958,7 +958,7 @@
                 <a:tailEnd/>
               </a14:hiddenLine>
             </a:ext>
-            <a:ext uri="{AF507438-7753-43E0-B8FC-AC1667EBCBE1}">
+            <a:ext uri="{AF507438-7753-43e0-B8FC-AC1667EBCBE1}">
               <a14:hiddenEffects xmlns:a14="http://schemas.microsoft.com/office/drawing/2010/main">
                 <a:effectLst>
                   <a:outerShdw blurRad="63500" dist="38099" dir="2700000" algn="ctr" rotWithShape="0">
@@ -1004,14 +1004,14 @@
           </a:ln>
           <a:effectLst/>
           <a:extLst>
-            <a:ext uri="{909E8E84-426E-40DD-AFC4-6F175D3DCCD1}">
+            <a:ext uri="{909E8E84-426E-40dd-AFC4-6F175D3DCCD1}">
               <a14:hiddenFill xmlns:a14="http://schemas.microsoft.com/office/drawing/2010/main">
                 <a:solidFill>
                   <a:srgbClr val="FFFFFF"/>
                 </a:solidFill>
               </a14:hiddenFill>
             </a:ext>
-            <a:ext uri="{91240B29-F687-4F45-9708-019B960494DF}">
+            <a:ext uri="{91240B29-F687-4f45-9708-019B960494DF}">
               <a14:hiddenLine xmlns:a14="http://schemas.microsoft.com/office/drawing/2010/main" w="9525" cap="flat">
                 <a:solidFill>
                   <a:srgbClr val="808080"/>
@@ -1021,7 +1021,7 @@
                 <a:tailEnd/>
               </a14:hiddenLine>
             </a:ext>
-            <a:ext uri="{AF507438-7753-43E0-B8FC-AC1667EBCBE1}">
+            <a:ext uri="{AF507438-7753-43e0-B8FC-AC1667EBCBE1}">
               <a14:hiddenEffects xmlns:a14="http://schemas.microsoft.com/office/drawing/2010/main">
                 <a:effectLst>
                   <a:outerShdw blurRad="63500" dist="38099" dir="2700000" algn="ctr" rotWithShape="0">
@@ -1067,14 +1067,14 @@
           </a:ln>
           <a:effectLst/>
           <a:extLst>
-            <a:ext uri="{909E8E84-426E-40DD-AFC4-6F175D3DCCD1}">
+            <a:ext uri="{909E8E84-426E-40dd-AFC4-6F175D3DCCD1}">
               <a14:hiddenFill xmlns:a14="http://schemas.microsoft.com/office/drawing/2010/main">
                 <a:solidFill>
                   <a:srgbClr val="FFFFFF"/>
                 </a:solidFill>
               </a14:hiddenFill>
             </a:ext>
-            <a:ext uri="{91240B29-F687-4F45-9708-019B960494DF}">
+            <a:ext uri="{91240B29-F687-4f45-9708-019B960494DF}">
               <a14:hiddenLine xmlns:a14="http://schemas.microsoft.com/office/drawing/2010/main" w="9525" cap="flat">
                 <a:solidFill>
                   <a:srgbClr val="808080"/>
@@ -1084,7 +1084,7 @@
                 <a:tailEnd/>
               </a14:hiddenLine>
             </a:ext>
-            <a:ext uri="{AF507438-7753-43E0-B8FC-AC1667EBCBE1}">
+            <a:ext uri="{AF507438-7753-43e0-B8FC-AC1667EBCBE1}">
               <a14:hiddenEffects xmlns:a14="http://schemas.microsoft.com/office/drawing/2010/main">
                 <a:effectLst>
                   <a:outerShdw blurRad="63500" dist="38099" dir="2700000" algn="ctr" rotWithShape="0">
@@ -1132,14 +1132,14 @@
           </a:ln>
           <a:effectLst/>
           <a:extLst>
-            <a:ext uri="{909E8E84-426E-40DD-AFC4-6F175D3DCCD1}">
+            <a:ext uri="{909E8E84-426E-40dd-AFC4-6F175D3DCCD1}">
               <a14:hiddenFill xmlns:a14="http://schemas.microsoft.com/office/drawing/2010/main">
                 <a:solidFill>
                   <a:srgbClr val="FFFFFF"/>
                 </a:solidFill>
               </a14:hiddenFill>
             </a:ext>
-            <a:ext uri="{91240B29-F687-4F45-9708-019B960494DF}">
+            <a:ext uri="{91240B29-F687-4f45-9708-019B960494DF}">
               <a14:hiddenLine xmlns:a14="http://schemas.microsoft.com/office/drawing/2010/main" w="9525" cap="flat">
                 <a:solidFill>
                   <a:srgbClr val="808080"/>
@@ -1149,7 +1149,7 @@
                 <a:tailEnd/>
               </a14:hiddenLine>
             </a:ext>
-            <a:ext uri="{AF507438-7753-43E0-B8FC-AC1667EBCBE1}">
+            <a:ext uri="{AF507438-7753-43e0-B8FC-AC1667EBCBE1}">
               <a14:hiddenEffects xmlns:a14="http://schemas.microsoft.com/office/drawing/2010/main">
                 <a:effectLst>
                   <a:outerShdw blurRad="63500" dist="38099" dir="2700000" algn="ctr" rotWithShape="0">
@@ -1161,7 +1161,7 @@
               </a14:hiddenEffects>
             </a:ext>
             <a:ext uri="{FAA26D3D-D897-4be2-8F04-BA451C77F1D7}">
-              <ma14:placeholderFlag xmlns:ma14="http://schemas.microsoft.com/office/mac/drawingml/2011/main" xmlns="" val="1"/>
+              <ma14:placeholderFlag xmlns:ma14="http://schemas.microsoft.com/office/mac/drawingml/2011/main" val="1"/>
             </a:ext>
           </a:extLst>
         </p:spPr>
@@ -7977,14 +7977,14 @@
           </a:ln>
           <a:effectLst/>
           <a:extLst>
-            <a:ext uri="{909E8E84-426E-40DD-AFC4-6F175D3DCCD1}">
+            <a:ext uri="{909E8E84-426E-40dd-AFC4-6F175D3DCCD1}">
               <a14:hiddenFill xmlns:a14="http://schemas.microsoft.com/office/drawing/2010/main">
                 <a:solidFill>
                   <a:srgbClr val="FFFFFF"/>
                 </a:solidFill>
               </a14:hiddenFill>
             </a:ext>
-            <a:ext uri="{91240B29-F687-4F45-9708-019B960494DF}">
+            <a:ext uri="{91240B29-F687-4f45-9708-019B960494DF}">
               <a14:hiddenLine xmlns:a14="http://schemas.microsoft.com/office/drawing/2010/main" w="9525" cap="flat">
                 <a:solidFill>
                   <a:srgbClr val="808080"/>
@@ -7994,7 +7994,7 @@
                 <a:tailEnd/>
               </a14:hiddenLine>
             </a:ext>
-            <a:ext uri="{AF507438-7753-43E0-B8FC-AC1667EBCBE1}">
+            <a:ext uri="{AF507438-7753-43e0-B8FC-AC1667EBCBE1}">
               <a14:hiddenEffects xmlns:a14="http://schemas.microsoft.com/office/drawing/2010/main">
                 <a:effectLst>
                   <a:outerShdw blurRad="63500" dist="38099" dir="2700000" algn="ctr" rotWithShape="0">
@@ -8006,7 +8006,7 @@
               </a14:hiddenEffects>
             </a:ext>
             <a:ext uri="{FAA26D3D-D897-4be2-8F04-BA451C77F1D7}">
-              <ma14:placeholderFlag xmlns:ma14="http://schemas.microsoft.com/office/mac/drawingml/2011/main" xmlns="" val="1"/>
+              <ma14:placeholderFlag xmlns:ma14="http://schemas.microsoft.com/office/mac/drawingml/2011/main" val="1"/>
             </a:ext>
           </a:extLst>
         </p:spPr>
@@ -8050,14 +8050,14 @@
           </a:ln>
           <a:effectLst/>
           <a:extLst>
-            <a:ext uri="{909E8E84-426E-40DD-AFC4-6F175D3DCCD1}">
+            <a:ext uri="{909E8E84-426E-40dd-AFC4-6F175D3DCCD1}">
               <a14:hiddenFill xmlns:a14="http://schemas.microsoft.com/office/drawing/2010/main">
                 <a:solidFill>
                   <a:srgbClr val="FFFFFF"/>
                 </a:solidFill>
               </a14:hiddenFill>
             </a:ext>
-            <a:ext uri="{91240B29-F687-4F45-9708-019B960494DF}">
+            <a:ext uri="{91240B29-F687-4f45-9708-019B960494DF}">
               <a14:hiddenLine xmlns:a14="http://schemas.microsoft.com/office/drawing/2010/main" w="9525" cap="flat">
                 <a:solidFill>
                   <a:srgbClr val="808080"/>
@@ -8067,7 +8067,7 @@
                 <a:tailEnd/>
               </a14:hiddenLine>
             </a:ext>
-            <a:ext uri="{AF507438-7753-43E0-B8FC-AC1667EBCBE1}">
+            <a:ext uri="{AF507438-7753-43e0-B8FC-AC1667EBCBE1}">
               <a14:hiddenEffects xmlns:a14="http://schemas.microsoft.com/office/drawing/2010/main">
                 <a:effectLst>
                   <a:outerShdw blurRad="63500" dist="38099" dir="2700000" algn="ctr" rotWithShape="0">
@@ -8079,7 +8079,7 @@
               </a14:hiddenEffects>
             </a:ext>
             <a:ext uri="{FAA26D3D-D897-4be2-8F04-BA451C77F1D7}">
-              <ma14:placeholderFlag xmlns:ma14="http://schemas.microsoft.com/office/mac/drawingml/2011/main" xmlns="" val="1"/>
+              <ma14:placeholderFlag xmlns:ma14="http://schemas.microsoft.com/office/mac/drawingml/2011/main" val="1"/>
             </a:ext>
           </a:extLst>
         </p:spPr>
@@ -8177,14 +8177,14 @@
           </a:ln>
           <a:effectLst/>
           <a:extLst>
-            <a:ext uri="{909E8E84-426E-40DD-AFC4-6F175D3DCCD1}">
+            <a:ext uri="{909E8E84-426E-40dd-AFC4-6F175D3DCCD1}">
               <a14:hiddenFill xmlns:a14="http://schemas.microsoft.com/office/drawing/2010/main">
                 <a:solidFill>
                   <a:srgbClr val="FFFFFF"/>
                 </a:solidFill>
               </a14:hiddenFill>
             </a:ext>
-            <a:ext uri="{91240B29-F687-4F45-9708-019B960494DF}">
+            <a:ext uri="{91240B29-F687-4f45-9708-019B960494DF}">
               <a14:hiddenLine xmlns:a14="http://schemas.microsoft.com/office/drawing/2010/main" w="9525" cap="flat">
                 <a:solidFill>
                   <a:srgbClr val="808080"/>
@@ -8194,7 +8194,7 @@
                 <a:tailEnd/>
               </a14:hiddenLine>
             </a:ext>
-            <a:ext uri="{AF507438-7753-43E0-B8FC-AC1667EBCBE1}">
+            <a:ext uri="{AF507438-7753-43e0-B8FC-AC1667EBCBE1}">
               <a14:hiddenEffects xmlns:a14="http://schemas.microsoft.com/office/drawing/2010/main">
                 <a:effectLst>
                   <a:outerShdw blurRad="63500" dist="38099" dir="2700000" algn="ctr" rotWithShape="0">
@@ -8240,14 +8240,14 @@
           </a:ln>
           <a:effectLst/>
           <a:extLst>
-            <a:ext uri="{909E8E84-426E-40DD-AFC4-6F175D3DCCD1}">
+            <a:ext uri="{909E8E84-426E-40dd-AFC4-6F175D3DCCD1}">
               <a14:hiddenFill xmlns:a14="http://schemas.microsoft.com/office/drawing/2010/main">
                 <a:solidFill>
                   <a:srgbClr val="FFFFFF"/>
                 </a:solidFill>
               </a14:hiddenFill>
             </a:ext>
-            <a:ext uri="{91240B29-F687-4F45-9708-019B960494DF}">
+            <a:ext uri="{91240B29-F687-4f45-9708-019B960494DF}">
               <a14:hiddenLine xmlns:a14="http://schemas.microsoft.com/office/drawing/2010/main" w="9525" cap="flat">
                 <a:solidFill>
                   <a:srgbClr val="808080"/>
@@ -8257,7 +8257,7 @@
                 <a:tailEnd/>
               </a14:hiddenLine>
             </a:ext>
-            <a:ext uri="{AF507438-7753-43E0-B8FC-AC1667EBCBE1}">
+            <a:ext uri="{AF507438-7753-43e0-B8FC-AC1667EBCBE1}">
               <a14:hiddenEffects xmlns:a14="http://schemas.microsoft.com/office/drawing/2010/main">
                 <a:effectLst>
                   <a:outerShdw blurRad="63500" dist="38099" dir="2700000" algn="ctr" rotWithShape="0">
@@ -8305,14 +8305,14 @@
           </a:ln>
           <a:effectLst/>
           <a:extLst>
-            <a:ext uri="{909E8E84-426E-40DD-AFC4-6F175D3DCCD1}">
+            <a:ext uri="{909E8E84-426E-40dd-AFC4-6F175D3DCCD1}">
               <a14:hiddenFill xmlns:a14="http://schemas.microsoft.com/office/drawing/2010/main">
                 <a:solidFill>
                   <a:srgbClr val="FFFFFF"/>
                 </a:solidFill>
               </a14:hiddenFill>
             </a:ext>
-            <a:ext uri="{91240B29-F687-4F45-9708-019B960494DF}">
+            <a:ext uri="{91240B29-F687-4f45-9708-019B960494DF}">
               <a14:hiddenLine xmlns:a14="http://schemas.microsoft.com/office/drawing/2010/main" w="9525" cap="flat">
                 <a:solidFill>
                   <a:srgbClr val="808080"/>
@@ -8322,7 +8322,7 @@
                 <a:tailEnd/>
               </a14:hiddenLine>
             </a:ext>
-            <a:ext uri="{AF507438-7753-43E0-B8FC-AC1667EBCBE1}">
+            <a:ext uri="{AF507438-7753-43e0-B8FC-AC1667EBCBE1}">
               <a14:hiddenEffects xmlns:a14="http://schemas.microsoft.com/office/drawing/2010/main">
                 <a:effectLst>
                   <a:outerShdw blurRad="63500" dist="38099" dir="2700000" algn="ctr" rotWithShape="0">
@@ -8334,7 +8334,7 @@
               </a14:hiddenEffects>
             </a:ext>
             <a:ext uri="{FAA26D3D-D897-4be2-8F04-BA451C77F1D7}">
-              <ma14:placeholderFlag xmlns:ma14="http://schemas.microsoft.com/office/mac/drawingml/2011/main" xmlns="" val="1"/>
+              <ma14:placeholderFlag xmlns:ma14="http://schemas.microsoft.com/office/mac/drawingml/2011/main" val="1"/>
             </a:ext>
           </a:extLst>
         </p:spPr>
@@ -8403,7 +8403,7 @@
           <a:effectLst/>
           <a:extLst>
             <a:ext uri="{FAA26D3D-D897-4be2-8F04-BA451C77F1D7}">
-              <ma14:placeholderFlag xmlns:ma14="http://schemas.microsoft.com/office/mac/drawingml/2011/main" xmlns="" val="1"/>
+              <ma14:placeholderFlag xmlns:ma14="http://schemas.microsoft.com/office/mac/drawingml/2011/main" val="1"/>
             </a:ext>
           </a:extLst>
         </p:spPr>
@@ -9307,14 +9307,14 @@
           </a:ln>
           <a:effectLst/>
           <a:extLst>
-            <a:ext uri="{909E8E84-426E-40DD-AFC4-6F175D3DCCD1}">
+            <a:ext uri="{909E8E84-426E-40dd-AFC4-6F175D3DCCD1}">
               <a14:hiddenFill xmlns:a14="http://schemas.microsoft.com/office/drawing/2010/main">
                 <a:solidFill>
                   <a:srgbClr val="FFFFFF"/>
                 </a:solidFill>
               </a14:hiddenFill>
             </a:ext>
-            <a:ext uri="{91240B29-F687-4F45-9708-019B960494DF}">
+            <a:ext uri="{91240B29-F687-4f45-9708-019B960494DF}">
               <a14:hiddenLine xmlns:a14="http://schemas.microsoft.com/office/drawing/2010/main" w="9525" cap="flat">
                 <a:solidFill>
                   <a:srgbClr val="808080"/>
@@ -9324,7 +9324,7 @@
                 <a:tailEnd/>
               </a14:hiddenLine>
             </a:ext>
-            <a:ext uri="{AF507438-7753-43E0-B8FC-AC1667EBCBE1}">
+            <a:ext uri="{AF507438-7753-43e0-B8FC-AC1667EBCBE1}">
               <a14:hiddenEffects xmlns:a14="http://schemas.microsoft.com/office/drawing/2010/main">
                 <a:effectLst>
                   <a:outerShdw blurRad="63500" dist="38099" dir="2700000" algn="ctr" rotWithShape="0">
@@ -9336,7 +9336,7 @@
               </a14:hiddenEffects>
             </a:ext>
             <a:ext uri="{FAA26D3D-D897-4be2-8F04-BA451C77F1D7}">
-              <ma14:placeholderFlag xmlns:ma14="http://schemas.microsoft.com/office/mac/drawingml/2011/main" xmlns="" val="1"/>
+              <ma14:placeholderFlag xmlns:ma14="http://schemas.microsoft.com/office/mac/drawingml/2011/main" val="1"/>
             </a:ext>
           </a:extLst>
         </p:spPr>
@@ -9620,7 +9620,7 @@
   <p:timing>
     <p:tnLst>
       <p:par>
-        <p:cTn id="1" dur="indefinite" restart="never" nodeType="tmRoot"/>
+        <p:cTn xmlns:p14="http://schemas.microsoft.com/office/powerpoint/2010/main" id="1" dur="indefinite" restart="never" nodeType="tmRoot"/>
       </p:par>
     </p:tnLst>
   </p:timing>
@@ -9727,7 +9727,7 @@
           </a:prstGeom>
           <a:noFill/>
           <a:extLst>
-            <a:ext uri="{909E8E84-426E-40DD-AFC4-6F175D3DCCD1}">
+            <a:ext uri="{909E8E84-426E-40dd-AFC4-6F175D3DCCD1}">
               <a14:hiddenFill xmlns:a14="http://schemas.microsoft.com/office/drawing/2010/main">
                 <a:solidFill>
                   <a:srgbClr val="FFFFFF"/>
@@ -9750,7 +9750,7 @@
   <p:timing>
     <p:tnLst>
       <p:par>
-        <p:cTn id="1" dur="indefinite" restart="never" nodeType="tmRoot"/>
+        <p:cTn xmlns:p14="http://schemas.microsoft.com/office/powerpoint/2010/main" id="1" dur="indefinite" restart="never" nodeType="tmRoot"/>
       </p:par>
     </p:tnLst>
   </p:timing>
@@ -10594,7 +10594,7 @@
         </p:nvGraphicFramePr>
         <p:xfrm>
           <a:off x="838200" y="1276350"/>
-          <a:ext cx="7504114" cy="2926080"/>
+          <a:ext cx="7504114" cy="2926079"/>
         </p:xfrm>
         <a:graphic>
           <a:graphicData uri="http://schemas.openxmlformats.org/drawingml/2006/table">
@@ -10886,7 +10886,7 @@
   <p:timing>
     <p:tnLst>
       <p:par>
-        <p:cTn id="1" dur="indefinite" restart="never" nodeType="tmRoot"/>
+        <p:cTn xmlns:p14="http://schemas.microsoft.com/office/powerpoint/2010/main" id="1" dur="indefinite" restart="never" nodeType="tmRoot"/>
       </p:par>
     </p:tnLst>
   </p:timing>
@@ -10990,7 +10990,7 @@
           </a:ln>
           <a:effectLst/>
           <a:extLst>
-            <a:ext uri="{AF507438-7753-43E0-B8FC-AC1667EBCBE1}">
+            <a:ext uri="{AF507438-7753-43e0-B8FC-AC1667EBCBE1}">
               <a14:hiddenEffects xmlns:a14="http://schemas.microsoft.com/office/drawing/2010/main">
                 <a:effectLst>
                   <a:outerShdw blurRad="63500" dist="38099" dir="2700000" algn="ctr" rotWithShape="0">
@@ -11506,7 +11506,7 @@
           </a:ln>
           <a:effectLst/>
           <a:extLst>
-            <a:ext uri="{AF507438-7753-43E0-B8FC-AC1667EBCBE1}">
+            <a:ext uri="{AF507438-7753-43e0-B8FC-AC1667EBCBE1}">
               <a14:hiddenEffects xmlns:a14="http://schemas.microsoft.com/office/drawing/2010/main">
                 <a:effectLst>
                   <a:outerShdw blurRad="63500" dist="38099" dir="2700000" algn="ctr" rotWithShape="0">
@@ -11533,7 +11533,7 @@
   <p:timing>
     <p:tnLst>
       <p:par>
-        <p:cTn id="1" dur="indefinite" restart="never" nodeType="tmRoot"/>
+        <p:cTn xmlns:p14="http://schemas.microsoft.com/office/powerpoint/2010/main" id="1" dur="indefinite" restart="never" nodeType="tmRoot"/>
       </p:par>
     </p:tnLst>
   </p:timing>
@@ -11709,7 +11709,7 @@
   <p:timing>
     <p:tnLst>
       <p:par>
-        <p:cTn id="1" dur="indefinite" restart="never" nodeType="tmRoot"/>
+        <p:cTn xmlns:p14="http://schemas.microsoft.com/office/powerpoint/2010/main" id="1" dur="indefinite" restart="never" nodeType="tmRoot"/>
       </p:par>
     </p:tnLst>
   </p:timing>
@@ -12043,7 +12043,7 @@
   <p:timing>
     <p:tnLst>
       <p:par>
-        <p:cTn id="1" dur="indefinite" restart="never" nodeType="tmRoot"/>
+        <p:cTn xmlns:p14="http://schemas.microsoft.com/office/powerpoint/2010/main" id="1" dur="indefinite" restart="never" nodeType="tmRoot"/>
       </p:par>
     </p:tnLst>
   </p:timing>
@@ -12203,7 +12203,7 @@
   <p:timing>
     <p:tnLst>
       <p:par>
-        <p:cTn id="1" dur="indefinite" restart="never" nodeType="tmRoot"/>
+        <p:cTn xmlns:p14="http://schemas.microsoft.com/office/powerpoint/2010/main" id="1" dur="indefinite" restart="never" nodeType="tmRoot"/>
       </p:par>
     </p:tnLst>
   </p:timing>
@@ -12532,7 +12532,7 @@
   <p:timing>
     <p:tnLst>
       <p:par>
-        <p:cTn id="1" dur="indefinite" restart="never" nodeType="tmRoot"/>
+        <p:cTn xmlns:p14="http://schemas.microsoft.com/office/powerpoint/2010/main" id="1" dur="indefinite" restart="never" nodeType="tmRoot"/>
       </p:par>
     </p:tnLst>
   </p:timing>
@@ -12664,7 +12664,7 @@
   <p:timing>
     <p:tnLst>
       <p:par>
-        <p:cTn id="1" dur="indefinite" restart="never" nodeType="tmRoot"/>
+        <p:cTn xmlns:p14="http://schemas.microsoft.com/office/powerpoint/2010/main" id="1" dur="indefinite" restart="never" nodeType="tmRoot"/>
       </p:par>
     </p:tnLst>
   </p:timing>
@@ -12819,7 +12819,7 @@
   <p:timing>
     <p:tnLst>
       <p:par>
-        <p:cTn id="1" dur="indefinite" restart="never" nodeType="tmRoot"/>
+        <p:cTn xmlns:p14="http://schemas.microsoft.com/office/powerpoint/2010/main" id="1" dur="indefinite" restart="never" nodeType="tmRoot"/>
       </p:par>
     </p:tnLst>
   </p:timing>
@@ -13024,14 +13024,14 @@
           </a:ln>
           <a:effectLst/>
           <a:extLst>
-            <a:ext uri="{909E8E84-426E-40DD-AFC4-6F175D3DCCD1}">
+            <a:ext uri="{909E8E84-426E-40dd-AFC4-6F175D3DCCD1}">
               <a14:hiddenFill xmlns:a14="http://schemas.microsoft.com/office/drawing/2010/main">
                 <a:solidFill>
                   <a:srgbClr val="FFFFFF"/>
                 </a:solidFill>
               </a14:hiddenFill>
             </a:ext>
-            <a:ext uri="{91240B29-F687-4F45-9708-019B960494DF}">
+            <a:ext uri="{91240B29-F687-4f45-9708-019B960494DF}">
               <a14:hiddenLine xmlns:a14="http://schemas.microsoft.com/office/drawing/2010/main" w="9525" cap="flat">
                 <a:solidFill>
                   <a:srgbClr val="808080"/>
@@ -13041,7 +13041,7 @@
                 <a:tailEnd/>
               </a14:hiddenLine>
             </a:ext>
-            <a:ext uri="{AF507438-7753-43E0-B8FC-AC1667EBCBE1}">
+            <a:ext uri="{AF507438-7753-43e0-B8FC-AC1667EBCBE1}">
               <a14:hiddenEffects xmlns:a14="http://schemas.microsoft.com/office/drawing/2010/main">
                 <a:effectLst>
                   <a:outerShdw blurRad="63500" dist="38099" dir="2700000" algn="ctr" rotWithShape="0">
@@ -13053,7 +13053,7 @@
               </a14:hiddenEffects>
             </a:ext>
             <a:ext uri="{FAA26D3D-D897-4be2-8F04-BA451C77F1D7}">
-              <ma14:placeholderFlag xmlns:ma14="http://schemas.microsoft.com/office/mac/drawingml/2011/main" xmlns="" val="1"/>
+              <ma14:placeholderFlag xmlns:ma14="http://schemas.microsoft.com/office/mac/drawingml/2011/main" val="1"/>
             </a:ext>
           </a:extLst>
         </p:spPr>
@@ -13303,7 +13303,7 @@
   <p:timing>
     <p:tnLst>
       <p:par>
-        <p:cTn id="1" dur="indefinite" restart="never" nodeType="tmRoot"/>
+        <p:cTn xmlns:p14="http://schemas.microsoft.com/office/powerpoint/2010/main" id="1" dur="indefinite" restart="never" nodeType="tmRoot"/>
       </p:par>
     </p:tnLst>
   </p:timing>
@@ -13505,14 +13505,14 @@
           </a:ln>
           <a:effectLst/>
           <a:extLst>
-            <a:ext uri="{909E8E84-426E-40DD-AFC4-6F175D3DCCD1}">
+            <a:ext uri="{909E8E84-426E-40dd-AFC4-6F175D3DCCD1}">
               <a14:hiddenFill xmlns:a14="http://schemas.microsoft.com/office/drawing/2010/main">
                 <a:solidFill>
                   <a:srgbClr val="FFFFFF"/>
                 </a:solidFill>
               </a14:hiddenFill>
             </a:ext>
-            <a:ext uri="{91240B29-F687-4F45-9708-019B960494DF}">
+            <a:ext uri="{91240B29-F687-4f45-9708-019B960494DF}">
               <a14:hiddenLine xmlns:a14="http://schemas.microsoft.com/office/drawing/2010/main" w="9525" cap="flat">
                 <a:solidFill>
                   <a:srgbClr val="808080"/>
@@ -13522,7 +13522,7 @@
                 <a:tailEnd/>
               </a14:hiddenLine>
             </a:ext>
-            <a:ext uri="{AF507438-7753-43E0-B8FC-AC1667EBCBE1}">
+            <a:ext uri="{AF507438-7753-43e0-B8FC-AC1667EBCBE1}">
               <a14:hiddenEffects xmlns:a14="http://schemas.microsoft.com/office/drawing/2010/main">
                 <a:effectLst>
                   <a:outerShdw blurRad="63500" dist="38099" dir="2700000" algn="ctr" rotWithShape="0">
@@ -13534,7 +13534,7 @@
               </a14:hiddenEffects>
             </a:ext>
             <a:ext uri="{FAA26D3D-D897-4be2-8F04-BA451C77F1D7}">
-              <ma14:placeholderFlag xmlns:ma14="http://schemas.microsoft.com/office/mac/drawingml/2011/main" xmlns="" val="1"/>
+              <ma14:placeholderFlag xmlns:ma14="http://schemas.microsoft.com/office/mac/drawingml/2011/main" val="1"/>
             </a:ext>
           </a:extLst>
         </p:spPr>
@@ -13784,7 +13784,7 @@
   <p:timing>
     <p:tnLst>
       <p:par>
-        <p:cTn id="1" dur="indefinite" restart="never" nodeType="tmRoot"/>
+        <p:cTn xmlns:p14="http://schemas.microsoft.com/office/powerpoint/2010/main" id="1" dur="indefinite" restart="never" nodeType="tmRoot"/>
       </p:par>
     </p:tnLst>
   </p:timing>
@@ -13989,14 +13989,14 @@
           </a:ln>
           <a:effectLst/>
           <a:extLst>
-            <a:ext uri="{909E8E84-426E-40DD-AFC4-6F175D3DCCD1}">
+            <a:ext uri="{909E8E84-426E-40dd-AFC4-6F175D3DCCD1}">
               <a14:hiddenFill xmlns:a14="http://schemas.microsoft.com/office/drawing/2010/main">
                 <a:solidFill>
                   <a:srgbClr val="FFFFFF"/>
                 </a:solidFill>
               </a14:hiddenFill>
             </a:ext>
-            <a:ext uri="{91240B29-F687-4F45-9708-019B960494DF}">
+            <a:ext uri="{91240B29-F687-4f45-9708-019B960494DF}">
               <a14:hiddenLine xmlns:a14="http://schemas.microsoft.com/office/drawing/2010/main" w="9525" cap="flat">
                 <a:solidFill>
                   <a:srgbClr val="808080"/>
@@ -14006,7 +14006,7 @@
                 <a:tailEnd/>
               </a14:hiddenLine>
             </a:ext>
-            <a:ext uri="{AF507438-7753-43E0-B8FC-AC1667EBCBE1}">
+            <a:ext uri="{AF507438-7753-43e0-B8FC-AC1667EBCBE1}">
               <a14:hiddenEffects xmlns:a14="http://schemas.microsoft.com/office/drawing/2010/main">
                 <a:effectLst>
                   <a:outerShdw blurRad="63500" dist="38099" dir="2700000" algn="ctr" rotWithShape="0">
@@ -14018,7 +14018,7 @@
               </a14:hiddenEffects>
             </a:ext>
             <a:ext uri="{FAA26D3D-D897-4be2-8F04-BA451C77F1D7}">
-              <ma14:placeholderFlag xmlns:ma14="http://schemas.microsoft.com/office/mac/drawingml/2011/main" xmlns="" val="1"/>
+              <ma14:placeholderFlag xmlns:ma14="http://schemas.microsoft.com/office/mac/drawingml/2011/main" val="1"/>
             </a:ext>
           </a:extLst>
         </p:spPr>
@@ -14268,7 +14268,7 @@
   <p:timing>
     <p:tnLst>
       <p:par>
-        <p:cTn id="1" dur="indefinite" restart="never" nodeType="tmRoot"/>
+        <p:cTn xmlns:p14="http://schemas.microsoft.com/office/powerpoint/2010/main" id="1" dur="indefinite" restart="never" nodeType="tmRoot"/>
       </p:par>
     </p:tnLst>
   </p:timing>
@@ -14466,14 +14466,14 @@
           </a:ln>
           <a:effectLst/>
           <a:extLst>
-            <a:ext uri="{909E8E84-426E-40DD-AFC4-6F175D3DCCD1}">
+            <a:ext uri="{909E8E84-426E-40dd-AFC4-6F175D3DCCD1}">
               <a14:hiddenFill xmlns:a14="http://schemas.microsoft.com/office/drawing/2010/main">
                 <a:solidFill>
                   <a:srgbClr val="FFFFFF"/>
                 </a:solidFill>
               </a14:hiddenFill>
             </a:ext>
-            <a:ext uri="{91240B29-F687-4F45-9708-019B960494DF}">
+            <a:ext uri="{91240B29-F687-4f45-9708-019B960494DF}">
               <a14:hiddenLine xmlns:a14="http://schemas.microsoft.com/office/drawing/2010/main" w="9525" cap="flat">
                 <a:solidFill>
                   <a:srgbClr val="808080"/>
@@ -14483,7 +14483,7 @@
                 <a:tailEnd/>
               </a14:hiddenLine>
             </a:ext>
-            <a:ext uri="{AF507438-7753-43E0-B8FC-AC1667EBCBE1}">
+            <a:ext uri="{AF507438-7753-43e0-B8FC-AC1667EBCBE1}">
               <a14:hiddenEffects xmlns:a14="http://schemas.microsoft.com/office/drawing/2010/main">
                 <a:effectLst>
                   <a:outerShdw blurRad="63500" dist="38099" dir="2700000" algn="ctr" rotWithShape="0">
@@ -14495,7 +14495,7 @@
               </a14:hiddenEffects>
             </a:ext>
             <a:ext uri="{FAA26D3D-D897-4be2-8F04-BA451C77F1D7}">
-              <ma14:placeholderFlag xmlns:ma14="http://schemas.microsoft.com/office/mac/drawingml/2011/main" xmlns="" val="1"/>
+              <ma14:placeholderFlag xmlns:ma14="http://schemas.microsoft.com/office/mac/drawingml/2011/main" val="1"/>
             </a:ext>
           </a:extLst>
         </p:spPr>
@@ -14745,7 +14745,7 @@
   <p:timing>
     <p:tnLst>
       <p:par>
-        <p:cTn id="1" dur="indefinite" restart="never" nodeType="tmRoot"/>
+        <p:cTn xmlns:p14="http://schemas.microsoft.com/office/powerpoint/2010/main" id="1" dur="indefinite" restart="never" nodeType="tmRoot"/>
       </p:par>
     </p:tnLst>
   </p:timing>
@@ -14901,7 +14901,7 @@
   <p:timing>
     <p:tnLst>
       <p:par>
-        <p:cTn id="1" dur="indefinite" restart="never" nodeType="tmRoot"/>
+        <p:cTn xmlns:p14="http://schemas.microsoft.com/office/powerpoint/2010/main" id="1" dur="indefinite" restart="never" nodeType="tmRoot"/>
       </p:par>
     </p:tnLst>
   </p:timing>
@@ -15063,7 +15063,7 @@
   <p:timing>
     <p:tnLst>
       <p:par>
-        <p:cTn id="1" dur="indefinite" restart="never" nodeType="tmRoot"/>
+        <p:cTn xmlns:p14="http://schemas.microsoft.com/office/powerpoint/2010/main" id="1" dur="indefinite" restart="never" nodeType="tmRoot"/>
       </p:par>
     </p:tnLst>
   </p:timing>
@@ -15205,7 +15205,7 @@
   <p:timing>
     <p:tnLst>
       <p:par>
-        <p:cTn id="1" dur="indefinite" restart="never" nodeType="tmRoot"/>
+        <p:cTn xmlns:p14="http://schemas.microsoft.com/office/powerpoint/2010/main" id="1" dur="indefinite" restart="never" nodeType="tmRoot"/>
       </p:par>
     </p:tnLst>
   </p:timing>
@@ -15401,7 +15401,7 @@
   <p:timing>
     <p:tnLst>
       <p:par>
-        <p:cTn id="1" dur="indefinite" restart="never" nodeType="tmRoot"/>
+        <p:cTn xmlns:p14="http://schemas.microsoft.com/office/powerpoint/2010/main" id="1" dur="indefinite" restart="never" nodeType="tmRoot"/>
       </p:par>
     </p:tnLst>
   </p:timing>
@@ -15565,7 +15565,7 @@
   <p:timing>
     <p:tnLst>
       <p:par>
-        <p:cTn id="1" dur="indefinite" restart="never" nodeType="tmRoot"/>
+        <p:cTn xmlns:p14="http://schemas.microsoft.com/office/powerpoint/2010/main" id="1" dur="indefinite" restart="never" nodeType="tmRoot"/>
       </p:par>
     </p:tnLst>
   </p:timing>
@@ -15712,7 +15712,7 @@
   <p:timing>
     <p:tnLst>
       <p:par>
-        <p:cTn id="1" dur="indefinite" restart="never" nodeType="tmRoot"/>
+        <p:cTn xmlns:p14="http://schemas.microsoft.com/office/powerpoint/2010/main" id="1" dur="indefinite" restart="never" nodeType="tmRoot"/>
       </p:par>
     </p:tnLst>
   </p:timing>
@@ -16107,7 +16107,7 @@
   <p:timing>
     <p:tnLst>
       <p:par>
-        <p:cTn id="1" dur="indefinite" restart="never" nodeType="tmRoot"/>
+        <p:cTn xmlns:p14="http://schemas.microsoft.com/office/powerpoint/2010/main" id="1" dur="indefinite" restart="never" nodeType="tmRoot"/>
       </p:par>
     </p:tnLst>
   </p:timing>
@@ -16297,11 +16297,7 @@
                       </a:r>
                       <a:r>
                         <a:rPr lang="en-US" sz="2200" baseline="0" dirty="0" smtClean="0"/>
-                        <a:t> </a:t>
-                      </a:r>
-                      <a:r>
-                        <a:rPr lang="en-US" sz="2200" baseline="0" dirty="0" smtClean="0"/>
-                        <a:t>Methods (8)</a:t>
+                        <a:t> Methods (8)</a:t>
                       </a:r>
                       <a:endParaRPr lang="en-US" sz="2200" dirty="0"/>
                     </a:p>
@@ -16337,11 +16333,7 @@
                     <a:p>
                       <a:r>
                         <a:rPr lang="en-US" sz="2200" dirty="0" smtClean="0"/>
-                        <a:t>Instance </a:t>
-                      </a:r>
-                      <a:r>
-                        <a:rPr lang="en-US" sz="2200" dirty="0" smtClean="0"/>
-                        <a:t>Methods (9)</a:t>
+                        <a:t>Instance Methods (9)</a:t>
                       </a:r>
                       <a:endParaRPr lang="en-US" sz="2200" dirty="0"/>
                     </a:p>
@@ -16377,11 +16369,7 @@
                     <a:p>
                       <a:r>
                         <a:rPr lang="en-US" sz="2200" dirty="0" smtClean="0"/>
-                        <a:t>Public Static </a:t>
-                      </a:r>
-                      <a:r>
-                        <a:rPr lang="en-US" sz="2200" dirty="0" smtClean="0"/>
-                        <a:t>Methods (8)</a:t>
+                        <a:t>Public Static Methods (8)</a:t>
                       </a:r>
                       <a:endParaRPr lang="en-US" sz="2200" dirty="0"/>
                     </a:p>
@@ -16417,11 +16405,7 @@
                     <a:p>
                       <a:r>
                         <a:rPr lang="en-US" sz="2200" dirty="0" smtClean="0"/>
-                        <a:t>Private Static </a:t>
-                      </a:r>
-                      <a:r>
-                        <a:rPr lang="en-US" sz="2200" dirty="0" smtClean="0"/>
-                        <a:t>Methods (9)</a:t>
+                        <a:t>Private Static Methods (9)</a:t>
                       </a:r>
                       <a:endParaRPr lang="en-US" sz="2200" dirty="0"/>
                     </a:p>
@@ -16495,7 +16479,7 @@
   <p:timing>
     <p:tnLst>
       <p:par>
-        <p:cTn id="1" dur="indefinite" restart="never" nodeType="tmRoot"/>
+        <p:cTn xmlns:p14="http://schemas.microsoft.com/office/powerpoint/2010/main" id="1" dur="indefinite" restart="never" nodeType="tmRoot"/>
       </p:par>
     </p:tnLst>
   </p:timing>
@@ -16666,7 +16650,7 @@
   <p:timing>
     <p:tnLst>
       <p:par>
-        <p:cTn id="1" dur="indefinite" restart="never" nodeType="tmRoot"/>
+        <p:cTn xmlns:p14="http://schemas.microsoft.com/office/powerpoint/2010/main" id="1" dur="indefinite" restart="never" nodeType="tmRoot"/>
       </p:par>
     </p:tnLst>
   </p:timing>
@@ -16943,7 +16927,7 @@
   <p:timing>
     <p:tnLst>
       <p:par>
-        <p:cTn id="1" dur="indefinite" restart="never" nodeType="tmRoot"/>
+        <p:cTn xmlns:p14="http://schemas.microsoft.com/office/powerpoint/2010/main" id="1" dur="indefinite" restart="never" nodeType="tmRoot"/>
       </p:par>
     </p:tnLst>
   </p:timing>
@@ -17226,7 +17210,7 @@
   <p:timing>
     <p:tnLst>
       <p:par>
-        <p:cTn id="1" dur="indefinite" restart="never" nodeType="tmRoot"/>
+        <p:cTn xmlns:p14="http://schemas.microsoft.com/office/powerpoint/2010/main" id="1" dur="indefinite" restart="never" nodeType="tmRoot"/>
       </p:par>
     </p:tnLst>
   </p:timing>
@@ -17467,7 +17451,7 @@
   <p:timing>
     <p:tnLst>
       <p:par>
-        <p:cTn id="1" dur="indefinite" restart="never" nodeType="tmRoot"/>
+        <p:cTn xmlns:p14="http://schemas.microsoft.com/office/powerpoint/2010/main" id="1" dur="indefinite" restart="never" nodeType="tmRoot"/>
       </p:par>
     </p:tnLst>
   </p:timing>
@@ -17571,14 +17555,14 @@
             <a:noFill/>
           </a:ln>
           <a:extLst>
-            <a:ext uri="{909E8E84-426E-40DD-AFC4-6F175D3DCCD1}">
+            <a:ext uri="{909E8E84-426E-40dd-AFC4-6F175D3DCCD1}">
               <a14:hiddenFill xmlns:a14="http://schemas.microsoft.com/office/drawing/2010/main">
                 <a:solidFill>
                   <a:srgbClr val="FFFFFF"/>
                 </a:solidFill>
               </a14:hiddenFill>
             </a:ext>
-            <a:ext uri="{91240B29-F687-4F45-9708-019B960494DF}">
+            <a:ext uri="{91240B29-F687-4f45-9708-019B960494DF}">
               <a14:hiddenLine xmlns:a14="http://schemas.microsoft.com/office/drawing/2010/main" w="9525">
                 <a:solidFill>
                   <a:srgbClr val="000000"/>
@@ -18054,14 +18038,14 @@
             <a:noFill/>
           </a:ln>
           <a:extLst>
-            <a:ext uri="{909E8E84-426E-40DD-AFC4-6F175D3DCCD1}">
+            <a:ext uri="{909E8E84-426E-40dd-AFC4-6F175D3DCCD1}">
               <a14:hiddenFill xmlns:a14="http://schemas.microsoft.com/office/drawing/2010/main">
                 <a:solidFill>
                   <a:srgbClr val="FFFFFF"/>
                 </a:solidFill>
               </a14:hiddenFill>
             </a:ext>
-            <a:ext uri="{91240B29-F687-4F45-9708-019B960494DF}">
+            <a:ext uri="{91240B29-F687-4f45-9708-019B960494DF}">
               <a14:hiddenLine xmlns:a14="http://schemas.microsoft.com/office/drawing/2010/main" w="9525">
                 <a:solidFill>
                   <a:srgbClr val="000000"/>
@@ -18103,7 +18087,7 @@
   <p:timing>
     <p:tnLst>
       <p:par>
-        <p:cTn id="1" dur="indefinite" restart="never" nodeType="tmRoot">
+        <p:cTn xmlns:p14="http://schemas.microsoft.com/office/powerpoint/2010/main" id="1" dur="indefinite" restart="never" nodeType="tmRoot">
           <p:childTnLst>
             <p:seq concurrent="1" nextAc="seek">
               <p:cTn id="2" dur="indefinite" nodeType="mainSeq">
@@ -18434,7 +18418,7 @@
   <p:timing>
     <p:tnLst>
       <p:par>
-        <p:cTn id="1" dur="indefinite" restart="never" nodeType="tmRoot"/>
+        <p:cTn xmlns:p14="http://schemas.microsoft.com/office/powerpoint/2010/main" id="1" dur="indefinite" restart="never" nodeType="tmRoot"/>
       </p:par>
     </p:tnLst>
   </p:timing>
@@ -18660,14 +18644,14 @@
           </a:ln>
           <a:effectLst/>
           <a:extLst>
-            <a:ext uri="{909E8E84-426E-40DD-AFC4-6F175D3DCCD1}">
+            <a:ext uri="{909E8E84-426E-40dd-AFC4-6F175D3DCCD1}">
               <a14:hiddenFill xmlns:a14="http://schemas.microsoft.com/office/drawing/2010/main">
                 <a:solidFill>
                   <a:srgbClr val="FFFFFF"/>
                 </a:solidFill>
               </a14:hiddenFill>
             </a:ext>
-            <a:ext uri="{91240B29-F687-4F45-9708-019B960494DF}">
+            <a:ext uri="{91240B29-F687-4f45-9708-019B960494DF}">
               <a14:hiddenLine xmlns:a14="http://schemas.microsoft.com/office/drawing/2010/main" w="9525" cap="flat">
                 <a:solidFill>
                   <a:srgbClr val="808080"/>
@@ -18677,7 +18661,7 @@
                 <a:tailEnd/>
               </a14:hiddenLine>
             </a:ext>
-            <a:ext uri="{AF507438-7753-43E0-B8FC-AC1667EBCBE1}">
+            <a:ext uri="{AF507438-7753-43e0-B8FC-AC1667EBCBE1}">
               <a14:hiddenEffects xmlns:a14="http://schemas.microsoft.com/office/drawing/2010/main">
                 <a:effectLst>
                   <a:outerShdw blurRad="63500" dist="38099" dir="2700000" algn="ctr" rotWithShape="0">
@@ -18689,7 +18673,7 @@
               </a14:hiddenEffects>
             </a:ext>
             <a:ext uri="{FAA26D3D-D897-4be2-8F04-BA451C77F1D7}">
-              <ma14:placeholderFlag xmlns:ma14="http://schemas.microsoft.com/office/mac/drawingml/2011/main" xmlns="" val="1"/>
+              <ma14:placeholderFlag xmlns:ma14="http://schemas.microsoft.com/office/mac/drawingml/2011/main" val="1"/>
             </a:ext>
           </a:extLst>
         </p:spPr>
@@ -18956,7 +18940,7 @@
   <p:timing>
     <p:tnLst>
       <p:par>
-        <p:cTn id="1" dur="indefinite" restart="never" nodeType="tmRoot"/>
+        <p:cTn xmlns:p14="http://schemas.microsoft.com/office/powerpoint/2010/main" id="1" dur="indefinite" restart="never" nodeType="tmRoot"/>
       </p:par>
     </p:tnLst>
   </p:timing>
@@ -19172,14 +19156,14 @@
           </a:ln>
           <a:effectLst/>
           <a:extLst>
-            <a:ext uri="{909E8E84-426E-40DD-AFC4-6F175D3DCCD1}">
+            <a:ext uri="{909E8E84-426E-40dd-AFC4-6F175D3DCCD1}">
               <a14:hiddenFill xmlns:a14="http://schemas.microsoft.com/office/drawing/2010/main">
                 <a:solidFill>
                   <a:srgbClr val="FFFFFF"/>
                 </a:solidFill>
               </a14:hiddenFill>
             </a:ext>
-            <a:ext uri="{91240B29-F687-4F45-9708-019B960494DF}">
+            <a:ext uri="{91240B29-F687-4f45-9708-019B960494DF}">
               <a14:hiddenLine xmlns:a14="http://schemas.microsoft.com/office/drawing/2010/main" w="9525" cap="flat">
                 <a:solidFill>
                   <a:srgbClr val="808080"/>
@@ -19189,7 +19173,7 @@
                 <a:tailEnd/>
               </a14:hiddenLine>
             </a:ext>
-            <a:ext uri="{AF507438-7753-43E0-B8FC-AC1667EBCBE1}">
+            <a:ext uri="{AF507438-7753-43e0-B8FC-AC1667EBCBE1}">
               <a14:hiddenEffects xmlns:a14="http://schemas.microsoft.com/office/drawing/2010/main">
                 <a:effectLst>
                   <a:outerShdw blurRad="63500" dist="38099" dir="2700000" algn="ctr" rotWithShape="0">
@@ -19201,7 +19185,7 @@
               </a14:hiddenEffects>
             </a:ext>
             <a:ext uri="{FAA26D3D-D897-4be2-8F04-BA451C77F1D7}">
-              <ma14:placeholderFlag xmlns:ma14="http://schemas.microsoft.com/office/mac/drawingml/2011/main" xmlns="" val="1"/>
+              <ma14:placeholderFlag xmlns:ma14="http://schemas.microsoft.com/office/mac/drawingml/2011/main" val="1"/>
             </a:ext>
           </a:extLst>
         </p:spPr>
@@ -19468,7 +19452,7 @@
   <p:timing>
     <p:tnLst>
       <p:par>
-        <p:cTn id="1" dur="indefinite" restart="never" nodeType="tmRoot"/>
+        <p:cTn xmlns:p14="http://schemas.microsoft.com/office/powerpoint/2010/main" id="1" dur="indefinite" restart="never" nodeType="tmRoot"/>
       </p:par>
     </p:tnLst>
   </p:timing>
@@ -19650,14 +19634,14 @@
           </a:ln>
           <a:effectLst/>
           <a:extLst>
-            <a:ext uri="{909E8E84-426E-40DD-AFC4-6F175D3DCCD1}">
+            <a:ext uri="{909E8E84-426E-40dd-AFC4-6F175D3DCCD1}">
               <a14:hiddenFill xmlns:a14="http://schemas.microsoft.com/office/drawing/2010/main">
                 <a:solidFill>
                   <a:srgbClr val="FFFFFF"/>
                 </a:solidFill>
               </a14:hiddenFill>
             </a:ext>
-            <a:ext uri="{91240B29-F687-4F45-9708-019B960494DF}">
+            <a:ext uri="{91240B29-F687-4f45-9708-019B960494DF}">
               <a14:hiddenLine xmlns:a14="http://schemas.microsoft.com/office/drawing/2010/main" w="9525" cap="flat">
                 <a:solidFill>
                   <a:srgbClr val="808080"/>
@@ -19667,7 +19651,7 @@
                 <a:tailEnd/>
               </a14:hiddenLine>
             </a:ext>
-            <a:ext uri="{AF507438-7753-43E0-B8FC-AC1667EBCBE1}">
+            <a:ext uri="{AF507438-7753-43e0-B8FC-AC1667EBCBE1}">
               <a14:hiddenEffects xmlns:a14="http://schemas.microsoft.com/office/drawing/2010/main">
                 <a:effectLst>
                   <a:outerShdw blurRad="63500" dist="38099" dir="2700000" algn="ctr" rotWithShape="0">
@@ -19679,7 +19663,7 @@
               </a14:hiddenEffects>
             </a:ext>
             <a:ext uri="{FAA26D3D-D897-4be2-8F04-BA451C77F1D7}">
-              <ma14:placeholderFlag xmlns:ma14="http://schemas.microsoft.com/office/mac/drawingml/2011/main" xmlns="" val="1"/>
+              <ma14:placeholderFlag xmlns:ma14="http://schemas.microsoft.com/office/mac/drawingml/2011/main" val="1"/>
             </a:ext>
           </a:extLst>
         </p:spPr>
@@ -20117,7 +20101,7 @@
   <p:timing>
     <p:tnLst>
       <p:par>
-        <p:cTn id="1" dur="indefinite" restart="never" nodeType="tmRoot"/>
+        <p:cTn xmlns:p14="http://schemas.microsoft.com/office/powerpoint/2010/main" id="1" dur="indefinite" restart="never" nodeType="tmRoot"/>
       </p:par>
     </p:tnLst>
   </p:timing>
@@ -20227,14 +20211,14 @@
             <a:noFill/>
           </a:ln>
           <a:extLst>
-            <a:ext uri="{909E8E84-426E-40DD-AFC4-6F175D3DCCD1}">
+            <a:ext uri="{909E8E84-426E-40dd-AFC4-6F175D3DCCD1}">
               <a14:hiddenFill xmlns:a14="http://schemas.microsoft.com/office/drawing/2010/main">
                 <a:solidFill>
                   <a:srgbClr val="FFFFFF"/>
                 </a:solidFill>
               </a14:hiddenFill>
             </a:ext>
-            <a:ext uri="{91240B29-F687-4F45-9708-019B960494DF}">
+            <a:ext uri="{91240B29-F687-4f45-9708-019B960494DF}">
               <a14:hiddenLine xmlns:a14="http://schemas.microsoft.com/office/drawing/2010/main" w="9525">
                 <a:solidFill>
                   <a:srgbClr val="000000"/>
@@ -20260,7 +20244,7 @@
   <p:timing>
     <p:tnLst>
       <p:par>
-        <p:cTn id="1" dur="indefinite" restart="never" nodeType="tmRoot"/>
+        <p:cTn xmlns:p14="http://schemas.microsoft.com/office/powerpoint/2010/main" id="1" dur="indefinite" restart="never" nodeType="tmRoot"/>
       </p:par>
     </p:tnLst>
   </p:timing>
@@ -20460,7 +20444,7 @@
   <p:timing>
     <p:tnLst>
       <p:par>
-        <p:cTn id="1" dur="indefinite" restart="never" nodeType="tmRoot"/>
+        <p:cTn xmlns:p14="http://schemas.microsoft.com/office/powerpoint/2010/main" id="1" dur="indefinite" restart="never" nodeType="tmRoot"/>
       </p:par>
     </p:tnLst>
   </p:timing>
@@ -20629,7 +20613,7 @@
   <p:timing>
     <p:tnLst>
       <p:par>
-        <p:cTn id="1" dur="indefinite" restart="never" nodeType="tmRoot"/>
+        <p:cTn xmlns:p14="http://schemas.microsoft.com/office/powerpoint/2010/main" id="1" dur="indefinite" restart="never" nodeType="tmRoot"/>
       </p:par>
     </p:tnLst>
   </p:timing>
@@ -20883,7 +20867,7 @@
   <p:timing>
     <p:tnLst>
       <p:par>
-        <p:cTn id="1" dur="indefinite" restart="never" nodeType="tmRoot">
+        <p:cTn xmlns:p14="http://schemas.microsoft.com/office/powerpoint/2010/main" id="1" dur="indefinite" restart="never" nodeType="tmRoot">
           <p:childTnLst>
             <p:seq concurrent="1" nextAc="seek">
               <p:cTn id="2" dur="indefinite" nodeType="mainSeq">
@@ -21449,7 +21433,7 @@
   <p:timing>
     <p:tnLst>
       <p:par>
-        <p:cTn id="1" dur="indefinite" restart="never" nodeType="tmRoot">
+        <p:cTn xmlns:p14="http://schemas.microsoft.com/office/powerpoint/2010/main" id="1" dur="indefinite" restart="never" nodeType="tmRoot">
           <p:childTnLst>
             <p:seq concurrent="1" nextAc="seek">
               <p:cTn id="2" dur="indefinite" nodeType="mainSeq">
@@ -21954,7 +21938,7 @@
   <p:timing>
     <p:tnLst>
       <p:par>
-        <p:cTn id="1" dur="indefinite" restart="never" nodeType="tmRoot"/>
+        <p:cTn xmlns:p14="http://schemas.microsoft.com/office/powerpoint/2010/main" id="1" dur="indefinite" restart="never" nodeType="tmRoot"/>
       </p:par>
     </p:tnLst>
   </p:timing>
@@ -22175,7 +22159,7 @@
   <p:timing>
     <p:tnLst>
       <p:par>
-        <p:cTn id="1" dur="indefinite" restart="never" nodeType="tmRoot">
+        <p:cTn xmlns:p14="http://schemas.microsoft.com/office/powerpoint/2010/main" id="1" dur="indefinite" restart="never" nodeType="tmRoot">
           <p:childTnLst>
             <p:seq concurrent="1" nextAc="seek">
               <p:cTn id="2" dur="indefinite" nodeType="mainSeq">
@@ -22719,7 +22703,7 @@
   <p:timing>
     <p:tnLst>
       <p:par>
-        <p:cTn id="1" dur="indefinite" restart="never" nodeType="tmRoot">
+        <p:cTn xmlns:p14="http://schemas.microsoft.com/office/powerpoint/2010/main" id="1" dur="indefinite" restart="never" nodeType="tmRoot">
           <p:childTnLst>
             <p:seq concurrent="1" nextAc="seek">
               <p:cTn id="2" dur="indefinite" nodeType="mainSeq">
@@ -23237,7 +23221,7 @@
   <p:timing>
     <p:tnLst>
       <p:par>
-        <p:cTn id="1" dur="indefinite" restart="never" nodeType="tmRoot">
+        <p:cTn xmlns:p14="http://schemas.microsoft.com/office/powerpoint/2010/main" id="1" dur="indefinite" restart="never" nodeType="tmRoot">
           <p:childTnLst>
             <p:seq concurrent="1" nextAc="seek">
               <p:cTn id="2" dur="indefinite" nodeType="mainSeq">
@@ -23629,7 +23613,7 @@
   <p:timing>
     <p:tnLst>
       <p:par>
-        <p:cTn id="1" dur="indefinite" restart="never" nodeType="tmRoot">
+        <p:cTn xmlns:p14="http://schemas.microsoft.com/office/powerpoint/2010/main" id="1" dur="indefinite" restart="never" nodeType="tmRoot">
           <p:childTnLst>
             <p:seq concurrent="1" nextAc="seek">
               <p:cTn id="2" dur="indefinite" nodeType="mainSeq">
@@ -23949,7 +23933,7 @@
   <p:timing>
     <p:tnLst>
       <p:par>
-        <p:cTn id="1" dur="indefinite" restart="never" nodeType="tmRoot"/>
+        <p:cTn xmlns:p14="http://schemas.microsoft.com/office/powerpoint/2010/main" id="1" dur="indefinite" restart="never" nodeType="tmRoot"/>
       </p:par>
     </p:tnLst>
   </p:timing>
@@ -24126,7 +24110,7 @@
   <p:timing>
     <p:tnLst>
       <p:par>
-        <p:cTn id="1" dur="indefinite" restart="never" nodeType="tmRoot"/>
+        <p:cTn xmlns:p14="http://schemas.microsoft.com/office/powerpoint/2010/main" id="1" dur="indefinite" restart="never" nodeType="tmRoot"/>
       </p:par>
     </p:tnLst>
   </p:timing>
@@ -24356,14 +24340,14 @@
             <a:noFill/>
           </a:ln>
           <a:extLst>
-            <a:ext uri="{909E8E84-426E-40DD-AFC4-6F175D3DCCD1}">
+            <a:ext uri="{909E8E84-426E-40dd-AFC4-6F175D3DCCD1}">
               <a14:hiddenFill xmlns:a14="http://schemas.microsoft.com/office/drawing/2010/main">
                 <a:solidFill>
                   <a:srgbClr val="FFFFFF"/>
                 </a:solidFill>
               </a14:hiddenFill>
             </a:ext>
-            <a:ext uri="{91240B29-F687-4F45-9708-019B960494DF}">
+            <a:ext uri="{91240B29-F687-4f45-9708-019B960494DF}">
               <a14:hiddenLine xmlns:a14="http://schemas.microsoft.com/office/drawing/2010/main" w="9525">
                 <a:solidFill>
                   <a:srgbClr val="000000"/>
@@ -24405,7 +24389,7 @@
   <p:timing>
     <p:tnLst>
       <p:par>
-        <p:cTn id="1" dur="indefinite" restart="never" nodeType="tmRoot"/>
+        <p:cTn xmlns:p14="http://schemas.microsoft.com/office/powerpoint/2010/main" id="1" dur="indefinite" restart="never" nodeType="tmRoot"/>
       </p:par>
     </p:tnLst>
   </p:timing>
@@ -24683,7 +24667,7 @@
   <p:timing>
     <p:tnLst>
       <p:par>
-        <p:cTn id="1" dur="indefinite" restart="never" nodeType="tmRoot"/>
+        <p:cTn xmlns:p14="http://schemas.microsoft.com/office/powerpoint/2010/main" id="1" dur="indefinite" restart="never" nodeType="tmRoot"/>
       </p:par>
     </p:tnLst>
   </p:timing>
@@ -24758,14 +24742,14 @@
             <a:noFill/>
           </a:ln>
           <a:extLst>
-            <a:ext uri="{909E8E84-426E-40DD-AFC4-6F175D3DCCD1}">
+            <a:ext uri="{909E8E84-426E-40dd-AFC4-6F175D3DCCD1}">
               <a14:hiddenFill xmlns:a14="http://schemas.microsoft.com/office/drawing/2010/main">
                 <a:solidFill>
                   <a:srgbClr val="FFFFFF"/>
                 </a:solidFill>
               </a14:hiddenFill>
             </a:ext>
-            <a:ext uri="{91240B29-F687-4F45-9708-019B960494DF}">
+            <a:ext uri="{91240B29-F687-4f45-9708-019B960494DF}">
               <a14:hiddenLine xmlns:a14="http://schemas.microsoft.com/office/drawing/2010/main" w="9525">
                 <a:solidFill>
                   <a:srgbClr val="000000"/>
@@ -24835,14 +24819,14 @@
             <a:noFill/>
           </a:ln>
           <a:extLst>
-            <a:ext uri="{909E8E84-426E-40DD-AFC4-6F175D3DCCD1}">
+            <a:ext uri="{909E8E84-426E-40dd-AFC4-6F175D3DCCD1}">
               <a14:hiddenFill xmlns:a14="http://schemas.microsoft.com/office/drawing/2010/main">
                 <a:solidFill>
                   <a:srgbClr val="FFFFFF"/>
                 </a:solidFill>
               </a14:hiddenFill>
             </a:ext>
-            <a:ext uri="{91240B29-F687-4F45-9708-019B960494DF}">
+            <a:ext uri="{91240B29-F687-4f45-9708-019B960494DF}">
               <a14:hiddenLine xmlns:a14="http://schemas.microsoft.com/office/drawing/2010/main" w="9525">
                 <a:solidFill>
                   <a:srgbClr val="000000"/>
@@ -24899,7 +24883,7 @@
           </a:ln>
           <a:effectLst/>
           <a:extLst>
-            <a:ext uri="{AF507438-7753-43E0-B8FC-AC1667EBCBE1}">
+            <a:ext uri="{AF507438-7753-43e0-B8FC-AC1667EBCBE1}">
               <a14:hiddenEffects xmlns:a14="http://schemas.microsoft.com/office/drawing/2010/main">
                 <a:effectLst>
                   <a:outerShdw blurRad="63500" dist="38099" dir="2700000" algn="ctr" rotWithShape="0">
@@ -24982,7 +24966,7 @@
   <p:timing>
     <p:tnLst>
       <p:par>
-        <p:cTn id="1" dur="indefinite" restart="never" nodeType="tmRoot">
+        <p:cTn xmlns:p14="http://schemas.microsoft.com/office/powerpoint/2010/main" id="1" dur="indefinite" restart="never" nodeType="tmRoot">
           <p:childTnLst>
             <p:seq concurrent="1" nextAc="seek">
               <p:cTn id="2" dur="indefinite" nodeType="mainSeq">
@@ -25152,14 +25136,14 @@
             <a:noFill/>
           </a:ln>
           <a:extLst>
-            <a:ext uri="{909E8E84-426E-40DD-AFC4-6F175D3DCCD1}">
+            <a:ext uri="{909E8E84-426E-40dd-AFC4-6F175D3DCCD1}">
               <a14:hiddenFill xmlns:a14="http://schemas.microsoft.com/office/drawing/2010/main">
                 <a:solidFill>
                   <a:srgbClr val="FFFFFF"/>
                 </a:solidFill>
               </a14:hiddenFill>
             </a:ext>
-            <a:ext uri="{91240B29-F687-4F45-9708-019B960494DF}">
+            <a:ext uri="{91240B29-F687-4f45-9708-019B960494DF}">
               <a14:hiddenLine xmlns:a14="http://schemas.microsoft.com/office/drawing/2010/main" w="9525">
                 <a:solidFill>
                   <a:srgbClr val="000000"/>
@@ -25229,14 +25213,14 @@
             <a:noFill/>
           </a:ln>
           <a:extLst>
-            <a:ext uri="{909E8E84-426E-40DD-AFC4-6F175D3DCCD1}">
+            <a:ext uri="{909E8E84-426E-40dd-AFC4-6F175D3DCCD1}">
               <a14:hiddenFill xmlns:a14="http://schemas.microsoft.com/office/drawing/2010/main">
                 <a:solidFill>
                   <a:srgbClr val="FFFFFF"/>
                 </a:solidFill>
               </a14:hiddenFill>
             </a:ext>
-            <a:ext uri="{91240B29-F687-4F45-9708-019B960494DF}">
+            <a:ext uri="{91240B29-F687-4f45-9708-019B960494DF}">
               <a14:hiddenLine xmlns:a14="http://schemas.microsoft.com/office/drawing/2010/main" w="9525">
                 <a:solidFill>
                   <a:srgbClr val="000000"/>
@@ -25308,7 +25292,7 @@
           </a:ln>
           <a:effectLst/>
           <a:extLst>
-            <a:ext uri="{AF507438-7753-43E0-B8FC-AC1667EBCBE1}">
+            <a:ext uri="{AF507438-7753-43e0-B8FC-AC1667EBCBE1}">
               <a14:hiddenEffects xmlns:a14="http://schemas.microsoft.com/office/drawing/2010/main">
                 <a:effectLst>
                   <a:outerShdw blurRad="63500" dist="38099" dir="2700000" algn="ctr" rotWithShape="0">
@@ -25421,7 +25405,7 @@
   <p:timing>
     <p:tnLst>
       <p:par>
-        <p:cTn id="1" dur="indefinite" restart="never" nodeType="tmRoot">
+        <p:cTn xmlns:p14="http://schemas.microsoft.com/office/powerpoint/2010/main" id="1" dur="indefinite" restart="never" nodeType="tmRoot">
           <p:childTnLst>
             <p:seq concurrent="1" nextAc="seek">
               <p:cTn id="2" dur="indefinite" nodeType="mainSeq">
@@ -25628,7 +25612,7 @@
             <a:tailEnd/>
           </a:ln>
           <a:extLst>
-            <a:ext uri="{909E8E84-426E-40DD-AFC4-6F175D3DCCD1}">
+            <a:ext uri="{909E8E84-426E-40dd-AFC4-6F175D3DCCD1}">
               <a14:hiddenFill xmlns:a14="http://schemas.microsoft.com/office/drawing/2010/main">
                 <a:solidFill>
                   <a:srgbClr val="FFFFFF"/>
@@ -25863,14 +25847,14 @@
             <a:noFill/>
           </a:ln>
           <a:extLst>
-            <a:ext uri="{909E8E84-426E-40DD-AFC4-6F175D3DCCD1}">
+            <a:ext uri="{909E8E84-426E-40dd-AFC4-6F175D3DCCD1}">
               <a14:hiddenFill xmlns:a14="http://schemas.microsoft.com/office/drawing/2010/main">
                 <a:solidFill>
                   <a:srgbClr val="FFFFFF"/>
                 </a:solidFill>
               </a14:hiddenFill>
             </a:ext>
-            <a:ext uri="{91240B29-F687-4F45-9708-019B960494DF}">
+            <a:ext uri="{91240B29-F687-4f45-9708-019B960494DF}">
               <a14:hiddenLine xmlns:a14="http://schemas.microsoft.com/office/drawing/2010/main" w="9525">
                 <a:solidFill>
                   <a:srgbClr val="000000"/>
@@ -25933,7 +25917,7 @@
   <p:timing>
     <p:tnLst>
       <p:par>
-        <p:cTn id="1" dur="indefinite" restart="never" nodeType="tmRoot">
+        <p:cTn xmlns:p14="http://schemas.microsoft.com/office/powerpoint/2010/main" id="1" dur="indefinite" restart="never" nodeType="tmRoot">
           <p:childTnLst>
             <p:seq concurrent="1" nextAc="seek">
               <p:cTn id="2" dur="indefinite" nodeType="mainSeq">
@@ -26130,7 +26114,7 @@
             <a:tailEnd/>
           </a:ln>
           <a:extLst>
-            <a:ext uri="{909E8E84-426E-40DD-AFC4-6F175D3DCCD1}">
+            <a:ext uri="{909E8E84-426E-40dd-AFC4-6F175D3DCCD1}">
               <a14:hiddenFill xmlns:a14="http://schemas.microsoft.com/office/drawing/2010/main">
                 <a:solidFill>
                   <a:srgbClr val="FFFFFF"/>
@@ -26365,14 +26349,14 @@
             <a:noFill/>
           </a:ln>
           <a:extLst>
-            <a:ext uri="{909E8E84-426E-40DD-AFC4-6F175D3DCCD1}">
+            <a:ext uri="{909E8E84-426E-40dd-AFC4-6F175D3DCCD1}">
               <a14:hiddenFill xmlns:a14="http://schemas.microsoft.com/office/drawing/2010/main">
                 <a:solidFill>
                   <a:srgbClr val="FFFFFF"/>
                 </a:solidFill>
               </a14:hiddenFill>
             </a:ext>
-            <a:ext uri="{91240B29-F687-4F45-9708-019B960494DF}">
+            <a:ext uri="{91240B29-F687-4f45-9708-019B960494DF}">
               <a14:hiddenLine xmlns:a14="http://schemas.microsoft.com/office/drawing/2010/main" w="9525">
                 <a:solidFill>
                   <a:srgbClr val="000000"/>
@@ -26430,7 +26414,7 @@
   <p:timing>
     <p:tnLst>
       <p:par>
-        <p:cTn id="1" dur="indefinite" restart="never" nodeType="tmRoot">
+        <p:cTn xmlns:p14="http://schemas.microsoft.com/office/powerpoint/2010/main" id="1" dur="indefinite" restart="never" nodeType="tmRoot">
           <p:childTnLst>
             <p:seq concurrent="1" nextAc="seek">
               <p:cTn id="2" dur="indefinite" nodeType="mainSeq">
@@ -26581,7 +26565,7 @@
             <a:tailEnd/>
           </a:ln>
           <a:extLst>
-            <a:ext uri="{909E8E84-426E-40DD-AFC4-6F175D3DCCD1}">
+            <a:ext uri="{909E8E84-426E-40dd-AFC4-6F175D3DCCD1}">
               <a14:hiddenFill xmlns:a14="http://schemas.microsoft.com/office/drawing/2010/main">
                 <a:solidFill>
                   <a:srgbClr val="FFFFFF"/>
@@ -26816,14 +26800,14 @@
             <a:noFill/>
           </a:ln>
           <a:extLst>
-            <a:ext uri="{909E8E84-426E-40DD-AFC4-6F175D3DCCD1}">
+            <a:ext uri="{909E8E84-426E-40dd-AFC4-6F175D3DCCD1}">
               <a14:hiddenFill xmlns:a14="http://schemas.microsoft.com/office/drawing/2010/main">
                 <a:solidFill>
                   <a:srgbClr val="FFFFFF"/>
                 </a:solidFill>
               </a14:hiddenFill>
             </a:ext>
-            <a:ext uri="{91240B29-F687-4F45-9708-019B960494DF}">
+            <a:ext uri="{91240B29-F687-4f45-9708-019B960494DF}">
               <a14:hiddenLine xmlns:a14="http://schemas.microsoft.com/office/drawing/2010/main" w="9525">
                 <a:solidFill>
                   <a:srgbClr val="000000"/>
@@ -26886,7 +26870,7 @@
   <p:timing>
     <p:tnLst>
       <p:par>
-        <p:cTn id="1" dur="indefinite" restart="never" nodeType="tmRoot">
+        <p:cTn xmlns:p14="http://schemas.microsoft.com/office/powerpoint/2010/main" id="1" dur="indefinite" restart="never" nodeType="tmRoot">
           <p:childTnLst>
             <p:seq concurrent="1" nextAc="seek">
               <p:cTn id="2" dur="indefinite" nodeType="mainSeq">
@@ -27083,7 +27067,7 @@
             <a:tailEnd/>
           </a:ln>
           <a:extLst>
-            <a:ext uri="{909E8E84-426E-40DD-AFC4-6F175D3DCCD1}">
+            <a:ext uri="{909E8E84-426E-40dd-AFC4-6F175D3DCCD1}">
               <a14:hiddenFill xmlns:a14="http://schemas.microsoft.com/office/drawing/2010/main">
                 <a:solidFill>
                   <a:srgbClr val="FFFFFF"/>
@@ -27300,14 +27284,14 @@
             <a:noFill/>
           </a:ln>
           <a:extLst>
-            <a:ext uri="{909E8E84-426E-40DD-AFC4-6F175D3DCCD1}">
+            <a:ext uri="{909E8E84-426E-40dd-AFC4-6F175D3DCCD1}">
               <a14:hiddenFill xmlns:a14="http://schemas.microsoft.com/office/drawing/2010/main">
                 <a:solidFill>
                   <a:srgbClr val="FFFFFF"/>
                 </a:solidFill>
               </a14:hiddenFill>
             </a:ext>
-            <a:ext uri="{91240B29-F687-4F45-9708-019B960494DF}">
+            <a:ext uri="{91240B29-F687-4f45-9708-019B960494DF}">
               <a14:hiddenLine xmlns:a14="http://schemas.microsoft.com/office/drawing/2010/main" w="9525">
                 <a:solidFill>
                   <a:srgbClr val="000000"/>
@@ -27381,7 +27365,7 @@
   <p:timing>
     <p:tnLst>
       <p:par>
-        <p:cTn id="1" dur="indefinite" restart="never" nodeType="tmRoot">
+        <p:cTn xmlns:p14="http://schemas.microsoft.com/office/powerpoint/2010/main" id="1" dur="indefinite" restart="never" nodeType="tmRoot">
           <p:childTnLst>
             <p:seq concurrent="1" nextAc="seek">
               <p:cTn id="2" dur="indefinite" nodeType="mainSeq">
@@ -27728,14 +27712,14 @@
           </a:ln>
           <a:effectLst/>
           <a:extLst>
-            <a:ext uri="{909E8E84-426E-40DD-AFC4-6F175D3DCCD1}">
+            <a:ext uri="{909E8E84-426E-40dd-AFC4-6F175D3DCCD1}">
               <a14:hiddenFill xmlns:a14="http://schemas.microsoft.com/office/drawing/2010/main">
                 <a:solidFill>
                   <a:srgbClr val="FFFFFF"/>
                 </a:solidFill>
               </a14:hiddenFill>
             </a:ext>
-            <a:ext uri="{91240B29-F687-4F45-9708-019B960494DF}">
+            <a:ext uri="{91240B29-F687-4f45-9708-019B960494DF}">
               <a14:hiddenLine xmlns:a14="http://schemas.microsoft.com/office/drawing/2010/main" w="9525" cap="flat">
                 <a:solidFill>
                   <a:srgbClr val="808080"/>
@@ -27745,7 +27729,7 @@
                 <a:tailEnd/>
               </a14:hiddenLine>
             </a:ext>
-            <a:ext uri="{AF507438-7753-43E0-B8FC-AC1667EBCBE1}">
+            <a:ext uri="{AF507438-7753-43e0-B8FC-AC1667EBCBE1}">
               <a14:hiddenEffects xmlns:a14="http://schemas.microsoft.com/office/drawing/2010/main">
                 <a:effectLst>
                   <a:outerShdw blurRad="63500" dist="38099" dir="2700000" algn="ctr" rotWithShape="0">
@@ -27757,7 +27741,7 @@
               </a14:hiddenEffects>
             </a:ext>
             <a:ext uri="{FAA26D3D-D897-4be2-8F04-BA451C77F1D7}">
-              <ma14:placeholderFlag xmlns:ma14="http://schemas.microsoft.com/office/mac/drawingml/2011/main" xmlns="" val="1"/>
+              <ma14:placeholderFlag xmlns:ma14="http://schemas.microsoft.com/office/mac/drawingml/2011/main" val="1"/>
             </a:ext>
           </a:extLst>
         </p:spPr>
@@ -28024,7 +28008,7 @@
   <p:timing>
     <p:tnLst>
       <p:par>
-        <p:cTn id="1" dur="indefinite" restart="never" nodeType="tmRoot"/>
+        <p:cTn xmlns:p14="http://schemas.microsoft.com/office/powerpoint/2010/main" id="1" dur="indefinite" restart="never" nodeType="tmRoot"/>
       </p:par>
     </p:tnLst>
   </p:timing>
@@ -28261,14 +28245,14 @@
           </a:ln>
           <a:effectLst/>
           <a:extLst>
-            <a:ext uri="{909E8E84-426E-40DD-AFC4-6F175D3DCCD1}">
+            <a:ext uri="{909E8E84-426E-40dd-AFC4-6F175D3DCCD1}">
               <a14:hiddenFill xmlns:a14="http://schemas.microsoft.com/office/drawing/2010/main">
                 <a:solidFill>
                   <a:srgbClr val="FFFFFF"/>
                 </a:solidFill>
               </a14:hiddenFill>
             </a:ext>
-            <a:ext uri="{91240B29-F687-4F45-9708-019B960494DF}">
+            <a:ext uri="{91240B29-F687-4f45-9708-019B960494DF}">
               <a14:hiddenLine xmlns:a14="http://schemas.microsoft.com/office/drawing/2010/main" w="9525" cap="flat">
                 <a:solidFill>
                   <a:srgbClr val="808080"/>
@@ -28278,7 +28262,7 @@
                 <a:tailEnd/>
               </a14:hiddenLine>
             </a:ext>
-            <a:ext uri="{AF507438-7753-43E0-B8FC-AC1667EBCBE1}">
+            <a:ext uri="{AF507438-7753-43e0-B8FC-AC1667EBCBE1}">
               <a14:hiddenEffects xmlns:a14="http://schemas.microsoft.com/office/drawing/2010/main">
                 <a:effectLst>
                   <a:outerShdw blurRad="63500" dist="38099" dir="2700000" algn="ctr" rotWithShape="0">
@@ -28290,7 +28274,7 @@
               </a14:hiddenEffects>
             </a:ext>
             <a:ext uri="{FAA26D3D-D897-4be2-8F04-BA451C77F1D7}">
-              <ma14:placeholderFlag xmlns:ma14="http://schemas.microsoft.com/office/mac/drawingml/2011/main" xmlns="" val="1"/>
+              <ma14:placeholderFlag xmlns:ma14="http://schemas.microsoft.com/office/mac/drawingml/2011/main" val="1"/>
             </a:ext>
           </a:extLst>
         </p:spPr>
@@ -28557,7 +28541,7 @@
   <p:timing>
     <p:tnLst>
       <p:par>
-        <p:cTn id="1" dur="indefinite" restart="never" nodeType="tmRoot"/>
+        <p:cTn xmlns:p14="http://schemas.microsoft.com/office/powerpoint/2010/main" id="1" dur="indefinite" restart="never" nodeType="tmRoot"/>
       </p:par>
     </p:tnLst>
   </p:timing>
@@ -28682,7 +28666,7 @@
   <p:timing>
     <p:tnLst>
       <p:par>
-        <p:cTn id="1" dur="indefinite" restart="never" nodeType="tmRoot"/>
+        <p:cTn xmlns:p14="http://schemas.microsoft.com/office/powerpoint/2010/main" id="1" dur="indefinite" restart="never" nodeType="tmRoot"/>
       </p:par>
     </p:tnLst>
   </p:timing>
@@ -28916,14 +28900,14 @@
           </a:ln>
           <a:effectLst/>
           <a:extLst>
-            <a:ext uri="{909E8E84-426E-40DD-AFC4-6F175D3DCCD1}">
+            <a:ext uri="{909E8E84-426E-40dd-AFC4-6F175D3DCCD1}">
               <a14:hiddenFill xmlns:a14="http://schemas.microsoft.com/office/drawing/2010/main">
                 <a:solidFill>
                   <a:srgbClr val="FFFFFF"/>
                 </a:solidFill>
               </a14:hiddenFill>
             </a:ext>
-            <a:ext uri="{91240B29-F687-4F45-9708-019B960494DF}">
+            <a:ext uri="{91240B29-F687-4f45-9708-019B960494DF}">
               <a14:hiddenLine xmlns:a14="http://schemas.microsoft.com/office/drawing/2010/main" w="9525" cap="flat">
                 <a:solidFill>
                   <a:srgbClr val="808080"/>
@@ -28933,7 +28917,7 @@
                 <a:tailEnd/>
               </a14:hiddenLine>
             </a:ext>
-            <a:ext uri="{AF507438-7753-43E0-B8FC-AC1667EBCBE1}">
+            <a:ext uri="{AF507438-7753-43e0-B8FC-AC1667EBCBE1}">
               <a14:hiddenEffects xmlns:a14="http://schemas.microsoft.com/office/drawing/2010/main">
                 <a:effectLst>
                   <a:outerShdw blurRad="63500" dist="38099" dir="2700000" algn="ctr" rotWithShape="0">
@@ -28945,7 +28929,7 @@
               </a14:hiddenEffects>
             </a:ext>
             <a:ext uri="{FAA26D3D-D897-4be2-8F04-BA451C77F1D7}">
-              <ma14:placeholderFlag xmlns:ma14="http://schemas.microsoft.com/office/mac/drawingml/2011/main" xmlns="" val="1"/>
+              <ma14:placeholderFlag xmlns:ma14="http://schemas.microsoft.com/office/mac/drawingml/2011/main" val="1"/>
             </a:ext>
           </a:extLst>
         </p:spPr>
@@ -29225,7 +29209,7 @@
   <p:timing>
     <p:tnLst>
       <p:par>
-        <p:cTn id="1" dur="indefinite" restart="never" nodeType="tmRoot"/>
+        <p:cTn xmlns:p14="http://schemas.microsoft.com/office/powerpoint/2010/main" id="1" dur="indefinite" restart="never" nodeType="tmRoot"/>
       </p:par>
     </p:tnLst>
   </p:timing>
@@ -29411,7 +29395,7 @@
   <p:timing>
     <p:tnLst>
       <p:par>
-        <p:cTn id="1" dur="indefinite" restart="never" nodeType="tmRoot"/>
+        <p:cTn xmlns:p14="http://schemas.microsoft.com/office/powerpoint/2010/main" id="1" dur="indefinite" restart="never" nodeType="tmRoot"/>
       </p:par>
     </p:tnLst>
   </p:timing>
@@ -29661,14 +29645,14 @@
           </a:ln>
           <a:effectLst/>
           <a:extLst>
-            <a:ext uri="{909E8E84-426E-40DD-AFC4-6F175D3DCCD1}">
+            <a:ext uri="{909E8E84-426E-40dd-AFC4-6F175D3DCCD1}">
               <a14:hiddenFill xmlns:a14="http://schemas.microsoft.com/office/drawing/2010/main">
                 <a:solidFill>
                   <a:srgbClr val="FFFFFF"/>
                 </a:solidFill>
               </a14:hiddenFill>
             </a:ext>
-            <a:ext uri="{91240B29-F687-4F45-9708-019B960494DF}">
+            <a:ext uri="{91240B29-F687-4f45-9708-019B960494DF}">
               <a14:hiddenLine xmlns:a14="http://schemas.microsoft.com/office/drawing/2010/main" w="9525" cap="flat">
                 <a:solidFill>
                   <a:srgbClr val="808080"/>
@@ -29678,7 +29662,7 @@
                 <a:tailEnd/>
               </a14:hiddenLine>
             </a:ext>
-            <a:ext uri="{AF507438-7753-43E0-B8FC-AC1667EBCBE1}">
+            <a:ext uri="{AF507438-7753-43e0-B8FC-AC1667EBCBE1}">
               <a14:hiddenEffects xmlns:a14="http://schemas.microsoft.com/office/drawing/2010/main">
                 <a:effectLst>
                   <a:outerShdw blurRad="63500" dist="38099" dir="2700000" algn="ctr" rotWithShape="0">
@@ -29690,7 +29674,7 @@
               </a14:hiddenEffects>
             </a:ext>
             <a:ext uri="{FAA26D3D-D897-4be2-8F04-BA451C77F1D7}">
-              <ma14:placeholderFlag xmlns:ma14="http://schemas.microsoft.com/office/mac/drawingml/2011/main" xmlns="" val="1"/>
+              <ma14:placeholderFlag xmlns:ma14="http://schemas.microsoft.com/office/mac/drawingml/2011/main" val="1"/>
             </a:ext>
           </a:extLst>
         </p:spPr>
@@ -29953,7 +29937,7 @@
   <p:timing>
     <p:tnLst>
       <p:par>
-        <p:cTn id="1" dur="indefinite" restart="never" nodeType="tmRoot"/>
+        <p:cTn xmlns:p14="http://schemas.microsoft.com/office/powerpoint/2010/main" id="1" dur="indefinite" restart="never" nodeType="tmRoot"/>
       </p:par>
     </p:tnLst>
   </p:timing>
@@ -30301,14 +30285,14 @@
           </a:ln>
           <a:effectLst/>
           <a:extLst>
-            <a:ext uri="{909E8E84-426E-40DD-AFC4-6F175D3DCCD1}">
+            <a:ext uri="{909E8E84-426E-40dd-AFC4-6F175D3DCCD1}">
               <a14:hiddenFill xmlns:a14="http://schemas.microsoft.com/office/drawing/2010/main">
                 <a:solidFill>
                   <a:srgbClr val="FFFFFF"/>
                 </a:solidFill>
               </a14:hiddenFill>
             </a:ext>
-            <a:ext uri="{91240B29-F687-4F45-9708-019B960494DF}">
+            <a:ext uri="{91240B29-F687-4f45-9708-019B960494DF}">
               <a14:hiddenLine xmlns:a14="http://schemas.microsoft.com/office/drawing/2010/main" w="9525" cap="flat">
                 <a:solidFill>
                   <a:srgbClr val="808080"/>
@@ -30318,7 +30302,7 @@
                 <a:tailEnd/>
               </a14:hiddenLine>
             </a:ext>
-            <a:ext uri="{AF507438-7753-43E0-B8FC-AC1667EBCBE1}">
+            <a:ext uri="{AF507438-7753-43e0-B8FC-AC1667EBCBE1}">
               <a14:hiddenEffects xmlns:a14="http://schemas.microsoft.com/office/drawing/2010/main">
                 <a:effectLst>
                   <a:outerShdw blurRad="63500" dist="38099" dir="2700000" algn="ctr" rotWithShape="0">
@@ -30330,7 +30314,7 @@
               </a14:hiddenEffects>
             </a:ext>
             <a:ext uri="{FAA26D3D-D897-4be2-8F04-BA451C77F1D7}">
-              <ma14:placeholderFlag xmlns:ma14="http://schemas.microsoft.com/office/mac/drawingml/2011/main" xmlns="" val="1"/>
+              <ma14:placeholderFlag xmlns:ma14="http://schemas.microsoft.com/office/mac/drawingml/2011/main" val="1"/>
             </a:ext>
           </a:extLst>
         </p:spPr>
@@ -30593,7 +30577,7 @@
   <p:timing>
     <p:tnLst>
       <p:par>
-        <p:cTn id="1" dur="indefinite" restart="never" nodeType="tmRoot"/>
+        <p:cTn xmlns:p14="http://schemas.microsoft.com/office/powerpoint/2010/main" id="1" dur="indefinite" restart="never" nodeType="tmRoot"/>
       </p:par>
     </p:tnLst>
   </p:timing>
@@ -30846,14 +30830,14 @@
           </a:ln>
           <a:effectLst/>
           <a:extLst>
-            <a:ext uri="{909E8E84-426E-40DD-AFC4-6F175D3DCCD1}">
+            <a:ext uri="{909E8E84-426E-40dd-AFC4-6F175D3DCCD1}">
               <a14:hiddenFill xmlns:a14="http://schemas.microsoft.com/office/drawing/2010/main">
                 <a:solidFill>
                   <a:srgbClr val="FFFFFF"/>
                 </a:solidFill>
               </a14:hiddenFill>
             </a:ext>
-            <a:ext uri="{91240B29-F687-4F45-9708-019B960494DF}">
+            <a:ext uri="{91240B29-F687-4f45-9708-019B960494DF}">
               <a14:hiddenLine xmlns:a14="http://schemas.microsoft.com/office/drawing/2010/main" w="9525" cap="flat">
                 <a:solidFill>
                   <a:srgbClr val="808080"/>
@@ -30863,7 +30847,7 @@
                 <a:tailEnd/>
               </a14:hiddenLine>
             </a:ext>
-            <a:ext uri="{AF507438-7753-43E0-B8FC-AC1667EBCBE1}">
+            <a:ext uri="{AF507438-7753-43e0-B8FC-AC1667EBCBE1}">
               <a14:hiddenEffects xmlns:a14="http://schemas.microsoft.com/office/drawing/2010/main">
                 <a:effectLst>
                   <a:outerShdw blurRad="63500" dist="38099" dir="2700000" algn="ctr" rotWithShape="0">
@@ -30875,7 +30859,7 @@
               </a14:hiddenEffects>
             </a:ext>
             <a:ext uri="{FAA26D3D-D897-4be2-8F04-BA451C77F1D7}">
-              <ma14:placeholderFlag xmlns:ma14="http://schemas.microsoft.com/office/mac/drawingml/2011/main" xmlns="" val="1"/>
+              <ma14:placeholderFlag xmlns:ma14="http://schemas.microsoft.com/office/mac/drawingml/2011/main" val="1"/>
             </a:ext>
           </a:extLst>
         </p:spPr>
@@ -31138,7 +31122,7 @@
   <p:timing>
     <p:tnLst>
       <p:par>
-        <p:cTn id="1" dur="indefinite" restart="never" nodeType="tmRoot"/>
+        <p:cTn xmlns:p14="http://schemas.microsoft.com/office/powerpoint/2010/main" id="1" dur="indefinite" restart="never" nodeType="tmRoot"/>
       </p:par>
     </p:tnLst>
   </p:timing>
@@ -31483,14 +31467,14 @@
           </a:ln>
           <a:effectLst/>
           <a:extLst>
-            <a:ext uri="{909E8E84-426E-40DD-AFC4-6F175D3DCCD1}">
+            <a:ext uri="{909E8E84-426E-40dd-AFC4-6F175D3DCCD1}">
               <a14:hiddenFill xmlns:a14="http://schemas.microsoft.com/office/drawing/2010/main">
                 <a:solidFill>
                   <a:srgbClr val="FFFFFF"/>
                 </a:solidFill>
               </a14:hiddenFill>
             </a:ext>
-            <a:ext uri="{91240B29-F687-4F45-9708-019B960494DF}">
+            <a:ext uri="{91240B29-F687-4f45-9708-019B960494DF}">
               <a14:hiddenLine xmlns:a14="http://schemas.microsoft.com/office/drawing/2010/main" w="9525" cap="flat">
                 <a:solidFill>
                   <a:srgbClr val="808080"/>
@@ -31500,7 +31484,7 @@
                 <a:tailEnd/>
               </a14:hiddenLine>
             </a:ext>
-            <a:ext uri="{AF507438-7753-43E0-B8FC-AC1667EBCBE1}">
+            <a:ext uri="{AF507438-7753-43e0-B8FC-AC1667EBCBE1}">
               <a14:hiddenEffects xmlns:a14="http://schemas.microsoft.com/office/drawing/2010/main">
                 <a:effectLst>
                   <a:outerShdw blurRad="63500" dist="38099" dir="2700000" algn="ctr" rotWithShape="0">
@@ -31512,7 +31496,7 @@
               </a14:hiddenEffects>
             </a:ext>
             <a:ext uri="{FAA26D3D-D897-4be2-8F04-BA451C77F1D7}">
-              <ma14:placeholderFlag xmlns:ma14="http://schemas.microsoft.com/office/mac/drawingml/2011/main" xmlns="" val="1"/>
+              <ma14:placeholderFlag xmlns:ma14="http://schemas.microsoft.com/office/mac/drawingml/2011/main" val="1"/>
             </a:ext>
           </a:extLst>
         </p:spPr>
@@ -31775,7 +31759,7 @@
   <p:timing>
     <p:tnLst>
       <p:par>
-        <p:cTn id="1" dur="indefinite" restart="never" nodeType="tmRoot"/>
+        <p:cTn xmlns:p14="http://schemas.microsoft.com/office/powerpoint/2010/main" id="1" dur="indefinite" restart="never" nodeType="tmRoot"/>
       </p:par>
     </p:tnLst>
   </p:timing>
@@ -31820,12 +31804,12 @@
           <a:lstStyle/>
           <a:p>
             <a:r>
-              <a:rPr lang="en-US" dirty="0" smtClean="0"/>
+              <a:rPr lang="en-US" smtClean="0"/>
               <a:t>Question </a:t>
             </a:r>
             <a:r>
               <a:rPr lang="en-US" dirty="0"/>
-              <a:t>8</a:t>
+              <a:t>9</a:t>
             </a:r>
           </a:p>
         </p:txBody>
@@ -31987,14 +31971,14 @@
           </a:ln>
           <a:effectLst/>
           <a:extLst>
-            <a:ext uri="{909E8E84-426E-40DD-AFC4-6F175D3DCCD1}">
+            <a:ext uri="{909E8E84-426E-40dd-AFC4-6F175D3DCCD1}">
               <a14:hiddenFill xmlns:a14="http://schemas.microsoft.com/office/drawing/2010/main">
                 <a:solidFill>
                   <a:srgbClr val="FFFFFF"/>
                 </a:solidFill>
               </a14:hiddenFill>
             </a:ext>
-            <a:ext uri="{91240B29-F687-4F45-9708-019B960494DF}">
+            <a:ext uri="{91240B29-F687-4f45-9708-019B960494DF}">
               <a14:hiddenLine xmlns:a14="http://schemas.microsoft.com/office/drawing/2010/main" w="9525" cap="flat">
                 <a:solidFill>
                   <a:srgbClr val="808080"/>
@@ -32004,7 +31988,7 @@
                 <a:tailEnd/>
               </a14:hiddenLine>
             </a:ext>
-            <a:ext uri="{AF507438-7753-43E0-B8FC-AC1667EBCBE1}">
+            <a:ext uri="{AF507438-7753-43e0-B8FC-AC1667EBCBE1}">
               <a14:hiddenEffects xmlns:a14="http://schemas.microsoft.com/office/drawing/2010/main">
                 <a:effectLst>
                   <a:outerShdw blurRad="63500" dist="38099" dir="2700000" algn="ctr" rotWithShape="0">
@@ -32016,7 +32000,7 @@
               </a14:hiddenEffects>
             </a:ext>
             <a:ext uri="{FAA26D3D-D897-4be2-8F04-BA451C77F1D7}">
-              <ma14:placeholderFlag xmlns:ma14="http://schemas.microsoft.com/office/mac/drawingml/2011/main" xmlns="" val="1"/>
+              <ma14:placeholderFlag xmlns:ma14="http://schemas.microsoft.com/office/mac/drawingml/2011/main" val="1"/>
             </a:ext>
           </a:extLst>
         </p:spPr>
@@ -32279,7 +32263,7 @@
   <p:timing>
     <p:tnLst>
       <p:par>
-        <p:cTn id="1" dur="indefinite" restart="never" nodeType="tmRoot"/>
+        <p:cTn xmlns:p14="http://schemas.microsoft.com/office/powerpoint/2010/main" id="1" dur="indefinite" restart="never" nodeType="tmRoot"/>
       </p:par>
     </p:tnLst>
   </p:timing>
@@ -32458,7 +32442,7 @@
   <p:timing>
     <p:tnLst>
       <p:par>
-        <p:cTn id="1" dur="indefinite" restart="never" nodeType="tmRoot"/>
+        <p:cTn xmlns:p14="http://schemas.microsoft.com/office/powerpoint/2010/main" id="1" dur="indefinite" restart="never" nodeType="tmRoot"/>
       </p:par>
     </p:tnLst>
   </p:timing>
@@ -32782,7 +32766,7 @@
   <p:timing>
     <p:tnLst>
       <p:par>
-        <p:cTn id="1" dur="indefinite" restart="never" nodeType="tmRoot"/>
+        <p:cTn xmlns:p14="http://schemas.microsoft.com/office/powerpoint/2010/main" id="1" dur="indefinite" restart="never" nodeType="tmRoot"/>
       </p:par>
     </p:tnLst>
   </p:timing>
@@ -32923,7 +32907,7 @@
   <p:timing>
     <p:tnLst>
       <p:par>
-        <p:cTn id="1" dur="indefinite" restart="never" nodeType="tmRoot"/>
+        <p:cTn xmlns:p14="http://schemas.microsoft.com/office/powerpoint/2010/main" id="1" dur="indefinite" restart="never" nodeType="tmRoot"/>
       </p:par>
     </p:tnLst>
   </p:timing>
@@ -33080,7 +33064,7 @@
   <p:timing>
     <p:tnLst>
       <p:par>
-        <p:cTn id="1" dur="indefinite" restart="never" nodeType="tmRoot"/>
+        <p:cTn xmlns:p14="http://schemas.microsoft.com/office/powerpoint/2010/main" id="1" dur="indefinite" restart="never" nodeType="tmRoot"/>
       </p:par>
     </p:tnLst>
   </p:timing>
@@ -33332,7 +33316,7 @@
         </a:ln>
         <a:effectLst/>
         <a:extLst>
-          <a:ext uri="{AF507438-7753-43E0-B8FC-AC1667EBCBE1}">
+          <a:ext uri="{AF507438-7753-43e0-B8FC-AC1667EBCBE1}">
             <a14:hiddenEffects xmlns:a14="http://schemas.microsoft.com/office/drawing/2010/main">
               <a:effectLst>
                 <a:outerShdw blurRad="63500" dist="38099" dir="2700000" algn="ctr" rotWithShape="0">
@@ -33411,7 +33395,7 @@
         </a:ln>
         <a:effectLst/>
         <a:extLst>
-          <a:ext uri="{AF507438-7753-43E0-B8FC-AC1667EBCBE1}">
+          <a:ext uri="{AF507438-7753-43e0-B8FC-AC1667EBCBE1}">
             <a14:hiddenEffects xmlns:a14="http://schemas.microsoft.com/office/drawing/2010/main">
               <a:effectLst>
                 <a:outerShdw blurRad="63500" dist="38099" dir="2700000" algn="ctr" rotWithShape="0">

--- a/2019-OracleCodeOne-HOL.pptx
+++ b/2019-OracleCodeOne-HOL.pptx
@@ -433,7 +433,7 @@
               <a:pPr>
                 <a:defRPr/>
               </a:pPr>
-              <a:t>9/8/19</a:t>
+              <a:t>9/11/19</a:t>
             </a:fld>
             <a:endParaRPr lang="en-US"/>
           </a:p>
@@ -12118,6 +12118,10 @@
               <a:rPr lang="en-US" dirty="0" err="1" smtClean="0"/>
               <a:t>moduleName</a:t>
             </a:r>
+            <a:r>
+              <a:rPr lang="en-US" dirty="0" smtClean="0"/>
+              <a:t> {</a:t>
+            </a:r>
             <a:endParaRPr lang="en-US" dirty="0" smtClean="0"/>
           </a:p>
           <a:p>
@@ -12154,8 +12158,15 @@
               <a:t>packageName</a:t>
             </a:r>
             <a:r>
+              <a:rPr lang="en-US" dirty="0" smtClean="0"/>
+              <a:t>;</a:t>
+            </a:r>
+          </a:p>
+          <a:p>
+            <a:pPr marL="0" indent="0"/>
+            <a:r>
               <a:rPr lang="en-US" dirty="0"/>
-              <a:t>;</a:t>
+              <a:t>}</a:t>
             </a:r>
             <a:endParaRPr lang="en-US" dirty="0" smtClean="0"/>
           </a:p>
@@ -14397,7 +14408,15 @@
             <a:pPr marL="0" indent="0"/>
             <a:r>
               <a:rPr lang="en-US" dirty="0" smtClean="0"/>
-              <a:t>E.	 It’s name is </a:t>
+              <a:t>E.	 </a:t>
+            </a:r>
+            <a:r>
+              <a:rPr lang="en-US" dirty="0" smtClean="0"/>
+              <a:t>Its </a:t>
+            </a:r>
+            <a:r>
+              <a:rPr lang="en-US" dirty="0" smtClean="0"/>
+              <a:t>name is </a:t>
             </a:r>
             <a:r>
               <a:rPr lang="en-US" dirty="0" err="1" smtClean="0"/>
@@ -14983,7 +15002,23 @@
             </a:r>
             <a:r>
               <a:rPr lang="en-US" sz="2400" dirty="0"/>
-              <a:t>will sprinkle in some concepts form earlier version of Java into the labs. (ex: reading from a file). </a:t>
+              <a:t>will sprinkle in some concepts </a:t>
+            </a:r>
+            <a:r>
+              <a:rPr lang="en-US" sz="2400" dirty="0" smtClean="0"/>
+              <a:t>from </a:t>
+            </a:r>
+            <a:r>
+              <a:rPr lang="en-US" sz="2400" dirty="0"/>
+              <a:t>earlier </a:t>
+            </a:r>
+            <a:r>
+              <a:rPr lang="en-US" sz="2400" dirty="0" smtClean="0"/>
+              <a:t>versions </a:t>
+            </a:r>
+            <a:r>
+              <a:rPr lang="en-US" sz="2400" dirty="0"/>
+              <a:t>of Java into the labs. (ex: reading from a file). </a:t>
             </a:r>
           </a:p>
           <a:p>
@@ -15014,7 +15049,7 @@
               <a:t>github</a:t>
             </a:r>
             <a:r>
-              <a:rPr lang="en-US" sz="2400" smtClean="0"/>
+              <a:rPr lang="en-US" sz="2400" dirty="0" smtClean="0"/>
               <a:t> repo.</a:t>
             </a:r>
             <a:endParaRPr lang="en-US" sz="2400" dirty="0"/>
@@ -15108,7 +15143,7 @@
           <a:lstStyle/>
           <a:p>
             <a:r>
-              <a:rPr lang="en-US" dirty="0" smtClean="0"/>
+              <a:rPr lang="en-US" smtClean="0"/>
               <a:t>III. Lab #1</a:t>
             </a:r>
             <a:endParaRPr lang="en-US" dirty="0"/>
@@ -15192,6 +15227,70 @@
           </a:prstGeom>
         </p:spPr>
       </p:pic>
+      <p:sp>
+        <p:nvSpPr>
+          <p:cNvPr id="3" name="Rectangle 2"/>
+          <p:cNvSpPr/>
+          <p:nvPr/>
+        </p:nvSpPr>
+        <p:spPr>
+          <a:xfrm>
+            <a:off x="762000" y="1047750"/>
+            <a:ext cx="7620000" cy="425629"/>
+          </a:xfrm>
+          <a:prstGeom prst="rect">
+            <a:avLst/>
+          </a:prstGeom>
+        </p:spPr>
+        <p:txBody>
+          <a:bodyPr wrap="square">
+            <a:spAutoFit/>
+          </a:bodyPr>
+          <a:lstStyle/>
+          <a:p>
+            <a:r>
+              <a:rPr lang="en-US" sz="2300" dirty="0">
+                <a:solidFill>
+                  <a:schemeClr val="tx1"/>
+                </a:solidFill>
+              </a:rPr>
+              <a:t>https://</a:t>
+            </a:r>
+            <a:r>
+              <a:rPr lang="en-US" sz="2300" dirty="0" err="1">
+                <a:solidFill>
+                  <a:schemeClr val="tx1"/>
+                </a:solidFill>
+              </a:rPr>
+              <a:t>github.com</a:t>
+            </a:r>
+            <a:r>
+              <a:rPr lang="en-US" sz="2300" dirty="0">
+                <a:solidFill>
+                  <a:schemeClr val="tx1"/>
+                </a:solidFill>
+              </a:rPr>
+              <a:t>/</a:t>
+            </a:r>
+            <a:r>
+              <a:rPr lang="en-US" sz="2300" dirty="0" err="1">
+                <a:solidFill>
+                  <a:schemeClr val="tx1"/>
+                </a:solidFill>
+              </a:rPr>
+              <a:t>boyarsky</a:t>
+            </a:r>
+            <a:r>
+              <a:rPr lang="en-US" sz="2300" dirty="0">
+                <a:solidFill>
+                  <a:schemeClr val="tx1"/>
+                </a:solidFill>
+              </a:rPr>
+              <a:t>/2019-oraclecodeone-cert-hol</a:t>
+            </a:r>
+          </a:p>
+        </p:txBody>
+      </p:sp>
     </p:spTree>
     <p:extLst>
       <p:ext uri="{BB962C8B-B14F-4D97-AF65-F5344CB8AC3E}">
@@ -15380,7 +15479,7 @@
         </p:blipFill>
         <p:spPr>
           <a:xfrm>
-            <a:off x="5562600" y="1581150"/>
+            <a:off x="5867400" y="1581150"/>
             <a:ext cx="2495550" cy="2495550"/>
           </a:xfrm>
           <a:prstGeom prst="rect">
@@ -15500,7 +15599,11 @@
             </a:pPr>
             <a:r>
               <a:rPr lang="en-US" dirty="0" smtClean="0"/>
-              <a:t>Underscore and letters valid</a:t>
+              <a:t>$, numbers, and </a:t>
+            </a:r>
+            <a:r>
+              <a:rPr lang="en-US" dirty="0" smtClean="0"/>
+              <a:t>letters valid</a:t>
             </a:r>
           </a:p>
           <a:p>
@@ -18074,6 +18177,40 @@
           </a:p>
         </p:txBody>
       </p:sp>
+      <p:sp>
+        <p:nvSpPr>
+          <p:cNvPr id="6" name="Slide Number Placeholder 3"/>
+          <p:cNvSpPr>
+            <a:spLocks noGrp="1"/>
+          </p:cNvSpPr>
+          <p:nvPr>
+            <p:ph type="sldNum" idx="10"/>
+          </p:nvPr>
+        </p:nvSpPr>
+        <p:spPr>
+          <a:xfrm>
+            <a:off x="6629400" y="4552955"/>
+            <a:ext cx="2122488" cy="347663"/>
+          </a:xfrm>
+        </p:spPr>
+        <p:txBody>
+          <a:bodyPr/>
+          <a:lstStyle/>
+          <a:p>
+            <a:pPr>
+              <a:defRPr/>
+            </a:pPr>
+            <a:fld id="{CD7AD745-8A3A-FF41-968A-5946F3DDC3E0}" type="slidenum">
+              <a:rPr lang="en-US" smtClean="0"/>
+              <a:pPr>
+                <a:defRPr/>
+              </a:pPr>
+              <a:t>35</a:t>
+            </a:fld>
+            <a:endParaRPr lang="en-US" dirty="0"/>
+          </a:p>
+        </p:txBody>
+      </p:sp>
     </p:spTree>
     <p:extLst>
       <p:ext uri="{BB962C8B-B14F-4D97-AF65-F5344CB8AC3E}">
@@ -18137,51 +18274,6 @@
                       </p:childTnLst>
                     </p:cTn>
                   </p:par>
-                  <p:par>
-                    <p:cTn id="7" fill="hold">
-                      <p:stCondLst>
-                        <p:cond delay="indefinite"/>
-                      </p:stCondLst>
-                      <p:childTnLst>
-                        <p:par>
-                          <p:cTn id="8" fill="hold">
-                            <p:stCondLst>
-                              <p:cond delay="0"/>
-                            </p:stCondLst>
-                            <p:childTnLst>
-                              <p:par>
-                                <p:cTn id="9" presetID="1" presetClass="entr" presetSubtype="0" fill="hold" grpId="1" nodeType="clickEffect">
-                                  <p:stCondLst>
-                                    <p:cond delay="0"/>
-                                  </p:stCondLst>
-                                  <p:childTnLst>
-                                    <p:set>
-                                      <p:cBhvr>
-                                        <p:cTn id="10" dur="1" fill="hold">
-                                          <p:stCondLst>
-                                            <p:cond delay="0"/>
-                                          </p:stCondLst>
-                                        </p:cTn>
-                                        <p:tgtEl>
-                                          <p:spTgt spid="4"/>
-                                        </p:tgtEl>
-                                        <p:attrNameLst>
-                                          <p:attrName>style.visibility</p:attrName>
-                                        </p:attrNameLst>
-                                      </p:cBhvr>
-                                      <p:to>
-                                        <p:strVal val="visible"/>
-                                      </p:to>
-                                    </p:set>
-                                  </p:childTnLst>
-                                </p:cTn>
-                              </p:par>
-                            </p:childTnLst>
-                          </p:cTn>
-                        </p:par>
-                      </p:childTnLst>
-                    </p:cTn>
-                  </p:par>
                 </p:childTnLst>
               </p:cTn>
               <p:prevCondLst>
@@ -18205,7 +18297,6 @@
     </p:tnLst>
     <p:bldLst>
       <p:bldP spid="4" grpId="0"/>
-      <p:bldP spid="4" grpId="1"/>
     </p:bldLst>
   </p:timing>
 </p:sld>
@@ -19529,8 +19620,17 @@
           <a:p>
             <a:r>
               <a:rPr lang="en-US" dirty="0" smtClean="0"/>
-              <a:t>How many identifiers could have independently been changed to _ in Java 10?</a:t>
-            </a:r>
+              <a:t>How many identifiers could have independently been changed to _ in Java </a:t>
+            </a:r>
+            <a:r>
+              <a:rPr lang="en-US" dirty="0"/>
+              <a:t>9</a:t>
+            </a:r>
+            <a:r>
+              <a:rPr lang="en-US" dirty="0" smtClean="0"/>
+              <a:t>?</a:t>
+            </a:r>
+            <a:endParaRPr lang="en-US" dirty="0" smtClean="0"/>
           </a:p>
           <a:p>
             <a:endParaRPr lang="en-US" sz="2400" dirty="0">
@@ -24953,6 +25053,40 @@
           </a:p>
         </p:txBody>
       </p:sp>
+      <p:sp>
+        <p:nvSpPr>
+          <p:cNvPr id="8" name="Slide Number Placeholder 3"/>
+          <p:cNvSpPr>
+            <a:spLocks noGrp="1"/>
+          </p:cNvSpPr>
+          <p:nvPr>
+            <p:ph type="sldNum" idx="10"/>
+          </p:nvPr>
+        </p:nvSpPr>
+        <p:spPr>
+          <a:xfrm>
+            <a:off x="6629400" y="4552950"/>
+            <a:ext cx="2122488" cy="347663"/>
+          </a:xfrm>
+        </p:spPr>
+        <p:txBody>
+          <a:bodyPr/>
+          <a:lstStyle/>
+          <a:p>
+            <a:pPr>
+              <a:defRPr/>
+            </a:pPr>
+            <a:fld id="{CD7AD745-8A3A-FF41-968A-5946F3DDC3E0}" type="slidenum">
+              <a:rPr lang="en-US" smtClean="0"/>
+              <a:pPr>
+                <a:defRPr/>
+              </a:pPr>
+              <a:t>52</a:t>
+            </a:fld>
+            <a:endParaRPr lang="en-US" dirty="0"/>
+          </a:p>
+        </p:txBody>
+      </p:sp>
     </p:spTree>
     <p:extLst>
       <p:ext uri="{BB962C8B-B14F-4D97-AF65-F5344CB8AC3E}">
@@ -25389,6 +25523,40 @@
           <a:lstStyle/>
           <a:p>
             <a:endParaRPr lang="en-US"/>
+          </a:p>
+        </p:txBody>
+      </p:sp>
+      <p:sp>
+        <p:nvSpPr>
+          <p:cNvPr id="8" name="Slide Number Placeholder 3"/>
+          <p:cNvSpPr>
+            <a:spLocks noGrp="1"/>
+          </p:cNvSpPr>
+          <p:nvPr>
+            <p:ph type="sldNum" idx="10"/>
+          </p:nvPr>
+        </p:nvSpPr>
+        <p:spPr>
+          <a:xfrm>
+            <a:off x="6629400" y="4552955"/>
+            <a:ext cx="2122488" cy="347663"/>
+          </a:xfrm>
+        </p:spPr>
+        <p:txBody>
+          <a:bodyPr/>
+          <a:lstStyle/>
+          <a:p>
+            <a:pPr>
+              <a:defRPr/>
+            </a:pPr>
+            <a:fld id="{CD7AD745-8A3A-FF41-968A-5946F3DDC3E0}" type="slidenum">
+              <a:rPr lang="en-US" smtClean="0"/>
+              <a:pPr>
+                <a:defRPr/>
+              </a:pPr>
+              <a:t>53</a:t>
+            </a:fld>
+            <a:endParaRPr lang="en-US" dirty="0"/>
           </a:p>
         </p:txBody>
       </p:sp>
@@ -25904,6 +26072,40 @@
           </a:p>
         </p:txBody>
       </p:sp>
+      <p:sp>
+        <p:nvSpPr>
+          <p:cNvPr id="5" name="Slide Number Placeholder 3"/>
+          <p:cNvSpPr>
+            <a:spLocks noGrp="1"/>
+          </p:cNvSpPr>
+          <p:nvPr>
+            <p:ph type="sldNum" idx="10"/>
+          </p:nvPr>
+        </p:nvSpPr>
+        <p:spPr>
+          <a:xfrm>
+            <a:off x="6629400" y="4552955"/>
+            <a:ext cx="2122488" cy="347663"/>
+          </a:xfrm>
+        </p:spPr>
+        <p:txBody>
+          <a:bodyPr/>
+          <a:lstStyle/>
+          <a:p>
+            <a:pPr>
+              <a:defRPr/>
+            </a:pPr>
+            <a:fld id="{CD7AD745-8A3A-FF41-968A-5946F3DDC3E0}" type="slidenum">
+              <a:rPr lang="en-US" smtClean="0"/>
+              <a:pPr>
+                <a:defRPr/>
+              </a:pPr>
+              <a:t>54</a:t>
+            </a:fld>
+            <a:endParaRPr lang="en-US" dirty="0"/>
+          </a:p>
+        </p:txBody>
+      </p:sp>
     </p:spTree>
     <p:extLst>
       <p:ext uri="{BB962C8B-B14F-4D97-AF65-F5344CB8AC3E}">
@@ -26401,6 +26603,40 @@
           </a:p>
         </p:txBody>
       </p:sp>
+      <p:sp>
+        <p:nvSpPr>
+          <p:cNvPr id="5" name="Slide Number Placeholder 3"/>
+          <p:cNvSpPr>
+            <a:spLocks noGrp="1"/>
+          </p:cNvSpPr>
+          <p:nvPr>
+            <p:ph type="sldNum" idx="10"/>
+          </p:nvPr>
+        </p:nvSpPr>
+        <p:spPr>
+          <a:xfrm>
+            <a:off x="6629400" y="4552955"/>
+            <a:ext cx="2122488" cy="347663"/>
+          </a:xfrm>
+        </p:spPr>
+        <p:txBody>
+          <a:bodyPr/>
+          <a:lstStyle/>
+          <a:p>
+            <a:pPr>
+              <a:defRPr/>
+            </a:pPr>
+            <a:fld id="{CD7AD745-8A3A-FF41-968A-5946F3DDC3E0}" type="slidenum">
+              <a:rPr lang="en-US" smtClean="0"/>
+              <a:pPr>
+                <a:defRPr/>
+              </a:pPr>
+              <a:t>55</a:t>
+            </a:fld>
+            <a:endParaRPr lang="en-US" dirty="0"/>
+          </a:p>
+        </p:txBody>
+      </p:sp>
     </p:spTree>
     <p:extLst>
       <p:ext uri="{BB962C8B-B14F-4D97-AF65-F5344CB8AC3E}">
@@ -26854,6 +27090,40 @@
                 <a:srgbClr val="000000"/>
               </a:solidFill>
             </a:endParaRPr>
+          </a:p>
+        </p:txBody>
+      </p:sp>
+      <p:sp>
+        <p:nvSpPr>
+          <p:cNvPr id="5" name="Slide Number Placeholder 3"/>
+          <p:cNvSpPr>
+            <a:spLocks noGrp="1"/>
+          </p:cNvSpPr>
+          <p:nvPr>
+            <p:ph type="sldNum" idx="10"/>
+          </p:nvPr>
+        </p:nvSpPr>
+        <p:spPr>
+          <a:xfrm>
+            <a:off x="6629400" y="4552955"/>
+            <a:ext cx="2122488" cy="347663"/>
+          </a:xfrm>
+        </p:spPr>
+        <p:txBody>
+          <a:bodyPr/>
+          <a:lstStyle/>
+          <a:p>
+            <a:pPr>
+              <a:defRPr/>
+            </a:pPr>
+            <a:fld id="{CD7AD745-8A3A-FF41-968A-5946F3DDC3E0}" type="slidenum">
+              <a:rPr lang="en-US" smtClean="0"/>
+              <a:pPr>
+                <a:defRPr/>
+              </a:pPr>
+              <a:t>56</a:t>
+            </a:fld>
+            <a:endParaRPr lang="en-US" dirty="0"/>
           </a:p>
         </p:txBody>
       </p:sp>
@@ -27349,6 +27619,40 @@
               </a:rPr>
               <a:t> aren’t always opposites. </a:t>
             </a:r>
+          </a:p>
+        </p:txBody>
+      </p:sp>
+      <p:sp>
+        <p:nvSpPr>
+          <p:cNvPr id="5" name="Slide Number Placeholder 3"/>
+          <p:cNvSpPr>
+            <a:spLocks noGrp="1"/>
+          </p:cNvSpPr>
+          <p:nvPr>
+            <p:ph type="sldNum" idx="10"/>
+          </p:nvPr>
+        </p:nvSpPr>
+        <p:spPr>
+          <a:xfrm>
+            <a:off x="6629400" y="4552955"/>
+            <a:ext cx="2122488" cy="347663"/>
+          </a:xfrm>
+        </p:spPr>
+        <p:txBody>
+          <a:bodyPr/>
+          <a:lstStyle/>
+          <a:p>
+            <a:pPr>
+              <a:defRPr/>
+            </a:pPr>
+            <a:fld id="{CD7AD745-8A3A-FF41-968A-5946F3DDC3E0}" type="slidenum">
+              <a:rPr lang="en-US" smtClean="0"/>
+              <a:pPr>
+                <a:defRPr/>
+              </a:pPr>
+              <a:t>57</a:t>
+            </a:fld>
+            <a:endParaRPr lang="en-US" dirty="0"/>
           </a:p>
         </p:txBody>
       </p:sp>

--- a/2019-OracleCodeOne-HOL.pptx
+++ b/2019-OracleCodeOne-HOL.pptx
@@ -433,7 +433,7 @@
               <a:pPr>
                 <a:defRPr/>
               </a:pPr>
-              <a:t>9/11/19</a:t>
+              <a:t>9/21/19</a:t>
             </a:fld>
             <a:endParaRPr lang="en-US"/>
           </a:p>
@@ -1704,9 +1704,14 @@
           <a:lstStyle/>
           <a:p>
             <a:r>
-              <a:rPr lang="en-US" dirty="0" smtClean="0"/>
-              <a:t>B,C,D</a:t>
-            </a:r>
+              <a:rPr lang="en-US" smtClean="0"/>
+              <a:t>B</a:t>
+            </a:r>
+            <a:r>
+              <a:rPr lang="en-US" smtClean="0"/>
+              <a:t>,C</a:t>
+            </a:r>
+            <a:endParaRPr lang="en-US" dirty="0" smtClean="0"/>
           </a:p>
         </p:txBody>
       </p:sp>
@@ -12122,7 +12127,6 @@
               <a:rPr lang="en-US" dirty="0" smtClean="0"/>
               <a:t> {</a:t>
             </a:r>
-            <a:endParaRPr lang="en-US" dirty="0" smtClean="0"/>
           </a:p>
           <a:p>
             <a:pPr marL="0" indent="0"/>
@@ -14381,42 +14385,38 @@
             </a:pPr>
             <a:r>
               <a:rPr lang="en-US" dirty="0" smtClean="0"/>
-              <a:t>It cannot have a public modifier</a:t>
-            </a:r>
-          </a:p>
-          <a:p>
-            <a:pPr marL="514100" indent="-514100">
-              <a:buFont typeface="+mj-lt"/>
-              <a:buAutoNum type="alphaUcPeriod"/>
-            </a:pPr>
+              <a:t>It cannot have a public </a:t>
+            </a:r>
             <a:r>
               <a:rPr lang="en-US" dirty="0" smtClean="0"/>
-              <a:t>It is required to be in a module</a:t>
-            </a:r>
-          </a:p>
-          <a:p>
-            <a:pPr marL="514100" indent="-514100">
-              <a:buFont typeface="+mj-lt"/>
-              <a:buAutoNum type="alphaUcPeriod"/>
-            </a:pPr>
+              <a:t>modifier</a:t>
+            </a:r>
+            <a:endParaRPr lang="en-US" dirty="0" smtClean="0"/>
+          </a:p>
+          <a:p>
+            <a:pPr marL="0" indent="0"/>
+            <a:r>
+              <a:rPr lang="en-US" smtClean="0"/>
+              <a:t>C.  It </a:t>
+            </a:r>
             <a:r>
               <a:rPr lang="en-US" dirty="0" smtClean="0"/>
-              <a:t>It appears at the root of the module</a:t>
+              <a:t>appears at the root of the module</a:t>
             </a:r>
           </a:p>
           <a:p>
             <a:pPr marL="0" indent="0"/>
             <a:r>
+              <a:rPr lang="en-US" dirty="0"/>
+              <a:t>D</a:t>
+            </a:r>
+            <a:r>
               <a:rPr lang="en-US" dirty="0" smtClean="0"/>
-              <a:t>E.	 </a:t>
+              <a:t>.</a:t>
             </a:r>
             <a:r>
               <a:rPr lang="en-US" dirty="0" smtClean="0"/>
-              <a:t>Its </a:t>
-            </a:r>
-            <a:r>
-              <a:rPr lang="en-US" dirty="0" smtClean="0"/>
-              <a:t>name is </a:t>
+              <a:t>	 Its name is </a:t>
             </a:r>
             <a:r>
               <a:rPr lang="en-US" dirty="0" err="1" smtClean="0"/>
@@ -15599,11 +15599,7 @@
             </a:pPr>
             <a:r>
               <a:rPr lang="en-US" dirty="0" smtClean="0"/>
-              <a:t>$, numbers, and </a:t>
-            </a:r>
-            <a:r>
-              <a:rPr lang="en-US" dirty="0" smtClean="0"/>
-              <a:t>letters valid</a:t>
+              <a:t>$, numbers, and letters valid</a:t>
             </a:r>
           </a:p>
           <a:p>
@@ -19630,7 +19626,6 @@
               <a:rPr lang="en-US" dirty="0" smtClean="0"/>
               <a:t>?</a:t>
             </a:r>
-            <a:endParaRPr lang="en-US" dirty="0" smtClean="0"/>
           </a:p>
           <a:p>
             <a:endParaRPr lang="en-US" sz="2400" dirty="0">
